--- a/Slides/Day_1.pptx
+++ b/Slides/Day_1.pptx
@@ -5,58 +5,64 @@
     <p:sldMasterId id="2147483648" r:id="rId1"/>
   </p:sldMasterIdLst>
   <p:notesMasterIdLst>
-    <p:notesMasterId r:id="rId51"/>
+    <p:notesMasterId r:id="rId57"/>
   </p:notesMasterIdLst>
   <p:sldIdLst>
-    <p:sldId id="260" r:id="rId2"/>
-    <p:sldId id="261" r:id="rId3"/>
-    <p:sldId id="265" r:id="rId4"/>
-    <p:sldId id="297" r:id="rId5"/>
-    <p:sldId id="298" r:id="rId6"/>
-    <p:sldId id="299" r:id="rId7"/>
-    <p:sldId id="300" r:id="rId8"/>
-    <p:sldId id="301" r:id="rId9"/>
+    <p:sldId id="310" r:id="rId2"/>
+    <p:sldId id="311" r:id="rId3"/>
+    <p:sldId id="312" r:id="rId4"/>
+    <p:sldId id="313" r:id="rId5"/>
+    <p:sldId id="314" r:id="rId6"/>
+    <p:sldId id="315" r:id="rId7"/>
+    <p:sldId id="261" r:id="rId8"/>
+    <p:sldId id="260" r:id="rId9"/>
     <p:sldId id="303" r:id="rId10"/>
     <p:sldId id="304" r:id="rId11"/>
-    <p:sldId id="305" r:id="rId12"/>
-    <p:sldId id="306" r:id="rId13"/>
-    <p:sldId id="307" r:id="rId14"/>
-    <p:sldId id="308" r:id="rId15"/>
-    <p:sldId id="309" r:id="rId16"/>
-    <p:sldId id="302" r:id="rId17"/>
-    <p:sldId id="262" r:id="rId18"/>
-    <p:sldId id="264" r:id="rId19"/>
-    <p:sldId id="266" r:id="rId20"/>
-    <p:sldId id="267" r:id="rId21"/>
-    <p:sldId id="268" r:id="rId22"/>
-    <p:sldId id="269" r:id="rId23"/>
-    <p:sldId id="270" r:id="rId24"/>
-    <p:sldId id="271" r:id="rId25"/>
-    <p:sldId id="272" r:id="rId26"/>
-    <p:sldId id="273" r:id="rId27"/>
-    <p:sldId id="274" r:id="rId28"/>
-    <p:sldId id="275" r:id="rId29"/>
-    <p:sldId id="276" r:id="rId30"/>
-    <p:sldId id="277" r:id="rId31"/>
-    <p:sldId id="278" r:id="rId32"/>
-    <p:sldId id="279" r:id="rId33"/>
-    <p:sldId id="280" r:id="rId34"/>
-    <p:sldId id="281" r:id="rId35"/>
-    <p:sldId id="282" r:id="rId36"/>
-    <p:sldId id="283" r:id="rId37"/>
-    <p:sldId id="284" r:id="rId38"/>
-    <p:sldId id="285" r:id="rId39"/>
-    <p:sldId id="286" r:id="rId40"/>
-    <p:sldId id="287" r:id="rId41"/>
-    <p:sldId id="288" r:id="rId42"/>
-    <p:sldId id="289" r:id="rId43"/>
-    <p:sldId id="290" r:id="rId44"/>
-    <p:sldId id="291" r:id="rId45"/>
-    <p:sldId id="292" r:id="rId46"/>
-    <p:sldId id="293" r:id="rId47"/>
-    <p:sldId id="294" r:id="rId48"/>
-    <p:sldId id="295" r:id="rId49"/>
-    <p:sldId id="296" r:id="rId50"/>
+    <p:sldId id="300" r:id="rId12"/>
+    <p:sldId id="299" r:id="rId13"/>
+    <p:sldId id="267" r:id="rId14"/>
+    <p:sldId id="265" r:id="rId15"/>
+    <p:sldId id="297" r:id="rId16"/>
+    <p:sldId id="298" r:id="rId17"/>
+    <p:sldId id="301" r:id="rId18"/>
+    <p:sldId id="307" r:id="rId19"/>
+    <p:sldId id="308" r:id="rId20"/>
+    <p:sldId id="305" r:id="rId21"/>
+    <p:sldId id="262" r:id="rId22"/>
+    <p:sldId id="306" r:id="rId23"/>
+    <p:sldId id="309" r:id="rId24"/>
+    <p:sldId id="302" r:id="rId25"/>
+    <p:sldId id="264" r:id="rId26"/>
+    <p:sldId id="266" r:id="rId27"/>
+    <p:sldId id="268" r:id="rId28"/>
+    <p:sldId id="269" r:id="rId29"/>
+    <p:sldId id="270" r:id="rId30"/>
+    <p:sldId id="271" r:id="rId31"/>
+    <p:sldId id="272" r:id="rId32"/>
+    <p:sldId id="273" r:id="rId33"/>
+    <p:sldId id="274" r:id="rId34"/>
+    <p:sldId id="275" r:id="rId35"/>
+    <p:sldId id="276" r:id="rId36"/>
+    <p:sldId id="277" r:id="rId37"/>
+    <p:sldId id="278" r:id="rId38"/>
+    <p:sldId id="279" r:id="rId39"/>
+    <p:sldId id="280" r:id="rId40"/>
+    <p:sldId id="281" r:id="rId41"/>
+    <p:sldId id="282" r:id="rId42"/>
+    <p:sldId id="283" r:id="rId43"/>
+    <p:sldId id="284" r:id="rId44"/>
+    <p:sldId id="285" r:id="rId45"/>
+    <p:sldId id="286" r:id="rId46"/>
+    <p:sldId id="287" r:id="rId47"/>
+    <p:sldId id="288" r:id="rId48"/>
+    <p:sldId id="289" r:id="rId49"/>
+    <p:sldId id="290" r:id="rId50"/>
+    <p:sldId id="291" r:id="rId51"/>
+    <p:sldId id="292" r:id="rId52"/>
+    <p:sldId id="293" r:id="rId53"/>
+    <p:sldId id="294" r:id="rId54"/>
+    <p:sldId id="295" r:id="rId55"/>
+    <p:sldId id="296" r:id="rId56"/>
   </p:sldIdLst>
   <p:sldSz cx="12192000" cy="6858000"/>
   <p:notesSz cx="6858000" cy="9144000"/>
@@ -587,7 +593,7 @@
     </p:spTree>
     <p:extLst>
       <p:ext uri="{BB962C8B-B14F-4D97-AF65-F5344CB8AC3E}">
-        <p14:creationId xmlns:p14="http://schemas.microsoft.com/office/powerpoint/2010/main" val="988257332"/>
+        <p14:creationId xmlns:p14="http://schemas.microsoft.com/office/powerpoint/2010/main" val="1002700286"/>
       </p:ext>
     </p:extLst>
   </p:cSld>
@@ -761,7 +767,7 @@
     </p:spTree>
     <p:extLst>
       <p:ext uri="{BB962C8B-B14F-4D97-AF65-F5344CB8AC3E}">
-        <p14:creationId xmlns:p14="http://schemas.microsoft.com/office/powerpoint/2010/main" val="1018827491"/>
+        <p14:creationId xmlns:p14="http://schemas.microsoft.com/office/powerpoint/2010/main" val="1486061241"/>
       </p:ext>
     </p:extLst>
   </p:cSld>
@@ -848,7 +854,7 @@
     </p:spTree>
     <p:extLst>
       <p:ext uri="{BB962C8B-B14F-4D97-AF65-F5344CB8AC3E}">
-        <p14:creationId xmlns:p14="http://schemas.microsoft.com/office/powerpoint/2010/main" val="1429347101"/>
+        <p14:creationId xmlns:p14="http://schemas.microsoft.com/office/powerpoint/2010/main" val="701001446"/>
       </p:ext>
     </p:extLst>
   </p:cSld>
@@ -935,7 +941,7 @@
     </p:spTree>
     <p:extLst>
       <p:ext uri="{BB962C8B-B14F-4D97-AF65-F5344CB8AC3E}">
-        <p14:creationId xmlns:p14="http://schemas.microsoft.com/office/powerpoint/2010/main" val="331543217"/>
+        <p14:creationId xmlns:p14="http://schemas.microsoft.com/office/powerpoint/2010/main" val="959838063"/>
       </p:ext>
     </p:extLst>
   </p:cSld>
@@ -1022,7 +1028,7 @@
     </p:spTree>
     <p:extLst>
       <p:ext uri="{BB962C8B-B14F-4D97-AF65-F5344CB8AC3E}">
-        <p14:creationId xmlns:p14="http://schemas.microsoft.com/office/powerpoint/2010/main" val="940704766"/>
+        <p14:creationId xmlns:p14="http://schemas.microsoft.com/office/powerpoint/2010/main" val="1805031221"/>
       </p:ext>
     </p:extLst>
   </p:cSld>
@@ -1109,7 +1115,7 @@
     </p:spTree>
     <p:extLst>
       <p:ext uri="{BB962C8B-B14F-4D97-AF65-F5344CB8AC3E}">
-        <p14:creationId xmlns:p14="http://schemas.microsoft.com/office/powerpoint/2010/main" val="462513806"/>
+        <p14:creationId xmlns:p14="http://schemas.microsoft.com/office/powerpoint/2010/main" val="1925452891"/>
       </p:ext>
     </p:extLst>
   </p:cSld>
@@ -1196,7 +1202,7 @@
     </p:spTree>
     <p:extLst>
       <p:ext uri="{BB962C8B-B14F-4D97-AF65-F5344CB8AC3E}">
-        <p14:creationId xmlns:p14="http://schemas.microsoft.com/office/powerpoint/2010/main" val="496014530"/>
+        <p14:creationId xmlns:p14="http://schemas.microsoft.com/office/powerpoint/2010/main" val="979263201"/>
       </p:ext>
     </p:extLst>
   </p:cSld>
@@ -1250,7 +1256,10 @@
           <a:bodyPr/>
           <a:lstStyle/>
           <a:p>
-            <a:endParaRPr lang="en-US" dirty="0"/>
+            <a:r>
+              <a:rPr lang="en-US" baseline="0" dirty="0" smtClean="0"/>
+              <a:t>This is not an option.</a:t>
+            </a:r>
           </a:p>
         </p:txBody>
       </p:sp>
@@ -1280,7 +1289,7 @@
     </p:spTree>
     <p:extLst>
       <p:ext uri="{BB962C8B-B14F-4D97-AF65-F5344CB8AC3E}">
-        <p14:creationId xmlns:p14="http://schemas.microsoft.com/office/powerpoint/2010/main" val="1463308653"/>
+        <p14:creationId xmlns:p14="http://schemas.microsoft.com/office/powerpoint/2010/main" val="1474094433"/>
       </p:ext>
     </p:extLst>
   </p:cSld>
@@ -1334,7 +1343,10 @@
           <a:bodyPr/>
           <a:lstStyle/>
           <a:p>
-            <a:endParaRPr lang="en-US" dirty="0"/>
+            <a:r>
+              <a:rPr lang="en-US" baseline="0" dirty="0" smtClean="0"/>
+              <a:t>This is not an option.</a:t>
+            </a:r>
           </a:p>
         </p:txBody>
       </p:sp>
@@ -1364,7 +1376,7 @@
     </p:spTree>
     <p:extLst>
       <p:ext uri="{BB962C8B-B14F-4D97-AF65-F5344CB8AC3E}">
-        <p14:creationId xmlns:p14="http://schemas.microsoft.com/office/powerpoint/2010/main" val="391107330"/>
+        <p14:creationId xmlns:p14="http://schemas.microsoft.com/office/powerpoint/2010/main" val="331543217"/>
       </p:ext>
     </p:extLst>
   </p:cSld>
@@ -1418,7 +1430,10 @@
           <a:bodyPr/>
           <a:lstStyle/>
           <a:p>
-            <a:endParaRPr lang="en-US" dirty="0"/>
+            <a:r>
+              <a:rPr lang="en-US" baseline="0" dirty="0" smtClean="0"/>
+              <a:t>This is not an option.</a:t>
+            </a:r>
           </a:p>
         </p:txBody>
       </p:sp>
@@ -1448,7 +1463,7 @@
     </p:spTree>
     <p:extLst>
       <p:ext uri="{BB962C8B-B14F-4D97-AF65-F5344CB8AC3E}">
-        <p14:creationId xmlns:p14="http://schemas.microsoft.com/office/powerpoint/2010/main" val="729497371"/>
+        <p14:creationId xmlns:p14="http://schemas.microsoft.com/office/powerpoint/2010/main" val="940704766"/>
       </p:ext>
     </p:extLst>
   </p:cSld>
@@ -1502,10 +1517,7 @@
           <a:bodyPr/>
           <a:lstStyle/>
           <a:p>
-            <a:r>
-              <a:rPr lang="en-US" baseline="0" dirty="0" smtClean="0"/>
-              <a:t>This is not an option.</a:t>
-            </a:r>
+            <a:endParaRPr lang="en-US" dirty="0"/>
           </a:p>
         </p:txBody>
       </p:sp>
@@ -1535,7 +1547,7 @@
     </p:spTree>
     <p:extLst>
       <p:ext uri="{BB962C8B-B14F-4D97-AF65-F5344CB8AC3E}">
-        <p14:creationId xmlns:p14="http://schemas.microsoft.com/office/powerpoint/2010/main" val="333269985"/>
+        <p14:creationId xmlns:p14="http://schemas.microsoft.com/office/powerpoint/2010/main" val="1391441302"/>
       </p:ext>
     </p:extLst>
   </p:cSld>
@@ -1622,7 +1634,7 @@
     </p:spTree>
     <p:extLst>
       <p:ext uri="{BB962C8B-B14F-4D97-AF65-F5344CB8AC3E}">
-        <p14:creationId xmlns:p14="http://schemas.microsoft.com/office/powerpoint/2010/main" val="959838063"/>
+        <p14:creationId xmlns:p14="http://schemas.microsoft.com/office/powerpoint/2010/main" val="1018827491"/>
       </p:ext>
     </p:extLst>
   </p:cSld>
@@ -1676,7 +1688,82 @@
           <a:bodyPr/>
           <a:lstStyle/>
           <a:p>
-            <a:endParaRPr lang="en-US" dirty="0"/>
+            <a:pPr marL="171450" indent="-171450">
+              <a:buFontTx/>
+              <a:buChar char="-"/>
+            </a:pPr>
+            <a:r>
+              <a:rPr lang="en-US" sz="1200" dirty="0" smtClean="0">
+                <a:solidFill>
+                  <a:schemeClr val="bg2">
+                    <a:lumMod val="25000"/>
+                  </a:schemeClr>
+                </a:solidFill>
+              </a:rPr>
+              <a:t>(i.e., the range of possible "loudness" levels). Each sample in a 16-bit audio file has 2^16 or 65,536 possible values.</a:t>
+            </a:r>
+          </a:p>
+          <a:p>
+            <a:pPr marL="171450" marR="0" indent="-171450" algn="l" defTabSz="914400" rtl="0" eaLnBrk="1" fontAlgn="auto" latinLnBrk="0" hangingPunct="1">
+              <a:lnSpc>
+                <a:spcPct val="100000"/>
+              </a:lnSpc>
+              <a:spcBef>
+                <a:spcPts val="0"/>
+              </a:spcBef>
+              <a:spcAft>
+                <a:spcPts val="0"/>
+              </a:spcAft>
+              <a:buClrTx/>
+              <a:buSzTx/>
+              <a:buFontTx/>
+              <a:buChar char="-"/>
+              <a:tabLst/>
+              <a:defRPr/>
+            </a:pPr>
+            <a:r>
+              <a:rPr lang="en-US" sz="1200" dirty="0" smtClean="0">
+                <a:solidFill>
+                  <a:schemeClr val="bg2">
+                    <a:lumMod val="25000"/>
+                  </a:schemeClr>
+                </a:solidFill>
+              </a:rPr>
+              <a:t>CD-quality audio has a bit rate of 1,411.2 </a:t>
+            </a:r>
+            <a:r>
+              <a:rPr lang="en-US" sz="1200" dirty="0" err="1" smtClean="0">
+                <a:solidFill>
+                  <a:schemeClr val="bg2">
+                    <a:lumMod val="25000"/>
+                  </a:schemeClr>
+                </a:solidFill>
+              </a:rPr>
+              <a:t>kbit</a:t>
+            </a:r>
+            <a:r>
+              <a:rPr lang="en-US" sz="1200" dirty="0" smtClean="0">
+                <a:solidFill>
+                  <a:schemeClr val="bg2">
+                    <a:lumMod val="25000"/>
+                  </a:schemeClr>
+                </a:solidFill>
+              </a:rPr>
+              <a:t>/second.</a:t>
+            </a:r>
+          </a:p>
+          <a:p>
+            <a:pPr marL="171450" indent="-171450">
+              <a:buFontTx/>
+              <a:buChar char="-"/>
+            </a:pPr>
+            <a:endParaRPr lang="en-US" sz="1200" dirty="0" smtClean="0">
+              <a:solidFill>
+                <a:schemeClr val="bg2">
+                  <a:lumMod val="25000"/>
+                </a:schemeClr>
+              </a:solidFill>
+            </a:endParaRPr>
           </a:p>
         </p:txBody>
       </p:sp>
@@ -1706,7 +1793,7 @@
     </p:spTree>
     <p:extLst>
       <p:ext uri="{BB962C8B-B14F-4D97-AF65-F5344CB8AC3E}">
-        <p14:creationId xmlns:p14="http://schemas.microsoft.com/office/powerpoint/2010/main" val="1680708862"/>
+        <p14:creationId xmlns:p14="http://schemas.microsoft.com/office/powerpoint/2010/main" val="1463308653"/>
       </p:ext>
     </p:extLst>
   </p:cSld>
@@ -1793,7 +1880,7 @@
     </p:spTree>
     <p:extLst>
       <p:ext uri="{BB962C8B-B14F-4D97-AF65-F5344CB8AC3E}">
-        <p14:creationId xmlns:p14="http://schemas.microsoft.com/office/powerpoint/2010/main" val="603894569"/>
+        <p14:creationId xmlns:p14="http://schemas.microsoft.com/office/powerpoint/2010/main" val="1429347101"/>
       </p:ext>
     </p:extLst>
   </p:cSld>
@@ -1847,7 +1934,10 @@
           <a:bodyPr/>
           <a:lstStyle/>
           <a:p>
-            <a:endParaRPr lang="en-US" dirty="0"/>
+            <a:r>
+              <a:rPr lang="en-US" baseline="0" dirty="0" smtClean="0"/>
+              <a:t>This is not an option.</a:t>
+            </a:r>
           </a:p>
         </p:txBody>
       </p:sp>
@@ -1877,7 +1967,7 @@
     </p:spTree>
     <p:extLst>
       <p:ext uri="{BB962C8B-B14F-4D97-AF65-F5344CB8AC3E}">
-        <p14:creationId xmlns:p14="http://schemas.microsoft.com/office/powerpoint/2010/main" val="1885341796"/>
+        <p14:creationId xmlns:p14="http://schemas.microsoft.com/office/powerpoint/2010/main" val="462513806"/>
       </p:ext>
     </p:extLst>
   </p:cSld>
@@ -1964,7 +2054,7 @@
     </p:spTree>
     <p:extLst>
       <p:ext uri="{BB962C8B-B14F-4D97-AF65-F5344CB8AC3E}">
-        <p14:creationId xmlns:p14="http://schemas.microsoft.com/office/powerpoint/2010/main" val="979666607"/>
+        <p14:creationId xmlns:p14="http://schemas.microsoft.com/office/powerpoint/2010/main" val="496014530"/>
       </p:ext>
     </p:extLst>
   </p:cSld>
@@ -2048,7 +2138,7 @@
     </p:spTree>
     <p:extLst>
       <p:ext uri="{BB962C8B-B14F-4D97-AF65-F5344CB8AC3E}">
-        <p14:creationId xmlns:p14="http://schemas.microsoft.com/office/powerpoint/2010/main" val="1293859977"/>
+        <p14:creationId xmlns:p14="http://schemas.microsoft.com/office/powerpoint/2010/main" val="391107330"/>
       </p:ext>
     </p:extLst>
   </p:cSld>
@@ -2102,10 +2192,7 @@
           <a:bodyPr/>
           <a:lstStyle/>
           <a:p>
-            <a:r>
-              <a:rPr lang="en-US" baseline="0" dirty="0" smtClean="0"/>
-              <a:t>This is not an option.</a:t>
-            </a:r>
+            <a:endParaRPr lang="en-US" dirty="0"/>
           </a:p>
         </p:txBody>
       </p:sp>
@@ -2135,7 +2222,7 @@
     </p:spTree>
     <p:extLst>
       <p:ext uri="{BB962C8B-B14F-4D97-AF65-F5344CB8AC3E}">
-        <p14:creationId xmlns:p14="http://schemas.microsoft.com/office/powerpoint/2010/main" val="1710134173"/>
+        <p14:creationId xmlns:p14="http://schemas.microsoft.com/office/powerpoint/2010/main" val="729497371"/>
       </p:ext>
     </p:extLst>
   </p:cSld>
@@ -2219,7 +2306,7 @@
     </p:spTree>
     <p:extLst>
       <p:ext uri="{BB962C8B-B14F-4D97-AF65-F5344CB8AC3E}">
-        <p14:creationId xmlns:p14="http://schemas.microsoft.com/office/powerpoint/2010/main" val="1169224975"/>
+        <p14:creationId xmlns:p14="http://schemas.microsoft.com/office/powerpoint/2010/main" val="1680708862"/>
       </p:ext>
     </p:extLst>
   </p:cSld>
@@ -2306,7 +2393,7 @@
     </p:spTree>
     <p:extLst>
       <p:ext uri="{BB962C8B-B14F-4D97-AF65-F5344CB8AC3E}">
-        <p14:creationId xmlns:p14="http://schemas.microsoft.com/office/powerpoint/2010/main" val="2047313564"/>
+        <p14:creationId xmlns:p14="http://schemas.microsoft.com/office/powerpoint/2010/main" val="603894569"/>
       </p:ext>
     </p:extLst>
   </p:cSld>
@@ -2390,7 +2477,7 @@
     </p:spTree>
     <p:extLst>
       <p:ext uri="{BB962C8B-B14F-4D97-AF65-F5344CB8AC3E}">
-        <p14:creationId xmlns:p14="http://schemas.microsoft.com/office/powerpoint/2010/main" val="1812610677"/>
+        <p14:creationId xmlns:p14="http://schemas.microsoft.com/office/powerpoint/2010/main" val="1885341796"/>
       </p:ext>
     </p:extLst>
   </p:cSld>
@@ -2444,10 +2531,7 @@
           <a:bodyPr/>
           <a:lstStyle/>
           <a:p>
-            <a:r>
-              <a:rPr lang="en-US" baseline="0" dirty="0" smtClean="0"/>
-              <a:t>This is not an option.</a:t>
-            </a:r>
+            <a:endParaRPr lang="en-US" dirty="0"/>
           </a:p>
         </p:txBody>
       </p:sp>
@@ -2477,7 +2561,7 @@
     </p:spTree>
     <p:extLst>
       <p:ext uri="{BB962C8B-B14F-4D97-AF65-F5344CB8AC3E}">
-        <p14:creationId xmlns:p14="http://schemas.microsoft.com/office/powerpoint/2010/main" val="1805031221"/>
+        <p14:creationId xmlns:p14="http://schemas.microsoft.com/office/powerpoint/2010/main" val="570101111"/>
       </p:ext>
     </p:extLst>
   </p:cSld>
@@ -2564,7 +2648,7 @@
     </p:spTree>
     <p:extLst>
       <p:ext uri="{BB962C8B-B14F-4D97-AF65-F5344CB8AC3E}">
-        <p14:creationId xmlns:p14="http://schemas.microsoft.com/office/powerpoint/2010/main" val="466577620"/>
+        <p14:creationId xmlns:p14="http://schemas.microsoft.com/office/powerpoint/2010/main" val="979666607"/>
       </p:ext>
     </p:extLst>
   </p:cSld>
@@ -2648,7 +2732,7 @@
     </p:spTree>
     <p:extLst>
       <p:ext uri="{BB962C8B-B14F-4D97-AF65-F5344CB8AC3E}">
-        <p14:creationId xmlns:p14="http://schemas.microsoft.com/office/powerpoint/2010/main" val="283258944"/>
+        <p14:creationId xmlns:p14="http://schemas.microsoft.com/office/powerpoint/2010/main" val="1293859977"/>
       </p:ext>
     </p:extLst>
   </p:cSld>
@@ -2735,7 +2819,7 @@
     </p:spTree>
     <p:extLst>
       <p:ext uri="{BB962C8B-B14F-4D97-AF65-F5344CB8AC3E}">
-        <p14:creationId xmlns:p14="http://schemas.microsoft.com/office/powerpoint/2010/main" val="2073457718"/>
+        <p14:creationId xmlns:p14="http://schemas.microsoft.com/office/powerpoint/2010/main" val="1710134173"/>
       </p:ext>
     </p:extLst>
   </p:cSld>
@@ -2819,7 +2903,7 @@
     </p:spTree>
     <p:extLst>
       <p:ext uri="{BB962C8B-B14F-4D97-AF65-F5344CB8AC3E}">
-        <p14:creationId xmlns:p14="http://schemas.microsoft.com/office/powerpoint/2010/main" val="73222608"/>
+        <p14:creationId xmlns:p14="http://schemas.microsoft.com/office/powerpoint/2010/main" val="1169224975"/>
       </p:ext>
     </p:extLst>
   </p:cSld>
@@ -2906,7 +2990,7 @@
     </p:spTree>
     <p:extLst>
       <p:ext uri="{BB962C8B-B14F-4D97-AF65-F5344CB8AC3E}">
-        <p14:creationId xmlns:p14="http://schemas.microsoft.com/office/powerpoint/2010/main" val="1929286659"/>
+        <p14:creationId xmlns:p14="http://schemas.microsoft.com/office/powerpoint/2010/main" val="2047313564"/>
       </p:ext>
     </p:extLst>
   </p:cSld>
@@ -2990,7 +3074,7 @@
     </p:spTree>
     <p:extLst>
       <p:ext uri="{BB962C8B-B14F-4D97-AF65-F5344CB8AC3E}">
-        <p14:creationId xmlns:p14="http://schemas.microsoft.com/office/powerpoint/2010/main" val="1758744038"/>
+        <p14:creationId xmlns:p14="http://schemas.microsoft.com/office/powerpoint/2010/main" val="1812610677"/>
       </p:ext>
     </p:extLst>
   </p:cSld>
@@ -3077,7 +3161,7 @@
     </p:spTree>
     <p:extLst>
       <p:ext uri="{BB962C8B-B14F-4D97-AF65-F5344CB8AC3E}">
-        <p14:creationId xmlns:p14="http://schemas.microsoft.com/office/powerpoint/2010/main" val="1435594362"/>
+        <p14:creationId xmlns:p14="http://schemas.microsoft.com/office/powerpoint/2010/main" val="466577620"/>
       </p:ext>
     </p:extLst>
   </p:cSld>
@@ -3161,7 +3245,7 @@
     </p:spTree>
     <p:extLst>
       <p:ext uri="{BB962C8B-B14F-4D97-AF65-F5344CB8AC3E}">
-        <p14:creationId xmlns:p14="http://schemas.microsoft.com/office/powerpoint/2010/main" val="103680309"/>
+        <p14:creationId xmlns:p14="http://schemas.microsoft.com/office/powerpoint/2010/main" val="283258944"/>
       </p:ext>
     </p:extLst>
   </p:cSld>
@@ -3248,7 +3332,7 @@
     </p:spTree>
     <p:extLst>
       <p:ext uri="{BB962C8B-B14F-4D97-AF65-F5344CB8AC3E}">
-        <p14:creationId xmlns:p14="http://schemas.microsoft.com/office/powerpoint/2010/main" val="1116390875"/>
+        <p14:creationId xmlns:p14="http://schemas.microsoft.com/office/powerpoint/2010/main" val="2073457718"/>
       </p:ext>
     </p:extLst>
   </p:cSld>
@@ -3332,7 +3416,7 @@
     </p:spTree>
     <p:extLst>
       <p:ext uri="{BB962C8B-B14F-4D97-AF65-F5344CB8AC3E}">
-        <p14:creationId xmlns:p14="http://schemas.microsoft.com/office/powerpoint/2010/main" val="860526733"/>
+        <p14:creationId xmlns:p14="http://schemas.microsoft.com/office/powerpoint/2010/main" val="73222608"/>
       </p:ext>
     </p:extLst>
   </p:cSld>
@@ -3386,10 +3470,7 @@
           <a:bodyPr/>
           <a:lstStyle/>
           <a:p>
-            <a:r>
-              <a:rPr lang="en-US" baseline="0" dirty="0" smtClean="0"/>
-              <a:t>This is not an option.</a:t>
-            </a:r>
+            <a:endParaRPr lang="en-US" dirty="0"/>
           </a:p>
         </p:txBody>
       </p:sp>
@@ -3419,7 +3500,7 @@
     </p:spTree>
     <p:extLst>
       <p:ext uri="{BB962C8B-B14F-4D97-AF65-F5344CB8AC3E}">
-        <p14:creationId xmlns:p14="http://schemas.microsoft.com/office/powerpoint/2010/main" val="1925452891"/>
+        <p14:creationId xmlns:p14="http://schemas.microsoft.com/office/powerpoint/2010/main" val="1419274952"/>
       </p:ext>
     </p:extLst>
   </p:cSld>
@@ -3506,7 +3587,7 @@
     </p:spTree>
     <p:extLst>
       <p:ext uri="{BB962C8B-B14F-4D97-AF65-F5344CB8AC3E}">
-        <p14:creationId xmlns:p14="http://schemas.microsoft.com/office/powerpoint/2010/main" val="208058916"/>
+        <p14:creationId xmlns:p14="http://schemas.microsoft.com/office/powerpoint/2010/main" val="1929286659"/>
       </p:ext>
     </p:extLst>
   </p:cSld>
@@ -3590,7 +3671,7 @@
     </p:spTree>
     <p:extLst>
       <p:ext uri="{BB962C8B-B14F-4D97-AF65-F5344CB8AC3E}">
-        <p14:creationId xmlns:p14="http://schemas.microsoft.com/office/powerpoint/2010/main" val="1318780061"/>
+        <p14:creationId xmlns:p14="http://schemas.microsoft.com/office/powerpoint/2010/main" val="1758744038"/>
       </p:ext>
     </p:extLst>
   </p:cSld>
@@ -3677,7 +3758,7 @@
     </p:spTree>
     <p:extLst>
       <p:ext uri="{BB962C8B-B14F-4D97-AF65-F5344CB8AC3E}">
-        <p14:creationId xmlns:p14="http://schemas.microsoft.com/office/powerpoint/2010/main" val="582504625"/>
+        <p14:creationId xmlns:p14="http://schemas.microsoft.com/office/powerpoint/2010/main" val="1435594362"/>
       </p:ext>
     </p:extLst>
   </p:cSld>
@@ -3761,7 +3842,7 @@
     </p:spTree>
     <p:extLst>
       <p:ext uri="{BB962C8B-B14F-4D97-AF65-F5344CB8AC3E}">
-        <p14:creationId xmlns:p14="http://schemas.microsoft.com/office/powerpoint/2010/main" val="2052273882"/>
+        <p14:creationId xmlns:p14="http://schemas.microsoft.com/office/powerpoint/2010/main" val="103680309"/>
       </p:ext>
     </p:extLst>
   </p:cSld>
@@ -3848,7 +3929,7 @@
     </p:spTree>
     <p:extLst>
       <p:ext uri="{BB962C8B-B14F-4D97-AF65-F5344CB8AC3E}">
-        <p14:creationId xmlns:p14="http://schemas.microsoft.com/office/powerpoint/2010/main" val="219621769"/>
+        <p14:creationId xmlns:p14="http://schemas.microsoft.com/office/powerpoint/2010/main" val="1116390875"/>
       </p:ext>
     </p:extLst>
   </p:cSld>
@@ -3932,7 +4013,7 @@
     </p:spTree>
     <p:extLst>
       <p:ext uri="{BB962C8B-B14F-4D97-AF65-F5344CB8AC3E}">
-        <p14:creationId xmlns:p14="http://schemas.microsoft.com/office/powerpoint/2010/main" val="1551233514"/>
+        <p14:creationId xmlns:p14="http://schemas.microsoft.com/office/powerpoint/2010/main" val="860526733"/>
       </p:ext>
     </p:extLst>
   </p:cSld>
@@ -4019,7 +4100,7 @@
     </p:spTree>
     <p:extLst>
       <p:ext uri="{BB962C8B-B14F-4D97-AF65-F5344CB8AC3E}">
-        <p14:creationId xmlns:p14="http://schemas.microsoft.com/office/powerpoint/2010/main" val="698171211"/>
+        <p14:creationId xmlns:p14="http://schemas.microsoft.com/office/powerpoint/2010/main" val="208058916"/>
       </p:ext>
     </p:extLst>
   </p:cSld>
@@ -4103,7 +4184,7 @@
     </p:spTree>
     <p:extLst>
       <p:ext uri="{BB962C8B-B14F-4D97-AF65-F5344CB8AC3E}">
-        <p14:creationId xmlns:p14="http://schemas.microsoft.com/office/powerpoint/2010/main" val="1804263827"/>
+        <p14:creationId xmlns:p14="http://schemas.microsoft.com/office/powerpoint/2010/main" val="1318780061"/>
       </p:ext>
     </p:extLst>
   </p:cSld>
@@ -4190,7 +4271,7 @@
     </p:spTree>
     <p:extLst>
       <p:ext uri="{BB962C8B-B14F-4D97-AF65-F5344CB8AC3E}">
-        <p14:creationId xmlns:p14="http://schemas.microsoft.com/office/powerpoint/2010/main" val="65078092"/>
+        <p14:creationId xmlns:p14="http://schemas.microsoft.com/office/powerpoint/2010/main" val="582504625"/>
       </p:ext>
     </p:extLst>
   </p:cSld>
@@ -4274,7 +4355,7 @@
     </p:spTree>
     <p:extLst>
       <p:ext uri="{BB962C8B-B14F-4D97-AF65-F5344CB8AC3E}">
-        <p14:creationId xmlns:p14="http://schemas.microsoft.com/office/powerpoint/2010/main" val="597553392"/>
+        <p14:creationId xmlns:p14="http://schemas.microsoft.com/office/powerpoint/2010/main" val="2052273882"/>
       </p:ext>
     </p:extLst>
   </p:cSld>
@@ -4328,10 +4409,7 @@
           <a:bodyPr/>
           <a:lstStyle/>
           <a:p>
-            <a:r>
-              <a:rPr lang="en-US" baseline="0" dirty="0" smtClean="0"/>
-              <a:t>This is not an option.</a:t>
-            </a:r>
+            <a:endParaRPr lang="en-US" dirty="0"/>
           </a:p>
         </p:txBody>
       </p:sp>
@@ -4361,7 +4439,520 @@
     </p:spTree>
     <p:extLst>
       <p:ext uri="{BB962C8B-B14F-4D97-AF65-F5344CB8AC3E}">
-        <p14:creationId xmlns:p14="http://schemas.microsoft.com/office/powerpoint/2010/main" val="979263201"/>
+        <p14:creationId xmlns:p14="http://schemas.microsoft.com/office/powerpoint/2010/main" val="2046720359"/>
+      </p:ext>
+    </p:extLst>
+  </p:cSld>
+  <p:clrMapOvr>
+    <a:masterClrMapping/>
+  </p:clrMapOvr>
+</p:notes>
+</file>
+
+<file path=ppt/notesSlides/notesSlide50.xml><?xml version="1.0" encoding="utf-8"?>
+<p:notes xmlns:a="http://schemas.openxmlformats.org/drawingml/2006/main" xmlns:r="http://schemas.openxmlformats.org/officeDocument/2006/relationships" xmlns:p="http://schemas.openxmlformats.org/presentationml/2006/main">
+  <p:cSld>
+    <p:spTree>
+      <p:nvGrpSpPr>
+        <p:cNvPr id="1" name=""/>
+        <p:cNvGrpSpPr/>
+        <p:nvPr/>
+      </p:nvGrpSpPr>
+      <p:grpSpPr>
+        <a:xfrm>
+          <a:off x="0" y="0"/>
+          <a:ext cx="0" cy="0"/>
+          <a:chOff x="0" y="0"/>
+          <a:chExt cx="0" cy="0"/>
+        </a:xfrm>
+      </p:grpSpPr>
+      <p:sp>
+        <p:nvSpPr>
+          <p:cNvPr id="2" name="Slide Image Placeholder 1"/>
+          <p:cNvSpPr>
+            <a:spLocks noGrp="1" noRot="1" noChangeAspect="1"/>
+          </p:cNvSpPr>
+          <p:nvPr>
+            <p:ph type="sldImg"/>
+          </p:nvPr>
+        </p:nvSpPr>
+        <p:spPr/>
+      </p:sp>
+      <p:sp>
+        <p:nvSpPr>
+          <p:cNvPr id="3" name="Notes Placeholder 2"/>
+          <p:cNvSpPr>
+            <a:spLocks noGrp="1"/>
+          </p:cNvSpPr>
+          <p:nvPr>
+            <p:ph type="body" idx="1"/>
+          </p:nvPr>
+        </p:nvSpPr>
+        <p:spPr/>
+        <p:txBody>
+          <a:bodyPr/>
+          <a:lstStyle/>
+          <a:p>
+            <a:r>
+              <a:rPr lang="en-US" baseline="0" dirty="0" smtClean="0"/>
+              <a:t>This is not an option.</a:t>
+            </a:r>
+          </a:p>
+        </p:txBody>
+      </p:sp>
+      <p:sp>
+        <p:nvSpPr>
+          <p:cNvPr id="4" name="Slide Number Placeholder 3"/>
+          <p:cNvSpPr>
+            <a:spLocks noGrp="1"/>
+          </p:cNvSpPr>
+          <p:nvPr>
+            <p:ph type="sldNum" sz="quarter" idx="10"/>
+          </p:nvPr>
+        </p:nvSpPr>
+        <p:spPr/>
+        <p:txBody>
+          <a:bodyPr/>
+          <a:lstStyle/>
+          <a:p>
+            <a:fld id="{D94BC858-82E5-9242-8878-79D85A70EAE4}" type="slidenum">
+              <a:rPr lang="en-US" smtClean="0"/>
+              <a:t>50</a:t>
+            </a:fld>
+            <a:endParaRPr lang="en-US"/>
+          </a:p>
+        </p:txBody>
+      </p:sp>
+    </p:spTree>
+    <p:extLst>
+      <p:ext uri="{BB962C8B-B14F-4D97-AF65-F5344CB8AC3E}">
+        <p14:creationId xmlns:p14="http://schemas.microsoft.com/office/powerpoint/2010/main" val="219621769"/>
+      </p:ext>
+    </p:extLst>
+  </p:cSld>
+  <p:clrMapOvr>
+    <a:masterClrMapping/>
+  </p:clrMapOvr>
+</p:notes>
+</file>
+
+<file path=ppt/notesSlides/notesSlide51.xml><?xml version="1.0" encoding="utf-8"?>
+<p:notes xmlns:a="http://schemas.openxmlformats.org/drawingml/2006/main" xmlns:r="http://schemas.openxmlformats.org/officeDocument/2006/relationships" xmlns:p="http://schemas.openxmlformats.org/presentationml/2006/main">
+  <p:cSld>
+    <p:spTree>
+      <p:nvGrpSpPr>
+        <p:cNvPr id="1" name=""/>
+        <p:cNvGrpSpPr/>
+        <p:nvPr/>
+      </p:nvGrpSpPr>
+      <p:grpSpPr>
+        <a:xfrm>
+          <a:off x="0" y="0"/>
+          <a:ext cx="0" cy="0"/>
+          <a:chOff x="0" y="0"/>
+          <a:chExt cx="0" cy="0"/>
+        </a:xfrm>
+      </p:grpSpPr>
+      <p:sp>
+        <p:nvSpPr>
+          <p:cNvPr id="2" name="Slide Image Placeholder 1"/>
+          <p:cNvSpPr>
+            <a:spLocks noGrp="1" noRot="1" noChangeAspect="1"/>
+          </p:cNvSpPr>
+          <p:nvPr>
+            <p:ph type="sldImg"/>
+          </p:nvPr>
+        </p:nvSpPr>
+        <p:spPr/>
+      </p:sp>
+      <p:sp>
+        <p:nvSpPr>
+          <p:cNvPr id="3" name="Notes Placeholder 2"/>
+          <p:cNvSpPr>
+            <a:spLocks noGrp="1"/>
+          </p:cNvSpPr>
+          <p:nvPr>
+            <p:ph type="body" idx="1"/>
+          </p:nvPr>
+        </p:nvSpPr>
+        <p:spPr/>
+        <p:txBody>
+          <a:bodyPr/>
+          <a:lstStyle/>
+          <a:p>
+            <a:endParaRPr lang="en-US" dirty="0"/>
+          </a:p>
+        </p:txBody>
+      </p:sp>
+      <p:sp>
+        <p:nvSpPr>
+          <p:cNvPr id="4" name="Slide Number Placeholder 3"/>
+          <p:cNvSpPr>
+            <a:spLocks noGrp="1"/>
+          </p:cNvSpPr>
+          <p:nvPr>
+            <p:ph type="sldNum" sz="quarter" idx="10"/>
+          </p:nvPr>
+        </p:nvSpPr>
+        <p:spPr/>
+        <p:txBody>
+          <a:bodyPr/>
+          <a:lstStyle/>
+          <a:p>
+            <a:fld id="{D94BC858-82E5-9242-8878-79D85A70EAE4}" type="slidenum">
+              <a:rPr lang="en-US" smtClean="0"/>
+              <a:t>51</a:t>
+            </a:fld>
+            <a:endParaRPr lang="en-US"/>
+          </a:p>
+        </p:txBody>
+      </p:sp>
+    </p:spTree>
+    <p:extLst>
+      <p:ext uri="{BB962C8B-B14F-4D97-AF65-F5344CB8AC3E}">
+        <p14:creationId xmlns:p14="http://schemas.microsoft.com/office/powerpoint/2010/main" val="1551233514"/>
+      </p:ext>
+    </p:extLst>
+  </p:cSld>
+  <p:clrMapOvr>
+    <a:masterClrMapping/>
+  </p:clrMapOvr>
+</p:notes>
+</file>
+
+<file path=ppt/notesSlides/notesSlide52.xml><?xml version="1.0" encoding="utf-8"?>
+<p:notes xmlns:a="http://schemas.openxmlformats.org/drawingml/2006/main" xmlns:r="http://schemas.openxmlformats.org/officeDocument/2006/relationships" xmlns:p="http://schemas.openxmlformats.org/presentationml/2006/main">
+  <p:cSld>
+    <p:spTree>
+      <p:nvGrpSpPr>
+        <p:cNvPr id="1" name=""/>
+        <p:cNvGrpSpPr/>
+        <p:nvPr/>
+      </p:nvGrpSpPr>
+      <p:grpSpPr>
+        <a:xfrm>
+          <a:off x="0" y="0"/>
+          <a:ext cx="0" cy="0"/>
+          <a:chOff x="0" y="0"/>
+          <a:chExt cx="0" cy="0"/>
+        </a:xfrm>
+      </p:grpSpPr>
+      <p:sp>
+        <p:nvSpPr>
+          <p:cNvPr id="2" name="Slide Image Placeholder 1"/>
+          <p:cNvSpPr>
+            <a:spLocks noGrp="1" noRot="1" noChangeAspect="1"/>
+          </p:cNvSpPr>
+          <p:nvPr>
+            <p:ph type="sldImg"/>
+          </p:nvPr>
+        </p:nvSpPr>
+        <p:spPr/>
+      </p:sp>
+      <p:sp>
+        <p:nvSpPr>
+          <p:cNvPr id="3" name="Notes Placeholder 2"/>
+          <p:cNvSpPr>
+            <a:spLocks noGrp="1"/>
+          </p:cNvSpPr>
+          <p:nvPr>
+            <p:ph type="body" idx="1"/>
+          </p:nvPr>
+        </p:nvSpPr>
+        <p:spPr/>
+        <p:txBody>
+          <a:bodyPr/>
+          <a:lstStyle/>
+          <a:p>
+            <a:r>
+              <a:rPr lang="en-US" baseline="0" dirty="0" smtClean="0"/>
+              <a:t>This is not an option.</a:t>
+            </a:r>
+          </a:p>
+        </p:txBody>
+      </p:sp>
+      <p:sp>
+        <p:nvSpPr>
+          <p:cNvPr id="4" name="Slide Number Placeholder 3"/>
+          <p:cNvSpPr>
+            <a:spLocks noGrp="1"/>
+          </p:cNvSpPr>
+          <p:nvPr>
+            <p:ph type="sldNum" sz="quarter" idx="10"/>
+          </p:nvPr>
+        </p:nvSpPr>
+        <p:spPr/>
+        <p:txBody>
+          <a:bodyPr/>
+          <a:lstStyle/>
+          <a:p>
+            <a:fld id="{D94BC858-82E5-9242-8878-79D85A70EAE4}" type="slidenum">
+              <a:rPr lang="en-US" smtClean="0"/>
+              <a:t>52</a:t>
+            </a:fld>
+            <a:endParaRPr lang="en-US"/>
+          </a:p>
+        </p:txBody>
+      </p:sp>
+    </p:spTree>
+    <p:extLst>
+      <p:ext uri="{BB962C8B-B14F-4D97-AF65-F5344CB8AC3E}">
+        <p14:creationId xmlns:p14="http://schemas.microsoft.com/office/powerpoint/2010/main" val="698171211"/>
+      </p:ext>
+    </p:extLst>
+  </p:cSld>
+  <p:clrMapOvr>
+    <a:masterClrMapping/>
+  </p:clrMapOvr>
+</p:notes>
+</file>
+
+<file path=ppt/notesSlides/notesSlide53.xml><?xml version="1.0" encoding="utf-8"?>
+<p:notes xmlns:a="http://schemas.openxmlformats.org/drawingml/2006/main" xmlns:r="http://schemas.openxmlformats.org/officeDocument/2006/relationships" xmlns:p="http://schemas.openxmlformats.org/presentationml/2006/main">
+  <p:cSld>
+    <p:spTree>
+      <p:nvGrpSpPr>
+        <p:cNvPr id="1" name=""/>
+        <p:cNvGrpSpPr/>
+        <p:nvPr/>
+      </p:nvGrpSpPr>
+      <p:grpSpPr>
+        <a:xfrm>
+          <a:off x="0" y="0"/>
+          <a:ext cx="0" cy="0"/>
+          <a:chOff x="0" y="0"/>
+          <a:chExt cx="0" cy="0"/>
+        </a:xfrm>
+      </p:grpSpPr>
+      <p:sp>
+        <p:nvSpPr>
+          <p:cNvPr id="2" name="Slide Image Placeholder 1"/>
+          <p:cNvSpPr>
+            <a:spLocks noGrp="1" noRot="1" noChangeAspect="1"/>
+          </p:cNvSpPr>
+          <p:nvPr>
+            <p:ph type="sldImg"/>
+          </p:nvPr>
+        </p:nvSpPr>
+        <p:spPr/>
+      </p:sp>
+      <p:sp>
+        <p:nvSpPr>
+          <p:cNvPr id="3" name="Notes Placeholder 2"/>
+          <p:cNvSpPr>
+            <a:spLocks noGrp="1"/>
+          </p:cNvSpPr>
+          <p:nvPr>
+            <p:ph type="body" idx="1"/>
+          </p:nvPr>
+        </p:nvSpPr>
+        <p:spPr/>
+        <p:txBody>
+          <a:bodyPr/>
+          <a:lstStyle/>
+          <a:p>
+            <a:endParaRPr lang="en-US" dirty="0"/>
+          </a:p>
+        </p:txBody>
+      </p:sp>
+      <p:sp>
+        <p:nvSpPr>
+          <p:cNvPr id="4" name="Slide Number Placeholder 3"/>
+          <p:cNvSpPr>
+            <a:spLocks noGrp="1"/>
+          </p:cNvSpPr>
+          <p:nvPr>
+            <p:ph type="sldNum" sz="quarter" idx="10"/>
+          </p:nvPr>
+        </p:nvSpPr>
+        <p:spPr/>
+        <p:txBody>
+          <a:bodyPr/>
+          <a:lstStyle/>
+          <a:p>
+            <a:fld id="{D94BC858-82E5-9242-8878-79D85A70EAE4}" type="slidenum">
+              <a:rPr lang="en-US" smtClean="0"/>
+              <a:t>53</a:t>
+            </a:fld>
+            <a:endParaRPr lang="en-US"/>
+          </a:p>
+        </p:txBody>
+      </p:sp>
+    </p:spTree>
+    <p:extLst>
+      <p:ext uri="{BB962C8B-B14F-4D97-AF65-F5344CB8AC3E}">
+        <p14:creationId xmlns:p14="http://schemas.microsoft.com/office/powerpoint/2010/main" val="1804263827"/>
+      </p:ext>
+    </p:extLst>
+  </p:cSld>
+  <p:clrMapOvr>
+    <a:masterClrMapping/>
+  </p:clrMapOvr>
+</p:notes>
+</file>
+
+<file path=ppt/notesSlides/notesSlide54.xml><?xml version="1.0" encoding="utf-8"?>
+<p:notes xmlns:a="http://schemas.openxmlformats.org/drawingml/2006/main" xmlns:r="http://schemas.openxmlformats.org/officeDocument/2006/relationships" xmlns:p="http://schemas.openxmlformats.org/presentationml/2006/main">
+  <p:cSld>
+    <p:spTree>
+      <p:nvGrpSpPr>
+        <p:cNvPr id="1" name=""/>
+        <p:cNvGrpSpPr/>
+        <p:nvPr/>
+      </p:nvGrpSpPr>
+      <p:grpSpPr>
+        <a:xfrm>
+          <a:off x="0" y="0"/>
+          <a:ext cx="0" cy="0"/>
+          <a:chOff x="0" y="0"/>
+          <a:chExt cx="0" cy="0"/>
+        </a:xfrm>
+      </p:grpSpPr>
+      <p:sp>
+        <p:nvSpPr>
+          <p:cNvPr id="2" name="Slide Image Placeholder 1"/>
+          <p:cNvSpPr>
+            <a:spLocks noGrp="1" noRot="1" noChangeAspect="1"/>
+          </p:cNvSpPr>
+          <p:nvPr>
+            <p:ph type="sldImg"/>
+          </p:nvPr>
+        </p:nvSpPr>
+        <p:spPr/>
+      </p:sp>
+      <p:sp>
+        <p:nvSpPr>
+          <p:cNvPr id="3" name="Notes Placeholder 2"/>
+          <p:cNvSpPr>
+            <a:spLocks noGrp="1"/>
+          </p:cNvSpPr>
+          <p:nvPr>
+            <p:ph type="body" idx="1"/>
+          </p:nvPr>
+        </p:nvSpPr>
+        <p:spPr/>
+        <p:txBody>
+          <a:bodyPr/>
+          <a:lstStyle/>
+          <a:p>
+            <a:r>
+              <a:rPr lang="en-US" baseline="0" dirty="0" smtClean="0"/>
+              <a:t>This is not an option.</a:t>
+            </a:r>
+          </a:p>
+        </p:txBody>
+      </p:sp>
+      <p:sp>
+        <p:nvSpPr>
+          <p:cNvPr id="4" name="Slide Number Placeholder 3"/>
+          <p:cNvSpPr>
+            <a:spLocks noGrp="1"/>
+          </p:cNvSpPr>
+          <p:nvPr>
+            <p:ph type="sldNum" sz="quarter" idx="10"/>
+          </p:nvPr>
+        </p:nvSpPr>
+        <p:spPr/>
+        <p:txBody>
+          <a:bodyPr/>
+          <a:lstStyle/>
+          <a:p>
+            <a:fld id="{D94BC858-82E5-9242-8878-79D85A70EAE4}" type="slidenum">
+              <a:rPr lang="en-US" smtClean="0"/>
+              <a:t>54</a:t>
+            </a:fld>
+            <a:endParaRPr lang="en-US"/>
+          </a:p>
+        </p:txBody>
+      </p:sp>
+    </p:spTree>
+    <p:extLst>
+      <p:ext uri="{BB962C8B-B14F-4D97-AF65-F5344CB8AC3E}">
+        <p14:creationId xmlns:p14="http://schemas.microsoft.com/office/powerpoint/2010/main" val="65078092"/>
+      </p:ext>
+    </p:extLst>
+  </p:cSld>
+  <p:clrMapOvr>
+    <a:masterClrMapping/>
+  </p:clrMapOvr>
+</p:notes>
+</file>
+
+<file path=ppt/notesSlides/notesSlide55.xml><?xml version="1.0" encoding="utf-8"?>
+<p:notes xmlns:a="http://schemas.openxmlformats.org/drawingml/2006/main" xmlns:r="http://schemas.openxmlformats.org/officeDocument/2006/relationships" xmlns:p="http://schemas.openxmlformats.org/presentationml/2006/main">
+  <p:cSld>
+    <p:spTree>
+      <p:nvGrpSpPr>
+        <p:cNvPr id="1" name=""/>
+        <p:cNvGrpSpPr/>
+        <p:nvPr/>
+      </p:nvGrpSpPr>
+      <p:grpSpPr>
+        <a:xfrm>
+          <a:off x="0" y="0"/>
+          <a:ext cx="0" cy="0"/>
+          <a:chOff x="0" y="0"/>
+          <a:chExt cx="0" cy="0"/>
+        </a:xfrm>
+      </p:grpSpPr>
+      <p:sp>
+        <p:nvSpPr>
+          <p:cNvPr id="2" name="Slide Image Placeholder 1"/>
+          <p:cNvSpPr>
+            <a:spLocks noGrp="1" noRot="1" noChangeAspect="1"/>
+          </p:cNvSpPr>
+          <p:nvPr>
+            <p:ph type="sldImg"/>
+          </p:nvPr>
+        </p:nvSpPr>
+        <p:spPr/>
+      </p:sp>
+      <p:sp>
+        <p:nvSpPr>
+          <p:cNvPr id="3" name="Notes Placeholder 2"/>
+          <p:cNvSpPr>
+            <a:spLocks noGrp="1"/>
+          </p:cNvSpPr>
+          <p:nvPr>
+            <p:ph type="body" idx="1"/>
+          </p:nvPr>
+        </p:nvSpPr>
+        <p:spPr/>
+        <p:txBody>
+          <a:bodyPr/>
+          <a:lstStyle/>
+          <a:p>
+            <a:endParaRPr lang="en-US" dirty="0"/>
+          </a:p>
+        </p:txBody>
+      </p:sp>
+      <p:sp>
+        <p:nvSpPr>
+          <p:cNvPr id="4" name="Slide Number Placeholder 3"/>
+          <p:cNvSpPr>
+            <a:spLocks noGrp="1"/>
+          </p:cNvSpPr>
+          <p:nvPr>
+            <p:ph type="sldNum" sz="quarter" idx="10"/>
+          </p:nvPr>
+        </p:nvSpPr>
+        <p:spPr/>
+        <p:txBody>
+          <a:bodyPr/>
+          <a:lstStyle/>
+          <a:p>
+            <a:fld id="{D94BC858-82E5-9242-8878-79D85A70EAE4}" type="slidenum">
+              <a:rPr lang="en-US" smtClean="0"/>
+              <a:t>55</a:t>
+            </a:fld>
+            <a:endParaRPr lang="en-US"/>
+          </a:p>
+        </p:txBody>
+      </p:sp>
+    </p:spTree>
+    <p:extLst>
+      <p:ext uri="{BB962C8B-B14F-4D97-AF65-F5344CB8AC3E}">
+        <p14:creationId xmlns:p14="http://schemas.microsoft.com/office/powerpoint/2010/main" val="597553392"/>
       </p:ext>
     </p:extLst>
   </p:cSld>
@@ -4415,10 +5006,7 @@
           <a:bodyPr/>
           <a:lstStyle/>
           <a:p>
-            <a:r>
-              <a:rPr lang="en-US" baseline="0" dirty="0" smtClean="0"/>
-              <a:t>This is not an option.</a:t>
-            </a:r>
+            <a:endParaRPr lang="en-US" dirty="0"/>
           </a:p>
         </p:txBody>
       </p:sp>
@@ -4448,7 +5036,7 @@
     </p:spTree>
     <p:extLst>
       <p:ext uri="{BB962C8B-B14F-4D97-AF65-F5344CB8AC3E}">
-        <p14:creationId xmlns:p14="http://schemas.microsoft.com/office/powerpoint/2010/main" val="701001446"/>
+        <p14:creationId xmlns:p14="http://schemas.microsoft.com/office/powerpoint/2010/main" val="1009647104"/>
       </p:ext>
     </p:extLst>
   </p:cSld>
@@ -4535,7 +5123,7 @@
     </p:spTree>
     <p:extLst>
       <p:ext uri="{BB962C8B-B14F-4D97-AF65-F5344CB8AC3E}">
-        <p14:creationId xmlns:p14="http://schemas.microsoft.com/office/powerpoint/2010/main" val="1486061241"/>
+        <p14:creationId xmlns:p14="http://schemas.microsoft.com/office/powerpoint/2010/main" val="333269985"/>
       </p:ext>
     </p:extLst>
   </p:cSld>
@@ -4589,10 +5177,7 @@
           <a:bodyPr/>
           <a:lstStyle/>
           <a:p>
-            <a:r>
-              <a:rPr lang="en-US" baseline="0" dirty="0" smtClean="0"/>
-              <a:t>This is not an option.</a:t>
-            </a:r>
+            <a:endParaRPr lang="en-US" dirty="0"/>
           </a:p>
         </p:txBody>
       </p:sp>
@@ -4615,14 +5200,14 @@
               <a:rPr lang="en-US" smtClean="0"/>
               <a:t>8</a:t>
             </a:fld>
-            <a:endParaRPr lang="en-US"/>
+            <a:endParaRPr lang="en-US" dirty="0"/>
           </a:p>
         </p:txBody>
       </p:sp>
     </p:spTree>
     <p:extLst>
       <p:ext uri="{BB962C8B-B14F-4D97-AF65-F5344CB8AC3E}">
-        <p14:creationId xmlns:p14="http://schemas.microsoft.com/office/powerpoint/2010/main" val="1474094433"/>
+        <p14:creationId xmlns:p14="http://schemas.microsoft.com/office/powerpoint/2010/main" val="988257332"/>
       </p:ext>
     </p:extLst>
   </p:cSld>
@@ -7588,13 +8173,13 @@
         </p:nvSpPr>
         <p:spPr>
           <a:xfrm>
-            <a:off x="1524000" y="936100"/>
-            <a:ext cx="9144000" cy="2387600"/>
+            <a:off x="0" y="882313"/>
+            <a:ext cx="12192000" cy="2387600"/>
           </a:xfrm>
         </p:spPr>
         <p:txBody>
           <a:bodyPr>
-            <a:normAutofit/>
+            <a:normAutofit fontScale="90000"/>
           </a:bodyPr>
           <a:lstStyle/>
           <a:p>
@@ -7611,7 +8196,26 @@
                   </a:schemeClr>
                 </a:solidFill>
               </a:rPr>
-              <a:t>Title</a:t>
+              <a:t>Humanities Research with Sound:</a:t>
+            </a:r>
+            <a:br>
+              <a:rPr lang="en-US" dirty="0" smtClean="0">
+                <a:solidFill>
+                  <a:schemeClr val="bg2">
+                    <a:lumMod val="25000"/>
+                  </a:schemeClr>
+                </a:solidFill>
+              </a:rPr>
+            </a:br>
+            <a:r>
+              <a:rPr lang="en-US" dirty="0" smtClean="0">
+                <a:solidFill>
+                  <a:schemeClr val="bg2">
+                    <a:lumMod val="25000"/>
+                  </a:schemeClr>
+                </a:solidFill>
+              </a:rPr>
+              <a:t>Introduction to Audio Machine Learning</a:t>
             </a:r>
             <a:endParaRPr lang="en-US" sz="3600" dirty="0">
               <a:solidFill>
@@ -7747,7 +8351,7 @@
     </p:spTree>
     <p:extLst>
       <p:ext uri="{BB962C8B-B14F-4D97-AF65-F5344CB8AC3E}">
-        <p14:creationId xmlns:p14="http://schemas.microsoft.com/office/powerpoint/2010/main" val="708561021"/>
+        <p14:creationId xmlns:p14="http://schemas.microsoft.com/office/powerpoint/2010/main" val="1201255219"/>
       </p:ext>
     </p:extLst>
   </p:cSld>
@@ -7929,14 +8533,77 @@
         </p:blipFill>
         <p:spPr>
           <a:xfrm>
-            <a:off x="3505200" y="2006600"/>
-            <a:ext cx="5181600" cy="2832100"/>
+            <a:off x="5510026" y="2736448"/>
+            <a:ext cx="6284259" cy="3434779"/>
           </a:xfrm>
           <a:prstGeom prst="rect">
             <a:avLst/>
           </a:prstGeom>
         </p:spPr>
       </p:pic>
+      <p:pic>
+        <p:nvPicPr>
+          <p:cNvPr id="6" name="Picture 5"/>
+          <p:cNvPicPr>
+            <a:picLocks noChangeAspect="1"/>
+          </p:cNvPicPr>
+          <p:nvPr/>
+        </p:nvPicPr>
+        <p:blipFill>
+          <a:blip r:embed="rId5">
+            <a:extLst>
+              <a:ext uri="{28A0092B-C50C-407E-A947-70E740481C1C}">
+                <a14:useLocalDpi xmlns:a14="http://schemas.microsoft.com/office/drawing/2010/main" val="0"/>
+              </a:ext>
+            </a:extLst>
+          </a:blip>
+          <a:stretch>
+            <a:fillRect/>
+          </a:stretch>
+        </p:blipFill>
+        <p:spPr>
+          <a:xfrm>
+            <a:off x="446741" y="1011306"/>
+            <a:ext cx="7404401" cy="1459418"/>
+          </a:xfrm>
+          <a:prstGeom prst="rect">
+            <a:avLst/>
+          </a:prstGeom>
+        </p:spPr>
+      </p:pic>
+      <p:sp>
+        <p:nvSpPr>
+          <p:cNvPr id="3" name="Rectangle 2"/>
+          <p:cNvSpPr/>
+          <p:nvPr/>
+        </p:nvSpPr>
+        <p:spPr>
+          <a:xfrm>
+            <a:off x="4027633" y="5750566"/>
+            <a:ext cx="1482393" cy="307777"/>
+          </a:xfrm>
+          <a:prstGeom prst="rect">
+            <a:avLst/>
+          </a:prstGeom>
+        </p:spPr>
+        <p:txBody>
+          <a:bodyPr wrap="none">
+            <a:spAutoFit/>
+          </a:bodyPr>
+          <a:lstStyle/>
+          <a:p>
+            <a:r>
+              <a:rPr lang="en-US" sz="1400" dirty="0"/>
+              <a:t>C</a:t>
+            </a:r>
+            <a:r>
+              <a:rPr lang="en-US" sz="1400" dirty="0" smtClean="0"/>
+              <a:t>redit: Kline 1985</a:t>
+            </a:r>
+            <a:endParaRPr lang="en-US" sz="1400" dirty="0"/>
+          </a:p>
+        </p:txBody>
+      </p:sp>
     </p:spTree>
     <p:extLst>
       <p:ext uri="{BB962C8B-B14F-4D97-AF65-F5344CB8AC3E}">
@@ -8122,8 +8789,8 @@
         </p:blipFill>
         <p:spPr>
           <a:xfrm>
-            <a:off x="1701800" y="241300"/>
-            <a:ext cx="8775700" cy="6362700"/>
+            <a:off x="1123950" y="538629"/>
+            <a:ext cx="9944100" cy="5194300"/>
           </a:xfrm>
           <a:prstGeom prst="rect">
             <a:avLst/>
@@ -8133,7 +8800,7 @@
     </p:spTree>
     <p:extLst>
       <p:ext uri="{BB962C8B-B14F-4D97-AF65-F5344CB8AC3E}">
-        <p14:creationId xmlns:p14="http://schemas.microsoft.com/office/powerpoint/2010/main" val="1013046301"/>
+        <p14:creationId xmlns:p14="http://schemas.microsoft.com/office/powerpoint/2010/main" val="636015480"/>
       </p:ext>
     </p:extLst>
   </p:cSld>
@@ -8295,7 +8962,7 @@
       </p:sp>
       <p:pic>
         <p:nvPicPr>
-          <p:cNvPr id="3" name="Picture 2"/>
+          <p:cNvPr id="2" name="Picture 1"/>
           <p:cNvPicPr>
             <a:picLocks noChangeAspect="1"/>
           </p:cNvPicPr>
@@ -8315,8 +8982,8 @@
         </p:blipFill>
         <p:spPr>
           <a:xfrm>
-            <a:off x="1714500" y="2565400"/>
-            <a:ext cx="8763000" cy="1727200"/>
+            <a:off x="842682" y="277978"/>
+            <a:ext cx="9876118" cy="5775382"/>
           </a:xfrm>
           <a:prstGeom prst="rect">
             <a:avLst/>
@@ -8326,7 +8993,7 @@
     </p:spTree>
     <p:extLst>
       <p:ext uri="{BB962C8B-B14F-4D97-AF65-F5344CB8AC3E}">
-        <p14:creationId xmlns:p14="http://schemas.microsoft.com/office/powerpoint/2010/main" val="1546523706"/>
+        <p14:creationId xmlns:p14="http://schemas.microsoft.com/office/powerpoint/2010/main" val="1085219231"/>
       </p:ext>
     </p:extLst>
   </p:cSld>
@@ -8488,7 +9155,7 @@
       </p:sp>
       <p:pic>
         <p:nvPicPr>
-          <p:cNvPr id="2" name="Picture 1"/>
+          <p:cNvPr id="3" name="Picture 2"/>
           <p:cNvPicPr>
             <a:picLocks noChangeAspect="1"/>
           </p:cNvPicPr>
@@ -8508,8 +9175,8 @@
         </p:blipFill>
         <p:spPr>
           <a:xfrm>
-            <a:off x="4241800" y="0"/>
-            <a:ext cx="3685393" cy="6858000"/>
+            <a:off x="3300880" y="788894"/>
+            <a:ext cx="5944720" cy="4755776"/>
           </a:xfrm>
           <a:prstGeom prst="rect">
             <a:avLst/>
@@ -8519,7 +9186,7 @@
     </p:spTree>
     <p:extLst>
       <p:ext uri="{BB962C8B-B14F-4D97-AF65-F5344CB8AC3E}">
-        <p14:creationId xmlns:p14="http://schemas.microsoft.com/office/powerpoint/2010/main" val="1284651165"/>
+        <p14:creationId xmlns:p14="http://schemas.microsoft.com/office/powerpoint/2010/main" val="117863971"/>
       </p:ext>
     </p:extLst>
   </p:cSld>
@@ -8701,8 +9368,8 @@
         </p:blipFill>
         <p:spPr>
           <a:xfrm>
-            <a:off x="1841500" y="0"/>
-            <a:ext cx="8491591" cy="6858000"/>
+            <a:off x="3085781" y="360771"/>
+            <a:ext cx="6020438" cy="5728447"/>
           </a:xfrm>
           <a:prstGeom prst="rect">
             <a:avLst/>
@@ -8712,7 +9379,7 @@
     </p:spTree>
     <p:extLst>
       <p:ext uri="{BB962C8B-B14F-4D97-AF65-F5344CB8AC3E}">
-        <p14:creationId xmlns:p14="http://schemas.microsoft.com/office/powerpoint/2010/main" val="1674267801"/>
+        <p14:creationId xmlns:p14="http://schemas.microsoft.com/office/powerpoint/2010/main" val="940134600"/>
       </p:ext>
     </p:extLst>
   </p:cSld>
@@ -8894,8 +9561,8 @@
         </p:blipFill>
         <p:spPr>
           <a:xfrm>
-            <a:off x="0" y="889000"/>
-            <a:ext cx="12192000" cy="5073916"/>
+            <a:off x="0" y="787400"/>
+            <a:ext cx="12192000" cy="5279136"/>
           </a:xfrm>
           <a:prstGeom prst="rect">
             <a:avLst/>
@@ -8905,7 +9572,7 @@
     </p:spTree>
     <p:extLst>
       <p:ext uri="{BB962C8B-B14F-4D97-AF65-F5344CB8AC3E}">
-        <p14:creationId xmlns:p14="http://schemas.microsoft.com/office/powerpoint/2010/main" val="650392948"/>
+        <p14:creationId xmlns:p14="http://schemas.microsoft.com/office/powerpoint/2010/main" val="1116596511"/>
       </p:ext>
     </p:extLst>
   </p:cSld>
@@ -9065,10 +9732,40 @@
           </a:p>
         </p:txBody>
       </p:sp>
+      <p:pic>
+        <p:nvPicPr>
+          <p:cNvPr id="2" name="Picture 1"/>
+          <p:cNvPicPr>
+            <a:picLocks noChangeAspect="1"/>
+          </p:cNvPicPr>
+          <p:nvPr/>
+        </p:nvPicPr>
+        <p:blipFill>
+          <a:blip r:embed="rId4">
+            <a:extLst>
+              <a:ext uri="{28A0092B-C50C-407E-A947-70E740481C1C}">
+                <a14:useLocalDpi xmlns:a14="http://schemas.microsoft.com/office/drawing/2010/main" val="0"/>
+              </a:ext>
+            </a:extLst>
+          </a:blip>
+          <a:stretch>
+            <a:fillRect/>
+          </a:stretch>
+        </p:blipFill>
+        <p:spPr>
+          <a:xfrm>
+            <a:off x="723900" y="0"/>
+            <a:ext cx="10732394" cy="6858000"/>
+          </a:xfrm>
+          <a:prstGeom prst="rect">
+            <a:avLst/>
+          </a:prstGeom>
+        </p:spPr>
+      </p:pic>
     </p:spTree>
     <p:extLst>
       <p:ext uri="{BB962C8B-B14F-4D97-AF65-F5344CB8AC3E}">
-        <p14:creationId xmlns:p14="http://schemas.microsoft.com/office/powerpoint/2010/main" val="1733783639"/>
+        <p14:creationId xmlns:p14="http://schemas.microsoft.com/office/powerpoint/2010/main" val="655662394"/>
       </p:ext>
     </p:extLst>
   </p:cSld>
@@ -9086,1023 +9783,6 @@
 </file>
 
 <file path=ppt/slides/slide17.xml><?xml version="1.0" encoding="utf-8"?>
-<p:sld xmlns:a="http://schemas.openxmlformats.org/drawingml/2006/main" xmlns:r="http://schemas.openxmlformats.org/officeDocument/2006/relationships" xmlns:p="http://schemas.openxmlformats.org/presentationml/2006/main">
-  <p:cSld>
-    <p:spTree>
-      <p:nvGrpSpPr>
-        <p:cNvPr id="1" name=""/>
-        <p:cNvGrpSpPr/>
-        <p:nvPr/>
-      </p:nvGrpSpPr>
-      <p:grpSpPr>
-        <a:xfrm>
-          <a:off x="0" y="0"/>
-          <a:ext cx="0" cy="0"/>
-          <a:chOff x="0" y="0"/>
-          <a:chExt cx="0" cy="0"/>
-        </a:xfrm>
-      </p:grpSpPr>
-      <p:sp>
-        <p:nvSpPr>
-          <p:cNvPr id="2" name="Title 1"/>
-          <p:cNvSpPr>
-            <a:spLocks noGrp="1"/>
-          </p:cNvSpPr>
-          <p:nvPr>
-            <p:ph type="title"/>
-          </p:nvPr>
-        </p:nvSpPr>
-        <p:spPr/>
-        <p:txBody>
-          <a:bodyPr/>
-          <a:lstStyle/>
-          <a:p>
-            <a:r>
-              <a:rPr lang="en-US" dirty="0" smtClean="0">
-                <a:solidFill>
-                  <a:schemeClr val="bg2">
-                    <a:lumMod val="25000"/>
-                  </a:schemeClr>
-                </a:solidFill>
-              </a:rPr>
-              <a:t>Title</a:t>
-            </a:r>
-            <a:endParaRPr lang="en-US" dirty="0">
-              <a:solidFill>
-                <a:schemeClr val="bg2">
-                  <a:lumMod val="25000"/>
-                </a:schemeClr>
-              </a:solidFill>
-            </a:endParaRPr>
-          </a:p>
-        </p:txBody>
-      </p:sp>
-      <p:sp>
-        <p:nvSpPr>
-          <p:cNvPr id="9" name="Content Placeholder 8"/>
-          <p:cNvSpPr>
-            <a:spLocks noGrp="1"/>
-          </p:cNvSpPr>
-          <p:nvPr>
-            <p:ph idx="1"/>
-          </p:nvPr>
-        </p:nvSpPr>
-        <p:spPr/>
-        <p:txBody>
-          <a:bodyPr>
-            <a:normAutofit/>
-          </a:bodyPr>
-          <a:lstStyle/>
-          <a:p>
-            <a:pPr>
-              <a:lnSpc>
-                <a:spcPct val="110000"/>
-              </a:lnSpc>
-            </a:pPr>
-            <a:r>
-              <a:rPr lang="en-US" sz="2600" dirty="0" smtClean="0">
-                <a:solidFill>
-                  <a:schemeClr val="bg2">
-                    <a:lumMod val="25000"/>
-                  </a:schemeClr>
-                </a:solidFill>
-              </a:rPr>
-              <a:t>sample </a:t>
-            </a:r>
-            <a:r>
-              <a:rPr lang="en-US" sz="2600" dirty="0">
-                <a:solidFill>
-                  <a:schemeClr val="bg2">
-                    <a:lumMod val="25000"/>
-                  </a:schemeClr>
-                </a:solidFill>
-              </a:rPr>
-              <a:t>rate: The number of audio samples per second in a digital audio file. A file with a sample rate of 44.1kHz contains 44,100 samples per second.</a:t>
-            </a:r>
-          </a:p>
-          <a:p>
-            <a:pPr>
-              <a:lnSpc>
-                <a:spcPct val="110000"/>
-              </a:lnSpc>
-            </a:pPr>
-            <a:r>
-              <a:rPr lang="en-US" sz="2600" dirty="0">
-                <a:solidFill>
-                  <a:schemeClr val="bg2">
-                    <a:lumMod val="25000"/>
-                  </a:schemeClr>
-                </a:solidFill>
-              </a:rPr>
-              <a:t>bit depth: The number of bits used to represent each sample, which corresponds to dynamic range of a given file (i.e., the range of possible "loudness" levels). Each sample in a 16-bit audio file has 2^16 or 65,536 possible values.</a:t>
-            </a:r>
-          </a:p>
-          <a:p>
-            <a:pPr>
-              <a:lnSpc>
-                <a:spcPct val="110000"/>
-              </a:lnSpc>
-            </a:pPr>
-            <a:r>
-              <a:rPr lang="en-US" sz="2600" dirty="0">
-                <a:solidFill>
-                  <a:schemeClr val="bg2">
-                    <a:lumMod val="25000"/>
-                  </a:schemeClr>
-                </a:solidFill>
-              </a:rPr>
-              <a:t>bit rate: The number of bits used to encode a unit of time in a digital audio file. CD-quality audio has a bit rate of 1,411.2 </a:t>
-            </a:r>
-            <a:r>
-              <a:rPr lang="en-US" sz="2600" dirty="0" err="1">
-                <a:solidFill>
-                  <a:schemeClr val="bg2">
-                    <a:lumMod val="25000"/>
-                  </a:schemeClr>
-                </a:solidFill>
-              </a:rPr>
-              <a:t>kbit</a:t>
-            </a:r>
-            <a:r>
-              <a:rPr lang="en-US" sz="2600" dirty="0">
-                <a:solidFill>
-                  <a:schemeClr val="bg2">
-                    <a:lumMod val="25000"/>
-                  </a:schemeClr>
-                </a:solidFill>
-              </a:rPr>
-              <a:t>/second.</a:t>
-            </a:r>
-          </a:p>
-          <a:p>
-            <a:pPr>
-              <a:lnSpc>
-                <a:spcPct val="110000"/>
-              </a:lnSpc>
-            </a:pPr>
-            <a:endParaRPr lang="en-US" sz="2600" dirty="0">
-              <a:solidFill>
-                <a:schemeClr val="bg2">
-                  <a:lumMod val="25000"/>
-                </a:schemeClr>
-              </a:solidFill>
-            </a:endParaRPr>
-          </a:p>
-          <a:p>
-            <a:pPr>
-              <a:lnSpc>
-                <a:spcPct val="110000"/>
-              </a:lnSpc>
-            </a:pPr>
-            <a:endParaRPr lang="en-US" sz="2600" dirty="0">
-              <a:solidFill>
-                <a:schemeClr val="bg2">
-                  <a:lumMod val="25000"/>
-                </a:schemeClr>
-              </a:solidFill>
-            </a:endParaRPr>
-          </a:p>
-          <a:p>
-            <a:pPr>
-              <a:lnSpc>
-                <a:spcPct val="110000"/>
-              </a:lnSpc>
-            </a:pPr>
-            <a:endParaRPr lang="en-US" sz="2600" dirty="0" smtClean="0">
-              <a:solidFill>
-                <a:schemeClr val="bg2">
-                  <a:lumMod val="25000"/>
-                </a:schemeClr>
-              </a:solidFill>
-            </a:endParaRPr>
-          </a:p>
-        </p:txBody>
-      </p:sp>
-      <p:pic>
-        <p:nvPicPr>
-          <p:cNvPr id="4" name="Picture 3"/>
-          <p:cNvPicPr>
-            <a:picLocks noChangeAspect="1"/>
-          </p:cNvPicPr>
-          <p:nvPr/>
-        </p:nvPicPr>
-        <p:blipFill>
-          <a:blip r:embed="rId3">
-            <a:alphaModFix amt="60000"/>
-            <a:extLst>
-              <a:ext uri="{28A0092B-C50C-407E-A947-70E740481C1C}">
-                <a14:useLocalDpi xmlns:a14="http://schemas.microsoft.com/office/drawing/2010/main" val="0"/>
-              </a:ext>
-            </a:extLst>
-          </a:blip>
-          <a:stretch>
-            <a:fillRect/>
-          </a:stretch>
-        </p:blipFill>
-        <p:spPr>
-          <a:xfrm>
-            <a:off x="173384" y="6417255"/>
-            <a:ext cx="1695174" cy="270123"/>
-          </a:xfrm>
-          <a:prstGeom prst="rect">
-            <a:avLst/>
-          </a:prstGeom>
-        </p:spPr>
-      </p:pic>
-      <p:cxnSp>
-        <p:nvCxnSpPr>
-          <p:cNvPr id="10" name="Straight Connector 9"/>
-          <p:cNvCxnSpPr/>
-          <p:nvPr/>
-        </p:nvCxnSpPr>
-        <p:spPr>
-          <a:xfrm>
-            <a:off x="0" y="6253236"/>
-            <a:ext cx="12192000" cy="0"/>
-          </a:xfrm>
-          <a:prstGeom prst="line">
-            <a:avLst/>
-          </a:prstGeom>
-          <a:ln>
-            <a:solidFill>
-              <a:schemeClr val="bg2">
-                <a:lumMod val="75000"/>
-              </a:schemeClr>
-            </a:solidFill>
-          </a:ln>
-        </p:spPr>
-        <p:style>
-          <a:lnRef idx="1">
-            <a:schemeClr val="dk1"/>
-          </a:lnRef>
-          <a:fillRef idx="0">
-            <a:schemeClr val="dk1"/>
-          </a:fillRef>
-          <a:effectRef idx="0">
-            <a:schemeClr val="dk1"/>
-          </a:effectRef>
-          <a:fontRef idx="minor">
-            <a:schemeClr val="tx1"/>
-          </a:fontRef>
-        </p:style>
-      </p:cxnSp>
-      <p:sp>
-        <p:nvSpPr>
-          <p:cNvPr id="13" name="TextBox 12"/>
-          <p:cNvSpPr txBox="1"/>
-          <p:nvPr/>
-        </p:nvSpPr>
-        <p:spPr>
-          <a:xfrm>
-            <a:off x="9245600" y="6417255"/>
-            <a:ext cx="2946400" cy="276999"/>
-          </a:xfrm>
-          <a:prstGeom prst="rect">
-            <a:avLst/>
-          </a:prstGeom>
-          <a:noFill/>
-        </p:spPr>
-        <p:txBody>
-          <a:bodyPr wrap="square" rtlCol="0">
-            <a:spAutoFit/>
-          </a:bodyPr>
-          <a:lstStyle/>
-          <a:p>
-            <a:r>
-              <a:rPr lang="en-US" sz="1200" smtClean="0">
-                <a:solidFill>
-                  <a:schemeClr val="tx1">
-                    <a:lumMod val="65000"/>
-                    <a:lumOff val="35000"/>
-                    <a:alpha val="60000"/>
-                  </a:schemeClr>
-                </a:solidFill>
-              </a:rPr>
-              <a:t>Stephen McLaughlin  /  @</a:t>
-            </a:r>
-            <a:r>
-              <a:rPr lang="en-US" sz="1200" err="1" smtClean="0">
-                <a:solidFill>
-                  <a:schemeClr val="tx1">
-                    <a:lumMod val="65000"/>
-                    <a:lumOff val="35000"/>
-                    <a:alpha val="60000"/>
-                  </a:schemeClr>
-                </a:solidFill>
-              </a:rPr>
-              <a:t>SteveMcLaugh</a:t>
-            </a:r>
-            <a:endParaRPr lang="en-US" sz="1200">
-              <a:solidFill>
-                <a:schemeClr val="tx1">
-                  <a:lumMod val="65000"/>
-                  <a:lumOff val="35000"/>
-                  <a:alpha val="60000"/>
-                </a:schemeClr>
-              </a:solidFill>
-            </a:endParaRPr>
-          </a:p>
-        </p:txBody>
-      </p:sp>
-      <p:sp>
-        <p:nvSpPr>
-          <p:cNvPr id="3" name="TextBox 2"/>
-          <p:cNvSpPr txBox="1"/>
-          <p:nvPr/>
-        </p:nvSpPr>
-        <p:spPr>
-          <a:xfrm>
-            <a:off x="1881051" y="2272937"/>
-            <a:ext cx="184731" cy="369332"/>
-          </a:xfrm>
-          <a:prstGeom prst="rect">
-            <a:avLst/>
-          </a:prstGeom>
-          <a:noFill/>
-        </p:spPr>
-        <p:txBody>
-          <a:bodyPr wrap="none" rtlCol="0">
-            <a:spAutoFit/>
-          </a:bodyPr>
-          <a:lstStyle/>
-          <a:p>
-            <a:endParaRPr lang="en-US" dirty="0"/>
-          </a:p>
-        </p:txBody>
-      </p:sp>
-    </p:spTree>
-    <p:extLst>
-      <p:ext uri="{BB962C8B-B14F-4D97-AF65-F5344CB8AC3E}">
-        <p14:creationId xmlns:p14="http://schemas.microsoft.com/office/powerpoint/2010/main" val="631286519"/>
-      </p:ext>
-    </p:extLst>
-  </p:cSld>
-  <p:clrMapOvr>
-    <a:masterClrMapping/>
-  </p:clrMapOvr>
-  <p:timing>
-    <p:tnLst>
-      <p:par>
-        <p:cTn id="1" dur="indefinite" restart="never" nodeType="tmRoot"/>
-      </p:par>
-    </p:tnLst>
-  </p:timing>
-</p:sld>
-</file>
-
-<file path=ppt/slides/slide18.xml><?xml version="1.0" encoding="utf-8"?>
-<p:sld xmlns:a="http://schemas.openxmlformats.org/drawingml/2006/main" xmlns:r="http://schemas.openxmlformats.org/officeDocument/2006/relationships" xmlns:p="http://schemas.openxmlformats.org/presentationml/2006/main">
-  <p:cSld>
-    <p:spTree>
-      <p:nvGrpSpPr>
-        <p:cNvPr id="1" name=""/>
-        <p:cNvGrpSpPr/>
-        <p:nvPr/>
-      </p:nvGrpSpPr>
-      <p:grpSpPr>
-        <a:xfrm>
-          <a:off x="0" y="0"/>
-          <a:ext cx="0" cy="0"/>
-          <a:chOff x="0" y="0"/>
-          <a:chExt cx="0" cy="0"/>
-        </a:xfrm>
-      </p:grpSpPr>
-      <p:sp>
-        <p:nvSpPr>
-          <p:cNvPr id="2" name="Title 1"/>
-          <p:cNvSpPr>
-            <a:spLocks noGrp="1"/>
-          </p:cNvSpPr>
-          <p:nvPr>
-            <p:ph type="title"/>
-          </p:nvPr>
-        </p:nvSpPr>
-        <p:spPr/>
-        <p:txBody>
-          <a:bodyPr/>
-          <a:lstStyle/>
-          <a:p>
-            <a:r>
-              <a:rPr lang="en-US" dirty="0" smtClean="0">
-                <a:solidFill>
-                  <a:schemeClr val="bg2">
-                    <a:lumMod val="25000"/>
-                  </a:schemeClr>
-                </a:solidFill>
-              </a:rPr>
-              <a:t>Title</a:t>
-            </a:r>
-            <a:endParaRPr lang="en-US" dirty="0">
-              <a:solidFill>
-                <a:schemeClr val="bg2">
-                  <a:lumMod val="25000"/>
-                </a:schemeClr>
-              </a:solidFill>
-            </a:endParaRPr>
-          </a:p>
-        </p:txBody>
-      </p:sp>
-      <p:sp>
-        <p:nvSpPr>
-          <p:cNvPr id="9" name="Content Placeholder 8"/>
-          <p:cNvSpPr>
-            <a:spLocks noGrp="1"/>
-          </p:cNvSpPr>
-          <p:nvPr>
-            <p:ph idx="1"/>
-          </p:nvPr>
-        </p:nvSpPr>
-        <p:spPr/>
-        <p:txBody>
-          <a:bodyPr>
-            <a:normAutofit/>
-          </a:bodyPr>
-          <a:lstStyle/>
-          <a:p>
-            <a:pPr>
-              <a:lnSpc>
-                <a:spcPct val="110000"/>
-              </a:lnSpc>
-            </a:pPr>
-            <a:r>
-              <a:rPr lang="en-US" sz="2600" dirty="0" smtClean="0">
-                <a:solidFill>
-                  <a:schemeClr val="bg2">
-                    <a:lumMod val="25000"/>
-                  </a:schemeClr>
-                </a:solidFill>
-              </a:rPr>
-              <a:t>1</a:t>
-            </a:r>
-          </a:p>
-          <a:p>
-            <a:pPr>
-              <a:lnSpc>
-                <a:spcPct val="110000"/>
-              </a:lnSpc>
-            </a:pPr>
-            <a:r>
-              <a:rPr lang="en-US" sz="2600" dirty="0" smtClean="0">
-                <a:solidFill>
-                  <a:schemeClr val="bg2">
-                    <a:lumMod val="25000"/>
-                  </a:schemeClr>
-                </a:solidFill>
-              </a:rPr>
-              <a:t>2</a:t>
-            </a:r>
-          </a:p>
-          <a:p>
-            <a:pPr>
-              <a:lnSpc>
-                <a:spcPct val="110000"/>
-              </a:lnSpc>
-            </a:pPr>
-            <a:r>
-              <a:rPr lang="en-US" sz="2600" dirty="0" smtClean="0">
-                <a:solidFill>
-                  <a:schemeClr val="bg2">
-                    <a:lumMod val="25000"/>
-                  </a:schemeClr>
-                </a:solidFill>
-              </a:rPr>
-              <a:t>3</a:t>
-            </a:r>
-          </a:p>
-          <a:p>
-            <a:pPr>
-              <a:lnSpc>
-                <a:spcPct val="110000"/>
-              </a:lnSpc>
-            </a:pPr>
-            <a:r>
-              <a:rPr lang="en-US" sz="2600" dirty="0" smtClean="0">
-                <a:solidFill>
-                  <a:schemeClr val="bg2">
-                    <a:lumMod val="25000"/>
-                  </a:schemeClr>
-                </a:solidFill>
-              </a:rPr>
-              <a:t>4</a:t>
-            </a:r>
-          </a:p>
-          <a:p>
-            <a:pPr>
-              <a:lnSpc>
-                <a:spcPct val="110000"/>
-              </a:lnSpc>
-            </a:pPr>
-            <a:endParaRPr lang="en-US" sz="2600" dirty="0" smtClean="0">
-              <a:solidFill>
-                <a:schemeClr val="bg2">
-                  <a:lumMod val="25000"/>
-                </a:schemeClr>
-              </a:solidFill>
-            </a:endParaRPr>
-          </a:p>
-          <a:p>
-            <a:pPr>
-              <a:lnSpc>
-                <a:spcPct val="110000"/>
-              </a:lnSpc>
-            </a:pPr>
-            <a:endParaRPr lang="en-US" sz="2600" dirty="0" smtClean="0">
-              <a:solidFill>
-                <a:schemeClr val="bg2">
-                  <a:lumMod val="25000"/>
-                </a:schemeClr>
-              </a:solidFill>
-            </a:endParaRPr>
-          </a:p>
-          <a:p>
-            <a:pPr>
-              <a:lnSpc>
-                <a:spcPct val="110000"/>
-              </a:lnSpc>
-            </a:pPr>
-            <a:endParaRPr lang="en-US" sz="2600" dirty="0" smtClean="0">
-              <a:solidFill>
-                <a:schemeClr val="bg2">
-                  <a:lumMod val="25000"/>
-                </a:schemeClr>
-              </a:solidFill>
-            </a:endParaRPr>
-          </a:p>
-        </p:txBody>
-      </p:sp>
-      <p:pic>
-        <p:nvPicPr>
-          <p:cNvPr id="4" name="Picture 3"/>
-          <p:cNvPicPr>
-            <a:picLocks noChangeAspect="1"/>
-          </p:cNvPicPr>
-          <p:nvPr/>
-        </p:nvPicPr>
-        <p:blipFill>
-          <a:blip r:embed="rId3">
-            <a:alphaModFix amt="60000"/>
-            <a:extLst>
-              <a:ext uri="{28A0092B-C50C-407E-A947-70E740481C1C}">
-                <a14:useLocalDpi xmlns:a14="http://schemas.microsoft.com/office/drawing/2010/main" val="0"/>
-              </a:ext>
-            </a:extLst>
-          </a:blip>
-          <a:stretch>
-            <a:fillRect/>
-          </a:stretch>
-        </p:blipFill>
-        <p:spPr>
-          <a:xfrm>
-            <a:off x="173384" y="6417255"/>
-            <a:ext cx="1695174" cy="270123"/>
-          </a:xfrm>
-          <a:prstGeom prst="rect">
-            <a:avLst/>
-          </a:prstGeom>
-        </p:spPr>
-      </p:pic>
-      <p:cxnSp>
-        <p:nvCxnSpPr>
-          <p:cNvPr id="10" name="Straight Connector 9"/>
-          <p:cNvCxnSpPr/>
-          <p:nvPr/>
-        </p:nvCxnSpPr>
-        <p:spPr>
-          <a:xfrm>
-            <a:off x="0" y="6253236"/>
-            <a:ext cx="12192000" cy="0"/>
-          </a:xfrm>
-          <a:prstGeom prst="line">
-            <a:avLst/>
-          </a:prstGeom>
-          <a:ln>
-            <a:solidFill>
-              <a:schemeClr val="bg2">
-                <a:lumMod val="75000"/>
-              </a:schemeClr>
-            </a:solidFill>
-          </a:ln>
-        </p:spPr>
-        <p:style>
-          <a:lnRef idx="1">
-            <a:schemeClr val="dk1"/>
-          </a:lnRef>
-          <a:fillRef idx="0">
-            <a:schemeClr val="dk1"/>
-          </a:fillRef>
-          <a:effectRef idx="0">
-            <a:schemeClr val="dk1"/>
-          </a:effectRef>
-          <a:fontRef idx="minor">
-            <a:schemeClr val="tx1"/>
-          </a:fontRef>
-        </p:style>
-      </p:cxnSp>
-      <p:sp>
-        <p:nvSpPr>
-          <p:cNvPr id="13" name="TextBox 12"/>
-          <p:cNvSpPr txBox="1"/>
-          <p:nvPr/>
-        </p:nvSpPr>
-        <p:spPr>
-          <a:xfrm>
-            <a:off x="9245600" y="6417255"/>
-            <a:ext cx="2946400" cy="276999"/>
-          </a:xfrm>
-          <a:prstGeom prst="rect">
-            <a:avLst/>
-          </a:prstGeom>
-          <a:noFill/>
-        </p:spPr>
-        <p:txBody>
-          <a:bodyPr wrap="square" rtlCol="0">
-            <a:spAutoFit/>
-          </a:bodyPr>
-          <a:lstStyle/>
-          <a:p>
-            <a:r>
-              <a:rPr lang="en-US" sz="1200" smtClean="0">
-                <a:solidFill>
-                  <a:schemeClr val="tx1">
-                    <a:lumMod val="65000"/>
-                    <a:lumOff val="35000"/>
-                    <a:alpha val="60000"/>
-                  </a:schemeClr>
-                </a:solidFill>
-              </a:rPr>
-              <a:t>Stephen McLaughlin  /  @</a:t>
-            </a:r>
-            <a:r>
-              <a:rPr lang="en-US" sz="1200" err="1" smtClean="0">
-                <a:solidFill>
-                  <a:schemeClr val="tx1">
-                    <a:lumMod val="65000"/>
-                    <a:lumOff val="35000"/>
-                    <a:alpha val="60000"/>
-                  </a:schemeClr>
-                </a:solidFill>
-              </a:rPr>
-              <a:t>SteveMcLaugh</a:t>
-            </a:r>
-            <a:endParaRPr lang="en-US" sz="1200">
-              <a:solidFill>
-                <a:schemeClr val="tx1">
-                  <a:lumMod val="65000"/>
-                  <a:lumOff val="35000"/>
-                  <a:alpha val="60000"/>
-                </a:schemeClr>
-              </a:solidFill>
-            </a:endParaRPr>
-          </a:p>
-        </p:txBody>
-      </p:sp>
-    </p:spTree>
-    <p:extLst>
-      <p:ext uri="{BB962C8B-B14F-4D97-AF65-F5344CB8AC3E}">
-        <p14:creationId xmlns:p14="http://schemas.microsoft.com/office/powerpoint/2010/main" val="914368066"/>
-      </p:ext>
-    </p:extLst>
-  </p:cSld>
-  <p:clrMapOvr>
-    <a:masterClrMapping/>
-  </p:clrMapOvr>
-  <p:timing>
-    <p:tnLst>
-      <p:par>
-        <p:cTn id="1" dur="indefinite" restart="never" nodeType="tmRoot"/>
-      </p:par>
-    </p:tnLst>
-  </p:timing>
-</p:sld>
-</file>
-
-<file path=ppt/slides/slide19.xml><?xml version="1.0" encoding="utf-8"?>
-<p:sld xmlns:a="http://schemas.openxmlformats.org/drawingml/2006/main" xmlns:r="http://schemas.openxmlformats.org/officeDocument/2006/relationships" xmlns:p="http://schemas.openxmlformats.org/presentationml/2006/main">
-  <p:cSld>
-    <p:spTree>
-      <p:nvGrpSpPr>
-        <p:cNvPr id="1" name=""/>
-        <p:cNvGrpSpPr/>
-        <p:nvPr/>
-      </p:nvGrpSpPr>
-      <p:grpSpPr>
-        <a:xfrm>
-          <a:off x="0" y="0"/>
-          <a:ext cx="0" cy="0"/>
-          <a:chOff x="0" y="0"/>
-          <a:chExt cx="0" cy="0"/>
-        </a:xfrm>
-      </p:grpSpPr>
-      <p:sp>
-        <p:nvSpPr>
-          <p:cNvPr id="2" name="Title 1"/>
-          <p:cNvSpPr>
-            <a:spLocks noGrp="1"/>
-          </p:cNvSpPr>
-          <p:nvPr>
-            <p:ph type="title"/>
-          </p:nvPr>
-        </p:nvSpPr>
-        <p:spPr/>
-        <p:txBody>
-          <a:bodyPr/>
-          <a:lstStyle/>
-          <a:p>
-            <a:r>
-              <a:rPr lang="en-US" dirty="0" smtClean="0">
-                <a:solidFill>
-                  <a:schemeClr val="bg2">
-                    <a:lumMod val="25000"/>
-                  </a:schemeClr>
-                </a:solidFill>
-              </a:rPr>
-              <a:t>Title</a:t>
-            </a:r>
-            <a:endParaRPr lang="en-US" dirty="0">
-              <a:solidFill>
-                <a:schemeClr val="bg2">
-                  <a:lumMod val="25000"/>
-                </a:schemeClr>
-              </a:solidFill>
-            </a:endParaRPr>
-          </a:p>
-        </p:txBody>
-      </p:sp>
-      <p:sp>
-        <p:nvSpPr>
-          <p:cNvPr id="9" name="Content Placeholder 8"/>
-          <p:cNvSpPr>
-            <a:spLocks noGrp="1"/>
-          </p:cNvSpPr>
-          <p:nvPr>
-            <p:ph idx="1"/>
-          </p:nvPr>
-        </p:nvSpPr>
-        <p:spPr/>
-        <p:txBody>
-          <a:bodyPr>
-            <a:normAutofit/>
-          </a:bodyPr>
-          <a:lstStyle/>
-          <a:p>
-            <a:pPr>
-              <a:lnSpc>
-                <a:spcPct val="110000"/>
-              </a:lnSpc>
-            </a:pPr>
-            <a:r>
-              <a:rPr lang="en-US" sz="2600" dirty="0" smtClean="0">
-                <a:solidFill>
-                  <a:schemeClr val="bg2">
-                    <a:lumMod val="25000"/>
-                  </a:schemeClr>
-                </a:solidFill>
-              </a:rPr>
-              <a:t>1</a:t>
-            </a:r>
-          </a:p>
-          <a:p>
-            <a:pPr>
-              <a:lnSpc>
-                <a:spcPct val="110000"/>
-              </a:lnSpc>
-            </a:pPr>
-            <a:r>
-              <a:rPr lang="en-US" sz="2600" dirty="0" smtClean="0">
-                <a:solidFill>
-                  <a:schemeClr val="bg2">
-                    <a:lumMod val="25000"/>
-                  </a:schemeClr>
-                </a:solidFill>
-              </a:rPr>
-              <a:t>2</a:t>
-            </a:r>
-          </a:p>
-          <a:p>
-            <a:pPr>
-              <a:lnSpc>
-                <a:spcPct val="110000"/>
-              </a:lnSpc>
-            </a:pPr>
-            <a:r>
-              <a:rPr lang="en-US" sz="2600" dirty="0" smtClean="0">
-                <a:solidFill>
-                  <a:schemeClr val="bg2">
-                    <a:lumMod val="25000"/>
-                  </a:schemeClr>
-                </a:solidFill>
-              </a:rPr>
-              <a:t>3</a:t>
-            </a:r>
-          </a:p>
-          <a:p>
-            <a:pPr>
-              <a:lnSpc>
-                <a:spcPct val="110000"/>
-              </a:lnSpc>
-            </a:pPr>
-            <a:r>
-              <a:rPr lang="en-US" sz="2600" dirty="0" smtClean="0">
-                <a:solidFill>
-                  <a:schemeClr val="bg2">
-                    <a:lumMod val="25000"/>
-                  </a:schemeClr>
-                </a:solidFill>
-              </a:rPr>
-              <a:t>4</a:t>
-            </a:r>
-          </a:p>
-          <a:p>
-            <a:pPr>
-              <a:lnSpc>
-                <a:spcPct val="110000"/>
-              </a:lnSpc>
-            </a:pPr>
-            <a:endParaRPr lang="en-US" sz="2600" dirty="0" smtClean="0">
-              <a:solidFill>
-                <a:schemeClr val="bg2">
-                  <a:lumMod val="25000"/>
-                </a:schemeClr>
-              </a:solidFill>
-            </a:endParaRPr>
-          </a:p>
-          <a:p>
-            <a:pPr>
-              <a:lnSpc>
-                <a:spcPct val="110000"/>
-              </a:lnSpc>
-            </a:pPr>
-            <a:endParaRPr lang="en-US" sz="2600" dirty="0" smtClean="0">
-              <a:solidFill>
-                <a:schemeClr val="bg2">
-                  <a:lumMod val="25000"/>
-                </a:schemeClr>
-              </a:solidFill>
-            </a:endParaRPr>
-          </a:p>
-          <a:p>
-            <a:pPr>
-              <a:lnSpc>
-                <a:spcPct val="110000"/>
-              </a:lnSpc>
-            </a:pPr>
-            <a:endParaRPr lang="en-US" sz="2600" dirty="0" smtClean="0">
-              <a:solidFill>
-                <a:schemeClr val="bg2">
-                  <a:lumMod val="25000"/>
-                </a:schemeClr>
-              </a:solidFill>
-            </a:endParaRPr>
-          </a:p>
-        </p:txBody>
-      </p:sp>
-      <p:pic>
-        <p:nvPicPr>
-          <p:cNvPr id="4" name="Picture 3"/>
-          <p:cNvPicPr>
-            <a:picLocks noChangeAspect="1"/>
-          </p:cNvPicPr>
-          <p:nvPr/>
-        </p:nvPicPr>
-        <p:blipFill>
-          <a:blip r:embed="rId3">
-            <a:alphaModFix amt="60000"/>
-            <a:extLst>
-              <a:ext uri="{28A0092B-C50C-407E-A947-70E740481C1C}">
-                <a14:useLocalDpi xmlns:a14="http://schemas.microsoft.com/office/drawing/2010/main" val="0"/>
-              </a:ext>
-            </a:extLst>
-          </a:blip>
-          <a:stretch>
-            <a:fillRect/>
-          </a:stretch>
-        </p:blipFill>
-        <p:spPr>
-          <a:xfrm>
-            <a:off x="173384" y="6417255"/>
-            <a:ext cx="1695174" cy="270123"/>
-          </a:xfrm>
-          <a:prstGeom prst="rect">
-            <a:avLst/>
-          </a:prstGeom>
-        </p:spPr>
-      </p:pic>
-      <p:cxnSp>
-        <p:nvCxnSpPr>
-          <p:cNvPr id="10" name="Straight Connector 9"/>
-          <p:cNvCxnSpPr/>
-          <p:nvPr/>
-        </p:nvCxnSpPr>
-        <p:spPr>
-          <a:xfrm>
-            <a:off x="0" y="6253236"/>
-            <a:ext cx="12192000" cy="0"/>
-          </a:xfrm>
-          <a:prstGeom prst="line">
-            <a:avLst/>
-          </a:prstGeom>
-          <a:ln>
-            <a:solidFill>
-              <a:schemeClr val="bg2">
-                <a:lumMod val="75000"/>
-              </a:schemeClr>
-            </a:solidFill>
-          </a:ln>
-        </p:spPr>
-        <p:style>
-          <a:lnRef idx="1">
-            <a:schemeClr val="dk1"/>
-          </a:lnRef>
-          <a:fillRef idx="0">
-            <a:schemeClr val="dk1"/>
-          </a:fillRef>
-          <a:effectRef idx="0">
-            <a:schemeClr val="dk1"/>
-          </a:effectRef>
-          <a:fontRef idx="minor">
-            <a:schemeClr val="tx1"/>
-          </a:fontRef>
-        </p:style>
-      </p:cxnSp>
-      <p:sp>
-        <p:nvSpPr>
-          <p:cNvPr id="13" name="TextBox 12"/>
-          <p:cNvSpPr txBox="1"/>
-          <p:nvPr/>
-        </p:nvSpPr>
-        <p:spPr>
-          <a:xfrm>
-            <a:off x="9245600" y="6417255"/>
-            <a:ext cx="2946400" cy="276999"/>
-          </a:xfrm>
-          <a:prstGeom prst="rect">
-            <a:avLst/>
-          </a:prstGeom>
-          <a:noFill/>
-        </p:spPr>
-        <p:txBody>
-          <a:bodyPr wrap="square" rtlCol="0">
-            <a:spAutoFit/>
-          </a:bodyPr>
-          <a:lstStyle/>
-          <a:p>
-            <a:r>
-              <a:rPr lang="en-US" sz="1200" smtClean="0">
-                <a:solidFill>
-                  <a:schemeClr val="tx1">
-                    <a:lumMod val="65000"/>
-                    <a:lumOff val="35000"/>
-                    <a:alpha val="60000"/>
-                  </a:schemeClr>
-                </a:solidFill>
-              </a:rPr>
-              <a:t>Stephen McLaughlin  /  @</a:t>
-            </a:r>
-            <a:r>
-              <a:rPr lang="en-US" sz="1200" err="1" smtClean="0">
-                <a:solidFill>
-                  <a:schemeClr val="tx1">
-                    <a:lumMod val="65000"/>
-                    <a:lumOff val="35000"/>
-                    <a:alpha val="60000"/>
-                  </a:schemeClr>
-                </a:solidFill>
-              </a:rPr>
-              <a:t>SteveMcLaugh</a:t>
-            </a:r>
-            <a:endParaRPr lang="en-US" sz="1200">
-              <a:solidFill>
-                <a:schemeClr val="tx1">
-                  <a:lumMod val="65000"/>
-                  <a:lumOff val="35000"/>
-                  <a:alpha val="60000"/>
-                </a:schemeClr>
-              </a:solidFill>
-            </a:endParaRPr>
-          </a:p>
-        </p:txBody>
-      </p:sp>
-    </p:spTree>
-    <p:extLst>
-      <p:ext uri="{BB962C8B-B14F-4D97-AF65-F5344CB8AC3E}">
-        <p14:creationId xmlns:p14="http://schemas.microsoft.com/office/powerpoint/2010/main" val="1805733825"/>
-      </p:ext>
-    </p:extLst>
-  </p:cSld>
-  <p:clrMapOvr>
-    <a:masterClrMapping/>
-  </p:clrMapOvr>
-  <p:timing>
-    <p:tnLst>
-      <p:par>
-        <p:cTn id="1" dur="indefinite" restart="never" nodeType="tmRoot"/>
-      </p:par>
-    </p:tnLst>
-  </p:timing>
-</p:sld>
-</file>
-
-<file path=ppt/slides/slide2.xml><?xml version="1.0" encoding="utf-8"?>
 <p:sld xmlns:a="http://schemas.openxmlformats.org/drawingml/2006/main" xmlns:r="http://schemas.openxmlformats.org/officeDocument/2006/relationships" xmlns:p="http://schemas.openxmlformats.org/presentationml/2006/main">
   <p:cSld>
     <p:spTree>
@@ -10267,8 +9947,305 @@
         </p:blipFill>
         <p:spPr>
           <a:xfrm>
-            <a:off x="4165600" y="0"/>
-            <a:ext cx="3856058" cy="6858000"/>
+            <a:off x="2581835" y="242457"/>
+            <a:ext cx="4405723" cy="5846761"/>
+          </a:xfrm>
+          <a:prstGeom prst="rect">
+            <a:avLst/>
+          </a:prstGeom>
+        </p:spPr>
+      </p:pic>
+      <p:sp>
+        <p:nvSpPr>
+          <p:cNvPr id="6" name="Rectangle 5"/>
+          <p:cNvSpPr/>
+          <p:nvPr/>
+        </p:nvSpPr>
+        <p:spPr>
+          <a:xfrm>
+            <a:off x="7183209" y="5709562"/>
+            <a:ext cx="1641090" cy="307777"/>
+          </a:xfrm>
+          <a:prstGeom prst="rect">
+            <a:avLst/>
+          </a:prstGeom>
+        </p:spPr>
+        <p:txBody>
+          <a:bodyPr wrap="none">
+            <a:spAutoFit/>
+          </a:bodyPr>
+          <a:lstStyle/>
+          <a:p>
+            <a:r>
+              <a:rPr lang="en-US" sz="1400" dirty="0"/>
+              <a:t>C</a:t>
+            </a:r>
+            <a:r>
+              <a:rPr lang="en-US" sz="1400" dirty="0" smtClean="0"/>
+              <a:t>redit: Handel 1989</a:t>
+            </a:r>
+            <a:endParaRPr lang="en-US" sz="1400" dirty="0"/>
+          </a:p>
+        </p:txBody>
+      </p:sp>
+    </p:spTree>
+    <p:extLst>
+      <p:ext uri="{BB962C8B-B14F-4D97-AF65-F5344CB8AC3E}">
+        <p14:creationId xmlns:p14="http://schemas.microsoft.com/office/powerpoint/2010/main" val="996462877"/>
+      </p:ext>
+    </p:extLst>
+  </p:cSld>
+  <p:clrMapOvr>
+    <a:masterClrMapping/>
+  </p:clrMapOvr>
+  <p:timing>
+    <p:tnLst>
+      <p:par>
+        <p:cTn id="1" dur="indefinite" restart="never" nodeType="tmRoot"/>
+      </p:par>
+    </p:tnLst>
+  </p:timing>
+</p:sld>
+</file>
+
+<file path=ppt/slides/slide18.xml><?xml version="1.0" encoding="utf-8"?>
+<p:sld xmlns:a="http://schemas.openxmlformats.org/drawingml/2006/main" xmlns:r="http://schemas.openxmlformats.org/officeDocument/2006/relationships" xmlns:p="http://schemas.openxmlformats.org/presentationml/2006/main">
+  <p:cSld>
+    <p:spTree>
+      <p:nvGrpSpPr>
+        <p:cNvPr id="1" name=""/>
+        <p:cNvGrpSpPr/>
+        <p:nvPr/>
+      </p:nvGrpSpPr>
+      <p:grpSpPr>
+        <a:xfrm>
+          <a:off x="0" y="0"/>
+          <a:ext cx="0" cy="0"/>
+          <a:chOff x="0" y="0"/>
+          <a:chExt cx="0" cy="0"/>
+        </a:xfrm>
+      </p:grpSpPr>
+      <p:pic>
+        <p:nvPicPr>
+          <p:cNvPr id="4" name="Picture 3"/>
+          <p:cNvPicPr>
+            <a:picLocks noChangeAspect="1"/>
+          </p:cNvPicPr>
+          <p:nvPr/>
+        </p:nvPicPr>
+        <p:blipFill>
+          <a:blip r:embed="rId3">
+            <a:alphaModFix amt="60000"/>
+            <a:extLst>
+              <a:ext uri="{28A0092B-C50C-407E-A947-70E740481C1C}">
+                <a14:useLocalDpi xmlns:a14="http://schemas.microsoft.com/office/drawing/2010/main" val="0"/>
+              </a:ext>
+            </a:extLst>
+          </a:blip>
+          <a:stretch>
+            <a:fillRect/>
+          </a:stretch>
+        </p:blipFill>
+        <p:spPr>
+          <a:xfrm>
+            <a:off x="173384" y="6417255"/>
+            <a:ext cx="1695174" cy="270123"/>
+          </a:xfrm>
+          <a:prstGeom prst="rect">
+            <a:avLst/>
+          </a:prstGeom>
+        </p:spPr>
+      </p:pic>
+      <p:cxnSp>
+        <p:nvCxnSpPr>
+          <p:cNvPr id="10" name="Straight Connector 9"/>
+          <p:cNvCxnSpPr/>
+          <p:nvPr/>
+        </p:nvCxnSpPr>
+        <p:spPr>
+          <a:xfrm>
+            <a:off x="0" y="6253236"/>
+            <a:ext cx="12192000" cy="0"/>
+          </a:xfrm>
+          <a:prstGeom prst="line">
+            <a:avLst/>
+          </a:prstGeom>
+          <a:ln>
+            <a:solidFill>
+              <a:schemeClr val="bg2">
+                <a:lumMod val="75000"/>
+              </a:schemeClr>
+            </a:solidFill>
+          </a:ln>
+        </p:spPr>
+        <p:style>
+          <a:lnRef idx="1">
+            <a:schemeClr val="dk1"/>
+          </a:lnRef>
+          <a:fillRef idx="0">
+            <a:schemeClr val="dk1"/>
+          </a:fillRef>
+          <a:effectRef idx="0">
+            <a:schemeClr val="dk1"/>
+          </a:effectRef>
+          <a:fontRef idx="minor">
+            <a:schemeClr val="tx1"/>
+          </a:fontRef>
+        </p:style>
+      </p:cxnSp>
+      <p:sp>
+        <p:nvSpPr>
+          <p:cNvPr id="13" name="TextBox 12"/>
+          <p:cNvSpPr txBox="1"/>
+          <p:nvPr/>
+        </p:nvSpPr>
+        <p:spPr>
+          <a:xfrm>
+            <a:off x="9245600" y="6417255"/>
+            <a:ext cx="2946400" cy="276999"/>
+          </a:xfrm>
+          <a:prstGeom prst="rect">
+            <a:avLst/>
+          </a:prstGeom>
+          <a:noFill/>
+        </p:spPr>
+        <p:txBody>
+          <a:bodyPr wrap="square" rtlCol="0">
+            <a:spAutoFit/>
+          </a:bodyPr>
+          <a:lstStyle/>
+          <a:p>
+            <a:r>
+              <a:rPr lang="en-US" sz="1200" smtClean="0">
+                <a:solidFill>
+                  <a:schemeClr val="tx1">
+                    <a:lumMod val="65000"/>
+                    <a:lumOff val="35000"/>
+                    <a:alpha val="60000"/>
+                  </a:schemeClr>
+                </a:solidFill>
+              </a:rPr>
+              <a:t>Stephen McLaughlin  /  @</a:t>
+            </a:r>
+            <a:r>
+              <a:rPr lang="en-US" sz="1200" err="1" smtClean="0">
+                <a:solidFill>
+                  <a:schemeClr val="tx1">
+                    <a:lumMod val="65000"/>
+                    <a:lumOff val="35000"/>
+                    <a:alpha val="60000"/>
+                  </a:schemeClr>
+                </a:solidFill>
+              </a:rPr>
+              <a:t>SteveMcLaugh</a:t>
+            </a:r>
+            <a:endParaRPr lang="en-US" sz="1200">
+              <a:solidFill>
+                <a:schemeClr val="tx1">
+                  <a:lumMod val="65000"/>
+                  <a:lumOff val="35000"/>
+                  <a:alpha val="60000"/>
+                </a:schemeClr>
+              </a:solidFill>
+            </a:endParaRPr>
+          </a:p>
+        </p:txBody>
+      </p:sp>
+      <p:pic>
+        <p:nvPicPr>
+          <p:cNvPr id="2" name="Picture 1"/>
+          <p:cNvPicPr>
+            <a:picLocks noChangeAspect="1"/>
+          </p:cNvPicPr>
+          <p:nvPr/>
+        </p:nvPicPr>
+        <p:blipFill>
+          <a:blip r:embed="rId4">
+            <a:extLst>
+              <a:ext uri="{28A0092B-C50C-407E-A947-70E740481C1C}">
+                <a14:useLocalDpi xmlns:a14="http://schemas.microsoft.com/office/drawing/2010/main" val="0"/>
+              </a:ext>
+            </a:extLst>
+          </a:blip>
+          <a:stretch>
+            <a:fillRect/>
+          </a:stretch>
+        </p:blipFill>
+        <p:spPr>
+          <a:xfrm>
+            <a:off x="1182334" y="253195"/>
+            <a:ext cx="3116927" cy="5800165"/>
+          </a:xfrm>
+          <a:prstGeom prst="rect">
+            <a:avLst/>
+          </a:prstGeom>
+        </p:spPr>
+      </p:pic>
+      <p:sp>
+        <p:nvSpPr>
+          <p:cNvPr id="6" name="Rectangle 5"/>
+          <p:cNvSpPr/>
+          <p:nvPr/>
+        </p:nvSpPr>
+        <p:spPr>
+          <a:xfrm>
+            <a:off x="9937235" y="5709562"/>
+            <a:ext cx="1860317" cy="307777"/>
+          </a:xfrm>
+          <a:prstGeom prst="rect">
+            <a:avLst/>
+          </a:prstGeom>
+        </p:spPr>
+        <p:txBody>
+          <a:bodyPr wrap="none">
+            <a:spAutoFit/>
+          </a:bodyPr>
+          <a:lstStyle/>
+          <a:p>
+            <a:r>
+              <a:rPr lang="en-US" sz="1400" dirty="0"/>
+              <a:t>C</a:t>
+            </a:r>
+            <a:r>
+              <a:rPr lang="en-US" sz="1400" dirty="0" smtClean="0"/>
+              <a:t>redit: </a:t>
+            </a:r>
+            <a:r>
+              <a:rPr lang="en-US" sz="1400" dirty="0" err="1" smtClean="0"/>
+              <a:t>Pohlmann</a:t>
+            </a:r>
+            <a:r>
+              <a:rPr lang="en-US" sz="1400" dirty="0" smtClean="0"/>
+              <a:t> 2011</a:t>
+            </a:r>
+            <a:endParaRPr lang="en-US" sz="1400" dirty="0"/>
+          </a:p>
+        </p:txBody>
+      </p:sp>
+      <p:pic>
+        <p:nvPicPr>
+          <p:cNvPr id="8" name="Picture 7"/>
+          <p:cNvPicPr>
+            <a:picLocks noChangeAspect="1"/>
+          </p:cNvPicPr>
+          <p:nvPr/>
+        </p:nvPicPr>
+        <p:blipFill>
+          <a:blip r:embed="rId5">
+            <a:extLst>
+              <a:ext uri="{28A0092B-C50C-407E-A947-70E740481C1C}">
+                <a14:useLocalDpi xmlns:a14="http://schemas.microsoft.com/office/drawing/2010/main" val="0"/>
+              </a:ext>
+            </a:extLst>
+          </a:blip>
+          <a:stretch>
+            <a:fillRect/>
+          </a:stretch>
+        </p:blipFill>
+        <p:spPr>
+          <a:xfrm>
+            <a:off x="4591037" y="1971720"/>
+            <a:ext cx="7206515" cy="2999118"/>
           </a:xfrm>
           <a:prstGeom prst="rect">
             <a:avLst/>
@@ -10278,7 +10255,523 @@
     </p:spTree>
     <p:extLst>
       <p:ext uri="{BB962C8B-B14F-4D97-AF65-F5344CB8AC3E}">
-        <p14:creationId xmlns:p14="http://schemas.microsoft.com/office/powerpoint/2010/main" val="437515159"/>
+        <p14:creationId xmlns:p14="http://schemas.microsoft.com/office/powerpoint/2010/main" val="1284651165"/>
+      </p:ext>
+    </p:extLst>
+  </p:cSld>
+  <p:clrMapOvr>
+    <a:masterClrMapping/>
+  </p:clrMapOvr>
+  <p:timing>
+    <p:tnLst>
+      <p:par>
+        <p:cTn id="1" dur="indefinite" restart="never" nodeType="tmRoot"/>
+      </p:par>
+    </p:tnLst>
+  </p:timing>
+</p:sld>
+</file>
+
+<file path=ppt/slides/slide19.xml><?xml version="1.0" encoding="utf-8"?>
+<p:sld xmlns:a="http://schemas.openxmlformats.org/drawingml/2006/main" xmlns:r="http://schemas.openxmlformats.org/officeDocument/2006/relationships" xmlns:p="http://schemas.openxmlformats.org/presentationml/2006/main">
+  <p:cSld>
+    <p:spTree>
+      <p:nvGrpSpPr>
+        <p:cNvPr id="1" name=""/>
+        <p:cNvGrpSpPr/>
+        <p:nvPr/>
+      </p:nvGrpSpPr>
+      <p:grpSpPr>
+        <a:xfrm>
+          <a:off x="0" y="0"/>
+          <a:ext cx="0" cy="0"/>
+          <a:chOff x="0" y="0"/>
+          <a:chExt cx="0" cy="0"/>
+        </a:xfrm>
+      </p:grpSpPr>
+      <p:pic>
+        <p:nvPicPr>
+          <p:cNvPr id="4" name="Picture 3"/>
+          <p:cNvPicPr>
+            <a:picLocks noChangeAspect="1"/>
+          </p:cNvPicPr>
+          <p:nvPr/>
+        </p:nvPicPr>
+        <p:blipFill>
+          <a:blip r:embed="rId3">
+            <a:alphaModFix amt="60000"/>
+            <a:extLst>
+              <a:ext uri="{28A0092B-C50C-407E-A947-70E740481C1C}">
+                <a14:useLocalDpi xmlns:a14="http://schemas.microsoft.com/office/drawing/2010/main" val="0"/>
+              </a:ext>
+            </a:extLst>
+          </a:blip>
+          <a:stretch>
+            <a:fillRect/>
+          </a:stretch>
+        </p:blipFill>
+        <p:spPr>
+          <a:xfrm>
+            <a:off x="173384" y="6417255"/>
+            <a:ext cx="1695174" cy="270123"/>
+          </a:xfrm>
+          <a:prstGeom prst="rect">
+            <a:avLst/>
+          </a:prstGeom>
+        </p:spPr>
+      </p:pic>
+      <p:cxnSp>
+        <p:nvCxnSpPr>
+          <p:cNvPr id="10" name="Straight Connector 9"/>
+          <p:cNvCxnSpPr/>
+          <p:nvPr/>
+        </p:nvCxnSpPr>
+        <p:spPr>
+          <a:xfrm>
+            <a:off x="0" y="6253236"/>
+            <a:ext cx="12192000" cy="0"/>
+          </a:xfrm>
+          <a:prstGeom prst="line">
+            <a:avLst/>
+          </a:prstGeom>
+          <a:ln>
+            <a:solidFill>
+              <a:schemeClr val="bg2">
+                <a:lumMod val="75000"/>
+              </a:schemeClr>
+            </a:solidFill>
+          </a:ln>
+        </p:spPr>
+        <p:style>
+          <a:lnRef idx="1">
+            <a:schemeClr val="dk1"/>
+          </a:lnRef>
+          <a:fillRef idx="0">
+            <a:schemeClr val="dk1"/>
+          </a:fillRef>
+          <a:effectRef idx="0">
+            <a:schemeClr val="dk1"/>
+          </a:effectRef>
+          <a:fontRef idx="minor">
+            <a:schemeClr val="tx1"/>
+          </a:fontRef>
+        </p:style>
+      </p:cxnSp>
+      <p:sp>
+        <p:nvSpPr>
+          <p:cNvPr id="13" name="TextBox 12"/>
+          <p:cNvSpPr txBox="1"/>
+          <p:nvPr/>
+        </p:nvSpPr>
+        <p:spPr>
+          <a:xfrm>
+            <a:off x="9245600" y="6417255"/>
+            <a:ext cx="2946400" cy="276999"/>
+          </a:xfrm>
+          <a:prstGeom prst="rect">
+            <a:avLst/>
+          </a:prstGeom>
+          <a:noFill/>
+        </p:spPr>
+        <p:txBody>
+          <a:bodyPr wrap="square" rtlCol="0">
+            <a:spAutoFit/>
+          </a:bodyPr>
+          <a:lstStyle/>
+          <a:p>
+            <a:r>
+              <a:rPr lang="en-US" sz="1200" smtClean="0">
+                <a:solidFill>
+                  <a:schemeClr val="tx1">
+                    <a:lumMod val="65000"/>
+                    <a:lumOff val="35000"/>
+                    <a:alpha val="60000"/>
+                  </a:schemeClr>
+                </a:solidFill>
+              </a:rPr>
+              <a:t>Stephen McLaughlin  /  @</a:t>
+            </a:r>
+            <a:r>
+              <a:rPr lang="en-US" sz="1200" err="1" smtClean="0">
+                <a:solidFill>
+                  <a:schemeClr val="tx1">
+                    <a:lumMod val="65000"/>
+                    <a:lumOff val="35000"/>
+                    <a:alpha val="60000"/>
+                  </a:schemeClr>
+                </a:solidFill>
+              </a:rPr>
+              <a:t>SteveMcLaugh</a:t>
+            </a:r>
+            <a:endParaRPr lang="en-US" sz="1200">
+              <a:solidFill>
+                <a:schemeClr val="tx1">
+                  <a:lumMod val="65000"/>
+                  <a:lumOff val="35000"/>
+                  <a:alpha val="60000"/>
+                </a:schemeClr>
+              </a:solidFill>
+            </a:endParaRPr>
+          </a:p>
+        </p:txBody>
+      </p:sp>
+      <p:pic>
+        <p:nvPicPr>
+          <p:cNvPr id="2" name="Picture 1"/>
+          <p:cNvPicPr>
+            <a:picLocks noChangeAspect="1"/>
+          </p:cNvPicPr>
+          <p:nvPr/>
+        </p:nvPicPr>
+        <p:blipFill>
+          <a:blip r:embed="rId4">
+            <a:extLst>
+              <a:ext uri="{28A0092B-C50C-407E-A947-70E740481C1C}">
+                <a14:useLocalDpi xmlns:a14="http://schemas.microsoft.com/office/drawing/2010/main" val="0"/>
+              </a:ext>
+            </a:extLst>
+          </a:blip>
+          <a:stretch>
+            <a:fillRect/>
+          </a:stretch>
+        </p:blipFill>
+        <p:spPr>
+          <a:xfrm>
+            <a:off x="2193590" y="190317"/>
+            <a:ext cx="7123726" cy="5753281"/>
+          </a:xfrm>
+          <a:prstGeom prst="rect">
+            <a:avLst/>
+          </a:prstGeom>
+        </p:spPr>
+      </p:pic>
+      <p:sp>
+        <p:nvSpPr>
+          <p:cNvPr id="6" name="Rectangle 5"/>
+          <p:cNvSpPr/>
+          <p:nvPr/>
+        </p:nvSpPr>
+        <p:spPr>
+          <a:xfrm>
+            <a:off x="9381423" y="5781441"/>
+            <a:ext cx="1860317" cy="307777"/>
+          </a:xfrm>
+          <a:prstGeom prst="rect">
+            <a:avLst/>
+          </a:prstGeom>
+        </p:spPr>
+        <p:txBody>
+          <a:bodyPr wrap="none">
+            <a:spAutoFit/>
+          </a:bodyPr>
+          <a:lstStyle/>
+          <a:p>
+            <a:r>
+              <a:rPr lang="en-US" sz="1400" dirty="0"/>
+              <a:t>C</a:t>
+            </a:r>
+            <a:r>
+              <a:rPr lang="en-US" sz="1400" dirty="0" smtClean="0"/>
+              <a:t>redit: </a:t>
+            </a:r>
+            <a:r>
+              <a:rPr lang="en-US" sz="1400" dirty="0" err="1" smtClean="0"/>
+              <a:t>Pohlmann</a:t>
+            </a:r>
+            <a:r>
+              <a:rPr lang="en-US" sz="1400" dirty="0" smtClean="0"/>
+              <a:t> 2011</a:t>
+            </a:r>
+            <a:endParaRPr lang="en-US" sz="1400" dirty="0"/>
+          </a:p>
+        </p:txBody>
+      </p:sp>
+    </p:spTree>
+    <p:extLst>
+      <p:ext uri="{BB962C8B-B14F-4D97-AF65-F5344CB8AC3E}">
+        <p14:creationId xmlns:p14="http://schemas.microsoft.com/office/powerpoint/2010/main" val="1674267801"/>
+      </p:ext>
+    </p:extLst>
+  </p:cSld>
+  <p:clrMapOvr>
+    <a:masterClrMapping/>
+  </p:clrMapOvr>
+  <p:timing>
+    <p:tnLst>
+      <p:par>
+        <p:cTn id="1" dur="indefinite" restart="never" nodeType="tmRoot"/>
+      </p:par>
+    </p:tnLst>
+  </p:timing>
+</p:sld>
+</file>
+
+<file path=ppt/slides/slide2.xml><?xml version="1.0" encoding="utf-8"?>
+<p:sld xmlns:a="http://schemas.openxmlformats.org/drawingml/2006/main" xmlns:r="http://schemas.openxmlformats.org/officeDocument/2006/relationships" xmlns:p="http://schemas.openxmlformats.org/presentationml/2006/main">
+  <p:cSld>
+    <p:spTree>
+      <p:nvGrpSpPr>
+        <p:cNvPr id="1" name=""/>
+        <p:cNvGrpSpPr/>
+        <p:nvPr/>
+      </p:nvGrpSpPr>
+      <p:grpSpPr>
+        <a:xfrm>
+          <a:off x="0" y="0"/>
+          <a:ext cx="0" cy="0"/>
+          <a:chOff x="0" y="0"/>
+          <a:chExt cx="0" cy="0"/>
+        </a:xfrm>
+      </p:grpSpPr>
+      <p:sp>
+        <p:nvSpPr>
+          <p:cNvPr id="2" name="Title 1"/>
+          <p:cNvSpPr>
+            <a:spLocks noGrp="1"/>
+          </p:cNvSpPr>
+          <p:nvPr>
+            <p:ph type="title"/>
+          </p:nvPr>
+        </p:nvSpPr>
+        <p:spPr/>
+        <p:txBody>
+          <a:bodyPr/>
+          <a:lstStyle/>
+          <a:p>
+            <a:r>
+              <a:rPr lang="en-US" dirty="0" smtClean="0">
+                <a:solidFill>
+                  <a:schemeClr val="bg2">
+                    <a:lumMod val="25000"/>
+                  </a:schemeClr>
+                </a:solidFill>
+              </a:rPr>
+              <a:t>What do you need to classify sound?</a:t>
+            </a:r>
+            <a:endParaRPr lang="en-US" dirty="0">
+              <a:solidFill>
+                <a:schemeClr val="bg2">
+                  <a:lumMod val="25000"/>
+                </a:schemeClr>
+              </a:solidFill>
+            </a:endParaRPr>
+          </a:p>
+        </p:txBody>
+      </p:sp>
+      <p:sp>
+        <p:nvSpPr>
+          <p:cNvPr id="9" name="Content Placeholder 8"/>
+          <p:cNvSpPr>
+            <a:spLocks noGrp="1"/>
+          </p:cNvSpPr>
+          <p:nvPr>
+            <p:ph idx="1"/>
+          </p:nvPr>
+        </p:nvSpPr>
+        <p:spPr/>
+        <p:txBody>
+          <a:bodyPr>
+            <a:normAutofit/>
+          </a:bodyPr>
+          <a:lstStyle/>
+          <a:p>
+            <a:pPr>
+              <a:lnSpc>
+                <a:spcPct val="110000"/>
+              </a:lnSpc>
+            </a:pPr>
+            <a:r>
+              <a:rPr lang="en-US" sz="3300" dirty="0" smtClean="0">
+                <a:solidFill>
+                  <a:schemeClr val="bg2">
+                    <a:lumMod val="25000"/>
+                  </a:schemeClr>
+                </a:solidFill>
+              </a:rPr>
+              <a:t>A little theory</a:t>
+            </a:r>
+            <a:endParaRPr lang="en-US" sz="3300" dirty="0" smtClean="0">
+              <a:solidFill>
+                <a:schemeClr val="bg2">
+                  <a:lumMod val="25000"/>
+                </a:schemeClr>
+              </a:solidFill>
+            </a:endParaRPr>
+          </a:p>
+          <a:p>
+            <a:pPr>
+              <a:lnSpc>
+                <a:spcPct val="110000"/>
+              </a:lnSpc>
+            </a:pPr>
+            <a:endParaRPr lang="en-US" sz="3300" dirty="0" smtClean="0">
+              <a:solidFill>
+                <a:schemeClr val="bg2">
+                  <a:lumMod val="25000"/>
+                </a:schemeClr>
+              </a:solidFill>
+            </a:endParaRPr>
+          </a:p>
+          <a:p>
+            <a:pPr>
+              <a:lnSpc>
+                <a:spcPct val="110000"/>
+              </a:lnSpc>
+            </a:pPr>
+            <a:endParaRPr lang="en-US" sz="3300" dirty="0" smtClean="0">
+              <a:solidFill>
+                <a:schemeClr val="bg2">
+                  <a:lumMod val="25000"/>
+                </a:schemeClr>
+              </a:solidFill>
+            </a:endParaRPr>
+          </a:p>
+          <a:p>
+            <a:pPr>
+              <a:lnSpc>
+                <a:spcPct val="110000"/>
+              </a:lnSpc>
+            </a:pPr>
+            <a:endParaRPr lang="en-US" sz="3300" dirty="0" smtClean="0">
+              <a:solidFill>
+                <a:schemeClr val="bg2">
+                  <a:lumMod val="25000"/>
+                </a:schemeClr>
+              </a:solidFill>
+            </a:endParaRPr>
+          </a:p>
+        </p:txBody>
+      </p:sp>
+      <p:pic>
+        <p:nvPicPr>
+          <p:cNvPr id="4" name="Picture 3"/>
+          <p:cNvPicPr>
+            <a:picLocks noChangeAspect="1"/>
+          </p:cNvPicPr>
+          <p:nvPr/>
+        </p:nvPicPr>
+        <p:blipFill>
+          <a:blip r:embed="rId3">
+            <a:alphaModFix amt="60000"/>
+            <a:extLst>
+              <a:ext uri="{28A0092B-C50C-407E-A947-70E740481C1C}">
+                <a14:useLocalDpi xmlns:a14="http://schemas.microsoft.com/office/drawing/2010/main" val="0"/>
+              </a:ext>
+            </a:extLst>
+          </a:blip>
+          <a:stretch>
+            <a:fillRect/>
+          </a:stretch>
+        </p:blipFill>
+        <p:spPr>
+          <a:xfrm>
+            <a:off x="173384" y="6417255"/>
+            <a:ext cx="1695174" cy="270123"/>
+          </a:xfrm>
+          <a:prstGeom prst="rect">
+            <a:avLst/>
+          </a:prstGeom>
+        </p:spPr>
+      </p:pic>
+      <p:cxnSp>
+        <p:nvCxnSpPr>
+          <p:cNvPr id="10" name="Straight Connector 9"/>
+          <p:cNvCxnSpPr/>
+          <p:nvPr/>
+        </p:nvCxnSpPr>
+        <p:spPr>
+          <a:xfrm>
+            <a:off x="0" y="6253236"/>
+            <a:ext cx="12192000" cy="0"/>
+          </a:xfrm>
+          <a:prstGeom prst="line">
+            <a:avLst/>
+          </a:prstGeom>
+          <a:ln>
+            <a:solidFill>
+              <a:schemeClr val="bg2">
+                <a:lumMod val="75000"/>
+              </a:schemeClr>
+            </a:solidFill>
+          </a:ln>
+        </p:spPr>
+        <p:style>
+          <a:lnRef idx="1">
+            <a:schemeClr val="dk1"/>
+          </a:lnRef>
+          <a:fillRef idx="0">
+            <a:schemeClr val="dk1"/>
+          </a:fillRef>
+          <a:effectRef idx="0">
+            <a:schemeClr val="dk1"/>
+          </a:effectRef>
+          <a:fontRef idx="minor">
+            <a:schemeClr val="tx1"/>
+          </a:fontRef>
+        </p:style>
+      </p:cxnSp>
+      <p:sp>
+        <p:nvSpPr>
+          <p:cNvPr id="13" name="TextBox 12"/>
+          <p:cNvSpPr txBox="1"/>
+          <p:nvPr/>
+        </p:nvSpPr>
+        <p:spPr>
+          <a:xfrm>
+            <a:off x="9245600" y="6417255"/>
+            <a:ext cx="2946400" cy="276999"/>
+          </a:xfrm>
+          <a:prstGeom prst="rect">
+            <a:avLst/>
+          </a:prstGeom>
+          <a:noFill/>
+        </p:spPr>
+        <p:txBody>
+          <a:bodyPr wrap="square" rtlCol="0">
+            <a:spAutoFit/>
+          </a:bodyPr>
+          <a:lstStyle/>
+          <a:p>
+            <a:r>
+              <a:rPr lang="en-US" sz="1200" smtClean="0">
+                <a:solidFill>
+                  <a:schemeClr val="tx1">
+                    <a:lumMod val="65000"/>
+                    <a:lumOff val="35000"/>
+                    <a:alpha val="60000"/>
+                  </a:schemeClr>
+                </a:solidFill>
+              </a:rPr>
+              <a:t>Stephen McLaughlin  /  @</a:t>
+            </a:r>
+            <a:r>
+              <a:rPr lang="en-US" sz="1200" err="1" smtClean="0">
+                <a:solidFill>
+                  <a:schemeClr val="tx1">
+                    <a:lumMod val="65000"/>
+                    <a:lumOff val="35000"/>
+                    <a:alpha val="60000"/>
+                  </a:schemeClr>
+                </a:solidFill>
+              </a:rPr>
+              <a:t>SteveMcLaugh</a:t>
+            </a:r>
+            <a:endParaRPr lang="en-US" sz="1200">
+              <a:solidFill>
+                <a:schemeClr val="tx1">
+                  <a:lumMod val="65000"/>
+                  <a:lumOff val="35000"/>
+                  <a:alpha val="60000"/>
+                </a:schemeClr>
+              </a:solidFill>
+            </a:endParaRPr>
+          </a:p>
+        </p:txBody>
+      </p:sp>
+    </p:spTree>
+    <p:extLst>
+      <p:ext uri="{BB962C8B-B14F-4D97-AF65-F5344CB8AC3E}">
+        <p14:creationId xmlns:p14="http://schemas.microsoft.com/office/powerpoint/2010/main" val="1157579925"/>
       </p:ext>
     </p:extLst>
   </p:cSld>
@@ -10441,7 +10934,7 @@
     </p:spTree>
     <p:extLst>
       <p:ext uri="{BB962C8B-B14F-4D97-AF65-F5344CB8AC3E}">
-        <p14:creationId xmlns:p14="http://schemas.microsoft.com/office/powerpoint/2010/main" val="117863971"/>
+        <p14:creationId xmlns:p14="http://schemas.microsoft.com/office/powerpoint/2010/main" val="1013046301"/>
       </p:ext>
     </p:extLst>
   </p:cSld>
@@ -10498,7 +10991,7 @@
                   </a:schemeClr>
                 </a:solidFill>
               </a:rPr>
-              <a:t>Title</a:t>
+              <a:t>Digital audio terms</a:t>
             </a:r>
             <a:endParaRPr lang="en-US" dirty="0">
               <a:solidFill>
@@ -10540,7 +11033,27 @@
                   </a:schemeClr>
                 </a:solidFill>
               </a:rPr>
-              <a:t>1</a:t>
+              <a:t>sample </a:t>
+            </a:r>
+            <a:r>
+              <a:rPr lang="en-US" sz="2600" dirty="0">
+                <a:solidFill>
+                  <a:schemeClr val="bg2">
+                    <a:lumMod val="25000"/>
+                  </a:schemeClr>
+                </a:solidFill>
+              </a:rPr>
+              <a:t>rate: The number of audio samples per second in a digital audio </a:t>
+            </a:r>
+            <a:r>
+              <a:rPr lang="en-US" sz="2600" dirty="0" smtClean="0">
+                <a:solidFill>
+                  <a:schemeClr val="bg2">
+                    <a:lumMod val="25000"/>
+                  </a:schemeClr>
+                </a:solidFill>
+              </a:rPr>
+              <a:t>file.</a:t>
             </a:r>
           </a:p>
           <a:p>
@@ -10557,7 +11070,7 @@
                   </a:schemeClr>
                 </a:solidFill>
               </a:rPr>
-              <a:t>2</a:t>
+              <a:t>bit depth: The number of bits used to represent each sample, which corresponds to dynamic range of a given file</a:t>
             </a:r>
           </a:p>
           <a:p>
@@ -10574,33 +11087,29 @@
                   </a:schemeClr>
                 </a:solidFill>
               </a:rPr>
-              <a:t>3</a:t>
-            </a:r>
-          </a:p>
-          <a:p>
-            <a:pPr>
-              <a:lnSpc>
-                <a:spcPct val="110000"/>
-              </a:lnSpc>
-            </a:pPr>
-            <a:r>
-              <a:rPr lang="en-US" sz="2600" dirty="0" smtClean="0">
+              <a:t>bit </a:t>
+            </a:r>
+            <a:r>
+              <a:rPr lang="en-US" sz="2600" dirty="0">
                 <a:solidFill>
                   <a:schemeClr val="bg2">
                     <a:lumMod val="25000"/>
                   </a:schemeClr>
                 </a:solidFill>
               </a:rPr>
-              <a:t>4</a:t>
-            </a:r>
-          </a:p>
-          <a:p>
-            <a:pPr>
-              <a:lnSpc>
-                <a:spcPct val="110000"/>
-              </a:lnSpc>
-            </a:pPr>
-            <a:endParaRPr lang="en-US" sz="2600" dirty="0" smtClean="0">
+              <a:t>rate: The number of bits used to encode a unit of time in a digital audio file</a:t>
+            </a:r>
+            <a:r>
+              <a:rPr lang="en-US" sz="2600" dirty="0" smtClean="0">
+                <a:solidFill>
+                  <a:schemeClr val="bg2">
+                    <a:lumMod val="25000"/>
+                  </a:schemeClr>
+                </a:solidFill>
+              </a:rPr>
+              <a:t>.</a:t>
+            </a:r>
+            <a:endParaRPr lang="en-US" sz="2600" dirty="0">
               <a:solidFill>
                 <a:schemeClr val="bg2">
                   <a:lumMod val="25000"/>
@@ -10614,7 +11123,7 @@
                 <a:spcPct val="110000"/>
               </a:lnSpc>
             </a:pPr>
-            <a:endParaRPr lang="en-US" sz="2600" dirty="0" smtClean="0">
+            <a:endParaRPr lang="en-US" sz="2600" dirty="0">
               <a:solidFill>
                 <a:schemeClr val="bg2">
                   <a:lumMod val="25000"/>
@@ -10764,10 +11273,36 @@
           </a:p>
         </p:txBody>
       </p:sp>
+      <p:sp>
+        <p:nvSpPr>
+          <p:cNvPr id="3" name="TextBox 2"/>
+          <p:cNvSpPr txBox="1"/>
+          <p:nvPr/>
+        </p:nvSpPr>
+        <p:spPr>
+          <a:xfrm>
+            <a:off x="1881051" y="2272937"/>
+            <a:ext cx="184731" cy="369332"/>
+          </a:xfrm>
+          <a:prstGeom prst="rect">
+            <a:avLst/>
+          </a:prstGeom>
+          <a:noFill/>
+        </p:spPr>
+        <p:txBody>
+          <a:bodyPr wrap="none" rtlCol="0">
+            <a:spAutoFit/>
+          </a:bodyPr>
+          <a:lstStyle/>
+          <a:p>
+            <a:endParaRPr lang="en-US" dirty="0"/>
+          </a:p>
+        </p:txBody>
+      </p:sp>
     </p:spTree>
     <p:extLst>
       <p:ext uri="{BB962C8B-B14F-4D97-AF65-F5344CB8AC3E}">
-        <p14:creationId xmlns:p14="http://schemas.microsoft.com/office/powerpoint/2010/main" val="101168577"/>
+        <p14:creationId xmlns:p14="http://schemas.microsoft.com/office/powerpoint/2010/main" val="631286519"/>
       </p:ext>
     </p:extLst>
   </p:cSld>
@@ -10930,7 +11465,7 @@
     </p:spTree>
     <p:extLst>
       <p:ext uri="{BB962C8B-B14F-4D97-AF65-F5344CB8AC3E}">
-        <p14:creationId xmlns:p14="http://schemas.microsoft.com/office/powerpoint/2010/main" val="402776959"/>
+        <p14:creationId xmlns:p14="http://schemas.microsoft.com/office/powerpoint/2010/main" val="1546523706"/>
       </p:ext>
     </p:extLst>
   </p:cSld>
@@ -10964,169 +11499,6 @@
           <a:chExt cx="0" cy="0"/>
         </a:xfrm>
       </p:grpSpPr>
-      <p:sp>
-        <p:nvSpPr>
-          <p:cNvPr id="2" name="Title 1"/>
-          <p:cNvSpPr>
-            <a:spLocks noGrp="1"/>
-          </p:cNvSpPr>
-          <p:nvPr>
-            <p:ph type="title"/>
-          </p:nvPr>
-        </p:nvSpPr>
-        <p:spPr/>
-        <p:txBody>
-          <a:bodyPr/>
-          <a:lstStyle/>
-          <a:p>
-            <a:r>
-              <a:rPr lang="en-US" dirty="0" smtClean="0">
-                <a:solidFill>
-                  <a:schemeClr val="bg2">
-                    <a:lumMod val="25000"/>
-                  </a:schemeClr>
-                </a:solidFill>
-              </a:rPr>
-              <a:t>Title</a:t>
-            </a:r>
-            <a:endParaRPr lang="en-US" dirty="0">
-              <a:solidFill>
-                <a:schemeClr val="bg2">
-                  <a:lumMod val="25000"/>
-                </a:schemeClr>
-              </a:solidFill>
-            </a:endParaRPr>
-          </a:p>
-        </p:txBody>
-      </p:sp>
-      <p:sp>
-        <p:nvSpPr>
-          <p:cNvPr id="9" name="Content Placeholder 8"/>
-          <p:cNvSpPr>
-            <a:spLocks noGrp="1"/>
-          </p:cNvSpPr>
-          <p:nvPr>
-            <p:ph idx="1"/>
-          </p:nvPr>
-        </p:nvSpPr>
-        <p:spPr/>
-        <p:txBody>
-          <a:bodyPr>
-            <a:normAutofit/>
-          </a:bodyPr>
-          <a:lstStyle/>
-          <a:p>
-            <a:pPr>
-              <a:lnSpc>
-                <a:spcPct val="110000"/>
-              </a:lnSpc>
-            </a:pPr>
-            <a:r>
-              <a:rPr lang="en-US" sz="2600" dirty="0" smtClean="0">
-                <a:solidFill>
-                  <a:schemeClr val="bg2">
-                    <a:lumMod val="25000"/>
-                  </a:schemeClr>
-                </a:solidFill>
-              </a:rPr>
-              <a:t>1</a:t>
-            </a:r>
-          </a:p>
-          <a:p>
-            <a:pPr>
-              <a:lnSpc>
-                <a:spcPct val="110000"/>
-              </a:lnSpc>
-            </a:pPr>
-            <a:r>
-              <a:rPr lang="en-US" sz="2600" dirty="0" smtClean="0">
-                <a:solidFill>
-                  <a:schemeClr val="bg2">
-                    <a:lumMod val="25000"/>
-                  </a:schemeClr>
-                </a:solidFill>
-              </a:rPr>
-              <a:t>2</a:t>
-            </a:r>
-          </a:p>
-          <a:p>
-            <a:pPr>
-              <a:lnSpc>
-                <a:spcPct val="110000"/>
-              </a:lnSpc>
-            </a:pPr>
-            <a:r>
-              <a:rPr lang="en-US" sz="2600" dirty="0" smtClean="0">
-                <a:solidFill>
-                  <a:schemeClr val="bg2">
-                    <a:lumMod val="25000"/>
-                  </a:schemeClr>
-                </a:solidFill>
-              </a:rPr>
-              <a:t>3</a:t>
-            </a:r>
-          </a:p>
-          <a:p>
-            <a:pPr>
-              <a:lnSpc>
-                <a:spcPct val="110000"/>
-              </a:lnSpc>
-            </a:pPr>
-            <a:r>
-              <a:rPr lang="en-US" sz="2600" dirty="0" smtClean="0">
-                <a:solidFill>
-                  <a:schemeClr val="bg2">
-                    <a:lumMod val="25000"/>
-                  </a:schemeClr>
-                </a:solidFill>
-              </a:rPr>
-              <a:t>4</a:t>
-            </a:r>
-          </a:p>
-          <a:p>
-            <a:pPr>
-              <a:lnSpc>
-                <a:spcPct val="110000"/>
-              </a:lnSpc>
-            </a:pPr>
-            <a:endParaRPr lang="en-US" sz="2600" dirty="0" smtClean="0">
-              <a:solidFill>
-                <a:schemeClr val="bg2">
-                  <a:lumMod val="25000"/>
-                </a:schemeClr>
-              </a:solidFill>
-            </a:endParaRPr>
-          </a:p>
-          <a:p>
-            <a:pPr>
-              <a:lnSpc>
-                <a:spcPct val="110000"/>
-              </a:lnSpc>
-            </a:pPr>
-            <a:endParaRPr lang="en-US" sz="2600" dirty="0" smtClean="0">
-              <a:solidFill>
-                <a:schemeClr val="bg2">
-                  <a:lumMod val="25000"/>
-                </a:schemeClr>
-              </a:solidFill>
-            </a:endParaRPr>
-          </a:p>
-          <a:p>
-            <a:pPr>
-              <a:lnSpc>
-                <a:spcPct val="110000"/>
-              </a:lnSpc>
-            </a:pPr>
-            <a:endParaRPr lang="en-US" sz="2600" dirty="0" smtClean="0">
-              <a:solidFill>
-                <a:schemeClr val="bg2">
-                  <a:lumMod val="25000"/>
-                </a:schemeClr>
-              </a:solidFill>
-            </a:endParaRPr>
-          </a:p>
-        </p:txBody>
-      </p:sp>
       <p:pic>
         <p:nvPicPr>
           <p:cNvPr id="4" name="Picture 3"/>
@@ -11253,10 +11625,46 @@
           </a:p>
         </p:txBody>
       </p:sp>
+      <p:sp>
+        <p:nvSpPr>
+          <p:cNvPr id="6" name="Rectangle 5"/>
+          <p:cNvSpPr/>
+          <p:nvPr/>
+        </p:nvSpPr>
+        <p:spPr>
+          <a:xfrm>
+            <a:off x="7183209" y="5709562"/>
+            <a:ext cx="2266711" cy="307777"/>
+          </a:xfrm>
+          <a:prstGeom prst="rect">
+            <a:avLst/>
+          </a:prstGeom>
+        </p:spPr>
+        <p:txBody>
+          <a:bodyPr wrap="none">
+            <a:spAutoFit/>
+          </a:bodyPr>
+          <a:lstStyle/>
+          <a:p>
+            <a:r>
+              <a:rPr lang="en-US" sz="1400" dirty="0"/>
+              <a:t>C</a:t>
+            </a:r>
+            <a:r>
+              <a:rPr lang="en-US" sz="1400" dirty="0" smtClean="0"/>
+              <a:t>redit: </a:t>
+            </a:r>
+            <a:r>
+              <a:rPr lang="en-US" sz="1400" dirty="0"/>
+              <a:t>Handel David Forsyth</a:t>
+            </a:r>
+          </a:p>
+        </p:txBody>
+      </p:sp>
     </p:spTree>
     <p:extLst>
       <p:ext uri="{BB962C8B-B14F-4D97-AF65-F5344CB8AC3E}">
-        <p14:creationId xmlns:p14="http://schemas.microsoft.com/office/powerpoint/2010/main" val="648305461"/>
+        <p14:creationId xmlns:p14="http://schemas.microsoft.com/office/powerpoint/2010/main" val="650392948"/>
       </p:ext>
     </p:extLst>
   </p:cSld>
@@ -11419,7 +11827,7 @@
     </p:spTree>
     <p:extLst>
       <p:ext uri="{BB962C8B-B14F-4D97-AF65-F5344CB8AC3E}">
-        <p14:creationId xmlns:p14="http://schemas.microsoft.com/office/powerpoint/2010/main" val="460297243"/>
+        <p14:creationId xmlns:p14="http://schemas.microsoft.com/office/powerpoint/2010/main" val="1733783639"/>
       </p:ext>
     </p:extLst>
   </p:cSld>
@@ -11745,7 +12153,7 @@
     </p:spTree>
     <p:extLst>
       <p:ext uri="{BB962C8B-B14F-4D97-AF65-F5344CB8AC3E}">
-        <p14:creationId xmlns:p14="http://schemas.microsoft.com/office/powerpoint/2010/main" val="499542300"/>
+        <p14:creationId xmlns:p14="http://schemas.microsoft.com/office/powerpoint/2010/main" val="914368066"/>
       </p:ext>
     </p:extLst>
   </p:cSld>
@@ -11779,6 +12187,169 @@
           <a:chExt cx="0" cy="0"/>
         </a:xfrm>
       </p:grpSpPr>
+      <p:sp>
+        <p:nvSpPr>
+          <p:cNvPr id="2" name="Title 1"/>
+          <p:cNvSpPr>
+            <a:spLocks noGrp="1"/>
+          </p:cNvSpPr>
+          <p:nvPr>
+            <p:ph type="title"/>
+          </p:nvPr>
+        </p:nvSpPr>
+        <p:spPr/>
+        <p:txBody>
+          <a:bodyPr/>
+          <a:lstStyle/>
+          <a:p>
+            <a:r>
+              <a:rPr lang="en-US" dirty="0" smtClean="0">
+                <a:solidFill>
+                  <a:schemeClr val="bg2">
+                    <a:lumMod val="25000"/>
+                  </a:schemeClr>
+                </a:solidFill>
+              </a:rPr>
+              <a:t>Title</a:t>
+            </a:r>
+            <a:endParaRPr lang="en-US" dirty="0">
+              <a:solidFill>
+                <a:schemeClr val="bg2">
+                  <a:lumMod val="25000"/>
+                </a:schemeClr>
+              </a:solidFill>
+            </a:endParaRPr>
+          </a:p>
+        </p:txBody>
+      </p:sp>
+      <p:sp>
+        <p:nvSpPr>
+          <p:cNvPr id="9" name="Content Placeholder 8"/>
+          <p:cNvSpPr>
+            <a:spLocks noGrp="1"/>
+          </p:cNvSpPr>
+          <p:nvPr>
+            <p:ph idx="1"/>
+          </p:nvPr>
+        </p:nvSpPr>
+        <p:spPr/>
+        <p:txBody>
+          <a:bodyPr>
+            <a:normAutofit/>
+          </a:bodyPr>
+          <a:lstStyle/>
+          <a:p>
+            <a:pPr>
+              <a:lnSpc>
+                <a:spcPct val="110000"/>
+              </a:lnSpc>
+            </a:pPr>
+            <a:r>
+              <a:rPr lang="en-US" sz="2600" dirty="0" smtClean="0">
+                <a:solidFill>
+                  <a:schemeClr val="bg2">
+                    <a:lumMod val="25000"/>
+                  </a:schemeClr>
+                </a:solidFill>
+              </a:rPr>
+              <a:t>1</a:t>
+            </a:r>
+          </a:p>
+          <a:p>
+            <a:pPr>
+              <a:lnSpc>
+                <a:spcPct val="110000"/>
+              </a:lnSpc>
+            </a:pPr>
+            <a:r>
+              <a:rPr lang="en-US" sz="2600" dirty="0" smtClean="0">
+                <a:solidFill>
+                  <a:schemeClr val="bg2">
+                    <a:lumMod val="25000"/>
+                  </a:schemeClr>
+                </a:solidFill>
+              </a:rPr>
+              <a:t>2</a:t>
+            </a:r>
+          </a:p>
+          <a:p>
+            <a:pPr>
+              <a:lnSpc>
+                <a:spcPct val="110000"/>
+              </a:lnSpc>
+            </a:pPr>
+            <a:r>
+              <a:rPr lang="en-US" sz="2600" dirty="0" smtClean="0">
+                <a:solidFill>
+                  <a:schemeClr val="bg2">
+                    <a:lumMod val="25000"/>
+                  </a:schemeClr>
+                </a:solidFill>
+              </a:rPr>
+              <a:t>3</a:t>
+            </a:r>
+          </a:p>
+          <a:p>
+            <a:pPr>
+              <a:lnSpc>
+                <a:spcPct val="110000"/>
+              </a:lnSpc>
+            </a:pPr>
+            <a:r>
+              <a:rPr lang="en-US" sz="2600" dirty="0" smtClean="0">
+                <a:solidFill>
+                  <a:schemeClr val="bg2">
+                    <a:lumMod val="25000"/>
+                  </a:schemeClr>
+                </a:solidFill>
+              </a:rPr>
+              <a:t>4</a:t>
+            </a:r>
+          </a:p>
+          <a:p>
+            <a:pPr>
+              <a:lnSpc>
+                <a:spcPct val="110000"/>
+              </a:lnSpc>
+            </a:pPr>
+            <a:endParaRPr lang="en-US" sz="2600" dirty="0" smtClean="0">
+              <a:solidFill>
+                <a:schemeClr val="bg2">
+                  <a:lumMod val="25000"/>
+                </a:schemeClr>
+              </a:solidFill>
+            </a:endParaRPr>
+          </a:p>
+          <a:p>
+            <a:pPr>
+              <a:lnSpc>
+                <a:spcPct val="110000"/>
+              </a:lnSpc>
+            </a:pPr>
+            <a:endParaRPr lang="en-US" sz="2600" dirty="0" smtClean="0">
+              <a:solidFill>
+                <a:schemeClr val="bg2">
+                  <a:lumMod val="25000"/>
+                </a:schemeClr>
+              </a:solidFill>
+            </a:endParaRPr>
+          </a:p>
+          <a:p>
+            <a:pPr>
+              <a:lnSpc>
+                <a:spcPct val="110000"/>
+              </a:lnSpc>
+            </a:pPr>
+            <a:endParaRPr lang="en-US" sz="2600" dirty="0" smtClean="0">
+              <a:solidFill>
+                <a:schemeClr val="bg2">
+                  <a:lumMod val="25000"/>
+                </a:schemeClr>
+              </a:solidFill>
+            </a:endParaRPr>
+          </a:p>
+        </p:txBody>
+      </p:sp>
       <p:pic>
         <p:nvPicPr>
           <p:cNvPr id="4" name="Picture 3"/>
@@ -11908,7 +12479,7 @@
     </p:spTree>
     <p:extLst>
       <p:ext uri="{BB962C8B-B14F-4D97-AF65-F5344CB8AC3E}">
-        <p14:creationId xmlns:p14="http://schemas.microsoft.com/office/powerpoint/2010/main" val="1162965360"/>
+        <p14:creationId xmlns:p14="http://schemas.microsoft.com/office/powerpoint/2010/main" val="1805733825"/>
       </p:ext>
     </p:extLst>
   </p:cSld>
@@ -12234,7 +12805,7 @@
     </p:spTree>
     <p:extLst>
       <p:ext uri="{BB962C8B-B14F-4D97-AF65-F5344CB8AC3E}">
-        <p14:creationId xmlns:p14="http://schemas.microsoft.com/office/powerpoint/2010/main" val="303914163"/>
+        <p14:creationId xmlns:p14="http://schemas.microsoft.com/office/powerpoint/2010/main" val="101168577"/>
       </p:ext>
     </p:extLst>
   </p:cSld>
@@ -12397,7 +12968,7 @@
     </p:spTree>
     <p:extLst>
       <p:ext uri="{BB962C8B-B14F-4D97-AF65-F5344CB8AC3E}">
-        <p14:creationId xmlns:p14="http://schemas.microsoft.com/office/powerpoint/2010/main" val="114351026"/>
+        <p14:creationId xmlns:p14="http://schemas.microsoft.com/office/powerpoint/2010/main" val="402776959"/>
       </p:ext>
     </p:extLst>
   </p:cSld>
@@ -12723,7 +13294,7 @@
     </p:spTree>
     <p:extLst>
       <p:ext uri="{BB962C8B-B14F-4D97-AF65-F5344CB8AC3E}">
-        <p14:creationId xmlns:p14="http://schemas.microsoft.com/office/powerpoint/2010/main" val="68594267"/>
+        <p14:creationId xmlns:p14="http://schemas.microsoft.com/office/powerpoint/2010/main" val="648305461"/>
       </p:ext>
     </p:extLst>
   </p:cSld>
@@ -12757,6 +13328,135 @@
           <a:chExt cx="0" cy="0"/>
         </a:xfrm>
       </p:grpSpPr>
+      <p:sp>
+        <p:nvSpPr>
+          <p:cNvPr id="2" name="Title 1"/>
+          <p:cNvSpPr>
+            <a:spLocks noGrp="1"/>
+          </p:cNvSpPr>
+          <p:nvPr>
+            <p:ph type="title"/>
+          </p:nvPr>
+        </p:nvSpPr>
+        <p:spPr/>
+        <p:txBody>
+          <a:bodyPr/>
+          <a:lstStyle/>
+          <a:p>
+            <a:r>
+              <a:rPr lang="en-US" dirty="0" smtClean="0">
+                <a:solidFill>
+                  <a:schemeClr val="bg2">
+                    <a:lumMod val="25000"/>
+                  </a:schemeClr>
+                </a:solidFill>
+              </a:rPr>
+              <a:t>What do you need to classify sound?</a:t>
+            </a:r>
+            <a:endParaRPr lang="en-US" dirty="0">
+              <a:solidFill>
+                <a:schemeClr val="bg2">
+                  <a:lumMod val="25000"/>
+                </a:schemeClr>
+              </a:solidFill>
+            </a:endParaRPr>
+          </a:p>
+        </p:txBody>
+      </p:sp>
+      <p:sp>
+        <p:nvSpPr>
+          <p:cNvPr id="9" name="Content Placeholder 8"/>
+          <p:cNvSpPr>
+            <a:spLocks noGrp="1"/>
+          </p:cNvSpPr>
+          <p:nvPr>
+            <p:ph idx="1"/>
+          </p:nvPr>
+        </p:nvSpPr>
+        <p:spPr/>
+        <p:txBody>
+          <a:bodyPr>
+            <a:normAutofit/>
+          </a:bodyPr>
+          <a:lstStyle/>
+          <a:p>
+            <a:pPr>
+              <a:lnSpc>
+                <a:spcPct val="110000"/>
+              </a:lnSpc>
+            </a:pPr>
+            <a:r>
+              <a:rPr lang="en-US" sz="3300" dirty="0" smtClean="0">
+                <a:solidFill>
+                  <a:schemeClr val="bg2">
+                    <a:lumMod val="25000"/>
+                  </a:schemeClr>
+                </a:solidFill>
+              </a:rPr>
+              <a:t>A little theory</a:t>
+            </a:r>
+            <a:endParaRPr lang="en-US" sz="3300" dirty="0" smtClean="0">
+              <a:solidFill>
+                <a:schemeClr val="bg2">
+                  <a:lumMod val="25000"/>
+                </a:schemeClr>
+              </a:solidFill>
+            </a:endParaRPr>
+          </a:p>
+          <a:p>
+            <a:pPr>
+              <a:lnSpc>
+                <a:spcPct val="110000"/>
+              </a:lnSpc>
+            </a:pPr>
+            <a:r>
+              <a:rPr lang="en-US" sz="3300" dirty="0" smtClean="0">
+                <a:solidFill>
+                  <a:schemeClr val="bg2">
+                    <a:lumMod val="25000"/>
+                  </a:schemeClr>
+                </a:solidFill>
+              </a:rPr>
+              <a:t>Intuition w/r/t what is tractable</a:t>
+            </a:r>
+            <a:endParaRPr lang="en-US" sz="3300" dirty="0" smtClean="0">
+              <a:solidFill>
+                <a:schemeClr val="bg2">
+                  <a:lumMod val="25000"/>
+                </a:schemeClr>
+              </a:solidFill>
+            </a:endParaRPr>
+          </a:p>
+          <a:p>
+            <a:pPr>
+              <a:lnSpc>
+                <a:spcPct val="110000"/>
+              </a:lnSpc>
+            </a:pPr>
+            <a:endParaRPr lang="en-US" sz="3300" dirty="0" smtClean="0">
+              <a:solidFill>
+                <a:schemeClr val="bg2">
+                  <a:lumMod val="25000"/>
+                </a:schemeClr>
+              </a:solidFill>
+            </a:endParaRPr>
+          </a:p>
+          <a:p>
+            <a:pPr>
+              <a:lnSpc>
+                <a:spcPct val="110000"/>
+              </a:lnSpc>
+            </a:pPr>
+            <a:endParaRPr lang="en-US" sz="3300" dirty="0" smtClean="0">
+              <a:solidFill>
+                <a:schemeClr val="bg2">
+                  <a:lumMod val="25000"/>
+                </a:schemeClr>
+              </a:solidFill>
+            </a:endParaRPr>
+          </a:p>
+        </p:txBody>
+      </p:sp>
       <p:pic>
         <p:nvPicPr>
           <p:cNvPr id="4" name="Picture 3"/>
@@ -12883,40 +13583,10 @@
           </a:p>
         </p:txBody>
       </p:sp>
-      <p:pic>
-        <p:nvPicPr>
-          <p:cNvPr id="2" name="Picture 1"/>
-          <p:cNvPicPr>
-            <a:picLocks noChangeAspect="1"/>
-          </p:cNvPicPr>
-          <p:nvPr/>
-        </p:nvPicPr>
-        <p:blipFill>
-          <a:blip r:embed="rId4">
-            <a:extLst>
-              <a:ext uri="{28A0092B-C50C-407E-A947-70E740481C1C}">
-                <a14:useLocalDpi xmlns:a14="http://schemas.microsoft.com/office/drawing/2010/main" val="0"/>
-              </a:ext>
-            </a:extLst>
-          </a:blip>
-          <a:stretch>
-            <a:fillRect/>
-          </a:stretch>
-        </p:blipFill>
-        <p:spPr>
-          <a:xfrm>
-            <a:off x="2489200" y="0"/>
-            <a:ext cx="7207567" cy="6858000"/>
-          </a:xfrm>
-          <a:prstGeom prst="rect">
-            <a:avLst/>
-          </a:prstGeom>
-        </p:spPr>
-      </p:pic>
     </p:spTree>
     <p:extLst>
       <p:ext uri="{BB962C8B-B14F-4D97-AF65-F5344CB8AC3E}">
-        <p14:creationId xmlns:p14="http://schemas.microsoft.com/office/powerpoint/2010/main" val="940134600"/>
+        <p14:creationId xmlns:p14="http://schemas.microsoft.com/office/powerpoint/2010/main" val="742523804"/>
       </p:ext>
     </p:extLst>
   </p:cSld>
@@ -13079,7 +13749,7 @@
     </p:spTree>
     <p:extLst>
       <p:ext uri="{BB962C8B-B14F-4D97-AF65-F5344CB8AC3E}">
-        <p14:creationId xmlns:p14="http://schemas.microsoft.com/office/powerpoint/2010/main" val="344631997"/>
+        <p14:creationId xmlns:p14="http://schemas.microsoft.com/office/powerpoint/2010/main" val="460297243"/>
       </p:ext>
     </p:extLst>
   </p:cSld>
@@ -13405,7 +14075,7 @@
     </p:spTree>
     <p:extLst>
       <p:ext uri="{BB962C8B-B14F-4D97-AF65-F5344CB8AC3E}">
-        <p14:creationId xmlns:p14="http://schemas.microsoft.com/office/powerpoint/2010/main" val="1307264143"/>
+        <p14:creationId xmlns:p14="http://schemas.microsoft.com/office/powerpoint/2010/main" val="499542300"/>
       </p:ext>
     </p:extLst>
   </p:cSld>
@@ -13568,7 +14238,7 @@
     </p:spTree>
     <p:extLst>
       <p:ext uri="{BB962C8B-B14F-4D97-AF65-F5344CB8AC3E}">
-        <p14:creationId xmlns:p14="http://schemas.microsoft.com/office/powerpoint/2010/main" val="1909310056"/>
+        <p14:creationId xmlns:p14="http://schemas.microsoft.com/office/powerpoint/2010/main" val="1162965360"/>
       </p:ext>
     </p:extLst>
   </p:cSld>
@@ -13894,7 +14564,7 @@
     </p:spTree>
     <p:extLst>
       <p:ext uri="{BB962C8B-B14F-4D97-AF65-F5344CB8AC3E}">
-        <p14:creationId xmlns:p14="http://schemas.microsoft.com/office/powerpoint/2010/main" val="1386726557"/>
+        <p14:creationId xmlns:p14="http://schemas.microsoft.com/office/powerpoint/2010/main" val="303914163"/>
       </p:ext>
     </p:extLst>
   </p:cSld>
@@ -14057,7 +14727,7 @@
     </p:spTree>
     <p:extLst>
       <p:ext uri="{BB962C8B-B14F-4D97-AF65-F5344CB8AC3E}">
-        <p14:creationId xmlns:p14="http://schemas.microsoft.com/office/powerpoint/2010/main" val="144242925"/>
+        <p14:creationId xmlns:p14="http://schemas.microsoft.com/office/powerpoint/2010/main" val="114351026"/>
       </p:ext>
     </p:extLst>
   </p:cSld>
@@ -14383,7 +15053,7 @@
     </p:spTree>
     <p:extLst>
       <p:ext uri="{BB962C8B-B14F-4D97-AF65-F5344CB8AC3E}">
-        <p14:creationId xmlns:p14="http://schemas.microsoft.com/office/powerpoint/2010/main" val="665291760"/>
+        <p14:creationId xmlns:p14="http://schemas.microsoft.com/office/powerpoint/2010/main" val="68594267"/>
       </p:ext>
     </p:extLst>
   </p:cSld>
@@ -14546,7 +15216,7 @@
     </p:spTree>
     <p:extLst>
       <p:ext uri="{BB962C8B-B14F-4D97-AF65-F5344CB8AC3E}">
-        <p14:creationId xmlns:p14="http://schemas.microsoft.com/office/powerpoint/2010/main" val="1246129358"/>
+        <p14:creationId xmlns:p14="http://schemas.microsoft.com/office/powerpoint/2010/main" val="344631997"/>
       </p:ext>
     </p:extLst>
   </p:cSld>
@@ -14872,7 +15542,7 @@
     </p:spTree>
     <p:extLst>
       <p:ext uri="{BB962C8B-B14F-4D97-AF65-F5344CB8AC3E}">
-        <p14:creationId xmlns:p14="http://schemas.microsoft.com/office/powerpoint/2010/main" val="1055668089"/>
+        <p14:creationId xmlns:p14="http://schemas.microsoft.com/office/powerpoint/2010/main" val="1307264143"/>
       </p:ext>
     </p:extLst>
   </p:cSld>
@@ -15035,7 +15705,7 @@
     </p:spTree>
     <p:extLst>
       <p:ext uri="{BB962C8B-B14F-4D97-AF65-F5344CB8AC3E}">
-        <p14:creationId xmlns:p14="http://schemas.microsoft.com/office/powerpoint/2010/main" val="945715646"/>
+        <p14:creationId xmlns:p14="http://schemas.microsoft.com/office/powerpoint/2010/main" val="1909310056"/>
       </p:ext>
     </p:extLst>
   </p:cSld>
@@ -15361,7 +16031,7 @@
     </p:spTree>
     <p:extLst>
       <p:ext uri="{BB962C8B-B14F-4D97-AF65-F5344CB8AC3E}">
-        <p14:creationId xmlns:p14="http://schemas.microsoft.com/office/powerpoint/2010/main" val="616812286"/>
+        <p14:creationId xmlns:p14="http://schemas.microsoft.com/office/powerpoint/2010/main" val="1386726557"/>
       </p:ext>
     </p:extLst>
   </p:cSld>
@@ -15395,6 +16065,159 @@
           <a:chExt cx="0" cy="0"/>
         </a:xfrm>
       </p:grpSpPr>
+      <p:sp>
+        <p:nvSpPr>
+          <p:cNvPr id="2" name="Title 1"/>
+          <p:cNvSpPr>
+            <a:spLocks noGrp="1"/>
+          </p:cNvSpPr>
+          <p:nvPr>
+            <p:ph type="title"/>
+          </p:nvPr>
+        </p:nvSpPr>
+        <p:spPr/>
+        <p:txBody>
+          <a:bodyPr/>
+          <a:lstStyle/>
+          <a:p>
+            <a:r>
+              <a:rPr lang="en-US" dirty="0" smtClean="0">
+                <a:solidFill>
+                  <a:schemeClr val="bg2">
+                    <a:lumMod val="25000"/>
+                  </a:schemeClr>
+                </a:solidFill>
+              </a:rPr>
+              <a:t>What do you need to classify sound?</a:t>
+            </a:r>
+            <a:endParaRPr lang="en-US" dirty="0">
+              <a:solidFill>
+                <a:schemeClr val="bg2">
+                  <a:lumMod val="25000"/>
+                </a:schemeClr>
+              </a:solidFill>
+            </a:endParaRPr>
+          </a:p>
+        </p:txBody>
+      </p:sp>
+      <p:sp>
+        <p:nvSpPr>
+          <p:cNvPr id="9" name="Content Placeholder 8"/>
+          <p:cNvSpPr>
+            <a:spLocks noGrp="1"/>
+          </p:cNvSpPr>
+          <p:nvPr>
+            <p:ph idx="1"/>
+          </p:nvPr>
+        </p:nvSpPr>
+        <p:spPr/>
+        <p:txBody>
+          <a:bodyPr>
+            <a:normAutofit/>
+          </a:bodyPr>
+          <a:lstStyle/>
+          <a:p>
+            <a:pPr>
+              <a:lnSpc>
+                <a:spcPct val="110000"/>
+              </a:lnSpc>
+            </a:pPr>
+            <a:r>
+              <a:rPr lang="en-US" sz="3300" dirty="0" smtClean="0">
+                <a:solidFill>
+                  <a:schemeClr val="bg2">
+                    <a:lumMod val="25000"/>
+                  </a:schemeClr>
+                </a:solidFill>
+              </a:rPr>
+              <a:t>A little theory</a:t>
+            </a:r>
+            <a:endParaRPr lang="en-US" sz="3300" dirty="0" smtClean="0">
+              <a:solidFill>
+                <a:schemeClr val="bg2">
+                  <a:lumMod val="25000"/>
+                </a:schemeClr>
+              </a:solidFill>
+            </a:endParaRPr>
+          </a:p>
+          <a:p>
+            <a:pPr>
+              <a:lnSpc>
+                <a:spcPct val="110000"/>
+              </a:lnSpc>
+            </a:pPr>
+            <a:r>
+              <a:rPr lang="en-US" sz="3300" dirty="0" smtClean="0">
+                <a:solidFill>
+                  <a:schemeClr val="bg2">
+                    <a:lumMod val="25000"/>
+                  </a:schemeClr>
+                </a:solidFill>
+              </a:rPr>
+              <a:t>Intuition w/r/t what is tractable</a:t>
+            </a:r>
+            <a:endParaRPr lang="en-US" sz="3300" dirty="0" smtClean="0">
+              <a:solidFill>
+                <a:schemeClr val="bg2">
+                  <a:lumMod val="25000"/>
+                </a:schemeClr>
+              </a:solidFill>
+            </a:endParaRPr>
+          </a:p>
+          <a:p>
+            <a:pPr>
+              <a:lnSpc>
+                <a:spcPct val="110000"/>
+              </a:lnSpc>
+            </a:pPr>
+            <a:r>
+              <a:rPr lang="en-US" sz="3300" dirty="0" smtClean="0">
+                <a:solidFill>
+                  <a:schemeClr val="bg2">
+                    <a:lumMod val="25000"/>
+                  </a:schemeClr>
+                </a:solidFill>
+              </a:rPr>
+              <a:t>Patience and skills to manage lots of audio files</a:t>
+            </a:r>
+            <a:endParaRPr lang="en-US" sz="3300" dirty="0" smtClean="0">
+              <a:solidFill>
+                <a:schemeClr val="bg2">
+                  <a:lumMod val="25000"/>
+                </a:schemeClr>
+              </a:solidFill>
+            </a:endParaRPr>
+          </a:p>
+          <a:p>
+            <a:pPr>
+              <a:lnSpc>
+                <a:spcPct val="110000"/>
+              </a:lnSpc>
+            </a:pPr>
+            <a:endParaRPr lang="en-US" sz="3300" dirty="0" smtClean="0">
+              <a:solidFill>
+                <a:schemeClr val="bg2">
+                  <a:lumMod val="25000"/>
+                </a:schemeClr>
+              </a:solidFill>
+            </a:endParaRPr>
+          </a:p>
+          <a:p>
+            <a:pPr>
+              <a:lnSpc>
+                <a:spcPct val="110000"/>
+              </a:lnSpc>
+            </a:pPr>
+            <a:endParaRPr lang="en-US" sz="3300" dirty="0" smtClean="0">
+              <a:solidFill>
+                <a:schemeClr val="bg2">
+                  <a:lumMod val="25000"/>
+                </a:schemeClr>
+              </a:solidFill>
+            </a:endParaRPr>
+          </a:p>
+        </p:txBody>
+      </p:sp>
       <p:pic>
         <p:nvPicPr>
           <p:cNvPr id="4" name="Picture 3"/>
@@ -15521,40 +16344,10 @@
           </a:p>
         </p:txBody>
       </p:sp>
-      <p:pic>
-        <p:nvPicPr>
-          <p:cNvPr id="2" name="Picture 1"/>
-          <p:cNvPicPr>
-            <a:picLocks noChangeAspect="1"/>
-          </p:cNvPicPr>
-          <p:nvPr/>
-        </p:nvPicPr>
-        <p:blipFill>
-          <a:blip r:embed="rId4">
-            <a:extLst>
-              <a:ext uri="{28A0092B-C50C-407E-A947-70E740481C1C}">
-                <a14:useLocalDpi xmlns:a14="http://schemas.microsoft.com/office/drawing/2010/main" val="0"/>
-              </a:ext>
-            </a:extLst>
-          </a:blip>
-          <a:stretch>
-            <a:fillRect/>
-          </a:stretch>
-        </p:blipFill>
-        <p:spPr>
-          <a:xfrm>
-            <a:off x="0" y="787400"/>
-            <a:ext cx="12192000" cy="5279136"/>
-          </a:xfrm>
-          <a:prstGeom prst="rect">
-            <a:avLst/>
-          </a:prstGeom>
-        </p:spPr>
-      </p:pic>
     </p:spTree>
     <p:extLst>
       <p:ext uri="{BB962C8B-B14F-4D97-AF65-F5344CB8AC3E}">
-        <p14:creationId xmlns:p14="http://schemas.microsoft.com/office/powerpoint/2010/main" val="1116596511"/>
+        <p14:creationId xmlns:p14="http://schemas.microsoft.com/office/powerpoint/2010/main" val="341238806"/>
       </p:ext>
     </p:extLst>
   </p:cSld>
@@ -15717,7 +16510,7 @@
     </p:spTree>
     <p:extLst>
       <p:ext uri="{BB962C8B-B14F-4D97-AF65-F5344CB8AC3E}">
-        <p14:creationId xmlns:p14="http://schemas.microsoft.com/office/powerpoint/2010/main" val="1717922633"/>
+        <p14:creationId xmlns:p14="http://schemas.microsoft.com/office/powerpoint/2010/main" val="144242925"/>
       </p:ext>
     </p:extLst>
   </p:cSld>
@@ -16043,7 +16836,7 @@
     </p:spTree>
     <p:extLst>
       <p:ext uri="{BB962C8B-B14F-4D97-AF65-F5344CB8AC3E}">
-        <p14:creationId xmlns:p14="http://schemas.microsoft.com/office/powerpoint/2010/main" val="742823896"/>
+        <p14:creationId xmlns:p14="http://schemas.microsoft.com/office/powerpoint/2010/main" val="665291760"/>
       </p:ext>
     </p:extLst>
   </p:cSld>
@@ -16206,7 +16999,7 @@
     </p:spTree>
     <p:extLst>
       <p:ext uri="{BB962C8B-B14F-4D97-AF65-F5344CB8AC3E}">
-        <p14:creationId xmlns:p14="http://schemas.microsoft.com/office/powerpoint/2010/main" val="557764540"/>
+        <p14:creationId xmlns:p14="http://schemas.microsoft.com/office/powerpoint/2010/main" val="1246129358"/>
       </p:ext>
     </p:extLst>
   </p:cSld>
@@ -16532,7 +17325,7 @@
     </p:spTree>
     <p:extLst>
       <p:ext uri="{BB962C8B-B14F-4D97-AF65-F5344CB8AC3E}">
-        <p14:creationId xmlns:p14="http://schemas.microsoft.com/office/powerpoint/2010/main" val="1924769349"/>
+        <p14:creationId xmlns:p14="http://schemas.microsoft.com/office/powerpoint/2010/main" val="1055668089"/>
       </p:ext>
     </p:extLst>
   </p:cSld>
@@ -16695,7 +17488,7 @@
     </p:spTree>
     <p:extLst>
       <p:ext uri="{BB962C8B-B14F-4D97-AF65-F5344CB8AC3E}">
-        <p14:creationId xmlns:p14="http://schemas.microsoft.com/office/powerpoint/2010/main" val="1832280307"/>
+        <p14:creationId xmlns:p14="http://schemas.microsoft.com/office/powerpoint/2010/main" val="945715646"/>
       </p:ext>
     </p:extLst>
   </p:cSld>
@@ -17021,7 +17814,7 @@
     </p:spTree>
     <p:extLst>
       <p:ext uri="{BB962C8B-B14F-4D97-AF65-F5344CB8AC3E}">
-        <p14:creationId xmlns:p14="http://schemas.microsoft.com/office/powerpoint/2010/main" val="1806166037"/>
+        <p14:creationId xmlns:p14="http://schemas.microsoft.com/office/powerpoint/2010/main" val="616812286"/>
       </p:ext>
     </p:extLst>
   </p:cSld>
@@ -17184,7 +17977,7 @@
     </p:spTree>
     <p:extLst>
       <p:ext uri="{BB962C8B-B14F-4D97-AF65-F5344CB8AC3E}">
-        <p14:creationId xmlns:p14="http://schemas.microsoft.com/office/powerpoint/2010/main" val="1130195218"/>
+        <p14:creationId xmlns:p14="http://schemas.microsoft.com/office/powerpoint/2010/main" val="1717922633"/>
       </p:ext>
     </p:extLst>
   </p:cSld>
@@ -17510,7 +18303,7 @@
     </p:spTree>
     <p:extLst>
       <p:ext uri="{BB962C8B-B14F-4D97-AF65-F5344CB8AC3E}">
-        <p14:creationId xmlns:p14="http://schemas.microsoft.com/office/powerpoint/2010/main" val="312896069"/>
+        <p14:creationId xmlns:p14="http://schemas.microsoft.com/office/powerpoint/2010/main" val="742823896"/>
       </p:ext>
     </p:extLst>
   </p:cSld>
@@ -17673,7 +18466,7 @@
     </p:spTree>
     <p:extLst>
       <p:ext uri="{BB962C8B-B14F-4D97-AF65-F5344CB8AC3E}">
-        <p14:creationId xmlns:p14="http://schemas.microsoft.com/office/powerpoint/2010/main" val="1793044749"/>
+        <p14:creationId xmlns:p14="http://schemas.microsoft.com/office/powerpoint/2010/main" val="557764540"/>
       </p:ext>
     </p:extLst>
   </p:cSld>
@@ -17999,7 +18792,7 @@
     </p:spTree>
     <p:extLst>
       <p:ext uri="{BB962C8B-B14F-4D97-AF65-F5344CB8AC3E}">
-        <p14:creationId xmlns:p14="http://schemas.microsoft.com/office/powerpoint/2010/main" val="698315921"/>
+        <p14:creationId xmlns:p14="http://schemas.microsoft.com/office/powerpoint/2010/main" val="1924769349"/>
       </p:ext>
     </p:extLst>
   </p:cSld>
@@ -18017,6 +18810,339 @@
 </file>
 
 <file path=ppt/slides/slide5.xml><?xml version="1.0" encoding="utf-8"?>
+<p:sld xmlns:a="http://schemas.openxmlformats.org/drawingml/2006/main" xmlns:r="http://schemas.openxmlformats.org/officeDocument/2006/relationships" xmlns:p="http://schemas.openxmlformats.org/presentationml/2006/main">
+  <p:cSld>
+    <p:spTree>
+      <p:nvGrpSpPr>
+        <p:cNvPr id="1" name=""/>
+        <p:cNvGrpSpPr/>
+        <p:nvPr/>
+      </p:nvGrpSpPr>
+      <p:grpSpPr>
+        <a:xfrm>
+          <a:off x="0" y="0"/>
+          <a:ext cx="0" cy="0"/>
+          <a:chOff x="0" y="0"/>
+          <a:chExt cx="0" cy="0"/>
+        </a:xfrm>
+      </p:grpSpPr>
+      <p:sp>
+        <p:nvSpPr>
+          <p:cNvPr id="2" name="Title 1"/>
+          <p:cNvSpPr>
+            <a:spLocks noGrp="1"/>
+          </p:cNvSpPr>
+          <p:nvPr>
+            <p:ph type="title"/>
+          </p:nvPr>
+        </p:nvSpPr>
+        <p:spPr/>
+        <p:txBody>
+          <a:bodyPr/>
+          <a:lstStyle/>
+          <a:p>
+            <a:r>
+              <a:rPr lang="en-US" dirty="0" smtClean="0">
+                <a:solidFill>
+                  <a:schemeClr val="bg2">
+                    <a:lumMod val="25000"/>
+                  </a:schemeClr>
+                </a:solidFill>
+              </a:rPr>
+              <a:t>What do you need to classify sound?</a:t>
+            </a:r>
+            <a:endParaRPr lang="en-US" dirty="0">
+              <a:solidFill>
+                <a:schemeClr val="bg2">
+                  <a:lumMod val="25000"/>
+                </a:schemeClr>
+              </a:solidFill>
+            </a:endParaRPr>
+          </a:p>
+        </p:txBody>
+      </p:sp>
+      <p:sp>
+        <p:nvSpPr>
+          <p:cNvPr id="9" name="Content Placeholder 8"/>
+          <p:cNvSpPr>
+            <a:spLocks noGrp="1"/>
+          </p:cNvSpPr>
+          <p:nvPr>
+            <p:ph idx="1"/>
+          </p:nvPr>
+        </p:nvSpPr>
+        <p:spPr/>
+        <p:txBody>
+          <a:bodyPr>
+            <a:normAutofit/>
+          </a:bodyPr>
+          <a:lstStyle/>
+          <a:p>
+            <a:pPr>
+              <a:lnSpc>
+                <a:spcPct val="110000"/>
+              </a:lnSpc>
+            </a:pPr>
+            <a:r>
+              <a:rPr lang="en-US" sz="3300" dirty="0" smtClean="0">
+                <a:solidFill>
+                  <a:schemeClr val="bg2">
+                    <a:lumMod val="25000"/>
+                  </a:schemeClr>
+                </a:solidFill>
+              </a:rPr>
+              <a:t>A little theory</a:t>
+            </a:r>
+            <a:endParaRPr lang="en-US" sz="3300" dirty="0" smtClean="0">
+              <a:solidFill>
+                <a:schemeClr val="bg2">
+                  <a:lumMod val="25000"/>
+                </a:schemeClr>
+              </a:solidFill>
+            </a:endParaRPr>
+          </a:p>
+          <a:p>
+            <a:pPr>
+              <a:lnSpc>
+                <a:spcPct val="110000"/>
+              </a:lnSpc>
+            </a:pPr>
+            <a:r>
+              <a:rPr lang="en-US" sz="3300" dirty="0" smtClean="0">
+                <a:solidFill>
+                  <a:schemeClr val="bg2">
+                    <a:lumMod val="25000"/>
+                  </a:schemeClr>
+                </a:solidFill>
+              </a:rPr>
+              <a:t>Intuition w/r/t what is tractable</a:t>
+            </a:r>
+            <a:endParaRPr lang="en-US" sz="3300" dirty="0" smtClean="0">
+              <a:solidFill>
+                <a:schemeClr val="bg2">
+                  <a:lumMod val="25000"/>
+                </a:schemeClr>
+              </a:solidFill>
+            </a:endParaRPr>
+          </a:p>
+          <a:p>
+            <a:pPr>
+              <a:lnSpc>
+                <a:spcPct val="110000"/>
+              </a:lnSpc>
+            </a:pPr>
+            <a:r>
+              <a:rPr lang="en-US" sz="3300" dirty="0" smtClean="0">
+                <a:solidFill>
+                  <a:schemeClr val="bg2">
+                    <a:lumMod val="25000"/>
+                  </a:schemeClr>
+                </a:solidFill>
+              </a:rPr>
+              <a:t>Patience and skills to manage lots of audio files</a:t>
+            </a:r>
+            <a:endParaRPr lang="en-US" sz="3300" dirty="0" smtClean="0">
+              <a:solidFill>
+                <a:schemeClr val="bg2">
+                  <a:lumMod val="25000"/>
+                </a:schemeClr>
+              </a:solidFill>
+            </a:endParaRPr>
+          </a:p>
+          <a:p>
+            <a:pPr>
+              <a:lnSpc>
+                <a:spcPct val="110000"/>
+              </a:lnSpc>
+            </a:pPr>
+            <a:r>
+              <a:rPr lang="en-US" sz="3300" dirty="0" smtClean="0">
+                <a:solidFill>
+                  <a:schemeClr val="bg2">
+                    <a:lumMod val="25000"/>
+                  </a:schemeClr>
+                </a:solidFill>
+              </a:rPr>
+              <a:t>Features</a:t>
+            </a:r>
+          </a:p>
+          <a:p>
+            <a:pPr>
+              <a:lnSpc>
+                <a:spcPct val="110000"/>
+              </a:lnSpc>
+            </a:pPr>
+            <a:endParaRPr lang="en-US" sz="3300" dirty="0" smtClean="0">
+              <a:solidFill>
+                <a:schemeClr val="bg2">
+                  <a:lumMod val="25000"/>
+                </a:schemeClr>
+              </a:solidFill>
+            </a:endParaRPr>
+          </a:p>
+          <a:p>
+            <a:pPr>
+              <a:lnSpc>
+                <a:spcPct val="110000"/>
+              </a:lnSpc>
+            </a:pPr>
+            <a:endParaRPr lang="en-US" sz="3300" dirty="0" smtClean="0">
+              <a:solidFill>
+                <a:schemeClr val="bg2">
+                  <a:lumMod val="25000"/>
+                </a:schemeClr>
+              </a:solidFill>
+            </a:endParaRPr>
+          </a:p>
+        </p:txBody>
+      </p:sp>
+      <p:pic>
+        <p:nvPicPr>
+          <p:cNvPr id="4" name="Picture 3"/>
+          <p:cNvPicPr>
+            <a:picLocks noChangeAspect="1"/>
+          </p:cNvPicPr>
+          <p:nvPr/>
+        </p:nvPicPr>
+        <p:blipFill>
+          <a:blip r:embed="rId3">
+            <a:alphaModFix amt="60000"/>
+            <a:extLst>
+              <a:ext uri="{28A0092B-C50C-407E-A947-70E740481C1C}">
+                <a14:useLocalDpi xmlns:a14="http://schemas.microsoft.com/office/drawing/2010/main" val="0"/>
+              </a:ext>
+            </a:extLst>
+          </a:blip>
+          <a:stretch>
+            <a:fillRect/>
+          </a:stretch>
+        </p:blipFill>
+        <p:spPr>
+          <a:xfrm>
+            <a:off x="173384" y="6417255"/>
+            <a:ext cx="1695174" cy="270123"/>
+          </a:xfrm>
+          <a:prstGeom prst="rect">
+            <a:avLst/>
+          </a:prstGeom>
+        </p:spPr>
+      </p:pic>
+      <p:cxnSp>
+        <p:nvCxnSpPr>
+          <p:cNvPr id="10" name="Straight Connector 9"/>
+          <p:cNvCxnSpPr/>
+          <p:nvPr/>
+        </p:nvCxnSpPr>
+        <p:spPr>
+          <a:xfrm>
+            <a:off x="0" y="6253236"/>
+            <a:ext cx="12192000" cy="0"/>
+          </a:xfrm>
+          <a:prstGeom prst="line">
+            <a:avLst/>
+          </a:prstGeom>
+          <a:ln>
+            <a:solidFill>
+              <a:schemeClr val="bg2">
+                <a:lumMod val="75000"/>
+              </a:schemeClr>
+            </a:solidFill>
+          </a:ln>
+        </p:spPr>
+        <p:style>
+          <a:lnRef idx="1">
+            <a:schemeClr val="dk1"/>
+          </a:lnRef>
+          <a:fillRef idx="0">
+            <a:schemeClr val="dk1"/>
+          </a:fillRef>
+          <a:effectRef idx="0">
+            <a:schemeClr val="dk1"/>
+          </a:effectRef>
+          <a:fontRef idx="minor">
+            <a:schemeClr val="tx1"/>
+          </a:fontRef>
+        </p:style>
+      </p:cxnSp>
+      <p:sp>
+        <p:nvSpPr>
+          <p:cNvPr id="13" name="TextBox 12"/>
+          <p:cNvSpPr txBox="1"/>
+          <p:nvPr/>
+        </p:nvSpPr>
+        <p:spPr>
+          <a:xfrm>
+            <a:off x="9245600" y="6417255"/>
+            <a:ext cx="2946400" cy="276999"/>
+          </a:xfrm>
+          <a:prstGeom prst="rect">
+            <a:avLst/>
+          </a:prstGeom>
+          <a:noFill/>
+        </p:spPr>
+        <p:txBody>
+          <a:bodyPr wrap="square" rtlCol="0">
+            <a:spAutoFit/>
+          </a:bodyPr>
+          <a:lstStyle/>
+          <a:p>
+            <a:r>
+              <a:rPr lang="en-US" sz="1200" smtClean="0">
+                <a:solidFill>
+                  <a:schemeClr val="tx1">
+                    <a:lumMod val="65000"/>
+                    <a:lumOff val="35000"/>
+                    <a:alpha val="60000"/>
+                  </a:schemeClr>
+                </a:solidFill>
+              </a:rPr>
+              <a:t>Stephen McLaughlin  /  @</a:t>
+            </a:r>
+            <a:r>
+              <a:rPr lang="en-US" sz="1200" err="1" smtClean="0">
+                <a:solidFill>
+                  <a:schemeClr val="tx1">
+                    <a:lumMod val="65000"/>
+                    <a:lumOff val="35000"/>
+                    <a:alpha val="60000"/>
+                  </a:schemeClr>
+                </a:solidFill>
+              </a:rPr>
+              <a:t>SteveMcLaugh</a:t>
+            </a:r>
+            <a:endParaRPr lang="en-US" sz="1200">
+              <a:solidFill>
+                <a:schemeClr val="tx1">
+                  <a:lumMod val="65000"/>
+                  <a:lumOff val="35000"/>
+                  <a:alpha val="60000"/>
+                </a:schemeClr>
+              </a:solidFill>
+            </a:endParaRPr>
+          </a:p>
+        </p:txBody>
+      </p:sp>
+    </p:spTree>
+    <p:extLst>
+      <p:ext uri="{BB962C8B-B14F-4D97-AF65-F5344CB8AC3E}">
+        <p14:creationId xmlns:p14="http://schemas.microsoft.com/office/powerpoint/2010/main" val="1653251035"/>
+      </p:ext>
+    </p:extLst>
+  </p:cSld>
+  <p:clrMapOvr>
+    <a:masterClrMapping/>
+  </p:clrMapOvr>
+  <p:timing>
+    <p:tnLst>
+      <p:par>
+        <p:cTn id="1" dur="indefinite" restart="never" nodeType="tmRoot"/>
+      </p:par>
+    </p:tnLst>
+  </p:timing>
+</p:sld>
+</file>
+
+<file path=ppt/slides/slide50.xml><?xml version="1.0" encoding="utf-8"?>
 <p:sld xmlns:a="http://schemas.openxmlformats.org/drawingml/2006/main" xmlns:r="http://schemas.openxmlformats.org/officeDocument/2006/relationships" xmlns:p="http://schemas.openxmlformats.org/presentationml/2006/main">
   <p:cSld>
     <p:spTree>
@@ -18159,40 +19285,10 @@
           </a:p>
         </p:txBody>
       </p:sp>
-      <p:pic>
-        <p:nvPicPr>
-          <p:cNvPr id="2" name="Picture 1"/>
-          <p:cNvPicPr>
-            <a:picLocks noChangeAspect="1"/>
-          </p:cNvPicPr>
-          <p:nvPr/>
-        </p:nvPicPr>
-        <p:blipFill>
-          <a:blip r:embed="rId4">
-            <a:extLst>
-              <a:ext uri="{28A0092B-C50C-407E-A947-70E740481C1C}">
-                <a14:useLocalDpi xmlns:a14="http://schemas.microsoft.com/office/drawing/2010/main" val="0"/>
-              </a:ext>
-            </a:extLst>
-          </a:blip>
-          <a:stretch>
-            <a:fillRect/>
-          </a:stretch>
-        </p:blipFill>
-        <p:spPr>
-          <a:xfrm>
-            <a:off x="723900" y="0"/>
-            <a:ext cx="10732394" cy="6858000"/>
-          </a:xfrm>
-          <a:prstGeom prst="rect">
-            <a:avLst/>
-          </a:prstGeom>
-        </p:spPr>
-      </p:pic>
     </p:spTree>
     <p:extLst>
       <p:ext uri="{BB962C8B-B14F-4D97-AF65-F5344CB8AC3E}">
-        <p14:creationId xmlns:p14="http://schemas.microsoft.com/office/powerpoint/2010/main" val="655662394"/>
+        <p14:creationId xmlns:p14="http://schemas.microsoft.com/office/powerpoint/2010/main" val="1832280307"/>
       </p:ext>
     </p:extLst>
   </p:cSld>
@@ -18209,7 +19305,333 @@
 </p:sld>
 </file>
 
-<file path=ppt/slides/slide6.xml><?xml version="1.0" encoding="utf-8"?>
+<file path=ppt/slides/slide51.xml><?xml version="1.0" encoding="utf-8"?>
+<p:sld xmlns:a="http://schemas.openxmlformats.org/drawingml/2006/main" xmlns:r="http://schemas.openxmlformats.org/officeDocument/2006/relationships" xmlns:p="http://schemas.openxmlformats.org/presentationml/2006/main">
+  <p:cSld>
+    <p:spTree>
+      <p:nvGrpSpPr>
+        <p:cNvPr id="1" name=""/>
+        <p:cNvGrpSpPr/>
+        <p:nvPr/>
+      </p:nvGrpSpPr>
+      <p:grpSpPr>
+        <a:xfrm>
+          <a:off x="0" y="0"/>
+          <a:ext cx="0" cy="0"/>
+          <a:chOff x="0" y="0"/>
+          <a:chExt cx="0" cy="0"/>
+        </a:xfrm>
+      </p:grpSpPr>
+      <p:sp>
+        <p:nvSpPr>
+          <p:cNvPr id="2" name="Title 1"/>
+          <p:cNvSpPr>
+            <a:spLocks noGrp="1"/>
+          </p:cNvSpPr>
+          <p:nvPr>
+            <p:ph type="title"/>
+          </p:nvPr>
+        </p:nvSpPr>
+        <p:spPr/>
+        <p:txBody>
+          <a:bodyPr/>
+          <a:lstStyle/>
+          <a:p>
+            <a:r>
+              <a:rPr lang="en-US" dirty="0" smtClean="0">
+                <a:solidFill>
+                  <a:schemeClr val="bg2">
+                    <a:lumMod val="25000"/>
+                  </a:schemeClr>
+                </a:solidFill>
+              </a:rPr>
+              <a:t>Title</a:t>
+            </a:r>
+            <a:endParaRPr lang="en-US" dirty="0">
+              <a:solidFill>
+                <a:schemeClr val="bg2">
+                  <a:lumMod val="25000"/>
+                </a:schemeClr>
+              </a:solidFill>
+            </a:endParaRPr>
+          </a:p>
+        </p:txBody>
+      </p:sp>
+      <p:sp>
+        <p:nvSpPr>
+          <p:cNvPr id="9" name="Content Placeholder 8"/>
+          <p:cNvSpPr>
+            <a:spLocks noGrp="1"/>
+          </p:cNvSpPr>
+          <p:nvPr>
+            <p:ph idx="1"/>
+          </p:nvPr>
+        </p:nvSpPr>
+        <p:spPr/>
+        <p:txBody>
+          <a:bodyPr>
+            <a:normAutofit/>
+          </a:bodyPr>
+          <a:lstStyle/>
+          <a:p>
+            <a:pPr>
+              <a:lnSpc>
+                <a:spcPct val="110000"/>
+              </a:lnSpc>
+            </a:pPr>
+            <a:r>
+              <a:rPr lang="en-US" sz="2600" dirty="0" smtClean="0">
+                <a:solidFill>
+                  <a:schemeClr val="bg2">
+                    <a:lumMod val="25000"/>
+                  </a:schemeClr>
+                </a:solidFill>
+              </a:rPr>
+              <a:t>1</a:t>
+            </a:r>
+          </a:p>
+          <a:p>
+            <a:pPr>
+              <a:lnSpc>
+                <a:spcPct val="110000"/>
+              </a:lnSpc>
+            </a:pPr>
+            <a:r>
+              <a:rPr lang="en-US" sz="2600" dirty="0" smtClean="0">
+                <a:solidFill>
+                  <a:schemeClr val="bg2">
+                    <a:lumMod val="25000"/>
+                  </a:schemeClr>
+                </a:solidFill>
+              </a:rPr>
+              <a:t>2</a:t>
+            </a:r>
+          </a:p>
+          <a:p>
+            <a:pPr>
+              <a:lnSpc>
+                <a:spcPct val="110000"/>
+              </a:lnSpc>
+            </a:pPr>
+            <a:r>
+              <a:rPr lang="en-US" sz="2600" dirty="0" smtClean="0">
+                <a:solidFill>
+                  <a:schemeClr val="bg2">
+                    <a:lumMod val="25000"/>
+                  </a:schemeClr>
+                </a:solidFill>
+              </a:rPr>
+              <a:t>3</a:t>
+            </a:r>
+          </a:p>
+          <a:p>
+            <a:pPr>
+              <a:lnSpc>
+                <a:spcPct val="110000"/>
+              </a:lnSpc>
+            </a:pPr>
+            <a:r>
+              <a:rPr lang="en-US" sz="2600" dirty="0" smtClean="0">
+                <a:solidFill>
+                  <a:schemeClr val="bg2">
+                    <a:lumMod val="25000"/>
+                  </a:schemeClr>
+                </a:solidFill>
+              </a:rPr>
+              <a:t>4</a:t>
+            </a:r>
+          </a:p>
+          <a:p>
+            <a:pPr>
+              <a:lnSpc>
+                <a:spcPct val="110000"/>
+              </a:lnSpc>
+            </a:pPr>
+            <a:endParaRPr lang="en-US" sz="2600" dirty="0" smtClean="0">
+              <a:solidFill>
+                <a:schemeClr val="bg2">
+                  <a:lumMod val="25000"/>
+                </a:schemeClr>
+              </a:solidFill>
+            </a:endParaRPr>
+          </a:p>
+          <a:p>
+            <a:pPr>
+              <a:lnSpc>
+                <a:spcPct val="110000"/>
+              </a:lnSpc>
+            </a:pPr>
+            <a:endParaRPr lang="en-US" sz="2600" dirty="0" smtClean="0">
+              <a:solidFill>
+                <a:schemeClr val="bg2">
+                  <a:lumMod val="25000"/>
+                </a:schemeClr>
+              </a:solidFill>
+            </a:endParaRPr>
+          </a:p>
+          <a:p>
+            <a:pPr>
+              <a:lnSpc>
+                <a:spcPct val="110000"/>
+              </a:lnSpc>
+            </a:pPr>
+            <a:endParaRPr lang="en-US" sz="2600" dirty="0" smtClean="0">
+              <a:solidFill>
+                <a:schemeClr val="bg2">
+                  <a:lumMod val="25000"/>
+                </a:schemeClr>
+              </a:solidFill>
+            </a:endParaRPr>
+          </a:p>
+        </p:txBody>
+      </p:sp>
+      <p:pic>
+        <p:nvPicPr>
+          <p:cNvPr id="4" name="Picture 3"/>
+          <p:cNvPicPr>
+            <a:picLocks noChangeAspect="1"/>
+          </p:cNvPicPr>
+          <p:nvPr/>
+        </p:nvPicPr>
+        <p:blipFill>
+          <a:blip r:embed="rId3">
+            <a:alphaModFix amt="60000"/>
+            <a:extLst>
+              <a:ext uri="{28A0092B-C50C-407E-A947-70E740481C1C}">
+                <a14:useLocalDpi xmlns:a14="http://schemas.microsoft.com/office/drawing/2010/main" val="0"/>
+              </a:ext>
+            </a:extLst>
+          </a:blip>
+          <a:stretch>
+            <a:fillRect/>
+          </a:stretch>
+        </p:blipFill>
+        <p:spPr>
+          <a:xfrm>
+            <a:off x="173384" y="6417255"/>
+            <a:ext cx="1695174" cy="270123"/>
+          </a:xfrm>
+          <a:prstGeom prst="rect">
+            <a:avLst/>
+          </a:prstGeom>
+        </p:spPr>
+      </p:pic>
+      <p:cxnSp>
+        <p:nvCxnSpPr>
+          <p:cNvPr id="10" name="Straight Connector 9"/>
+          <p:cNvCxnSpPr/>
+          <p:nvPr/>
+        </p:nvCxnSpPr>
+        <p:spPr>
+          <a:xfrm>
+            <a:off x="0" y="6253236"/>
+            <a:ext cx="12192000" cy="0"/>
+          </a:xfrm>
+          <a:prstGeom prst="line">
+            <a:avLst/>
+          </a:prstGeom>
+          <a:ln>
+            <a:solidFill>
+              <a:schemeClr val="bg2">
+                <a:lumMod val="75000"/>
+              </a:schemeClr>
+            </a:solidFill>
+          </a:ln>
+        </p:spPr>
+        <p:style>
+          <a:lnRef idx="1">
+            <a:schemeClr val="dk1"/>
+          </a:lnRef>
+          <a:fillRef idx="0">
+            <a:schemeClr val="dk1"/>
+          </a:fillRef>
+          <a:effectRef idx="0">
+            <a:schemeClr val="dk1"/>
+          </a:effectRef>
+          <a:fontRef idx="minor">
+            <a:schemeClr val="tx1"/>
+          </a:fontRef>
+        </p:style>
+      </p:cxnSp>
+      <p:sp>
+        <p:nvSpPr>
+          <p:cNvPr id="13" name="TextBox 12"/>
+          <p:cNvSpPr txBox="1"/>
+          <p:nvPr/>
+        </p:nvSpPr>
+        <p:spPr>
+          <a:xfrm>
+            <a:off x="9245600" y="6417255"/>
+            <a:ext cx="2946400" cy="276999"/>
+          </a:xfrm>
+          <a:prstGeom prst="rect">
+            <a:avLst/>
+          </a:prstGeom>
+          <a:noFill/>
+        </p:spPr>
+        <p:txBody>
+          <a:bodyPr wrap="square" rtlCol="0">
+            <a:spAutoFit/>
+          </a:bodyPr>
+          <a:lstStyle/>
+          <a:p>
+            <a:r>
+              <a:rPr lang="en-US" sz="1200" smtClean="0">
+                <a:solidFill>
+                  <a:schemeClr val="tx1">
+                    <a:lumMod val="65000"/>
+                    <a:lumOff val="35000"/>
+                    <a:alpha val="60000"/>
+                  </a:schemeClr>
+                </a:solidFill>
+              </a:rPr>
+              <a:t>Stephen McLaughlin  /  @</a:t>
+            </a:r>
+            <a:r>
+              <a:rPr lang="en-US" sz="1200" err="1" smtClean="0">
+                <a:solidFill>
+                  <a:schemeClr val="tx1">
+                    <a:lumMod val="65000"/>
+                    <a:lumOff val="35000"/>
+                    <a:alpha val="60000"/>
+                  </a:schemeClr>
+                </a:solidFill>
+              </a:rPr>
+              <a:t>SteveMcLaugh</a:t>
+            </a:r>
+            <a:endParaRPr lang="en-US" sz="1200">
+              <a:solidFill>
+                <a:schemeClr val="tx1">
+                  <a:lumMod val="65000"/>
+                  <a:lumOff val="35000"/>
+                  <a:alpha val="60000"/>
+                </a:schemeClr>
+              </a:solidFill>
+            </a:endParaRPr>
+          </a:p>
+        </p:txBody>
+      </p:sp>
+    </p:spTree>
+    <p:extLst>
+      <p:ext uri="{BB962C8B-B14F-4D97-AF65-F5344CB8AC3E}">
+        <p14:creationId xmlns:p14="http://schemas.microsoft.com/office/powerpoint/2010/main" val="1806166037"/>
+      </p:ext>
+    </p:extLst>
+  </p:cSld>
+  <p:clrMapOvr>
+    <a:masterClrMapping/>
+  </p:clrMapOvr>
+  <p:timing>
+    <p:tnLst>
+      <p:par>
+        <p:cTn id="1" dur="indefinite" restart="never" nodeType="tmRoot"/>
+      </p:par>
+    </p:tnLst>
+  </p:timing>
+</p:sld>
+</file>
+
+<file path=ppt/slides/slide52.xml><?xml version="1.0" encoding="utf-8"?>
 <p:sld xmlns:a="http://schemas.openxmlformats.org/drawingml/2006/main" xmlns:r="http://schemas.openxmlformats.org/officeDocument/2006/relationships" xmlns:p="http://schemas.openxmlformats.org/presentationml/2006/main">
   <p:cSld>
     <p:spTree>
@@ -18352,16 +19774,217 @@
           </a:p>
         </p:txBody>
       </p:sp>
+    </p:spTree>
+    <p:extLst>
+      <p:ext uri="{BB962C8B-B14F-4D97-AF65-F5344CB8AC3E}">
+        <p14:creationId xmlns:p14="http://schemas.microsoft.com/office/powerpoint/2010/main" val="1130195218"/>
+      </p:ext>
+    </p:extLst>
+  </p:cSld>
+  <p:clrMapOvr>
+    <a:masterClrMapping/>
+  </p:clrMapOvr>
+  <p:timing>
+    <p:tnLst>
+      <p:par>
+        <p:cTn id="1" dur="indefinite" restart="never" nodeType="tmRoot"/>
+      </p:par>
+    </p:tnLst>
+  </p:timing>
+</p:sld>
+</file>
+
+<file path=ppt/slides/slide53.xml><?xml version="1.0" encoding="utf-8"?>
+<p:sld xmlns:a="http://schemas.openxmlformats.org/drawingml/2006/main" xmlns:r="http://schemas.openxmlformats.org/officeDocument/2006/relationships" xmlns:p="http://schemas.openxmlformats.org/presentationml/2006/main">
+  <p:cSld>
+    <p:spTree>
+      <p:nvGrpSpPr>
+        <p:cNvPr id="1" name=""/>
+        <p:cNvGrpSpPr/>
+        <p:nvPr/>
+      </p:nvGrpSpPr>
+      <p:grpSpPr>
+        <a:xfrm>
+          <a:off x="0" y="0"/>
+          <a:ext cx="0" cy="0"/>
+          <a:chOff x="0" y="0"/>
+          <a:chExt cx="0" cy="0"/>
+        </a:xfrm>
+      </p:grpSpPr>
+      <p:sp>
+        <p:nvSpPr>
+          <p:cNvPr id="2" name="Title 1"/>
+          <p:cNvSpPr>
+            <a:spLocks noGrp="1"/>
+          </p:cNvSpPr>
+          <p:nvPr>
+            <p:ph type="title"/>
+          </p:nvPr>
+        </p:nvSpPr>
+        <p:spPr/>
+        <p:txBody>
+          <a:bodyPr/>
+          <a:lstStyle/>
+          <a:p>
+            <a:r>
+              <a:rPr lang="en-US" dirty="0" smtClean="0">
+                <a:solidFill>
+                  <a:schemeClr val="bg2">
+                    <a:lumMod val="25000"/>
+                  </a:schemeClr>
+                </a:solidFill>
+              </a:rPr>
+              <a:t>Title</a:t>
+            </a:r>
+            <a:endParaRPr lang="en-US" dirty="0">
+              <a:solidFill>
+                <a:schemeClr val="bg2">
+                  <a:lumMod val="25000"/>
+                </a:schemeClr>
+              </a:solidFill>
+            </a:endParaRPr>
+          </a:p>
+        </p:txBody>
+      </p:sp>
+      <p:sp>
+        <p:nvSpPr>
+          <p:cNvPr id="9" name="Content Placeholder 8"/>
+          <p:cNvSpPr>
+            <a:spLocks noGrp="1"/>
+          </p:cNvSpPr>
+          <p:nvPr>
+            <p:ph idx="1"/>
+          </p:nvPr>
+        </p:nvSpPr>
+        <p:spPr/>
+        <p:txBody>
+          <a:bodyPr>
+            <a:normAutofit/>
+          </a:bodyPr>
+          <a:lstStyle/>
+          <a:p>
+            <a:pPr>
+              <a:lnSpc>
+                <a:spcPct val="110000"/>
+              </a:lnSpc>
+            </a:pPr>
+            <a:r>
+              <a:rPr lang="en-US" sz="2600" dirty="0" smtClean="0">
+                <a:solidFill>
+                  <a:schemeClr val="bg2">
+                    <a:lumMod val="25000"/>
+                  </a:schemeClr>
+                </a:solidFill>
+              </a:rPr>
+              <a:t>1</a:t>
+            </a:r>
+          </a:p>
+          <a:p>
+            <a:pPr>
+              <a:lnSpc>
+                <a:spcPct val="110000"/>
+              </a:lnSpc>
+            </a:pPr>
+            <a:r>
+              <a:rPr lang="en-US" sz="2600" dirty="0" smtClean="0">
+                <a:solidFill>
+                  <a:schemeClr val="bg2">
+                    <a:lumMod val="25000"/>
+                  </a:schemeClr>
+                </a:solidFill>
+              </a:rPr>
+              <a:t>2</a:t>
+            </a:r>
+          </a:p>
+          <a:p>
+            <a:pPr>
+              <a:lnSpc>
+                <a:spcPct val="110000"/>
+              </a:lnSpc>
+            </a:pPr>
+            <a:r>
+              <a:rPr lang="en-US" sz="2600" dirty="0" smtClean="0">
+                <a:solidFill>
+                  <a:schemeClr val="bg2">
+                    <a:lumMod val="25000"/>
+                  </a:schemeClr>
+                </a:solidFill>
+              </a:rPr>
+              <a:t>3</a:t>
+            </a:r>
+          </a:p>
+          <a:p>
+            <a:pPr>
+              <a:lnSpc>
+                <a:spcPct val="110000"/>
+              </a:lnSpc>
+            </a:pPr>
+            <a:r>
+              <a:rPr lang="en-US" sz="2600" dirty="0" smtClean="0">
+                <a:solidFill>
+                  <a:schemeClr val="bg2">
+                    <a:lumMod val="25000"/>
+                  </a:schemeClr>
+                </a:solidFill>
+              </a:rPr>
+              <a:t>4</a:t>
+            </a:r>
+          </a:p>
+          <a:p>
+            <a:pPr>
+              <a:lnSpc>
+                <a:spcPct val="110000"/>
+              </a:lnSpc>
+            </a:pPr>
+            <a:endParaRPr lang="en-US" sz="2600" dirty="0" smtClean="0">
+              <a:solidFill>
+                <a:schemeClr val="bg2">
+                  <a:lumMod val="25000"/>
+                </a:schemeClr>
+              </a:solidFill>
+            </a:endParaRPr>
+          </a:p>
+          <a:p>
+            <a:pPr>
+              <a:lnSpc>
+                <a:spcPct val="110000"/>
+              </a:lnSpc>
+            </a:pPr>
+            <a:endParaRPr lang="en-US" sz="2600" dirty="0" smtClean="0">
+              <a:solidFill>
+                <a:schemeClr val="bg2">
+                  <a:lumMod val="25000"/>
+                </a:schemeClr>
+              </a:solidFill>
+            </a:endParaRPr>
+          </a:p>
+          <a:p>
+            <a:pPr>
+              <a:lnSpc>
+                <a:spcPct val="110000"/>
+              </a:lnSpc>
+            </a:pPr>
+            <a:endParaRPr lang="en-US" sz="2600" dirty="0" smtClean="0">
+              <a:solidFill>
+                <a:schemeClr val="bg2">
+                  <a:lumMod val="25000"/>
+                </a:schemeClr>
+              </a:solidFill>
+            </a:endParaRPr>
+          </a:p>
+        </p:txBody>
+      </p:sp>
       <p:pic>
         <p:nvPicPr>
-          <p:cNvPr id="2" name="Picture 1"/>
+          <p:cNvPr id="4" name="Picture 3"/>
           <p:cNvPicPr>
             <a:picLocks noChangeAspect="1"/>
           </p:cNvPicPr>
           <p:nvPr/>
         </p:nvPicPr>
         <p:blipFill>
-          <a:blip r:embed="rId4">
+          <a:blip r:embed="rId3">
+            <a:alphaModFix amt="60000"/>
             <a:extLst>
               <a:ext uri="{28A0092B-C50C-407E-A947-70E740481C1C}">
                 <a14:useLocalDpi xmlns:a14="http://schemas.microsoft.com/office/drawing/2010/main" val="0"/>
@@ -18374,18 +19997,959 @@
         </p:blipFill>
         <p:spPr>
           <a:xfrm>
-            <a:off x="254000" y="12700"/>
-            <a:ext cx="11684000" cy="6832600"/>
+            <a:off x="173384" y="6417255"/>
+            <a:ext cx="1695174" cy="270123"/>
           </a:xfrm>
           <a:prstGeom prst="rect">
             <a:avLst/>
           </a:prstGeom>
         </p:spPr>
       </p:pic>
+      <p:cxnSp>
+        <p:nvCxnSpPr>
+          <p:cNvPr id="10" name="Straight Connector 9"/>
+          <p:cNvCxnSpPr/>
+          <p:nvPr/>
+        </p:nvCxnSpPr>
+        <p:spPr>
+          <a:xfrm>
+            <a:off x="0" y="6253236"/>
+            <a:ext cx="12192000" cy="0"/>
+          </a:xfrm>
+          <a:prstGeom prst="line">
+            <a:avLst/>
+          </a:prstGeom>
+          <a:ln>
+            <a:solidFill>
+              <a:schemeClr val="bg2">
+                <a:lumMod val="75000"/>
+              </a:schemeClr>
+            </a:solidFill>
+          </a:ln>
+        </p:spPr>
+        <p:style>
+          <a:lnRef idx="1">
+            <a:schemeClr val="dk1"/>
+          </a:lnRef>
+          <a:fillRef idx="0">
+            <a:schemeClr val="dk1"/>
+          </a:fillRef>
+          <a:effectRef idx="0">
+            <a:schemeClr val="dk1"/>
+          </a:effectRef>
+          <a:fontRef idx="minor">
+            <a:schemeClr val="tx1"/>
+          </a:fontRef>
+        </p:style>
+      </p:cxnSp>
+      <p:sp>
+        <p:nvSpPr>
+          <p:cNvPr id="13" name="TextBox 12"/>
+          <p:cNvSpPr txBox="1"/>
+          <p:nvPr/>
+        </p:nvSpPr>
+        <p:spPr>
+          <a:xfrm>
+            <a:off x="9245600" y="6417255"/>
+            <a:ext cx="2946400" cy="276999"/>
+          </a:xfrm>
+          <a:prstGeom prst="rect">
+            <a:avLst/>
+          </a:prstGeom>
+          <a:noFill/>
+        </p:spPr>
+        <p:txBody>
+          <a:bodyPr wrap="square" rtlCol="0">
+            <a:spAutoFit/>
+          </a:bodyPr>
+          <a:lstStyle/>
+          <a:p>
+            <a:r>
+              <a:rPr lang="en-US" sz="1200" smtClean="0">
+                <a:solidFill>
+                  <a:schemeClr val="tx1">
+                    <a:lumMod val="65000"/>
+                    <a:lumOff val="35000"/>
+                    <a:alpha val="60000"/>
+                  </a:schemeClr>
+                </a:solidFill>
+              </a:rPr>
+              <a:t>Stephen McLaughlin  /  @</a:t>
+            </a:r>
+            <a:r>
+              <a:rPr lang="en-US" sz="1200" err="1" smtClean="0">
+                <a:solidFill>
+                  <a:schemeClr val="tx1">
+                    <a:lumMod val="65000"/>
+                    <a:lumOff val="35000"/>
+                    <a:alpha val="60000"/>
+                  </a:schemeClr>
+                </a:solidFill>
+              </a:rPr>
+              <a:t>SteveMcLaugh</a:t>
+            </a:r>
+            <a:endParaRPr lang="en-US" sz="1200">
+              <a:solidFill>
+                <a:schemeClr val="tx1">
+                  <a:lumMod val="65000"/>
+                  <a:lumOff val="35000"/>
+                  <a:alpha val="60000"/>
+                </a:schemeClr>
+              </a:solidFill>
+            </a:endParaRPr>
+          </a:p>
+        </p:txBody>
+      </p:sp>
     </p:spTree>
     <p:extLst>
       <p:ext uri="{BB962C8B-B14F-4D97-AF65-F5344CB8AC3E}">
-        <p14:creationId xmlns:p14="http://schemas.microsoft.com/office/powerpoint/2010/main" val="1085219231"/>
+        <p14:creationId xmlns:p14="http://schemas.microsoft.com/office/powerpoint/2010/main" val="312896069"/>
+      </p:ext>
+    </p:extLst>
+  </p:cSld>
+  <p:clrMapOvr>
+    <a:masterClrMapping/>
+  </p:clrMapOvr>
+  <p:timing>
+    <p:tnLst>
+      <p:par>
+        <p:cTn id="1" dur="indefinite" restart="never" nodeType="tmRoot"/>
+      </p:par>
+    </p:tnLst>
+  </p:timing>
+</p:sld>
+</file>
+
+<file path=ppt/slides/slide54.xml><?xml version="1.0" encoding="utf-8"?>
+<p:sld xmlns:a="http://schemas.openxmlformats.org/drawingml/2006/main" xmlns:r="http://schemas.openxmlformats.org/officeDocument/2006/relationships" xmlns:p="http://schemas.openxmlformats.org/presentationml/2006/main">
+  <p:cSld>
+    <p:spTree>
+      <p:nvGrpSpPr>
+        <p:cNvPr id="1" name=""/>
+        <p:cNvGrpSpPr/>
+        <p:nvPr/>
+      </p:nvGrpSpPr>
+      <p:grpSpPr>
+        <a:xfrm>
+          <a:off x="0" y="0"/>
+          <a:ext cx="0" cy="0"/>
+          <a:chOff x="0" y="0"/>
+          <a:chExt cx="0" cy="0"/>
+        </a:xfrm>
+      </p:grpSpPr>
+      <p:pic>
+        <p:nvPicPr>
+          <p:cNvPr id="4" name="Picture 3"/>
+          <p:cNvPicPr>
+            <a:picLocks noChangeAspect="1"/>
+          </p:cNvPicPr>
+          <p:nvPr/>
+        </p:nvPicPr>
+        <p:blipFill>
+          <a:blip r:embed="rId3">
+            <a:alphaModFix amt="60000"/>
+            <a:extLst>
+              <a:ext uri="{28A0092B-C50C-407E-A947-70E740481C1C}">
+                <a14:useLocalDpi xmlns:a14="http://schemas.microsoft.com/office/drawing/2010/main" val="0"/>
+              </a:ext>
+            </a:extLst>
+          </a:blip>
+          <a:stretch>
+            <a:fillRect/>
+          </a:stretch>
+        </p:blipFill>
+        <p:spPr>
+          <a:xfrm>
+            <a:off x="173384" y="6417255"/>
+            <a:ext cx="1695174" cy="270123"/>
+          </a:xfrm>
+          <a:prstGeom prst="rect">
+            <a:avLst/>
+          </a:prstGeom>
+        </p:spPr>
+      </p:pic>
+      <p:cxnSp>
+        <p:nvCxnSpPr>
+          <p:cNvPr id="10" name="Straight Connector 9"/>
+          <p:cNvCxnSpPr/>
+          <p:nvPr/>
+        </p:nvCxnSpPr>
+        <p:spPr>
+          <a:xfrm>
+            <a:off x="0" y="6253236"/>
+            <a:ext cx="12192000" cy="0"/>
+          </a:xfrm>
+          <a:prstGeom prst="line">
+            <a:avLst/>
+          </a:prstGeom>
+          <a:ln>
+            <a:solidFill>
+              <a:schemeClr val="bg2">
+                <a:lumMod val="75000"/>
+              </a:schemeClr>
+            </a:solidFill>
+          </a:ln>
+        </p:spPr>
+        <p:style>
+          <a:lnRef idx="1">
+            <a:schemeClr val="dk1"/>
+          </a:lnRef>
+          <a:fillRef idx="0">
+            <a:schemeClr val="dk1"/>
+          </a:fillRef>
+          <a:effectRef idx="0">
+            <a:schemeClr val="dk1"/>
+          </a:effectRef>
+          <a:fontRef idx="minor">
+            <a:schemeClr val="tx1"/>
+          </a:fontRef>
+        </p:style>
+      </p:cxnSp>
+      <p:sp>
+        <p:nvSpPr>
+          <p:cNvPr id="13" name="TextBox 12"/>
+          <p:cNvSpPr txBox="1"/>
+          <p:nvPr/>
+        </p:nvSpPr>
+        <p:spPr>
+          <a:xfrm>
+            <a:off x="9245600" y="6417255"/>
+            <a:ext cx="2946400" cy="276999"/>
+          </a:xfrm>
+          <a:prstGeom prst="rect">
+            <a:avLst/>
+          </a:prstGeom>
+          <a:noFill/>
+        </p:spPr>
+        <p:txBody>
+          <a:bodyPr wrap="square" rtlCol="0">
+            <a:spAutoFit/>
+          </a:bodyPr>
+          <a:lstStyle/>
+          <a:p>
+            <a:r>
+              <a:rPr lang="en-US" sz="1200" smtClean="0">
+                <a:solidFill>
+                  <a:schemeClr val="tx1">
+                    <a:lumMod val="65000"/>
+                    <a:lumOff val="35000"/>
+                    <a:alpha val="60000"/>
+                  </a:schemeClr>
+                </a:solidFill>
+              </a:rPr>
+              <a:t>Stephen McLaughlin  /  @</a:t>
+            </a:r>
+            <a:r>
+              <a:rPr lang="en-US" sz="1200" err="1" smtClean="0">
+                <a:solidFill>
+                  <a:schemeClr val="tx1">
+                    <a:lumMod val="65000"/>
+                    <a:lumOff val="35000"/>
+                    <a:alpha val="60000"/>
+                  </a:schemeClr>
+                </a:solidFill>
+              </a:rPr>
+              <a:t>SteveMcLaugh</a:t>
+            </a:r>
+            <a:endParaRPr lang="en-US" sz="1200">
+              <a:solidFill>
+                <a:schemeClr val="tx1">
+                  <a:lumMod val="65000"/>
+                  <a:lumOff val="35000"/>
+                  <a:alpha val="60000"/>
+                </a:schemeClr>
+              </a:solidFill>
+            </a:endParaRPr>
+          </a:p>
+        </p:txBody>
+      </p:sp>
+    </p:spTree>
+    <p:extLst>
+      <p:ext uri="{BB962C8B-B14F-4D97-AF65-F5344CB8AC3E}">
+        <p14:creationId xmlns:p14="http://schemas.microsoft.com/office/powerpoint/2010/main" val="1793044749"/>
+      </p:ext>
+    </p:extLst>
+  </p:cSld>
+  <p:clrMapOvr>
+    <a:masterClrMapping/>
+  </p:clrMapOvr>
+  <p:timing>
+    <p:tnLst>
+      <p:par>
+        <p:cTn id="1" dur="indefinite" restart="never" nodeType="tmRoot"/>
+      </p:par>
+    </p:tnLst>
+  </p:timing>
+</p:sld>
+</file>
+
+<file path=ppt/slides/slide55.xml><?xml version="1.0" encoding="utf-8"?>
+<p:sld xmlns:a="http://schemas.openxmlformats.org/drawingml/2006/main" xmlns:r="http://schemas.openxmlformats.org/officeDocument/2006/relationships" xmlns:p="http://schemas.openxmlformats.org/presentationml/2006/main">
+  <p:cSld>
+    <p:spTree>
+      <p:nvGrpSpPr>
+        <p:cNvPr id="1" name=""/>
+        <p:cNvGrpSpPr/>
+        <p:nvPr/>
+      </p:nvGrpSpPr>
+      <p:grpSpPr>
+        <a:xfrm>
+          <a:off x="0" y="0"/>
+          <a:ext cx="0" cy="0"/>
+          <a:chOff x="0" y="0"/>
+          <a:chExt cx="0" cy="0"/>
+        </a:xfrm>
+      </p:grpSpPr>
+      <p:sp>
+        <p:nvSpPr>
+          <p:cNvPr id="2" name="Title 1"/>
+          <p:cNvSpPr>
+            <a:spLocks noGrp="1"/>
+          </p:cNvSpPr>
+          <p:nvPr>
+            <p:ph type="title"/>
+          </p:nvPr>
+        </p:nvSpPr>
+        <p:spPr/>
+        <p:txBody>
+          <a:bodyPr/>
+          <a:lstStyle/>
+          <a:p>
+            <a:r>
+              <a:rPr lang="en-US" dirty="0" smtClean="0">
+                <a:solidFill>
+                  <a:schemeClr val="bg2">
+                    <a:lumMod val="25000"/>
+                  </a:schemeClr>
+                </a:solidFill>
+              </a:rPr>
+              <a:t>Title</a:t>
+            </a:r>
+            <a:endParaRPr lang="en-US" dirty="0">
+              <a:solidFill>
+                <a:schemeClr val="bg2">
+                  <a:lumMod val="25000"/>
+                </a:schemeClr>
+              </a:solidFill>
+            </a:endParaRPr>
+          </a:p>
+        </p:txBody>
+      </p:sp>
+      <p:sp>
+        <p:nvSpPr>
+          <p:cNvPr id="9" name="Content Placeholder 8"/>
+          <p:cNvSpPr>
+            <a:spLocks noGrp="1"/>
+          </p:cNvSpPr>
+          <p:nvPr>
+            <p:ph idx="1"/>
+          </p:nvPr>
+        </p:nvSpPr>
+        <p:spPr/>
+        <p:txBody>
+          <a:bodyPr>
+            <a:normAutofit/>
+          </a:bodyPr>
+          <a:lstStyle/>
+          <a:p>
+            <a:pPr>
+              <a:lnSpc>
+                <a:spcPct val="110000"/>
+              </a:lnSpc>
+            </a:pPr>
+            <a:r>
+              <a:rPr lang="en-US" sz="2600" dirty="0" smtClean="0">
+                <a:solidFill>
+                  <a:schemeClr val="bg2">
+                    <a:lumMod val="25000"/>
+                  </a:schemeClr>
+                </a:solidFill>
+              </a:rPr>
+              <a:t>1</a:t>
+            </a:r>
+          </a:p>
+          <a:p>
+            <a:pPr>
+              <a:lnSpc>
+                <a:spcPct val="110000"/>
+              </a:lnSpc>
+            </a:pPr>
+            <a:r>
+              <a:rPr lang="en-US" sz="2600" dirty="0" smtClean="0">
+                <a:solidFill>
+                  <a:schemeClr val="bg2">
+                    <a:lumMod val="25000"/>
+                  </a:schemeClr>
+                </a:solidFill>
+              </a:rPr>
+              <a:t>2</a:t>
+            </a:r>
+          </a:p>
+          <a:p>
+            <a:pPr>
+              <a:lnSpc>
+                <a:spcPct val="110000"/>
+              </a:lnSpc>
+            </a:pPr>
+            <a:r>
+              <a:rPr lang="en-US" sz="2600" dirty="0" smtClean="0">
+                <a:solidFill>
+                  <a:schemeClr val="bg2">
+                    <a:lumMod val="25000"/>
+                  </a:schemeClr>
+                </a:solidFill>
+              </a:rPr>
+              <a:t>3</a:t>
+            </a:r>
+          </a:p>
+          <a:p>
+            <a:pPr>
+              <a:lnSpc>
+                <a:spcPct val="110000"/>
+              </a:lnSpc>
+            </a:pPr>
+            <a:r>
+              <a:rPr lang="en-US" sz="2600" dirty="0" smtClean="0">
+                <a:solidFill>
+                  <a:schemeClr val="bg2">
+                    <a:lumMod val="25000"/>
+                  </a:schemeClr>
+                </a:solidFill>
+              </a:rPr>
+              <a:t>4</a:t>
+            </a:r>
+          </a:p>
+          <a:p>
+            <a:pPr>
+              <a:lnSpc>
+                <a:spcPct val="110000"/>
+              </a:lnSpc>
+            </a:pPr>
+            <a:endParaRPr lang="en-US" sz="2600" dirty="0" smtClean="0">
+              <a:solidFill>
+                <a:schemeClr val="bg2">
+                  <a:lumMod val="25000"/>
+                </a:schemeClr>
+              </a:solidFill>
+            </a:endParaRPr>
+          </a:p>
+          <a:p>
+            <a:pPr>
+              <a:lnSpc>
+                <a:spcPct val="110000"/>
+              </a:lnSpc>
+            </a:pPr>
+            <a:endParaRPr lang="en-US" sz="2600" dirty="0" smtClean="0">
+              <a:solidFill>
+                <a:schemeClr val="bg2">
+                  <a:lumMod val="25000"/>
+                </a:schemeClr>
+              </a:solidFill>
+            </a:endParaRPr>
+          </a:p>
+          <a:p>
+            <a:pPr>
+              <a:lnSpc>
+                <a:spcPct val="110000"/>
+              </a:lnSpc>
+            </a:pPr>
+            <a:endParaRPr lang="en-US" sz="2600" dirty="0" smtClean="0">
+              <a:solidFill>
+                <a:schemeClr val="bg2">
+                  <a:lumMod val="25000"/>
+                </a:schemeClr>
+              </a:solidFill>
+            </a:endParaRPr>
+          </a:p>
+        </p:txBody>
+      </p:sp>
+      <p:pic>
+        <p:nvPicPr>
+          <p:cNvPr id="4" name="Picture 3"/>
+          <p:cNvPicPr>
+            <a:picLocks noChangeAspect="1"/>
+          </p:cNvPicPr>
+          <p:nvPr/>
+        </p:nvPicPr>
+        <p:blipFill>
+          <a:blip r:embed="rId3">
+            <a:alphaModFix amt="60000"/>
+            <a:extLst>
+              <a:ext uri="{28A0092B-C50C-407E-A947-70E740481C1C}">
+                <a14:useLocalDpi xmlns:a14="http://schemas.microsoft.com/office/drawing/2010/main" val="0"/>
+              </a:ext>
+            </a:extLst>
+          </a:blip>
+          <a:stretch>
+            <a:fillRect/>
+          </a:stretch>
+        </p:blipFill>
+        <p:spPr>
+          <a:xfrm>
+            <a:off x="173384" y="6417255"/>
+            <a:ext cx="1695174" cy="270123"/>
+          </a:xfrm>
+          <a:prstGeom prst="rect">
+            <a:avLst/>
+          </a:prstGeom>
+        </p:spPr>
+      </p:pic>
+      <p:cxnSp>
+        <p:nvCxnSpPr>
+          <p:cNvPr id="10" name="Straight Connector 9"/>
+          <p:cNvCxnSpPr/>
+          <p:nvPr/>
+        </p:nvCxnSpPr>
+        <p:spPr>
+          <a:xfrm>
+            <a:off x="0" y="6253236"/>
+            <a:ext cx="12192000" cy="0"/>
+          </a:xfrm>
+          <a:prstGeom prst="line">
+            <a:avLst/>
+          </a:prstGeom>
+          <a:ln>
+            <a:solidFill>
+              <a:schemeClr val="bg2">
+                <a:lumMod val="75000"/>
+              </a:schemeClr>
+            </a:solidFill>
+          </a:ln>
+        </p:spPr>
+        <p:style>
+          <a:lnRef idx="1">
+            <a:schemeClr val="dk1"/>
+          </a:lnRef>
+          <a:fillRef idx="0">
+            <a:schemeClr val="dk1"/>
+          </a:fillRef>
+          <a:effectRef idx="0">
+            <a:schemeClr val="dk1"/>
+          </a:effectRef>
+          <a:fontRef idx="minor">
+            <a:schemeClr val="tx1"/>
+          </a:fontRef>
+        </p:style>
+      </p:cxnSp>
+      <p:sp>
+        <p:nvSpPr>
+          <p:cNvPr id="13" name="TextBox 12"/>
+          <p:cNvSpPr txBox="1"/>
+          <p:nvPr/>
+        </p:nvSpPr>
+        <p:spPr>
+          <a:xfrm>
+            <a:off x="9245600" y="6417255"/>
+            <a:ext cx="2946400" cy="276999"/>
+          </a:xfrm>
+          <a:prstGeom prst="rect">
+            <a:avLst/>
+          </a:prstGeom>
+          <a:noFill/>
+        </p:spPr>
+        <p:txBody>
+          <a:bodyPr wrap="square" rtlCol="0">
+            <a:spAutoFit/>
+          </a:bodyPr>
+          <a:lstStyle/>
+          <a:p>
+            <a:r>
+              <a:rPr lang="en-US" sz="1200" smtClean="0">
+                <a:solidFill>
+                  <a:schemeClr val="tx1">
+                    <a:lumMod val="65000"/>
+                    <a:lumOff val="35000"/>
+                    <a:alpha val="60000"/>
+                  </a:schemeClr>
+                </a:solidFill>
+              </a:rPr>
+              <a:t>Stephen McLaughlin  /  @</a:t>
+            </a:r>
+            <a:r>
+              <a:rPr lang="en-US" sz="1200" err="1" smtClean="0">
+                <a:solidFill>
+                  <a:schemeClr val="tx1">
+                    <a:lumMod val="65000"/>
+                    <a:lumOff val="35000"/>
+                    <a:alpha val="60000"/>
+                  </a:schemeClr>
+                </a:solidFill>
+              </a:rPr>
+              <a:t>SteveMcLaugh</a:t>
+            </a:r>
+            <a:endParaRPr lang="en-US" sz="1200">
+              <a:solidFill>
+                <a:schemeClr val="tx1">
+                  <a:lumMod val="65000"/>
+                  <a:lumOff val="35000"/>
+                  <a:alpha val="60000"/>
+                </a:schemeClr>
+              </a:solidFill>
+            </a:endParaRPr>
+          </a:p>
+        </p:txBody>
+      </p:sp>
+    </p:spTree>
+    <p:extLst>
+      <p:ext uri="{BB962C8B-B14F-4D97-AF65-F5344CB8AC3E}">
+        <p14:creationId xmlns:p14="http://schemas.microsoft.com/office/powerpoint/2010/main" val="698315921"/>
+      </p:ext>
+    </p:extLst>
+  </p:cSld>
+  <p:clrMapOvr>
+    <a:masterClrMapping/>
+  </p:clrMapOvr>
+  <p:timing>
+    <p:tnLst>
+      <p:par>
+        <p:cTn id="1" dur="indefinite" restart="never" nodeType="tmRoot"/>
+      </p:par>
+    </p:tnLst>
+  </p:timing>
+</p:sld>
+</file>
+
+<file path=ppt/slides/slide6.xml><?xml version="1.0" encoding="utf-8"?>
+<p:sld xmlns:a="http://schemas.openxmlformats.org/drawingml/2006/main" xmlns:r="http://schemas.openxmlformats.org/officeDocument/2006/relationships" xmlns:p="http://schemas.openxmlformats.org/presentationml/2006/main">
+  <p:cSld>
+    <p:spTree>
+      <p:nvGrpSpPr>
+        <p:cNvPr id="1" name=""/>
+        <p:cNvGrpSpPr/>
+        <p:nvPr/>
+      </p:nvGrpSpPr>
+      <p:grpSpPr>
+        <a:xfrm>
+          <a:off x="0" y="0"/>
+          <a:ext cx="0" cy="0"/>
+          <a:chOff x="0" y="0"/>
+          <a:chExt cx="0" cy="0"/>
+        </a:xfrm>
+      </p:grpSpPr>
+      <p:sp>
+        <p:nvSpPr>
+          <p:cNvPr id="2" name="Title 1"/>
+          <p:cNvSpPr>
+            <a:spLocks noGrp="1"/>
+          </p:cNvSpPr>
+          <p:nvPr>
+            <p:ph type="title"/>
+          </p:nvPr>
+        </p:nvSpPr>
+        <p:spPr/>
+        <p:txBody>
+          <a:bodyPr/>
+          <a:lstStyle/>
+          <a:p>
+            <a:r>
+              <a:rPr lang="en-US" dirty="0" smtClean="0">
+                <a:solidFill>
+                  <a:schemeClr val="bg2">
+                    <a:lumMod val="25000"/>
+                  </a:schemeClr>
+                </a:solidFill>
+              </a:rPr>
+              <a:t>What do you need to classify sound?</a:t>
+            </a:r>
+            <a:endParaRPr lang="en-US" dirty="0">
+              <a:solidFill>
+                <a:schemeClr val="bg2">
+                  <a:lumMod val="25000"/>
+                </a:schemeClr>
+              </a:solidFill>
+            </a:endParaRPr>
+          </a:p>
+        </p:txBody>
+      </p:sp>
+      <p:sp>
+        <p:nvSpPr>
+          <p:cNvPr id="9" name="Content Placeholder 8"/>
+          <p:cNvSpPr>
+            <a:spLocks noGrp="1"/>
+          </p:cNvSpPr>
+          <p:nvPr>
+            <p:ph idx="1"/>
+          </p:nvPr>
+        </p:nvSpPr>
+        <p:spPr/>
+        <p:txBody>
+          <a:bodyPr>
+            <a:normAutofit/>
+          </a:bodyPr>
+          <a:lstStyle/>
+          <a:p>
+            <a:pPr>
+              <a:lnSpc>
+                <a:spcPct val="110000"/>
+              </a:lnSpc>
+            </a:pPr>
+            <a:r>
+              <a:rPr lang="en-US" sz="3300" dirty="0" smtClean="0">
+                <a:solidFill>
+                  <a:schemeClr val="bg2">
+                    <a:lumMod val="25000"/>
+                  </a:schemeClr>
+                </a:solidFill>
+              </a:rPr>
+              <a:t>A little theory</a:t>
+            </a:r>
+            <a:endParaRPr lang="en-US" sz="3300" dirty="0" smtClean="0">
+              <a:solidFill>
+                <a:schemeClr val="bg2">
+                  <a:lumMod val="25000"/>
+                </a:schemeClr>
+              </a:solidFill>
+            </a:endParaRPr>
+          </a:p>
+          <a:p>
+            <a:pPr>
+              <a:lnSpc>
+                <a:spcPct val="110000"/>
+              </a:lnSpc>
+            </a:pPr>
+            <a:r>
+              <a:rPr lang="en-US" sz="3300" dirty="0" smtClean="0">
+                <a:solidFill>
+                  <a:schemeClr val="bg2">
+                    <a:lumMod val="25000"/>
+                  </a:schemeClr>
+                </a:solidFill>
+              </a:rPr>
+              <a:t>Intuition w/r/t what is tractable</a:t>
+            </a:r>
+            <a:endParaRPr lang="en-US" sz="3300" dirty="0" smtClean="0">
+              <a:solidFill>
+                <a:schemeClr val="bg2">
+                  <a:lumMod val="25000"/>
+                </a:schemeClr>
+              </a:solidFill>
+            </a:endParaRPr>
+          </a:p>
+          <a:p>
+            <a:pPr>
+              <a:lnSpc>
+                <a:spcPct val="110000"/>
+              </a:lnSpc>
+            </a:pPr>
+            <a:r>
+              <a:rPr lang="en-US" sz="3300" dirty="0" smtClean="0">
+                <a:solidFill>
+                  <a:schemeClr val="bg2">
+                    <a:lumMod val="25000"/>
+                  </a:schemeClr>
+                </a:solidFill>
+              </a:rPr>
+              <a:t>Patience and skills to manage lots of audio files</a:t>
+            </a:r>
+            <a:endParaRPr lang="en-US" sz="3300" dirty="0" smtClean="0">
+              <a:solidFill>
+                <a:schemeClr val="bg2">
+                  <a:lumMod val="25000"/>
+                </a:schemeClr>
+              </a:solidFill>
+            </a:endParaRPr>
+          </a:p>
+          <a:p>
+            <a:pPr>
+              <a:lnSpc>
+                <a:spcPct val="110000"/>
+              </a:lnSpc>
+            </a:pPr>
+            <a:r>
+              <a:rPr lang="en-US" sz="3300" dirty="0" smtClean="0">
+                <a:solidFill>
+                  <a:schemeClr val="bg2">
+                    <a:lumMod val="25000"/>
+                  </a:schemeClr>
+                </a:solidFill>
+              </a:rPr>
+              <a:t>Features</a:t>
+            </a:r>
+          </a:p>
+          <a:p>
+            <a:pPr>
+              <a:lnSpc>
+                <a:spcPct val="110000"/>
+              </a:lnSpc>
+            </a:pPr>
+            <a:r>
+              <a:rPr lang="en-US" sz="3300" dirty="0" smtClean="0">
+                <a:solidFill>
+                  <a:schemeClr val="bg2">
+                    <a:lumMod val="25000"/>
+                  </a:schemeClr>
+                </a:solidFill>
+              </a:rPr>
+              <a:t>A passable algorithm</a:t>
+            </a:r>
+            <a:endParaRPr lang="en-US" sz="3300" dirty="0" smtClean="0">
+              <a:solidFill>
+                <a:schemeClr val="bg2">
+                  <a:lumMod val="25000"/>
+                </a:schemeClr>
+              </a:solidFill>
+            </a:endParaRPr>
+          </a:p>
+          <a:p>
+            <a:pPr>
+              <a:lnSpc>
+                <a:spcPct val="110000"/>
+              </a:lnSpc>
+            </a:pPr>
+            <a:endParaRPr lang="en-US" sz="3300" dirty="0" smtClean="0">
+              <a:solidFill>
+                <a:schemeClr val="bg2">
+                  <a:lumMod val="25000"/>
+                </a:schemeClr>
+              </a:solidFill>
+            </a:endParaRPr>
+          </a:p>
+          <a:p>
+            <a:pPr>
+              <a:lnSpc>
+                <a:spcPct val="110000"/>
+              </a:lnSpc>
+            </a:pPr>
+            <a:endParaRPr lang="en-US" sz="3300" dirty="0" smtClean="0">
+              <a:solidFill>
+                <a:schemeClr val="bg2">
+                  <a:lumMod val="25000"/>
+                </a:schemeClr>
+              </a:solidFill>
+            </a:endParaRPr>
+          </a:p>
+        </p:txBody>
+      </p:sp>
+      <p:pic>
+        <p:nvPicPr>
+          <p:cNvPr id="4" name="Picture 3"/>
+          <p:cNvPicPr>
+            <a:picLocks noChangeAspect="1"/>
+          </p:cNvPicPr>
+          <p:nvPr/>
+        </p:nvPicPr>
+        <p:blipFill>
+          <a:blip r:embed="rId3">
+            <a:alphaModFix amt="60000"/>
+            <a:extLst>
+              <a:ext uri="{28A0092B-C50C-407E-A947-70E740481C1C}">
+                <a14:useLocalDpi xmlns:a14="http://schemas.microsoft.com/office/drawing/2010/main" val="0"/>
+              </a:ext>
+            </a:extLst>
+          </a:blip>
+          <a:stretch>
+            <a:fillRect/>
+          </a:stretch>
+        </p:blipFill>
+        <p:spPr>
+          <a:xfrm>
+            <a:off x="173384" y="6417255"/>
+            <a:ext cx="1695174" cy="270123"/>
+          </a:xfrm>
+          <a:prstGeom prst="rect">
+            <a:avLst/>
+          </a:prstGeom>
+        </p:spPr>
+      </p:pic>
+      <p:cxnSp>
+        <p:nvCxnSpPr>
+          <p:cNvPr id="10" name="Straight Connector 9"/>
+          <p:cNvCxnSpPr/>
+          <p:nvPr/>
+        </p:nvCxnSpPr>
+        <p:spPr>
+          <a:xfrm>
+            <a:off x="0" y="6253236"/>
+            <a:ext cx="12192000" cy="0"/>
+          </a:xfrm>
+          <a:prstGeom prst="line">
+            <a:avLst/>
+          </a:prstGeom>
+          <a:ln>
+            <a:solidFill>
+              <a:schemeClr val="bg2">
+                <a:lumMod val="75000"/>
+              </a:schemeClr>
+            </a:solidFill>
+          </a:ln>
+        </p:spPr>
+        <p:style>
+          <a:lnRef idx="1">
+            <a:schemeClr val="dk1"/>
+          </a:lnRef>
+          <a:fillRef idx="0">
+            <a:schemeClr val="dk1"/>
+          </a:fillRef>
+          <a:effectRef idx="0">
+            <a:schemeClr val="dk1"/>
+          </a:effectRef>
+          <a:fontRef idx="minor">
+            <a:schemeClr val="tx1"/>
+          </a:fontRef>
+        </p:style>
+      </p:cxnSp>
+      <p:sp>
+        <p:nvSpPr>
+          <p:cNvPr id="13" name="TextBox 12"/>
+          <p:cNvSpPr txBox="1"/>
+          <p:nvPr/>
+        </p:nvSpPr>
+        <p:spPr>
+          <a:xfrm>
+            <a:off x="9245600" y="6417255"/>
+            <a:ext cx="2946400" cy="276999"/>
+          </a:xfrm>
+          <a:prstGeom prst="rect">
+            <a:avLst/>
+          </a:prstGeom>
+          <a:noFill/>
+        </p:spPr>
+        <p:txBody>
+          <a:bodyPr wrap="square" rtlCol="0">
+            <a:spAutoFit/>
+          </a:bodyPr>
+          <a:lstStyle/>
+          <a:p>
+            <a:r>
+              <a:rPr lang="en-US" sz="1200" smtClean="0">
+                <a:solidFill>
+                  <a:schemeClr val="tx1">
+                    <a:lumMod val="65000"/>
+                    <a:lumOff val="35000"/>
+                    <a:alpha val="60000"/>
+                  </a:schemeClr>
+                </a:solidFill>
+              </a:rPr>
+              <a:t>Stephen McLaughlin  /  @</a:t>
+            </a:r>
+            <a:r>
+              <a:rPr lang="en-US" sz="1200" err="1" smtClean="0">
+                <a:solidFill>
+                  <a:schemeClr val="tx1">
+                    <a:lumMod val="65000"/>
+                    <a:lumOff val="35000"/>
+                    <a:alpha val="60000"/>
+                  </a:schemeClr>
+                </a:solidFill>
+              </a:rPr>
+              <a:t>SteveMcLaugh</a:t>
+            </a:r>
+            <a:endParaRPr lang="en-US" sz="1200">
+              <a:solidFill>
+                <a:schemeClr val="tx1">
+                  <a:lumMod val="65000"/>
+                  <a:lumOff val="35000"/>
+                  <a:alpha val="60000"/>
+                </a:schemeClr>
+              </a:solidFill>
+            </a:endParaRPr>
+          </a:p>
+        </p:txBody>
+      </p:sp>
+    </p:spTree>
+    <p:extLst>
+      <p:ext uri="{BB962C8B-B14F-4D97-AF65-F5344CB8AC3E}">
+        <p14:creationId xmlns:p14="http://schemas.microsoft.com/office/powerpoint/2010/main" val="1098781551"/>
       </p:ext>
     </p:extLst>
   </p:cSld>
@@ -18545,40 +21109,10 @@
           </a:p>
         </p:txBody>
       </p:sp>
-      <p:pic>
-        <p:nvPicPr>
-          <p:cNvPr id="2" name="Picture 1"/>
-          <p:cNvPicPr>
-            <a:picLocks noChangeAspect="1"/>
-          </p:cNvPicPr>
-          <p:nvPr/>
-        </p:nvPicPr>
-        <p:blipFill>
-          <a:blip r:embed="rId4">
-            <a:extLst>
-              <a:ext uri="{28A0092B-C50C-407E-A947-70E740481C1C}">
-                <a14:useLocalDpi xmlns:a14="http://schemas.microsoft.com/office/drawing/2010/main" val="0"/>
-              </a:ext>
-            </a:extLst>
-          </a:blip>
-          <a:stretch>
-            <a:fillRect/>
-          </a:stretch>
-        </p:blipFill>
-        <p:spPr>
-          <a:xfrm>
-            <a:off x="1117600" y="825500"/>
-            <a:ext cx="9944100" cy="5194300"/>
-          </a:xfrm>
-          <a:prstGeom prst="rect">
-            <a:avLst/>
-          </a:prstGeom>
-        </p:spPr>
-      </p:pic>
     </p:spTree>
     <p:extLst>
       <p:ext uri="{BB962C8B-B14F-4D97-AF65-F5344CB8AC3E}">
-        <p14:creationId xmlns:p14="http://schemas.microsoft.com/office/powerpoint/2010/main" val="636015480"/>
+        <p14:creationId xmlns:p14="http://schemas.microsoft.com/office/powerpoint/2010/main" val="437515159"/>
       </p:ext>
     </p:extLst>
   </p:cSld>
@@ -18612,9 +21146,110 @@
           <a:chExt cx="0" cy="0"/>
         </a:xfrm>
       </p:grpSpPr>
+      <p:sp>
+        <p:nvSpPr>
+          <p:cNvPr id="2" name="Title 1"/>
+          <p:cNvSpPr>
+            <a:spLocks noGrp="1"/>
+          </p:cNvSpPr>
+          <p:nvPr>
+            <p:ph type="ctrTitle"/>
+          </p:nvPr>
+        </p:nvSpPr>
+        <p:spPr>
+          <a:xfrm>
+            <a:off x="1524000" y="936100"/>
+            <a:ext cx="9144000" cy="2387600"/>
+          </a:xfrm>
+        </p:spPr>
+        <p:txBody>
+          <a:bodyPr>
+            <a:normAutofit/>
+          </a:bodyPr>
+          <a:lstStyle/>
+          <a:p>
+            <a:pPr>
+              <a:lnSpc>
+                <a:spcPct val="100000"/>
+              </a:lnSpc>
+            </a:pPr>
+            <a:r>
+              <a:rPr lang="en-US" dirty="0" smtClean="0">
+                <a:solidFill>
+                  <a:schemeClr val="bg2">
+                    <a:lumMod val="25000"/>
+                  </a:schemeClr>
+                </a:solidFill>
+              </a:rPr>
+              <a:t>Understanding Sound</a:t>
+            </a:r>
+            <a:endParaRPr lang="en-US" sz="3600" dirty="0">
+              <a:solidFill>
+                <a:schemeClr val="bg2">
+                  <a:lumMod val="25000"/>
+                </a:schemeClr>
+              </a:solidFill>
+            </a:endParaRPr>
+          </a:p>
+        </p:txBody>
+      </p:sp>
+      <p:sp>
+        <p:nvSpPr>
+          <p:cNvPr id="3" name="Subtitle 2"/>
+          <p:cNvSpPr>
+            <a:spLocks noGrp="1"/>
+          </p:cNvSpPr>
+          <p:nvPr>
+            <p:ph type="subTitle" idx="1"/>
+          </p:nvPr>
+        </p:nvSpPr>
+        <p:spPr>
+          <a:xfrm>
+            <a:off x="1524000" y="3813340"/>
+            <a:ext cx="9144000" cy="837440"/>
+          </a:xfrm>
+        </p:spPr>
+        <p:txBody>
+          <a:bodyPr>
+            <a:normAutofit lnSpcReduction="10000"/>
+          </a:bodyPr>
+          <a:lstStyle/>
+          <a:p>
+            <a:r>
+              <a:rPr lang="en-US" dirty="0" smtClean="0">
+                <a:solidFill>
+                  <a:schemeClr val="bg2">
+                    <a:lumMod val="25000"/>
+                  </a:schemeClr>
+                </a:solidFill>
+              </a:rPr>
+              <a:t>Stephen McLaughlin</a:t>
+            </a:r>
+          </a:p>
+          <a:p>
+            <a:r>
+              <a:rPr lang="en-US" dirty="0" smtClean="0">
+                <a:solidFill>
+                  <a:schemeClr val="bg2">
+                    <a:lumMod val="25000"/>
+                  </a:schemeClr>
+                </a:solidFill>
+              </a:rPr>
+              <a:t>PhD Student</a:t>
+            </a:r>
+            <a:endParaRPr lang="en-US" dirty="0">
+              <a:solidFill>
+                <a:schemeClr val="bg2">
+                  <a:lumMod val="25000"/>
+                </a:schemeClr>
+              </a:solidFill>
+            </a:endParaRPr>
+          </a:p>
+        </p:txBody>
+      </p:sp>
       <p:pic>
         <p:nvPicPr>
-          <p:cNvPr id="4" name="Picture 3"/>
+          <p:cNvPr id="5" name="Picture 4"/>
           <p:cNvPicPr>
             <a:picLocks noChangeAspect="1"/>
           </p:cNvPicPr>
@@ -18622,7 +21257,6 @@
         </p:nvPicPr>
         <p:blipFill>
           <a:blip r:embed="rId3">
-            <a:alphaModFix amt="60000"/>
             <a:extLst>
               <a:ext uri="{28A0092B-C50C-407E-A947-70E740481C1C}">
                 <a14:useLocalDpi xmlns:a14="http://schemas.microsoft.com/office/drawing/2010/main" val="0"/>
@@ -18635,8 +21269,8 @@
         </p:blipFill>
         <p:spPr>
           <a:xfrm>
-            <a:off x="173384" y="6417255"/>
-            <a:ext cx="1695174" cy="270123"/>
+            <a:off x="3944112" y="4928385"/>
+            <a:ext cx="4303776" cy="685800"/>
           </a:xfrm>
           <a:prstGeom prst="rect">
             <a:avLst/>
@@ -18645,7 +21279,7 @@
       </p:pic>
       <p:cxnSp>
         <p:nvCxnSpPr>
-          <p:cNvPr id="10" name="Straight Connector 9"/>
+          <p:cNvPr id="7" name="Straight Connector 6"/>
           <p:cNvCxnSpPr/>
           <p:nvPr/>
         </p:nvCxnSpPr>
@@ -18680,98 +21314,10 @@
           </a:fontRef>
         </p:style>
       </p:cxnSp>
-      <p:sp>
-        <p:nvSpPr>
-          <p:cNvPr id="13" name="TextBox 12"/>
-          <p:cNvSpPr txBox="1"/>
-          <p:nvPr/>
-        </p:nvSpPr>
-        <p:spPr>
-          <a:xfrm>
-            <a:off x="9245600" y="6417255"/>
-            <a:ext cx="2946400" cy="276999"/>
-          </a:xfrm>
-          <a:prstGeom prst="rect">
-            <a:avLst/>
-          </a:prstGeom>
-          <a:noFill/>
-        </p:spPr>
-        <p:txBody>
-          <a:bodyPr wrap="square" rtlCol="0">
-            <a:spAutoFit/>
-          </a:bodyPr>
-          <a:lstStyle/>
-          <a:p>
-            <a:r>
-              <a:rPr lang="en-US" sz="1200" smtClean="0">
-                <a:solidFill>
-                  <a:schemeClr val="tx1">
-                    <a:lumMod val="65000"/>
-                    <a:lumOff val="35000"/>
-                    <a:alpha val="60000"/>
-                  </a:schemeClr>
-                </a:solidFill>
-              </a:rPr>
-              <a:t>Stephen McLaughlin  /  @</a:t>
-            </a:r>
-            <a:r>
-              <a:rPr lang="en-US" sz="1200" err="1" smtClean="0">
-                <a:solidFill>
-                  <a:schemeClr val="tx1">
-                    <a:lumMod val="65000"/>
-                    <a:lumOff val="35000"/>
-                    <a:alpha val="60000"/>
-                  </a:schemeClr>
-                </a:solidFill>
-              </a:rPr>
-              <a:t>SteveMcLaugh</a:t>
-            </a:r>
-            <a:endParaRPr lang="en-US" sz="1200">
-              <a:solidFill>
-                <a:schemeClr val="tx1">
-                  <a:lumMod val="65000"/>
-                  <a:lumOff val="35000"/>
-                  <a:alpha val="60000"/>
-                </a:schemeClr>
-              </a:solidFill>
-            </a:endParaRPr>
-          </a:p>
-        </p:txBody>
-      </p:sp>
-      <p:pic>
-        <p:nvPicPr>
-          <p:cNvPr id="2" name="Picture 1"/>
-          <p:cNvPicPr>
-            <a:picLocks noChangeAspect="1"/>
-          </p:cNvPicPr>
-          <p:nvPr/>
-        </p:nvPicPr>
-        <p:blipFill>
-          <a:blip r:embed="rId4">
-            <a:extLst>
-              <a:ext uri="{28A0092B-C50C-407E-A947-70E740481C1C}">
-                <a14:useLocalDpi xmlns:a14="http://schemas.microsoft.com/office/drawing/2010/main" val="0"/>
-              </a:ext>
-            </a:extLst>
-          </a:blip>
-          <a:stretch>
-            <a:fillRect/>
-          </a:stretch>
-        </p:blipFill>
-        <p:spPr>
-          <a:xfrm>
-            <a:off x="3505200" y="0"/>
-            <a:ext cx="5167724" cy="6858000"/>
-          </a:xfrm>
-          <a:prstGeom prst="rect">
-            <a:avLst/>
-          </a:prstGeom>
-        </p:spPr>
-      </p:pic>
     </p:spTree>
     <p:extLst>
       <p:ext uri="{BB962C8B-B14F-4D97-AF65-F5344CB8AC3E}">
-        <p14:creationId xmlns:p14="http://schemas.microsoft.com/office/powerpoint/2010/main" val="996462877"/>
+        <p14:creationId xmlns:p14="http://schemas.microsoft.com/office/powerpoint/2010/main" val="708561021"/>
       </p:ext>
     </p:extLst>
   </p:cSld>
@@ -18953,8 +21499,38 @@
         </p:blipFill>
         <p:spPr>
           <a:xfrm>
-            <a:off x="2781300" y="0"/>
-            <a:ext cx="6604470" cy="6858000"/>
+            <a:off x="6114911" y="337858"/>
+            <a:ext cx="5217207" cy="5417483"/>
+          </a:xfrm>
+          <a:prstGeom prst="rect">
+            <a:avLst/>
+          </a:prstGeom>
+        </p:spPr>
+      </p:pic>
+      <p:pic>
+        <p:nvPicPr>
+          <p:cNvPr id="6" name="Picture 5"/>
+          <p:cNvPicPr>
+            <a:picLocks noChangeAspect="1"/>
+          </p:cNvPicPr>
+          <p:nvPr/>
+        </p:nvPicPr>
+        <p:blipFill>
+          <a:blip r:embed="rId5">
+            <a:extLst>
+              <a:ext uri="{28A0092B-C50C-407E-A947-70E740481C1C}">
+                <a14:useLocalDpi xmlns:a14="http://schemas.microsoft.com/office/drawing/2010/main" val="0"/>
+              </a:ext>
+            </a:extLst>
+          </a:blip>
+          <a:stretch>
+            <a:fillRect/>
+          </a:stretch>
+        </p:blipFill>
+        <p:spPr>
+          <a:xfrm>
+            <a:off x="585760" y="481293"/>
+            <a:ext cx="5394783" cy="3911413"/>
           </a:xfrm>
           <a:prstGeom prst="rect">
             <a:avLst/>

--- a/Slides/Day_1.pptx
+++ b/Slides/Day_1.pptx
@@ -5,67 +5,69 @@
     <p:sldMasterId id="2147483648" r:id="rId1"/>
   </p:sldMasterIdLst>
   <p:notesMasterIdLst>
-    <p:notesMasterId r:id="rId60"/>
+    <p:notesMasterId r:id="rId62"/>
   </p:notesMasterIdLst>
   <p:sldIdLst>
     <p:sldId id="310" r:id="rId2"/>
     <p:sldId id="311" r:id="rId3"/>
-    <p:sldId id="312" r:id="rId4"/>
-    <p:sldId id="313" r:id="rId5"/>
-    <p:sldId id="314" r:id="rId6"/>
-    <p:sldId id="315" r:id="rId7"/>
-    <p:sldId id="317" r:id="rId8"/>
-    <p:sldId id="318" r:id="rId9"/>
-    <p:sldId id="261" r:id="rId10"/>
-    <p:sldId id="316" r:id="rId11"/>
-    <p:sldId id="260" r:id="rId12"/>
-    <p:sldId id="303" r:id="rId13"/>
-    <p:sldId id="304" r:id="rId14"/>
-    <p:sldId id="300" r:id="rId15"/>
-    <p:sldId id="299" r:id="rId16"/>
-    <p:sldId id="267" r:id="rId17"/>
-    <p:sldId id="265" r:id="rId18"/>
-    <p:sldId id="297" r:id="rId19"/>
-    <p:sldId id="298" r:id="rId20"/>
-    <p:sldId id="301" r:id="rId21"/>
-    <p:sldId id="307" r:id="rId22"/>
-    <p:sldId id="308" r:id="rId23"/>
-    <p:sldId id="305" r:id="rId24"/>
-    <p:sldId id="262" r:id="rId25"/>
-    <p:sldId id="306" r:id="rId26"/>
-    <p:sldId id="309" r:id="rId27"/>
-    <p:sldId id="302" r:id="rId28"/>
-    <p:sldId id="264" r:id="rId29"/>
-    <p:sldId id="266" r:id="rId30"/>
-    <p:sldId id="268" r:id="rId31"/>
-    <p:sldId id="269" r:id="rId32"/>
-    <p:sldId id="270" r:id="rId33"/>
-    <p:sldId id="271" r:id="rId34"/>
-    <p:sldId id="272" r:id="rId35"/>
-    <p:sldId id="273" r:id="rId36"/>
-    <p:sldId id="274" r:id="rId37"/>
-    <p:sldId id="275" r:id="rId38"/>
-    <p:sldId id="276" r:id="rId39"/>
-    <p:sldId id="277" r:id="rId40"/>
-    <p:sldId id="278" r:id="rId41"/>
-    <p:sldId id="279" r:id="rId42"/>
-    <p:sldId id="280" r:id="rId43"/>
-    <p:sldId id="281" r:id="rId44"/>
-    <p:sldId id="282" r:id="rId45"/>
-    <p:sldId id="283" r:id="rId46"/>
-    <p:sldId id="284" r:id="rId47"/>
-    <p:sldId id="285" r:id="rId48"/>
-    <p:sldId id="286" r:id="rId49"/>
-    <p:sldId id="287" r:id="rId50"/>
-    <p:sldId id="288" r:id="rId51"/>
-    <p:sldId id="289" r:id="rId52"/>
-    <p:sldId id="290" r:id="rId53"/>
-    <p:sldId id="291" r:id="rId54"/>
-    <p:sldId id="292" r:id="rId55"/>
-    <p:sldId id="293" r:id="rId56"/>
-    <p:sldId id="294" r:id="rId57"/>
-    <p:sldId id="295" r:id="rId58"/>
-    <p:sldId id="296" r:id="rId59"/>
+    <p:sldId id="320" r:id="rId4"/>
+    <p:sldId id="312" r:id="rId5"/>
+    <p:sldId id="313" r:id="rId6"/>
+    <p:sldId id="314" r:id="rId7"/>
+    <p:sldId id="315" r:id="rId8"/>
+    <p:sldId id="317" r:id="rId9"/>
+    <p:sldId id="318" r:id="rId10"/>
+    <p:sldId id="261" r:id="rId11"/>
+    <p:sldId id="316" r:id="rId12"/>
+    <p:sldId id="260" r:id="rId13"/>
+    <p:sldId id="303" r:id="rId14"/>
+    <p:sldId id="304" r:id="rId15"/>
+    <p:sldId id="300" r:id="rId16"/>
+    <p:sldId id="299" r:id="rId17"/>
+    <p:sldId id="267" r:id="rId18"/>
+    <p:sldId id="298" r:id="rId19"/>
+    <p:sldId id="319" r:id="rId20"/>
+    <p:sldId id="265" r:id="rId21"/>
+    <p:sldId id="297" r:id="rId22"/>
+    <p:sldId id="301" r:id="rId23"/>
+    <p:sldId id="307" r:id="rId24"/>
+    <p:sldId id="308" r:id="rId25"/>
+    <p:sldId id="305" r:id="rId26"/>
+    <p:sldId id="262" r:id="rId27"/>
+    <p:sldId id="306" r:id="rId28"/>
+    <p:sldId id="309" r:id="rId29"/>
+    <p:sldId id="302" r:id="rId30"/>
+    <p:sldId id="264" r:id="rId31"/>
+    <p:sldId id="266" r:id="rId32"/>
+    <p:sldId id="268" r:id="rId33"/>
+    <p:sldId id="269" r:id="rId34"/>
+    <p:sldId id="270" r:id="rId35"/>
+    <p:sldId id="271" r:id="rId36"/>
+    <p:sldId id="272" r:id="rId37"/>
+    <p:sldId id="273" r:id="rId38"/>
+    <p:sldId id="274" r:id="rId39"/>
+    <p:sldId id="275" r:id="rId40"/>
+    <p:sldId id="276" r:id="rId41"/>
+    <p:sldId id="277" r:id="rId42"/>
+    <p:sldId id="278" r:id="rId43"/>
+    <p:sldId id="279" r:id="rId44"/>
+    <p:sldId id="280" r:id="rId45"/>
+    <p:sldId id="281" r:id="rId46"/>
+    <p:sldId id="282" r:id="rId47"/>
+    <p:sldId id="283" r:id="rId48"/>
+    <p:sldId id="284" r:id="rId49"/>
+    <p:sldId id="285" r:id="rId50"/>
+    <p:sldId id="286" r:id="rId51"/>
+    <p:sldId id="287" r:id="rId52"/>
+    <p:sldId id="288" r:id="rId53"/>
+    <p:sldId id="289" r:id="rId54"/>
+    <p:sldId id="290" r:id="rId55"/>
+    <p:sldId id="291" r:id="rId56"/>
+    <p:sldId id="292" r:id="rId57"/>
+    <p:sldId id="293" r:id="rId58"/>
+    <p:sldId id="294" r:id="rId59"/>
+    <p:sldId id="295" r:id="rId60"/>
+    <p:sldId id="296" r:id="rId61"/>
   </p:sldIdLst>
   <p:sldSz cx="12192000" cy="6858000"/>
   <p:notesSz cx="6858000" cy="9144000"/>
@@ -683,7 +685,7 @@
     </p:spTree>
     <p:extLst>
       <p:ext uri="{BB962C8B-B14F-4D97-AF65-F5344CB8AC3E}">
-        <p14:creationId xmlns:p14="http://schemas.microsoft.com/office/powerpoint/2010/main" val="852808859"/>
+        <p14:creationId xmlns:p14="http://schemas.microsoft.com/office/powerpoint/2010/main" val="333269985"/>
       </p:ext>
     </p:extLst>
   </p:cSld>
@@ -737,7 +739,10 @@
           <a:bodyPr/>
           <a:lstStyle/>
           <a:p>
-            <a:endParaRPr lang="en-US" dirty="0"/>
+            <a:r>
+              <a:rPr lang="en-US" baseline="0" dirty="0" smtClean="0"/>
+              <a:t>This is not an option.</a:t>
+            </a:r>
           </a:p>
         </p:txBody>
       </p:sp>
@@ -760,14 +765,14 @@
               <a:rPr lang="en-US" smtClean="0"/>
               <a:t>11</a:t>
             </a:fld>
-            <a:endParaRPr lang="en-US" dirty="0"/>
+            <a:endParaRPr lang="en-US"/>
           </a:p>
         </p:txBody>
       </p:sp>
     </p:spTree>
     <p:extLst>
       <p:ext uri="{BB962C8B-B14F-4D97-AF65-F5344CB8AC3E}">
-        <p14:creationId xmlns:p14="http://schemas.microsoft.com/office/powerpoint/2010/main" val="988257332"/>
+        <p14:creationId xmlns:p14="http://schemas.microsoft.com/office/powerpoint/2010/main" val="852808859"/>
       </p:ext>
     </p:extLst>
   </p:cSld>
@@ -821,10 +826,7 @@
           <a:bodyPr/>
           <a:lstStyle/>
           <a:p>
-            <a:r>
-              <a:rPr lang="en-US" baseline="0" dirty="0" smtClean="0"/>
-              <a:t>This is not an option.</a:t>
-            </a:r>
+            <a:endParaRPr lang="en-US" dirty="0"/>
           </a:p>
         </p:txBody>
       </p:sp>
@@ -847,14 +849,14 @@
               <a:rPr lang="en-US" smtClean="0"/>
               <a:t>12</a:t>
             </a:fld>
-            <a:endParaRPr lang="en-US"/>
+            <a:endParaRPr lang="en-US" dirty="0"/>
           </a:p>
         </p:txBody>
       </p:sp>
     </p:spTree>
     <p:extLst>
       <p:ext uri="{BB962C8B-B14F-4D97-AF65-F5344CB8AC3E}">
-        <p14:creationId xmlns:p14="http://schemas.microsoft.com/office/powerpoint/2010/main" val="1923522921"/>
+        <p14:creationId xmlns:p14="http://schemas.microsoft.com/office/powerpoint/2010/main" val="988257332"/>
       </p:ext>
     </p:extLst>
   </p:cSld>
@@ -941,7 +943,7 @@
     </p:spTree>
     <p:extLst>
       <p:ext uri="{BB962C8B-B14F-4D97-AF65-F5344CB8AC3E}">
-        <p14:creationId xmlns:p14="http://schemas.microsoft.com/office/powerpoint/2010/main" val="1011512679"/>
+        <p14:creationId xmlns:p14="http://schemas.microsoft.com/office/powerpoint/2010/main" val="1923522921"/>
       </p:ext>
     </p:extLst>
   </p:cSld>
@@ -1028,7 +1030,7 @@
     </p:spTree>
     <p:extLst>
       <p:ext uri="{BB962C8B-B14F-4D97-AF65-F5344CB8AC3E}">
-        <p14:creationId xmlns:p14="http://schemas.microsoft.com/office/powerpoint/2010/main" val="1486061241"/>
+        <p14:creationId xmlns:p14="http://schemas.microsoft.com/office/powerpoint/2010/main" val="1011512679"/>
       </p:ext>
     </p:extLst>
   </p:cSld>
@@ -1115,7 +1117,7 @@
     </p:spTree>
     <p:extLst>
       <p:ext uri="{BB962C8B-B14F-4D97-AF65-F5344CB8AC3E}">
-        <p14:creationId xmlns:p14="http://schemas.microsoft.com/office/powerpoint/2010/main" val="701001446"/>
+        <p14:creationId xmlns:p14="http://schemas.microsoft.com/office/powerpoint/2010/main" val="1486061241"/>
       </p:ext>
     </p:extLst>
   </p:cSld>
@@ -1202,7 +1204,7 @@
     </p:spTree>
     <p:extLst>
       <p:ext uri="{BB962C8B-B14F-4D97-AF65-F5344CB8AC3E}">
-        <p14:creationId xmlns:p14="http://schemas.microsoft.com/office/powerpoint/2010/main" val="959838063"/>
+        <p14:creationId xmlns:p14="http://schemas.microsoft.com/office/powerpoint/2010/main" val="701001446"/>
       </p:ext>
     </p:extLst>
   </p:cSld>
@@ -1289,7 +1291,7 @@
     </p:spTree>
     <p:extLst>
       <p:ext uri="{BB962C8B-B14F-4D97-AF65-F5344CB8AC3E}">
-        <p14:creationId xmlns:p14="http://schemas.microsoft.com/office/powerpoint/2010/main" val="1805031221"/>
+        <p14:creationId xmlns:p14="http://schemas.microsoft.com/office/powerpoint/2010/main" val="959838063"/>
       </p:ext>
     </p:extLst>
   </p:cSld>
@@ -1376,7 +1378,7 @@
     </p:spTree>
     <p:extLst>
       <p:ext uri="{BB962C8B-B14F-4D97-AF65-F5344CB8AC3E}">
-        <p14:creationId xmlns:p14="http://schemas.microsoft.com/office/powerpoint/2010/main" val="1925452891"/>
+        <p14:creationId xmlns:p14="http://schemas.microsoft.com/office/powerpoint/2010/main" val="979263201"/>
       </p:ext>
     </p:extLst>
   </p:cSld>
@@ -1463,7 +1465,7 @@
     </p:spTree>
     <p:extLst>
       <p:ext uri="{BB962C8B-B14F-4D97-AF65-F5344CB8AC3E}">
-        <p14:creationId xmlns:p14="http://schemas.microsoft.com/office/powerpoint/2010/main" val="979263201"/>
+        <p14:creationId xmlns:p14="http://schemas.microsoft.com/office/powerpoint/2010/main" val="1284601143"/>
       </p:ext>
     </p:extLst>
   </p:cSld>
@@ -1634,7 +1636,7 @@
     </p:spTree>
     <p:extLst>
       <p:ext uri="{BB962C8B-B14F-4D97-AF65-F5344CB8AC3E}">
-        <p14:creationId xmlns:p14="http://schemas.microsoft.com/office/powerpoint/2010/main" val="1474094433"/>
+        <p14:creationId xmlns:p14="http://schemas.microsoft.com/office/powerpoint/2010/main" val="1805031221"/>
       </p:ext>
     </p:extLst>
   </p:cSld>
@@ -1721,7 +1723,7 @@
     </p:spTree>
     <p:extLst>
       <p:ext uri="{BB962C8B-B14F-4D97-AF65-F5344CB8AC3E}">
-        <p14:creationId xmlns:p14="http://schemas.microsoft.com/office/powerpoint/2010/main" val="331543217"/>
+        <p14:creationId xmlns:p14="http://schemas.microsoft.com/office/powerpoint/2010/main" val="1925452891"/>
       </p:ext>
     </p:extLst>
   </p:cSld>
@@ -1808,7 +1810,7 @@
     </p:spTree>
     <p:extLst>
       <p:ext uri="{BB962C8B-B14F-4D97-AF65-F5344CB8AC3E}">
-        <p14:creationId xmlns:p14="http://schemas.microsoft.com/office/powerpoint/2010/main" val="940704766"/>
+        <p14:creationId xmlns:p14="http://schemas.microsoft.com/office/powerpoint/2010/main" val="1474094433"/>
       </p:ext>
     </p:extLst>
   </p:cSld>
@@ -1895,7 +1897,7 @@
     </p:spTree>
     <p:extLst>
       <p:ext uri="{BB962C8B-B14F-4D97-AF65-F5344CB8AC3E}">
-        <p14:creationId xmlns:p14="http://schemas.microsoft.com/office/powerpoint/2010/main" val="1018827491"/>
+        <p14:creationId xmlns:p14="http://schemas.microsoft.com/office/powerpoint/2010/main" val="331543217"/>
       </p:ext>
     </p:extLst>
   </p:cSld>
@@ -1949,82 +1951,10 @@
           <a:bodyPr/>
           <a:lstStyle/>
           <a:p>
-            <a:pPr marL="171450" indent="-171450">
-              <a:buFontTx/>
-              <a:buChar char="-"/>
-            </a:pPr>
-            <a:r>
-              <a:rPr lang="en-US" sz="1200" dirty="0" smtClean="0">
-                <a:solidFill>
-                  <a:schemeClr val="bg2">
-                    <a:lumMod val="25000"/>
-                  </a:schemeClr>
-                </a:solidFill>
-              </a:rPr>
-              <a:t>(i.e., the range of possible "loudness" levels). Each sample in a 16-bit audio file has 2^16 or 65,536 possible values.</a:t>
-            </a:r>
-          </a:p>
-          <a:p>
-            <a:pPr marL="171450" marR="0" indent="-171450" algn="l" defTabSz="914400" rtl="0" eaLnBrk="1" fontAlgn="auto" latinLnBrk="0" hangingPunct="1">
-              <a:lnSpc>
-                <a:spcPct val="100000"/>
-              </a:lnSpc>
-              <a:spcBef>
-                <a:spcPts val="0"/>
-              </a:spcBef>
-              <a:spcAft>
-                <a:spcPts val="0"/>
-              </a:spcAft>
-              <a:buClrTx/>
-              <a:buSzTx/>
-              <a:buFontTx/>
-              <a:buChar char="-"/>
-              <a:tabLst/>
-              <a:defRPr/>
-            </a:pPr>
-            <a:r>
-              <a:rPr lang="en-US" sz="1200" dirty="0" smtClean="0">
-                <a:solidFill>
-                  <a:schemeClr val="bg2">
-                    <a:lumMod val="25000"/>
-                  </a:schemeClr>
-                </a:solidFill>
-              </a:rPr>
-              <a:t>CD-quality audio has a bit rate of 1,411.2 </a:t>
-            </a:r>
-            <a:r>
-              <a:rPr lang="en-US" sz="1200" dirty="0" err="1" smtClean="0">
-                <a:solidFill>
-                  <a:schemeClr val="bg2">
-                    <a:lumMod val="25000"/>
-                  </a:schemeClr>
-                </a:solidFill>
-              </a:rPr>
-              <a:t>kbit</a:t>
-            </a:r>
-            <a:r>
-              <a:rPr lang="en-US" sz="1200" dirty="0" smtClean="0">
-                <a:solidFill>
-                  <a:schemeClr val="bg2">
-                    <a:lumMod val="25000"/>
-                  </a:schemeClr>
-                </a:solidFill>
-              </a:rPr>
-              <a:t>/second.</a:t>
-            </a:r>
-          </a:p>
-          <a:p>
-            <a:pPr marL="171450" indent="-171450">
-              <a:buFontTx/>
-              <a:buChar char="-"/>
-            </a:pPr>
-            <a:endParaRPr lang="en-US" sz="1200" dirty="0" smtClean="0">
-              <a:solidFill>
-                <a:schemeClr val="bg2">
-                  <a:lumMod val="25000"/>
-                </a:schemeClr>
-              </a:solidFill>
-            </a:endParaRPr>
+            <a:r>
+              <a:rPr lang="en-US" baseline="0" dirty="0" smtClean="0"/>
+              <a:t>This is not an option.</a:t>
+            </a:r>
           </a:p>
         </p:txBody>
       </p:sp>
@@ -2054,7 +1984,7 @@
     </p:spTree>
     <p:extLst>
       <p:ext uri="{BB962C8B-B14F-4D97-AF65-F5344CB8AC3E}">
-        <p14:creationId xmlns:p14="http://schemas.microsoft.com/office/powerpoint/2010/main" val="1463308653"/>
+        <p14:creationId xmlns:p14="http://schemas.microsoft.com/office/powerpoint/2010/main" val="940704766"/>
       </p:ext>
     </p:extLst>
   </p:cSld>
@@ -2141,7 +2071,7 @@
     </p:spTree>
     <p:extLst>
       <p:ext uri="{BB962C8B-B14F-4D97-AF65-F5344CB8AC3E}">
-        <p14:creationId xmlns:p14="http://schemas.microsoft.com/office/powerpoint/2010/main" val="1429347101"/>
+        <p14:creationId xmlns:p14="http://schemas.microsoft.com/office/powerpoint/2010/main" val="1018827491"/>
       </p:ext>
     </p:extLst>
   </p:cSld>
@@ -2195,10 +2125,82 @@
           <a:bodyPr/>
           <a:lstStyle/>
           <a:p>
-            <a:r>
-              <a:rPr lang="en-US" baseline="0" dirty="0" smtClean="0"/>
-              <a:t>This is not an option.</a:t>
-            </a:r>
+            <a:pPr marL="171450" indent="-171450">
+              <a:buFontTx/>
+              <a:buChar char="-"/>
+            </a:pPr>
+            <a:r>
+              <a:rPr lang="en-US" sz="1200" dirty="0" smtClean="0">
+                <a:solidFill>
+                  <a:schemeClr val="bg2">
+                    <a:lumMod val="25000"/>
+                  </a:schemeClr>
+                </a:solidFill>
+              </a:rPr>
+              <a:t>(i.e., the range of possible "loudness" levels). Each sample in a 16-bit audio file has 2^16 or 65,536 possible values.</a:t>
+            </a:r>
+          </a:p>
+          <a:p>
+            <a:pPr marL="171450" marR="0" indent="-171450" algn="l" defTabSz="914400" rtl="0" eaLnBrk="1" fontAlgn="auto" latinLnBrk="0" hangingPunct="1">
+              <a:lnSpc>
+                <a:spcPct val="100000"/>
+              </a:lnSpc>
+              <a:spcBef>
+                <a:spcPts val="0"/>
+              </a:spcBef>
+              <a:spcAft>
+                <a:spcPts val="0"/>
+              </a:spcAft>
+              <a:buClrTx/>
+              <a:buSzTx/>
+              <a:buFontTx/>
+              <a:buChar char="-"/>
+              <a:tabLst/>
+              <a:defRPr/>
+            </a:pPr>
+            <a:r>
+              <a:rPr lang="en-US" sz="1200" dirty="0" smtClean="0">
+                <a:solidFill>
+                  <a:schemeClr val="bg2">
+                    <a:lumMod val="25000"/>
+                  </a:schemeClr>
+                </a:solidFill>
+              </a:rPr>
+              <a:t>CD-quality audio has a bit rate of 1,411.2 </a:t>
+            </a:r>
+            <a:r>
+              <a:rPr lang="en-US" sz="1200" dirty="0" err="1" smtClean="0">
+                <a:solidFill>
+                  <a:schemeClr val="bg2">
+                    <a:lumMod val="25000"/>
+                  </a:schemeClr>
+                </a:solidFill>
+              </a:rPr>
+              <a:t>kbit</a:t>
+            </a:r>
+            <a:r>
+              <a:rPr lang="en-US" sz="1200" dirty="0" smtClean="0">
+                <a:solidFill>
+                  <a:schemeClr val="bg2">
+                    <a:lumMod val="25000"/>
+                  </a:schemeClr>
+                </a:solidFill>
+              </a:rPr>
+              <a:t>/second.</a:t>
+            </a:r>
+          </a:p>
+          <a:p>
+            <a:pPr marL="171450" indent="-171450">
+              <a:buFontTx/>
+              <a:buChar char="-"/>
+            </a:pPr>
+            <a:endParaRPr lang="en-US" sz="1200" dirty="0" smtClean="0">
+              <a:solidFill>
+                <a:schemeClr val="bg2">
+                  <a:lumMod val="25000"/>
+                </a:schemeClr>
+              </a:solidFill>
+            </a:endParaRPr>
           </a:p>
         </p:txBody>
       </p:sp>
@@ -2228,7 +2230,7 @@
     </p:spTree>
     <p:extLst>
       <p:ext uri="{BB962C8B-B14F-4D97-AF65-F5344CB8AC3E}">
-        <p14:creationId xmlns:p14="http://schemas.microsoft.com/office/powerpoint/2010/main" val="462513806"/>
+        <p14:creationId xmlns:p14="http://schemas.microsoft.com/office/powerpoint/2010/main" val="1463308653"/>
       </p:ext>
     </p:extLst>
   </p:cSld>
@@ -2315,7 +2317,7 @@
     </p:spTree>
     <p:extLst>
       <p:ext uri="{BB962C8B-B14F-4D97-AF65-F5344CB8AC3E}">
-        <p14:creationId xmlns:p14="http://schemas.microsoft.com/office/powerpoint/2010/main" val="496014530"/>
+        <p14:creationId xmlns:p14="http://schemas.microsoft.com/office/powerpoint/2010/main" val="1429347101"/>
       </p:ext>
     </p:extLst>
   </p:cSld>
@@ -2369,7 +2371,10 @@
           <a:bodyPr/>
           <a:lstStyle/>
           <a:p>
-            <a:endParaRPr lang="en-US" dirty="0"/>
+            <a:r>
+              <a:rPr lang="en-US" baseline="0" dirty="0" smtClean="0"/>
+              <a:t>This is not an option.</a:t>
+            </a:r>
           </a:p>
         </p:txBody>
       </p:sp>
@@ -2399,7 +2404,7 @@
     </p:spTree>
     <p:extLst>
       <p:ext uri="{BB962C8B-B14F-4D97-AF65-F5344CB8AC3E}">
-        <p14:creationId xmlns:p14="http://schemas.microsoft.com/office/powerpoint/2010/main" val="391107330"/>
+        <p14:creationId xmlns:p14="http://schemas.microsoft.com/office/powerpoint/2010/main" val="462513806"/>
       </p:ext>
     </p:extLst>
   </p:cSld>
@@ -2453,7 +2458,10 @@
           <a:bodyPr/>
           <a:lstStyle/>
           <a:p>
-            <a:endParaRPr lang="en-US" dirty="0"/>
+            <a:r>
+              <a:rPr lang="en-US" baseline="0" dirty="0" smtClean="0"/>
+              <a:t>This is not an option.</a:t>
+            </a:r>
           </a:p>
         </p:txBody>
       </p:sp>
@@ -2483,7 +2491,7 @@
     </p:spTree>
     <p:extLst>
       <p:ext uri="{BB962C8B-B14F-4D97-AF65-F5344CB8AC3E}">
-        <p14:creationId xmlns:p14="http://schemas.microsoft.com/office/powerpoint/2010/main" val="729497371"/>
+        <p14:creationId xmlns:p14="http://schemas.microsoft.com/office/powerpoint/2010/main" val="496014530"/>
       </p:ext>
     </p:extLst>
   </p:cSld>
@@ -2567,7 +2575,7 @@
     </p:spTree>
     <p:extLst>
       <p:ext uri="{BB962C8B-B14F-4D97-AF65-F5344CB8AC3E}">
-        <p14:creationId xmlns:p14="http://schemas.microsoft.com/office/powerpoint/2010/main" val="570101111"/>
+        <p14:creationId xmlns:p14="http://schemas.microsoft.com/office/powerpoint/2010/main" val="1318376898"/>
       </p:ext>
     </p:extLst>
   </p:cSld>
@@ -2651,7 +2659,7 @@
     </p:spTree>
     <p:extLst>
       <p:ext uri="{BB962C8B-B14F-4D97-AF65-F5344CB8AC3E}">
-        <p14:creationId xmlns:p14="http://schemas.microsoft.com/office/powerpoint/2010/main" val="1680708862"/>
+        <p14:creationId xmlns:p14="http://schemas.microsoft.com/office/powerpoint/2010/main" val="391107330"/>
       </p:ext>
     </p:extLst>
   </p:cSld>
@@ -2705,10 +2713,7 @@
           <a:bodyPr/>
           <a:lstStyle/>
           <a:p>
-            <a:r>
-              <a:rPr lang="en-US" baseline="0" dirty="0" smtClean="0"/>
-              <a:t>This is not an option.</a:t>
-            </a:r>
+            <a:endParaRPr lang="en-US" dirty="0"/>
           </a:p>
         </p:txBody>
       </p:sp>
@@ -2738,7 +2743,7 @@
     </p:spTree>
     <p:extLst>
       <p:ext uri="{BB962C8B-B14F-4D97-AF65-F5344CB8AC3E}">
-        <p14:creationId xmlns:p14="http://schemas.microsoft.com/office/powerpoint/2010/main" val="603894569"/>
+        <p14:creationId xmlns:p14="http://schemas.microsoft.com/office/powerpoint/2010/main" val="729497371"/>
       </p:ext>
     </p:extLst>
   </p:cSld>
@@ -2822,7 +2827,7 @@
     </p:spTree>
     <p:extLst>
       <p:ext uri="{BB962C8B-B14F-4D97-AF65-F5344CB8AC3E}">
-        <p14:creationId xmlns:p14="http://schemas.microsoft.com/office/powerpoint/2010/main" val="1885341796"/>
+        <p14:creationId xmlns:p14="http://schemas.microsoft.com/office/powerpoint/2010/main" val="1680708862"/>
       </p:ext>
     </p:extLst>
   </p:cSld>
@@ -2909,7 +2914,7 @@
     </p:spTree>
     <p:extLst>
       <p:ext uri="{BB962C8B-B14F-4D97-AF65-F5344CB8AC3E}">
-        <p14:creationId xmlns:p14="http://schemas.microsoft.com/office/powerpoint/2010/main" val="979666607"/>
+        <p14:creationId xmlns:p14="http://schemas.microsoft.com/office/powerpoint/2010/main" val="603894569"/>
       </p:ext>
     </p:extLst>
   </p:cSld>
@@ -2993,7 +2998,7 @@
     </p:spTree>
     <p:extLst>
       <p:ext uri="{BB962C8B-B14F-4D97-AF65-F5344CB8AC3E}">
-        <p14:creationId xmlns:p14="http://schemas.microsoft.com/office/powerpoint/2010/main" val="1293859977"/>
+        <p14:creationId xmlns:p14="http://schemas.microsoft.com/office/powerpoint/2010/main" val="1885341796"/>
       </p:ext>
     </p:extLst>
   </p:cSld>
@@ -3080,7 +3085,7 @@
     </p:spTree>
     <p:extLst>
       <p:ext uri="{BB962C8B-B14F-4D97-AF65-F5344CB8AC3E}">
-        <p14:creationId xmlns:p14="http://schemas.microsoft.com/office/powerpoint/2010/main" val="1710134173"/>
+        <p14:creationId xmlns:p14="http://schemas.microsoft.com/office/powerpoint/2010/main" val="979666607"/>
       </p:ext>
     </p:extLst>
   </p:cSld>
@@ -3164,7 +3169,7 @@
     </p:spTree>
     <p:extLst>
       <p:ext uri="{BB962C8B-B14F-4D97-AF65-F5344CB8AC3E}">
-        <p14:creationId xmlns:p14="http://schemas.microsoft.com/office/powerpoint/2010/main" val="1169224975"/>
+        <p14:creationId xmlns:p14="http://schemas.microsoft.com/office/powerpoint/2010/main" val="1293859977"/>
       </p:ext>
     </p:extLst>
   </p:cSld>
@@ -3251,7 +3256,7 @@
     </p:spTree>
     <p:extLst>
       <p:ext uri="{BB962C8B-B14F-4D97-AF65-F5344CB8AC3E}">
-        <p14:creationId xmlns:p14="http://schemas.microsoft.com/office/powerpoint/2010/main" val="2047313564"/>
+        <p14:creationId xmlns:p14="http://schemas.microsoft.com/office/powerpoint/2010/main" val="1710134173"/>
       </p:ext>
     </p:extLst>
   </p:cSld>
@@ -3335,7 +3340,7 @@
     </p:spTree>
     <p:extLst>
       <p:ext uri="{BB962C8B-B14F-4D97-AF65-F5344CB8AC3E}">
-        <p14:creationId xmlns:p14="http://schemas.microsoft.com/office/powerpoint/2010/main" val="1812610677"/>
+        <p14:creationId xmlns:p14="http://schemas.microsoft.com/office/powerpoint/2010/main" val="1169224975"/>
       </p:ext>
     </p:extLst>
   </p:cSld>
@@ -3422,7 +3427,7 @@
     </p:spTree>
     <p:extLst>
       <p:ext uri="{BB962C8B-B14F-4D97-AF65-F5344CB8AC3E}">
-        <p14:creationId xmlns:p14="http://schemas.microsoft.com/office/powerpoint/2010/main" val="466577620"/>
+        <p14:creationId xmlns:p14="http://schemas.microsoft.com/office/powerpoint/2010/main" val="2047313564"/>
       </p:ext>
     </p:extLst>
   </p:cSld>
@@ -3506,7 +3511,7 @@
     </p:spTree>
     <p:extLst>
       <p:ext uri="{BB962C8B-B14F-4D97-AF65-F5344CB8AC3E}">
-        <p14:creationId xmlns:p14="http://schemas.microsoft.com/office/powerpoint/2010/main" val="1419274952"/>
+        <p14:creationId xmlns:p14="http://schemas.microsoft.com/office/powerpoint/2010/main" val="570101111"/>
       </p:ext>
     </p:extLst>
   </p:cSld>
@@ -3590,7 +3595,7 @@
     </p:spTree>
     <p:extLst>
       <p:ext uri="{BB962C8B-B14F-4D97-AF65-F5344CB8AC3E}">
-        <p14:creationId xmlns:p14="http://schemas.microsoft.com/office/powerpoint/2010/main" val="283258944"/>
+        <p14:creationId xmlns:p14="http://schemas.microsoft.com/office/powerpoint/2010/main" val="1812610677"/>
       </p:ext>
     </p:extLst>
   </p:cSld>
@@ -3677,7 +3682,7 @@
     </p:spTree>
     <p:extLst>
       <p:ext uri="{BB962C8B-B14F-4D97-AF65-F5344CB8AC3E}">
-        <p14:creationId xmlns:p14="http://schemas.microsoft.com/office/powerpoint/2010/main" val="2073457718"/>
+        <p14:creationId xmlns:p14="http://schemas.microsoft.com/office/powerpoint/2010/main" val="466577620"/>
       </p:ext>
     </p:extLst>
   </p:cSld>
@@ -3761,7 +3766,7 @@
     </p:spTree>
     <p:extLst>
       <p:ext uri="{BB962C8B-B14F-4D97-AF65-F5344CB8AC3E}">
-        <p14:creationId xmlns:p14="http://schemas.microsoft.com/office/powerpoint/2010/main" val="73222608"/>
+        <p14:creationId xmlns:p14="http://schemas.microsoft.com/office/powerpoint/2010/main" val="283258944"/>
       </p:ext>
     </p:extLst>
   </p:cSld>
@@ -3848,7 +3853,7 @@
     </p:spTree>
     <p:extLst>
       <p:ext uri="{BB962C8B-B14F-4D97-AF65-F5344CB8AC3E}">
-        <p14:creationId xmlns:p14="http://schemas.microsoft.com/office/powerpoint/2010/main" val="1929286659"/>
+        <p14:creationId xmlns:p14="http://schemas.microsoft.com/office/powerpoint/2010/main" val="2073457718"/>
       </p:ext>
     </p:extLst>
   </p:cSld>
@@ -3932,7 +3937,7 @@
     </p:spTree>
     <p:extLst>
       <p:ext uri="{BB962C8B-B14F-4D97-AF65-F5344CB8AC3E}">
-        <p14:creationId xmlns:p14="http://schemas.microsoft.com/office/powerpoint/2010/main" val="1758744038"/>
+        <p14:creationId xmlns:p14="http://schemas.microsoft.com/office/powerpoint/2010/main" val="73222608"/>
       </p:ext>
     </p:extLst>
   </p:cSld>
@@ -4019,7 +4024,7 @@
     </p:spTree>
     <p:extLst>
       <p:ext uri="{BB962C8B-B14F-4D97-AF65-F5344CB8AC3E}">
-        <p14:creationId xmlns:p14="http://schemas.microsoft.com/office/powerpoint/2010/main" val="1435594362"/>
+        <p14:creationId xmlns:p14="http://schemas.microsoft.com/office/powerpoint/2010/main" val="1929286659"/>
       </p:ext>
     </p:extLst>
   </p:cSld>
@@ -4103,7 +4108,7 @@
     </p:spTree>
     <p:extLst>
       <p:ext uri="{BB962C8B-B14F-4D97-AF65-F5344CB8AC3E}">
-        <p14:creationId xmlns:p14="http://schemas.microsoft.com/office/powerpoint/2010/main" val="103680309"/>
+        <p14:creationId xmlns:p14="http://schemas.microsoft.com/office/powerpoint/2010/main" val="1758744038"/>
       </p:ext>
     </p:extLst>
   </p:cSld>
@@ -4190,7 +4195,7 @@
     </p:spTree>
     <p:extLst>
       <p:ext uri="{BB962C8B-B14F-4D97-AF65-F5344CB8AC3E}">
-        <p14:creationId xmlns:p14="http://schemas.microsoft.com/office/powerpoint/2010/main" val="1116390875"/>
+        <p14:creationId xmlns:p14="http://schemas.microsoft.com/office/powerpoint/2010/main" val="1435594362"/>
       </p:ext>
     </p:extLst>
   </p:cSld>
@@ -4274,7 +4279,7 @@
     </p:spTree>
     <p:extLst>
       <p:ext uri="{BB962C8B-B14F-4D97-AF65-F5344CB8AC3E}">
-        <p14:creationId xmlns:p14="http://schemas.microsoft.com/office/powerpoint/2010/main" val="860526733"/>
+        <p14:creationId xmlns:p14="http://schemas.microsoft.com/office/powerpoint/2010/main" val="103680309"/>
       </p:ext>
     </p:extLst>
   </p:cSld>
@@ -4361,7 +4366,7 @@
     </p:spTree>
     <p:extLst>
       <p:ext uri="{BB962C8B-B14F-4D97-AF65-F5344CB8AC3E}">
-        <p14:creationId xmlns:p14="http://schemas.microsoft.com/office/powerpoint/2010/main" val="208058916"/>
+        <p14:creationId xmlns:p14="http://schemas.microsoft.com/office/powerpoint/2010/main" val="1116390875"/>
       </p:ext>
     </p:extLst>
   </p:cSld>
@@ -4445,7 +4450,7 @@
     </p:spTree>
     <p:extLst>
       <p:ext uri="{BB962C8B-B14F-4D97-AF65-F5344CB8AC3E}">
-        <p14:creationId xmlns:p14="http://schemas.microsoft.com/office/powerpoint/2010/main" val="2046720359"/>
+        <p14:creationId xmlns:p14="http://schemas.microsoft.com/office/powerpoint/2010/main" val="1419274952"/>
       </p:ext>
     </p:extLst>
   </p:cSld>
@@ -4529,7 +4534,7 @@
     </p:spTree>
     <p:extLst>
       <p:ext uri="{BB962C8B-B14F-4D97-AF65-F5344CB8AC3E}">
-        <p14:creationId xmlns:p14="http://schemas.microsoft.com/office/powerpoint/2010/main" val="1318780061"/>
+        <p14:creationId xmlns:p14="http://schemas.microsoft.com/office/powerpoint/2010/main" val="860526733"/>
       </p:ext>
     </p:extLst>
   </p:cSld>
@@ -4616,7 +4621,7 @@
     </p:spTree>
     <p:extLst>
       <p:ext uri="{BB962C8B-B14F-4D97-AF65-F5344CB8AC3E}">
-        <p14:creationId xmlns:p14="http://schemas.microsoft.com/office/powerpoint/2010/main" val="582504625"/>
+        <p14:creationId xmlns:p14="http://schemas.microsoft.com/office/powerpoint/2010/main" val="208058916"/>
       </p:ext>
     </p:extLst>
   </p:cSld>
@@ -4700,7 +4705,7 @@
     </p:spTree>
     <p:extLst>
       <p:ext uri="{BB962C8B-B14F-4D97-AF65-F5344CB8AC3E}">
-        <p14:creationId xmlns:p14="http://schemas.microsoft.com/office/powerpoint/2010/main" val="2052273882"/>
+        <p14:creationId xmlns:p14="http://schemas.microsoft.com/office/powerpoint/2010/main" val="1318780061"/>
       </p:ext>
     </p:extLst>
   </p:cSld>
@@ -4787,7 +4792,7 @@
     </p:spTree>
     <p:extLst>
       <p:ext uri="{BB962C8B-B14F-4D97-AF65-F5344CB8AC3E}">
-        <p14:creationId xmlns:p14="http://schemas.microsoft.com/office/powerpoint/2010/main" val="219621769"/>
+        <p14:creationId xmlns:p14="http://schemas.microsoft.com/office/powerpoint/2010/main" val="582504625"/>
       </p:ext>
     </p:extLst>
   </p:cSld>
@@ -4871,7 +4876,7 @@
     </p:spTree>
     <p:extLst>
       <p:ext uri="{BB962C8B-B14F-4D97-AF65-F5344CB8AC3E}">
-        <p14:creationId xmlns:p14="http://schemas.microsoft.com/office/powerpoint/2010/main" val="1551233514"/>
+        <p14:creationId xmlns:p14="http://schemas.microsoft.com/office/powerpoint/2010/main" val="2052273882"/>
       </p:ext>
     </p:extLst>
   </p:cSld>
@@ -4958,7 +4963,7 @@
     </p:spTree>
     <p:extLst>
       <p:ext uri="{BB962C8B-B14F-4D97-AF65-F5344CB8AC3E}">
-        <p14:creationId xmlns:p14="http://schemas.microsoft.com/office/powerpoint/2010/main" val="698171211"/>
+        <p14:creationId xmlns:p14="http://schemas.microsoft.com/office/powerpoint/2010/main" val="219621769"/>
       </p:ext>
     </p:extLst>
   </p:cSld>
@@ -5042,7 +5047,7 @@
     </p:spTree>
     <p:extLst>
       <p:ext uri="{BB962C8B-B14F-4D97-AF65-F5344CB8AC3E}">
-        <p14:creationId xmlns:p14="http://schemas.microsoft.com/office/powerpoint/2010/main" val="1804263827"/>
+        <p14:creationId xmlns:p14="http://schemas.microsoft.com/office/powerpoint/2010/main" val="1551233514"/>
       </p:ext>
     </p:extLst>
   </p:cSld>
@@ -5129,7 +5134,7 @@
     </p:spTree>
     <p:extLst>
       <p:ext uri="{BB962C8B-B14F-4D97-AF65-F5344CB8AC3E}">
-        <p14:creationId xmlns:p14="http://schemas.microsoft.com/office/powerpoint/2010/main" val="65078092"/>
+        <p14:creationId xmlns:p14="http://schemas.microsoft.com/office/powerpoint/2010/main" val="698171211"/>
       </p:ext>
     </p:extLst>
   </p:cSld>
@@ -5213,7 +5218,94 @@
     </p:spTree>
     <p:extLst>
       <p:ext uri="{BB962C8B-B14F-4D97-AF65-F5344CB8AC3E}">
-        <p14:creationId xmlns:p14="http://schemas.microsoft.com/office/powerpoint/2010/main" val="597553392"/>
+        <p14:creationId xmlns:p14="http://schemas.microsoft.com/office/powerpoint/2010/main" val="1804263827"/>
+      </p:ext>
+    </p:extLst>
+  </p:cSld>
+  <p:clrMapOvr>
+    <a:masterClrMapping/>
+  </p:clrMapOvr>
+</p:notes>
+</file>
+
+<file path=ppt/notesSlides/notesSlide59.xml><?xml version="1.0" encoding="utf-8"?>
+<p:notes xmlns:a="http://schemas.openxmlformats.org/drawingml/2006/main" xmlns:r="http://schemas.openxmlformats.org/officeDocument/2006/relationships" xmlns:p="http://schemas.openxmlformats.org/presentationml/2006/main">
+  <p:cSld>
+    <p:spTree>
+      <p:nvGrpSpPr>
+        <p:cNvPr id="1" name=""/>
+        <p:cNvGrpSpPr/>
+        <p:nvPr/>
+      </p:nvGrpSpPr>
+      <p:grpSpPr>
+        <a:xfrm>
+          <a:off x="0" y="0"/>
+          <a:ext cx="0" cy="0"/>
+          <a:chOff x="0" y="0"/>
+          <a:chExt cx="0" cy="0"/>
+        </a:xfrm>
+      </p:grpSpPr>
+      <p:sp>
+        <p:nvSpPr>
+          <p:cNvPr id="2" name="Slide Image Placeholder 1"/>
+          <p:cNvSpPr>
+            <a:spLocks noGrp="1" noRot="1" noChangeAspect="1"/>
+          </p:cNvSpPr>
+          <p:nvPr>
+            <p:ph type="sldImg"/>
+          </p:nvPr>
+        </p:nvSpPr>
+        <p:spPr/>
+      </p:sp>
+      <p:sp>
+        <p:nvSpPr>
+          <p:cNvPr id="3" name="Notes Placeholder 2"/>
+          <p:cNvSpPr>
+            <a:spLocks noGrp="1"/>
+          </p:cNvSpPr>
+          <p:nvPr>
+            <p:ph type="body" idx="1"/>
+          </p:nvPr>
+        </p:nvSpPr>
+        <p:spPr/>
+        <p:txBody>
+          <a:bodyPr/>
+          <a:lstStyle/>
+          <a:p>
+            <a:r>
+              <a:rPr lang="en-US" baseline="0" dirty="0" smtClean="0"/>
+              <a:t>This is not an option.</a:t>
+            </a:r>
+          </a:p>
+        </p:txBody>
+      </p:sp>
+      <p:sp>
+        <p:nvSpPr>
+          <p:cNvPr id="4" name="Slide Number Placeholder 3"/>
+          <p:cNvSpPr>
+            <a:spLocks noGrp="1"/>
+          </p:cNvSpPr>
+          <p:nvPr>
+            <p:ph type="sldNum" sz="quarter" idx="10"/>
+          </p:nvPr>
+        </p:nvSpPr>
+        <p:spPr/>
+        <p:txBody>
+          <a:bodyPr/>
+          <a:lstStyle/>
+          <a:p>
+            <a:fld id="{D94BC858-82E5-9242-8878-79D85A70EAE4}" type="slidenum">
+              <a:rPr lang="en-US" smtClean="0"/>
+              <a:t>59</a:t>
+            </a:fld>
+            <a:endParaRPr lang="en-US"/>
+          </a:p>
+        </p:txBody>
+      </p:sp>
+    </p:spTree>
+    <p:extLst>
+      <p:ext uri="{BB962C8B-B14F-4D97-AF65-F5344CB8AC3E}">
+        <p14:creationId xmlns:p14="http://schemas.microsoft.com/office/powerpoint/2010/main" val="65078092"/>
       </p:ext>
     </p:extLst>
   </p:cSld>
@@ -5297,7 +5389,91 @@
     </p:spTree>
     <p:extLst>
       <p:ext uri="{BB962C8B-B14F-4D97-AF65-F5344CB8AC3E}">
-        <p14:creationId xmlns:p14="http://schemas.microsoft.com/office/powerpoint/2010/main" val="1009647104"/>
+        <p14:creationId xmlns:p14="http://schemas.microsoft.com/office/powerpoint/2010/main" val="2046720359"/>
+      </p:ext>
+    </p:extLst>
+  </p:cSld>
+  <p:clrMapOvr>
+    <a:masterClrMapping/>
+  </p:clrMapOvr>
+</p:notes>
+</file>
+
+<file path=ppt/notesSlides/notesSlide60.xml><?xml version="1.0" encoding="utf-8"?>
+<p:notes xmlns:a="http://schemas.openxmlformats.org/drawingml/2006/main" xmlns:r="http://schemas.openxmlformats.org/officeDocument/2006/relationships" xmlns:p="http://schemas.openxmlformats.org/presentationml/2006/main">
+  <p:cSld>
+    <p:spTree>
+      <p:nvGrpSpPr>
+        <p:cNvPr id="1" name=""/>
+        <p:cNvGrpSpPr/>
+        <p:nvPr/>
+      </p:nvGrpSpPr>
+      <p:grpSpPr>
+        <a:xfrm>
+          <a:off x="0" y="0"/>
+          <a:ext cx="0" cy="0"/>
+          <a:chOff x="0" y="0"/>
+          <a:chExt cx="0" cy="0"/>
+        </a:xfrm>
+      </p:grpSpPr>
+      <p:sp>
+        <p:nvSpPr>
+          <p:cNvPr id="2" name="Slide Image Placeholder 1"/>
+          <p:cNvSpPr>
+            <a:spLocks noGrp="1" noRot="1" noChangeAspect="1"/>
+          </p:cNvSpPr>
+          <p:nvPr>
+            <p:ph type="sldImg"/>
+          </p:nvPr>
+        </p:nvSpPr>
+        <p:spPr/>
+      </p:sp>
+      <p:sp>
+        <p:nvSpPr>
+          <p:cNvPr id="3" name="Notes Placeholder 2"/>
+          <p:cNvSpPr>
+            <a:spLocks noGrp="1"/>
+          </p:cNvSpPr>
+          <p:nvPr>
+            <p:ph type="body" idx="1"/>
+          </p:nvPr>
+        </p:nvSpPr>
+        <p:spPr/>
+        <p:txBody>
+          <a:bodyPr/>
+          <a:lstStyle/>
+          <a:p>
+            <a:endParaRPr lang="en-US" dirty="0"/>
+          </a:p>
+        </p:txBody>
+      </p:sp>
+      <p:sp>
+        <p:nvSpPr>
+          <p:cNvPr id="4" name="Slide Number Placeholder 3"/>
+          <p:cNvSpPr>
+            <a:spLocks noGrp="1"/>
+          </p:cNvSpPr>
+          <p:nvPr>
+            <p:ph type="sldNum" sz="quarter" idx="10"/>
+          </p:nvPr>
+        </p:nvSpPr>
+        <p:spPr/>
+        <p:txBody>
+          <a:bodyPr/>
+          <a:lstStyle/>
+          <a:p>
+            <a:fld id="{D94BC858-82E5-9242-8878-79D85A70EAE4}" type="slidenum">
+              <a:rPr lang="en-US" smtClean="0"/>
+              <a:t>60</a:t>
+            </a:fld>
+            <a:endParaRPr lang="en-US"/>
+          </a:p>
+        </p:txBody>
+      </p:sp>
+    </p:spTree>
+    <p:extLst>
+      <p:ext uri="{BB962C8B-B14F-4D97-AF65-F5344CB8AC3E}">
+        <p14:creationId xmlns:p14="http://schemas.microsoft.com/office/powerpoint/2010/main" val="597553392"/>
       </p:ext>
     </p:extLst>
   </p:cSld>
@@ -5381,7 +5557,7 @@
     </p:spTree>
     <p:extLst>
       <p:ext uri="{BB962C8B-B14F-4D97-AF65-F5344CB8AC3E}">
-        <p14:creationId xmlns:p14="http://schemas.microsoft.com/office/powerpoint/2010/main" val="1450568643"/>
+        <p14:creationId xmlns:p14="http://schemas.microsoft.com/office/powerpoint/2010/main" val="1009647104"/>
       </p:ext>
     </p:extLst>
   </p:cSld>
@@ -5465,7 +5641,7 @@
     </p:spTree>
     <p:extLst>
       <p:ext uri="{BB962C8B-B14F-4D97-AF65-F5344CB8AC3E}">
-        <p14:creationId xmlns:p14="http://schemas.microsoft.com/office/powerpoint/2010/main" val="2012488196"/>
+        <p14:creationId xmlns:p14="http://schemas.microsoft.com/office/powerpoint/2010/main" val="1450568643"/>
       </p:ext>
     </p:extLst>
   </p:cSld>
@@ -5519,10 +5695,7 @@
           <a:bodyPr/>
           <a:lstStyle/>
           <a:p>
-            <a:r>
-              <a:rPr lang="en-US" baseline="0" dirty="0" smtClean="0"/>
-              <a:t>This is not an option.</a:t>
-            </a:r>
+            <a:endParaRPr lang="en-US" dirty="0"/>
           </a:p>
         </p:txBody>
       </p:sp>
@@ -5552,7 +5725,7 @@
     </p:spTree>
     <p:extLst>
       <p:ext uri="{BB962C8B-B14F-4D97-AF65-F5344CB8AC3E}">
-        <p14:creationId xmlns:p14="http://schemas.microsoft.com/office/powerpoint/2010/main" val="333269985"/>
+        <p14:creationId xmlns:p14="http://schemas.microsoft.com/office/powerpoint/2010/main" val="2012488196"/>
       </p:ext>
     </p:extLst>
   </p:cSld>
@@ -8772,7 +8945,7 @@
     </p:spTree>
     <p:extLst>
       <p:ext uri="{BB962C8B-B14F-4D97-AF65-F5344CB8AC3E}">
-        <p14:creationId xmlns:p14="http://schemas.microsoft.com/office/powerpoint/2010/main" val="1287109870"/>
+        <p14:creationId xmlns:p14="http://schemas.microsoft.com/office/powerpoint/2010/main" val="437515159"/>
       </p:ext>
     </p:extLst>
   </p:cSld>
@@ -8790,211 +8963,6 @@
 </file>
 
 <file path=ppt/slides/slide11.xml><?xml version="1.0" encoding="utf-8"?>
-<p:sld xmlns:a="http://schemas.openxmlformats.org/drawingml/2006/main" xmlns:r="http://schemas.openxmlformats.org/officeDocument/2006/relationships" xmlns:p="http://schemas.openxmlformats.org/presentationml/2006/main">
-  <p:cSld>
-    <p:spTree>
-      <p:nvGrpSpPr>
-        <p:cNvPr id="1" name=""/>
-        <p:cNvGrpSpPr/>
-        <p:nvPr/>
-      </p:nvGrpSpPr>
-      <p:grpSpPr>
-        <a:xfrm>
-          <a:off x="0" y="0"/>
-          <a:ext cx="0" cy="0"/>
-          <a:chOff x="0" y="0"/>
-          <a:chExt cx="0" cy="0"/>
-        </a:xfrm>
-      </p:grpSpPr>
-      <p:sp>
-        <p:nvSpPr>
-          <p:cNvPr id="2" name="Title 1"/>
-          <p:cNvSpPr>
-            <a:spLocks noGrp="1"/>
-          </p:cNvSpPr>
-          <p:nvPr>
-            <p:ph type="ctrTitle"/>
-          </p:nvPr>
-        </p:nvSpPr>
-        <p:spPr>
-          <a:xfrm>
-            <a:off x="1524000" y="936100"/>
-            <a:ext cx="9144000" cy="2387600"/>
-          </a:xfrm>
-        </p:spPr>
-        <p:txBody>
-          <a:bodyPr>
-            <a:normAutofit/>
-          </a:bodyPr>
-          <a:lstStyle/>
-          <a:p>
-            <a:pPr>
-              <a:lnSpc>
-                <a:spcPct val="100000"/>
-              </a:lnSpc>
-            </a:pPr>
-            <a:r>
-              <a:rPr lang="en-US" dirty="0" smtClean="0">
-                <a:solidFill>
-                  <a:schemeClr val="bg2">
-                    <a:lumMod val="25000"/>
-                  </a:schemeClr>
-                </a:solidFill>
-              </a:rPr>
-              <a:t>Understanding Sound</a:t>
-            </a:r>
-            <a:endParaRPr lang="en-US" sz="3600" dirty="0">
-              <a:solidFill>
-                <a:schemeClr val="bg2">
-                  <a:lumMod val="25000"/>
-                </a:schemeClr>
-              </a:solidFill>
-            </a:endParaRPr>
-          </a:p>
-        </p:txBody>
-      </p:sp>
-      <p:sp>
-        <p:nvSpPr>
-          <p:cNvPr id="3" name="Subtitle 2"/>
-          <p:cNvSpPr>
-            <a:spLocks noGrp="1"/>
-          </p:cNvSpPr>
-          <p:nvPr>
-            <p:ph type="subTitle" idx="1"/>
-          </p:nvPr>
-        </p:nvSpPr>
-        <p:spPr>
-          <a:xfrm>
-            <a:off x="1524000" y="3813340"/>
-            <a:ext cx="9144000" cy="837440"/>
-          </a:xfrm>
-        </p:spPr>
-        <p:txBody>
-          <a:bodyPr>
-            <a:normAutofit lnSpcReduction="10000"/>
-          </a:bodyPr>
-          <a:lstStyle/>
-          <a:p>
-            <a:r>
-              <a:rPr lang="en-US" dirty="0" smtClean="0">
-                <a:solidFill>
-                  <a:schemeClr val="bg2">
-                    <a:lumMod val="25000"/>
-                  </a:schemeClr>
-                </a:solidFill>
-              </a:rPr>
-              <a:t>Stephen McLaughlin</a:t>
-            </a:r>
-          </a:p>
-          <a:p>
-            <a:r>
-              <a:rPr lang="en-US" dirty="0" smtClean="0">
-                <a:solidFill>
-                  <a:schemeClr val="bg2">
-                    <a:lumMod val="25000"/>
-                  </a:schemeClr>
-                </a:solidFill>
-              </a:rPr>
-              <a:t>PhD Student</a:t>
-            </a:r>
-            <a:endParaRPr lang="en-US" dirty="0">
-              <a:solidFill>
-                <a:schemeClr val="bg2">
-                  <a:lumMod val="25000"/>
-                </a:schemeClr>
-              </a:solidFill>
-            </a:endParaRPr>
-          </a:p>
-        </p:txBody>
-      </p:sp>
-      <p:pic>
-        <p:nvPicPr>
-          <p:cNvPr id="5" name="Picture 4"/>
-          <p:cNvPicPr>
-            <a:picLocks noChangeAspect="1"/>
-          </p:cNvPicPr>
-          <p:nvPr/>
-        </p:nvPicPr>
-        <p:blipFill>
-          <a:blip r:embed="rId3">
-            <a:extLst>
-              <a:ext uri="{28A0092B-C50C-407E-A947-70E740481C1C}">
-                <a14:useLocalDpi xmlns:a14="http://schemas.microsoft.com/office/drawing/2010/main" val="0"/>
-              </a:ext>
-            </a:extLst>
-          </a:blip>
-          <a:stretch>
-            <a:fillRect/>
-          </a:stretch>
-        </p:blipFill>
-        <p:spPr>
-          <a:xfrm>
-            <a:off x="3944112" y="4928385"/>
-            <a:ext cx="4303776" cy="685800"/>
-          </a:xfrm>
-          <a:prstGeom prst="rect">
-            <a:avLst/>
-          </a:prstGeom>
-        </p:spPr>
-      </p:pic>
-      <p:cxnSp>
-        <p:nvCxnSpPr>
-          <p:cNvPr id="7" name="Straight Connector 6"/>
-          <p:cNvCxnSpPr/>
-          <p:nvPr/>
-        </p:nvCxnSpPr>
-        <p:spPr>
-          <a:xfrm>
-            <a:off x="0" y="6253236"/>
-            <a:ext cx="12192000" cy="0"/>
-          </a:xfrm>
-          <a:prstGeom prst="line">
-            <a:avLst/>
-          </a:prstGeom>
-          <a:ln>
-            <a:solidFill>
-              <a:schemeClr val="bg2">
-                <a:lumMod val="75000"/>
-              </a:schemeClr>
-            </a:solidFill>
-          </a:ln>
-        </p:spPr>
-        <p:style>
-          <a:lnRef idx="1">
-            <a:schemeClr val="dk1"/>
-          </a:lnRef>
-          <a:fillRef idx="0">
-            <a:schemeClr val="dk1"/>
-          </a:fillRef>
-          <a:effectRef idx="0">
-            <a:schemeClr val="dk1"/>
-          </a:effectRef>
-          <a:fontRef idx="minor">
-            <a:schemeClr val="tx1"/>
-          </a:fontRef>
-        </p:style>
-      </p:cxnSp>
-    </p:spTree>
-    <p:extLst>
-      <p:ext uri="{BB962C8B-B14F-4D97-AF65-F5344CB8AC3E}">
-        <p14:creationId xmlns:p14="http://schemas.microsoft.com/office/powerpoint/2010/main" val="708561021"/>
-      </p:ext>
-    </p:extLst>
-  </p:cSld>
-  <p:clrMapOvr>
-    <a:masterClrMapping/>
-  </p:clrMapOvr>
-  <p:timing>
-    <p:tnLst>
-      <p:par>
-        <p:cTn id="1" dur="indefinite" restart="never" nodeType="tmRoot"/>
-      </p:par>
-    </p:tnLst>
-  </p:timing>
-</p:sld>
-</file>
-
-<file path=ppt/slides/slide12.xml><?xml version="1.0" encoding="utf-8"?>
 <p:sld xmlns:a="http://schemas.openxmlformats.org/drawingml/2006/main" xmlns:r="http://schemas.openxmlformats.org/officeDocument/2006/relationships" xmlns:p="http://schemas.openxmlformats.org/presentationml/2006/main">
   <p:cSld>
     <p:spTree>
@@ -9137,16 +9105,154 @@
           </a:p>
         </p:txBody>
       </p:sp>
+    </p:spTree>
+    <p:extLst>
+      <p:ext uri="{BB962C8B-B14F-4D97-AF65-F5344CB8AC3E}">
+        <p14:creationId xmlns:p14="http://schemas.microsoft.com/office/powerpoint/2010/main" val="1287109870"/>
+      </p:ext>
+    </p:extLst>
+  </p:cSld>
+  <p:clrMapOvr>
+    <a:masterClrMapping/>
+  </p:clrMapOvr>
+  <p:timing>
+    <p:tnLst>
+      <p:par>
+        <p:cTn id="1" dur="indefinite" restart="never" nodeType="tmRoot"/>
+      </p:par>
+    </p:tnLst>
+  </p:timing>
+</p:sld>
+</file>
+
+<file path=ppt/slides/slide12.xml><?xml version="1.0" encoding="utf-8"?>
+<p:sld xmlns:a="http://schemas.openxmlformats.org/drawingml/2006/main" xmlns:r="http://schemas.openxmlformats.org/officeDocument/2006/relationships" xmlns:p="http://schemas.openxmlformats.org/presentationml/2006/main">
+  <p:cSld>
+    <p:spTree>
+      <p:nvGrpSpPr>
+        <p:cNvPr id="1" name=""/>
+        <p:cNvGrpSpPr/>
+        <p:nvPr/>
+      </p:nvGrpSpPr>
+      <p:grpSpPr>
+        <a:xfrm>
+          <a:off x="0" y="0"/>
+          <a:ext cx="0" cy="0"/>
+          <a:chOff x="0" y="0"/>
+          <a:chExt cx="0" cy="0"/>
+        </a:xfrm>
+      </p:grpSpPr>
+      <p:sp>
+        <p:nvSpPr>
+          <p:cNvPr id="2" name="Title 1"/>
+          <p:cNvSpPr>
+            <a:spLocks noGrp="1"/>
+          </p:cNvSpPr>
+          <p:nvPr>
+            <p:ph type="ctrTitle"/>
+          </p:nvPr>
+        </p:nvSpPr>
+        <p:spPr>
+          <a:xfrm>
+            <a:off x="1524000" y="936100"/>
+            <a:ext cx="9144000" cy="2387600"/>
+          </a:xfrm>
+        </p:spPr>
+        <p:txBody>
+          <a:bodyPr>
+            <a:normAutofit/>
+          </a:bodyPr>
+          <a:lstStyle/>
+          <a:p>
+            <a:pPr>
+              <a:lnSpc>
+                <a:spcPct val="100000"/>
+              </a:lnSpc>
+            </a:pPr>
+            <a:r>
+              <a:rPr lang="en-US" dirty="0" smtClean="0">
+                <a:solidFill>
+                  <a:schemeClr val="bg2">
+                    <a:lumMod val="25000"/>
+                  </a:schemeClr>
+                </a:solidFill>
+              </a:rPr>
+              <a:t>Understanding Sound</a:t>
+            </a:r>
+            <a:endParaRPr lang="en-US" sz="3600" dirty="0">
+              <a:solidFill>
+                <a:schemeClr val="bg2">
+                  <a:lumMod val="25000"/>
+                </a:schemeClr>
+              </a:solidFill>
+            </a:endParaRPr>
+          </a:p>
+        </p:txBody>
+      </p:sp>
+      <p:sp>
+        <p:nvSpPr>
+          <p:cNvPr id="3" name="Subtitle 2"/>
+          <p:cNvSpPr>
+            <a:spLocks noGrp="1"/>
+          </p:cNvSpPr>
+          <p:nvPr>
+            <p:ph type="subTitle" idx="1"/>
+          </p:nvPr>
+        </p:nvSpPr>
+        <p:spPr>
+          <a:xfrm>
+            <a:off x="1524000" y="3813340"/>
+            <a:ext cx="9144000" cy="837440"/>
+          </a:xfrm>
+        </p:spPr>
+        <p:txBody>
+          <a:bodyPr>
+            <a:normAutofit lnSpcReduction="10000"/>
+          </a:bodyPr>
+          <a:lstStyle/>
+          <a:p>
+            <a:r>
+              <a:rPr lang="en-US" dirty="0" smtClean="0">
+                <a:solidFill>
+                  <a:schemeClr val="bg2">
+                    <a:lumMod val="25000"/>
+                  </a:schemeClr>
+                </a:solidFill>
+              </a:rPr>
+              <a:t>Stephen McLaughlin</a:t>
+            </a:r>
+          </a:p>
+          <a:p>
+            <a:r>
+              <a:rPr lang="en-US" dirty="0" smtClean="0">
+                <a:solidFill>
+                  <a:schemeClr val="bg2">
+                    <a:lumMod val="25000"/>
+                  </a:schemeClr>
+                </a:solidFill>
+              </a:rPr>
+              <a:t>PhD Student</a:t>
+            </a:r>
+            <a:endParaRPr lang="en-US" dirty="0">
+              <a:solidFill>
+                <a:schemeClr val="bg2">
+                  <a:lumMod val="25000"/>
+                </a:schemeClr>
+              </a:solidFill>
+            </a:endParaRPr>
+          </a:p>
+        </p:txBody>
+      </p:sp>
       <p:pic>
         <p:nvPicPr>
-          <p:cNvPr id="2" name="Picture 1"/>
+          <p:cNvPr id="5" name="Picture 4"/>
           <p:cNvPicPr>
             <a:picLocks noChangeAspect="1"/>
           </p:cNvPicPr>
           <p:nvPr/>
         </p:nvPicPr>
         <p:blipFill>
-          <a:blip r:embed="rId4">
+          <a:blip r:embed="rId3">
             <a:extLst>
               <a:ext uri="{28A0092B-C50C-407E-A947-70E740481C1C}">
                 <a14:useLocalDpi xmlns:a14="http://schemas.microsoft.com/office/drawing/2010/main" val="0"/>
@@ -9159,48 +9265,55 @@
         </p:blipFill>
         <p:spPr>
           <a:xfrm>
-            <a:off x="6114911" y="337858"/>
-            <a:ext cx="5217207" cy="5417483"/>
+            <a:off x="3944112" y="4928385"/>
+            <a:ext cx="4303776" cy="685800"/>
           </a:xfrm>
           <a:prstGeom prst="rect">
             <a:avLst/>
           </a:prstGeom>
         </p:spPr>
       </p:pic>
-      <p:pic>
-        <p:nvPicPr>
-          <p:cNvPr id="6" name="Picture 5"/>
-          <p:cNvPicPr>
-            <a:picLocks noChangeAspect="1"/>
-          </p:cNvPicPr>
+      <p:cxnSp>
+        <p:nvCxnSpPr>
+          <p:cNvPr id="7" name="Straight Connector 6"/>
+          <p:cNvCxnSpPr/>
           <p:nvPr/>
-        </p:nvPicPr>
-        <p:blipFill>
-          <a:blip r:embed="rId5">
-            <a:extLst>
-              <a:ext uri="{28A0092B-C50C-407E-A947-70E740481C1C}">
-                <a14:useLocalDpi xmlns:a14="http://schemas.microsoft.com/office/drawing/2010/main" val="0"/>
-              </a:ext>
-            </a:extLst>
-          </a:blip>
-          <a:stretch>
-            <a:fillRect/>
-          </a:stretch>
-        </p:blipFill>
+        </p:nvCxnSpPr>
         <p:spPr>
           <a:xfrm>
-            <a:off x="585760" y="481293"/>
-            <a:ext cx="5394783" cy="3911413"/>
+            <a:off x="0" y="6253236"/>
+            <a:ext cx="12192000" cy="0"/>
           </a:xfrm>
-          <a:prstGeom prst="rect">
+          <a:prstGeom prst="line">
             <a:avLst/>
           </a:prstGeom>
+          <a:ln>
+            <a:solidFill>
+              <a:schemeClr val="bg2">
+                <a:lumMod val="75000"/>
+              </a:schemeClr>
+            </a:solidFill>
+          </a:ln>
         </p:spPr>
-      </p:pic>
+        <p:style>
+          <a:lnRef idx="1">
+            <a:schemeClr val="dk1"/>
+          </a:lnRef>
+          <a:fillRef idx="0">
+            <a:schemeClr val="dk1"/>
+          </a:fillRef>
+          <a:effectRef idx="0">
+            <a:schemeClr val="dk1"/>
+          </a:effectRef>
+          <a:fontRef idx="minor">
+            <a:schemeClr val="tx1"/>
+          </a:fontRef>
+        </p:style>
+      </p:cxnSp>
     </p:spTree>
     <p:extLst>
       <p:ext uri="{BB962C8B-B14F-4D97-AF65-F5344CB8AC3E}">
-        <p14:creationId xmlns:p14="http://schemas.microsoft.com/office/powerpoint/2010/main" val="1856275270"/>
+        <p14:creationId xmlns:p14="http://schemas.microsoft.com/office/powerpoint/2010/main" val="708561021"/>
       </p:ext>
     </p:extLst>
   </p:cSld>
@@ -9382,8 +9495,8 @@
         </p:blipFill>
         <p:spPr>
           <a:xfrm>
-            <a:off x="5510026" y="2736448"/>
-            <a:ext cx="6284259" cy="3434779"/>
+            <a:off x="6114911" y="337858"/>
+            <a:ext cx="5217207" cy="5417483"/>
           </a:xfrm>
           <a:prstGeom prst="rect">
             <a:avLst/>
@@ -9412,51 +9525,18 @@
         </p:blipFill>
         <p:spPr>
           <a:xfrm>
-            <a:off x="446741" y="1011306"/>
-            <a:ext cx="7404401" cy="1459418"/>
+            <a:off x="585760" y="481293"/>
+            <a:ext cx="5394783" cy="3911413"/>
           </a:xfrm>
           <a:prstGeom prst="rect">
             <a:avLst/>
           </a:prstGeom>
         </p:spPr>
       </p:pic>
-      <p:sp>
-        <p:nvSpPr>
-          <p:cNvPr id="3" name="Rectangle 2"/>
-          <p:cNvSpPr/>
-          <p:nvPr/>
-        </p:nvSpPr>
-        <p:spPr>
-          <a:xfrm>
-            <a:off x="4027633" y="5750566"/>
-            <a:ext cx="1482393" cy="307777"/>
-          </a:xfrm>
-          <a:prstGeom prst="rect">
-            <a:avLst/>
-          </a:prstGeom>
-        </p:spPr>
-        <p:txBody>
-          <a:bodyPr wrap="none">
-            <a:spAutoFit/>
-          </a:bodyPr>
-          <a:lstStyle/>
-          <a:p>
-            <a:r>
-              <a:rPr lang="en-US" sz="1400" dirty="0"/>
-              <a:t>C</a:t>
-            </a:r>
-            <a:r>
-              <a:rPr lang="en-US" sz="1400" dirty="0" smtClean="0"/>
-              <a:t>redit: Kline 1985</a:t>
-            </a:r>
-            <a:endParaRPr lang="en-US" sz="1400" dirty="0"/>
-          </a:p>
-        </p:txBody>
-      </p:sp>
     </p:spTree>
     <p:extLst>
       <p:ext uri="{BB962C8B-B14F-4D97-AF65-F5344CB8AC3E}">
-        <p14:creationId xmlns:p14="http://schemas.microsoft.com/office/powerpoint/2010/main" val="430911309"/>
+        <p14:creationId xmlns:p14="http://schemas.microsoft.com/office/powerpoint/2010/main" val="1856275270"/>
       </p:ext>
     </p:extLst>
   </p:cSld>
@@ -9638,18 +9718,81 @@
         </p:blipFill>
         <p:spPr>
           <a:xfrm>
-            <a:off x="1123950" y="538629"/>
-            <a:ext cx="9944100" cy="5194300"/>
+            <a:off x="5510026" y="2736448"/>
+            <a:ext cx="6284259" cy="3434779"/>
           </a:xfrm>
           <a:prstGeom prst="rect">
             <a:avLst/>
           </a:prstGeom>
         </p:spPr>
       </p:pic>
+      <p:pic>
+        <p:nvPicPr>
+          <p:cNvPr id="6" name="Picture 5"/>
+          <p:cNvPicPr>
+            <a:picLocks noChangeAspect="1"/>
+          </p:cNvPicPr>
+          <p:nvPr/>
+        </p:nvPicPr>
+        <p:blipFill>
+          <a:blip r:embed="rId5">
+            <a:extLst>
+              <a:ext uri="{28A0092B-C50C-407E-A947-70E740481C1C}">
+                <a14:useLocalDpi xmlns:a14="http://schemas.microsoft.com/office/drawing/2010/main" val="0"/>
+              </a:ext>
+            </a:extLst>
+          </a:blip>
+          <a:stretch>
+            <a:fillRect/>
+          </a:stretch>
+        </p:blipFill>
+        <p:spPr>
+          <a:xfrm>
+            <a:off x="446741" y="1011306"/>
+            <a:ext cx="7404401" cy="1459418"/>
+          </a:xfrm>
+          <a:prstGeom prst="rect">
+            <a:avLst/>
+          </a:prstGeom>
+        </p:spPr>
+      </p:pic>
+      <p:sp>
+        <p:nvSpPr>
+          <p:cNvPr id="3" name="Rectangle 2"/>
+          <p:cNvSpPr/>
+          <p:nvPr/>
+        </p:nvSpPr>
+        <p:spPr>
+          <a:xfrm>
+            <a:off x="4027633" y="5750566"/>
+            <a:ext cx="1482393" cy="307777"/>
+          </a:xfrm>
+          <a:prstGeom prst="rect">
+            <a:avLst/>
+          </a:prstGeom>
+        </p:spPr>
+        <p:txBody>
+          <a:bodyPr wrap="none">
+            <a:spAutoFit/>
+          </a:bodyPr>
+          <a:lstStyle/>
+          <a:p>
+            <a:r>
+              <a:rPr lang="en-US" sz="1400" dirty="0"/>
+              <a:t>C</a:t>
+            </a:r>
+            <a:r>
+              <a:rPr lang="en-US" sz="1400" dirty="0" smtClean="0"/>
+              <a:t>redit: Kline 1985</a:t>
+            </a:r>
+            <a:endParaRPr lang="en-US" sz="1400" dirty="0"/>
+          </a:p>
+        </p:txBody>
+      </p:sp>
     </p:spTree>
     <p:extLst>
       <p:ext uri="{BB962C8B-B14F-4D97-AF65-F5344CB8AC3E}">
-        <p14:creationId xmlns:p14="http://schemas.microsoft.com/office/powerpoint/2010/main" val="636015480"/>
+        <p14:creationId xmlns:p14="http://schemas.microsoft.com/office/powerpoint/2010/main" val="430911309"/>
       </p:ext>
     </p:extLst>
   </p:cSld>
@@ -9831,8 +9974,8 @@
         </p:blipFill>
         <p:spPr>
           <a:xfrm>
-            <a:off x="842682" y="277978"/>
-            <a:ext cx="9876118" cy="5775382"/>
+            <a:off x="1123950" y="538629"/>
+            <a:ext cx="9944100" cy="5194300"/>
           </a:xfrm>
           <a:prstGeom prst="rect">
             <a:avLst/>
@@ -9842,7 +9985,7 @@
     </p:spTree>
     <p:extLst>
       <p:ext uri="{BB962C8B-B14F-4D97-AF65-F5344CB8AC3E}">
-        <p14:creationId xmlns:p14="http://schemas.microsoft.com/office/powerpoint/2010/main" val="1085219231"/>
+        <p14:creationId xmlns:p14="http://schemas.microsoft.com/office/powerpoint/2010/main" val="636015480"/>
       </p:ext>
     </p:extLst>
   </p:cSld>
@@ -10004,7 +10147,7 @@
       </p:sp>
       <p:pic>
         <p:nvPicPr>
-          <p:cNvPr id="3" name="Picture 2"/>
+          <p:cNvPr id="2" name="Picture 1"/>
           <p:cNvPicPr>
             <a:picLocks noChangeAspect="1"/>
           </p:cNvPicPr>
@@ -10024,8 +10167,8 @@
         </p:blipFill>
         <p:spPr>
           <a:xfrm>
-            <a:off x="3300880" y="788894"/>
-            <a:ext cx="5944720" cy="4755776"/>
+            <a:off x="842682" y="277978"/>
+            <a:ext cx="9876118" cy="5775382"/>
           </a:xfrm>
           <a:prstGeom prst="rect">
             <a:avLst/>
@@ -10035,7 +10178,7 @@
     </p:spTree>
     <p:extLst>
       <p:ext uri="{BB962C8B-B14F-4D97-AF65-F5344CB8AC3E}">
-        <p14:creationId xmlns:p14="http://schemas.microsoft.com/office/powerpoint/2010/main" val="117863971"/>
+        <p14:creationId xmlns:p14="http://schemas.microsoft.com/office/powerpoint/2010/main" val="1085219231"/>
       </p:ext>
     </p:extLst>
   </p:cSld>
@@ -10197,7 +10340,7 @@
       </p:sp>
       <p:pic>
         <p:nvPicPr>
-          <p:cNvPr id="2" name="Picture 1"/>
+          <p:cNvPr id="3" name="Picture 2"/>
           <p:cNvPicPr>
             <a:picLocks noChangeAspect="1"/>
           </p:cNvPicPr>
@@ -10217,18 +10360,47 @@
         </p:blipFill>
         <p:spPr>
           <a:xfrm>
-            <a:off x="3085781" y="360771"/>
-            <a:ext cx="6020438" cy="5728447"/>
+            <a:off x="2635623" y="292547"/>
+            <a:ext cx="7058212" cy="5646570"/>
           </a:xfrm>
           <a:prstGeom prst="rect">
             <a:avLst/>
           </a:prstGeom>
         </p:spPr>
       </p:pic>
+      <p:sp>
+        <p:nvSpPr>
+          <p:cNvPr id="7" name="Rectangle 6"/>
+          <p:cNvSpPr/>
+          <p:nvPr/>
+        </p:nvSpPr>
+        <p:spPr>
+          <a:xfrm>
+            <a:off x="9582463" y="5836710"/>
+            <a:ext cx="2272673" cy="307777"/>
+          </a:xfrm>
+          <a:prstGeom prst="rect">
+            <a:avLst/>
+          </a:prstGeom>
+        </p:spPr>
+        <p:txBody>
+          <a:bodyPr wrap="none">
+            <a:spAutoFit/>
+          </a:bodyPr>
+          <a:lstStyle/>
+          <a:p>
+            <a:r>
+              <a:rPr lang="en-US" sz="1400" dirty="0" smtClean="0"/>
+              <a:t>Credit: Wikimedia Commons</a:t>
+            </a:r>
+            <a:endParaRPr lang="en-US" sz="1400" dirty="0"/>
+          </a:p>
+        </p:txBody>
+      </p:sp>
     </p:spTree>
     <p:extLst>
       <p:ext uri="{BB962C8B-B14F-4D97-AF65-F5344CB8AC3E}">
-        <p14:creationId xmlns:p14="http://schemas.microsoft.com/office/powerpoint/2010/main" val="940134600"/>
+        <p14:creationId xmlns:p14="http://schemas.microsoft.com/office/powerpoint/2010/main" val="117863971"/>
       </p:ext>
     </p:extLst>
   </p:cSld>
@@ -10410,18 +10582,47 @@
         </p:blipFill>
         <p:spPr>
           <a:xfrm>
-            <a:off x="0" y="787400"/>
-            <a:ext cx="12192000" cy="5279136"/>
+            <a:off x="1456182" y="126672"/>
+            <a:ext cx="9587736" cy="6126564"/>
           </a:xfrm>
           <a:prstGeom prst="rect">
             <a:avLst/>
           </a:prstGeom>
         </p:spPr>
       </p:pic>
+      <p:sp>
+        <p:nvSpPr>
+          <p:cNvPr id="6" name="Rectangle 5"/>
+          <p:cNvSpPr/>
+          <p:nvPr/>
+        </p:nvSpPr>
+        <p:spPr>
+          <a:xfrm>
+            <a:off x="9582463" y="5945459"/>
+            <a:ext cx="2272673" cy="307777"/>
+          </a:xfrm>
+          <a:prstGeom prst="rect">
+            <a:avLst/>
+          </a:prstGeom>
+        </p:spPr>
+        <p:txBody>
+          <a:bodyPr wrap="none">
+            <a:spAutoFit/>
+          </a:bodyPr>
+          <a:lstStyle/>
+          <a:p>
+            <a:r>
+              <a:rPr lang="en-US" sz="1400" dirty="0" smtClean="0"/>
+              <a:t>Credit: Wikimedia Commons</a:t>
+            </a:r>
+            <a:endParaRPr lang="en-US" sz="1400" dirty="0"/>
+          </a:p>
+        </p:txBody>
+      </p:sp>
     </p:spTree>
     <p:extLst>
       <p:ext uri="{BB962C8B-B14F-4D97-AF65-F5344CB8AC3E}">
-        <p14:creationId xmlns:p14="http://schemas.microsoft.com/office/powerpoint/2010/main" val="1116596511"/>
+        <p14:creationId xmlns:p14="http://schemas.microsoft.com/office/powerpoint/2010/main" val="655662394"/>
       </p:ext>
     </p:extLst>
   </p:cSld>
@@ -10590,21 +10791,15 @@
           <p:nvPr/>
         </p:nvPicPr>
         <p:blipFill>
-          <a:blip r:embed="rId4">
-            <a:extLst>
-              <a:ext uri="{28A0092B-C50C-407E-A947-70E740481C1C}">
-                <a14:useLocalDpi xmlns:a14="http://schemas.microsoft.com/office/drawing/2010/main" val="0"/>
-              </a:ext>
-            </a:extLst>
-          </a:blip>
+          <a:blip r:embed="rId4"/>
           <a:stretch>
             <a:fillRect/>
           </a:stretch>
         </p:blipFill>
         <p:spPr>
           <a:xfrm>
-            <a:off x="723900" y="0"/>
-            <a:ext cx="10732394" cy="6858000"/>
+            <a:off x="1600868" y="130342"/>
+            <a:ext cx="7282787" cy="6122894"/>
           </a:xfrm>
           <a:prstGeom prst="rect">
             <a:avLst/>
@@ -10614,7 +10809,7 @@
     </p:spTree>
     <p:extLst>
       <p:ext uri="{BB962C8B-B14F-4D97-AF65-F5344CB8AC3E}">
-        <p14:creationId xmlns:p14="http://schemas.microsoft.com/office/powerpoint/2010/main" val="655662394"/>
+        <p14:creationId xmlns:p14="http://schemas.microsoft.com/office/powerpoint/2010/main" val="451754584"/>
       </p:ext>
     </p:extLst>
   </p:cSld>
@@ -10658,106 +10853,49 @@
             <p:ph type="title"/>
           </p:nvPr>
         </p:nvSpPr>
-        <p:spPr/>
-        <p:txBody>
-          <a:bodyPr/>
-          <a:lstStyle/>
-          <a:p>
-            <a:r>
-              <a:rPr lang="en-US" dirty="0" smtClean="0">
-                <a:solidFill>
-                  <a:schemeClr val="bg2">
-                    <a:lumMod val="25000"/>
-                  </a:schemeClr>
-                </a:solidFill>
-              </a:rPr>
-              <a:t>What do you need to classify sound?</a:t>
-            </a:r>
-            <a:endParaRPr lang="en-US" dirty="0">
-              <a:solidFill>
-                <a:schemeClr val="bg2">
-                  <a:lumMod val="25000"/>
-                </a:schemeClr>
-              </a:solidFill>
-            </a:endParaRPr>
-          </a:p>
-        </p:txBody>
-      </p:sp>
-      <p:sp>
-        <p:nvSpPr>
-          <p:cNvPr id="9" name="Content Placeholder 8"/>
-          <p:cNvSpPr>
-            <a:spLocks noGrp="1"/>
-          </p:cNvSpPr>
-          <p:nvPr>
-            <p:ph idx="1"/>
-          </p:nvPr>
-        </p:nvSpPr>
-        <p:spPr/>
+        <p:spPr>
+          <a:xfrm>
+            <a:off x="1020971" y="2409078"/>
+            <a:ext cx="10515600" cy="1325563"/>
+          </a:xfrm>
+        </p:spPr>
         <p:txBody>
           <a:bodyPr>
             <a:normAutofit/>
           </a:bodyPr>
           <a:lstStyle/>
           <a:p>
-            <a:pPr>
-              <a:lnSpc>
-                <a:spcPct val="110000"/>
-              </a:lnSpc>
-            </a:pPr>
-            <a:r>
-              <a:rPr lang="en-US" sz="3300" dirty="0" smtClean="0">
+            <a:r>
+              <a:rPr lang="en-US" sz="4000" dirty="0">
                 <a:solidFill>
                   <a:schemeClr val="bg2">
                     <a:lumMod val="25000"/>
                   </a:schemeClr>
                 </a:solidFill>
               </a:rPr>
-              <a:t>A little theory</a:t>
-            </a:r>
-            <a:endParaRPr lang="en-US" sz="3300" dirty="0" smtClean="0">
-              <a:solidFill>
-                <a:schemeClr val="bg2">
-                  <a:lumMod val="25000"/>
-                </a:schemeClr>
-              </a:solidFill>
-            </a:endParaRPr>
-          </a:p>
-          <a:p>
-            <a:pPr>
-              <a:lnSpc>
-                <a:spcPct val="110000"/>
-              </a:lnSpc>
-            </a:pPr>
-            <a:endParaRPr lang="en-US" sz="3300" dirty="0" smtClean="0">
-              <a:solidFill>
-                <a:schemeClr val="bg2">
-                  <a:lumMod val="25000"/>
-                </a:schemeClr>
-              </a:solidFill>
-            </a:endParaRPr>
-          </a:p>
-          <a:p>
-            <a:pPr>
-              <a:lnSpc>
-                <a:spcPct val="110000"/>
-              </a:lnSpc>
-            </a:pPr>
-            <a:endParaRPr lang="en-US" sz="3300" dirty="0" smtClean="0">
-              <a:solidFill>
-                <a:schemeClr val="bg2">
-                  <a:lumMod val="25000"/>
-                </a:schemeClr>
-              </a:solidFill>
-            </a:endParaRPr>
-          </a:p>
-          <a:p>
-            <a:pPr>
-              <a:lnSpc>
-                <a:spcPct val="110000"/>
-              </a:lnSpc>
-            </a:pPr>
-            <a:endParaRPr lang="en-US" sz="3300" dirty="0" smtClean="0">
+              <a:t>https://</a:t>
+            </a:r>
+            <a:r>
+              <a:rPr lang="en-US" sz="4000" dirty="0" err="1">
+                <a:solidFill>
+                  <a:schemeClr val="bg2">
+                    <a:lumMod val="25000"/>
+                  </a:schemeClr>
+                </a:solidFill>
+              </a:rPr>
+              <a:t>stevemclaugh.github.io</a:t>
+            </a:r>
+            <a:r>
+              <a:rPr lang="en-US" sz="4000" dirty="0">
+                <a:solidFill>
+                  <a:schemeClr val="bg2">
+                    <a:lumMod val="25000"/>
+                  </a:schemeClr>
+                </a:solidFill>
+              </a:rPr>
+              <a:t>/HILT-Audio-ML/</a:t>
+            </a:r>
+            <a:endParaRPr lang="en-US" sz="4000" dirty="0">
               <a:solidFill>
                 <a:schemeClr val="bg2">
                   <a:lumMod val="25000"/>
@@ -11078,8 +11216,8 @@
         </p:blipFill>
         <p:spPr>
           <a:xfrm>
-            <a:off x="2581835" y="242457"/>
-            <a:ext cx="4405723" cy="5846761"/>
+            <a:off x="3085781" y="360771"/>
+            <a:ext cx="6020438" cy="5728447"/>
           </a:xfrm>
           <a:prstGeom prst="rect">
             <a:avLst/>
@@ -11094,8 +11232,8 @@
         </p:nvSpPr>
         <p:spPr>
           <a:xfrm>
-            <a:off x="7183209" y="5709562"/>
-            <a:ext cx="1641090" cy="307777"/>
+            <a:off x="9582463" y="5836710"/>
+            <a:ext cx="2272673" cy="307777"/>
           </a:xfrm>
           <a:prstGeom prst="rect">
             <a:avLst/>
@@ -11108,12 +11246,8 @@
           <a:lstStyle/>
           <a:p>
             <a:r>
-              <a:rPr lang="en-US" sz="1400" dirty="0"/>
-              <a:t>C</a:t>
-            </a:r>
-            <a:r>
               <a:rPr lang="en-US" sz="1400" dirty="0" smtClean="0"/>
-              <a:t>redit: Handel 1989</a:t>
+              <a:t>Credit: Wikimedia Commons</a:t>
             </a:r>
             <a:endParaRPr lang="en-US" sz="1400" dirty="0"/>
           </a:p>
@@ -11122,7 +11256,7 @@
     </p:spTree>
     <p:extLst>
       <p:ext uri="{BB962C8B-B14F-4D97-AF65-F5344CB8AC3E}">
-        <p14:creationId xmlns:p14="http://schemas.microsoft.com/office/powerpoint/2010/main" val="996462877"/>
+        <p14:creationId xmlns:p14="http://schemas.microsoft.com/office/powerpoint/2010/main" val="940134600"/>
       </p:ext>
     </p:extLst>
   </p:cSld>
@@ -11304,8 +11438,8 @@
         </p:blipFill>
         <p:spPr>
           <a:xfrm>
-            <a:off x="1182334" y="253195"/>
-            <a:ext cx="3116927" cy="5800165"/>
+            <a:off x="0" y="787400"/>
+            <a:ext cx="12192000" cy="5279136"/>
           </a:xfrm>
           <a:prstGeom prst="rect">
             <a:avLst/>
@@ -11320,8 +11454,8 @@
         </p:nvSpPr>
         <p:spPr>
           <a:xfrm>
-            <a:off x="9937235" y="5709562"/>
-            <a:ext cx="1860317" cy="307777"/>
+            <a:off x="9582463" y="5836710"/>
+            <a:ext cx="2272673" cy="307777"/>
           </a:xfrm>
           <a:prstGeom prst="rect">
             <a:avLst/>
@@ -11334,59 +11468,17 @@
           <a:lstStyle/>
           <a:p>
             <a:r>
-              <a:rPr lang="en-US" sz="1400" dirty="0"/>
-              <a:t>C</a:t>
-            </a:r>
-            <a:r>
               <a:rPr lang="en-US" sz="1400" dirty="0" smtClean="0"/>
-              <a:t>redit: </a:t>
-            </a:r>
-            <a:r>
-              <a:rPr lang="en-US" sz="1400" dirty="0" err="1" smtClean="0"/>
-              <a:t>Pohlmann</a:t>
-            </a:r>
-            <a:r>
-              <a:rPr lang="en-US" sz="1400" dirty="0" smtClean="0"/>
-              <a:t> 2011</a:t>
+              <a:t>Credit: Wikimedia Commons</a:t>
             </a:r>
             <a:endParaRPr lang="en-US" sz="1400" dirty="0"/>
           </a:p>
         </p:txBody>
       </p:sp>
-      <p:pic>
-        <p:nvPicPr>
-          <p:cNvPr id="8" name="Picture 7"/>
-          <p:cNvPicPr>
-            <a:picLocks noChangeAspect="1"/>
-          </p:cNvPicPr>
-          <p:nvPr/>
-        </p:nvPicPr>
-        <p:blipFill>
-          <a:blip r:embed="rId5">
-            <a:extLst>
-              <a:ext uri="{28A0092B-C50C-407E-A947-70E740481C1C}">
-                <a14:useLocalDpi xmlns:a14="http://schemas.microsoft.com/office/drawing/2010/main" val="0"/>
-              </a:ext>
-            </a:extLst>
-          </a:blip>
-          <a:stretch>
-            <a:fillRect/>
-          </a:stretch>
-        </p:blipFill>
-        <p:spPr>
-          <a:xfrm>
-            <a:off x="4591037" y="1971720"/>
-            <a:ext cx="7206515" cy="2999118"/>
-          </a:xfrm>
-          <a:prstGeom prst="rect">
-            <a:avLst/>
-          </a:prstGeom>
-        </p:spPr>
-      </p:pic>
     </p:spTree>
     <p:extLst>
       <p:ext uri="{BB962C8B-B14F-4D97-AF65-F5344CB8AC3E}">
-        <p14:creationId xmlns:p14="http://schemas.microsoft.com/office/powerpoint/2010/main" val="1284651165"/>
+        <p14:creationId xmlns:p14="http://schemas.microsoft.com/office/powerpoint/2010/main" val="1116596511"/>
       </p:ext>
     </p:extLst>
   </p:cSld>
@@ -11568,8 +11660,8 @@
         </p:blipFill>
         <p:spPr>
           <a:xfrm>
-            <a:off x="2193590" y="190317"/>
-            <a:ext cx="7123726" cy="5753281"/>
+            <a:off x="2581835" y="242457"/>
+            <a:ext cx="4405723" cy="5846761"/>
           </a:xfrm>
           <a:prstGeom prst="rect">
             <a:avLst/>
@@ -11584,8 +11676,8 @@
         </p:nvSpPr>
         <p:spPr>
           <a:xfrm>
-            <a:off x="9381423" y="5781441"/>
-            <a:ext cx="1860317" cy="307777"/>
+            <a:off x="7183209" y="5709562"/>
+            <a:ext cx="1641090" cy="307777"/>
           </a:xfrm>
           <a:prstGeom prst="rect">
             <a:avLst/>
@@ -11603,15 +11695,7 @@
             </a:r>
             <a:r>
               <a:rPr lang="en-US" sz="1400" dirty="0" smtClean="0"/>
-              <a:t>redit: </a:t>
-            </a:r>
-            <a:r>
-              <a:rPr lang="en-US" sz="1400" dirty="0" err="1" smtClean="0"/>
-              <a:t>Pohlmann</a:t>
-            </a:r>
-            <a:r>
-              <a:rPr lang="en-US" sz="1400" dirty="0" smtClean="0"/>
-              <a:t> 2011</a:t>
+              <a:t>redit: Handel 1989</a:t>
             </a:r>
             <a:endParaRPr lang="en-US" sz="1400" dirty="0"/>
           </a:p>
@@ -11620,7 +11704,7 @@
     </p:spTree>
     <p:extLst>
       <p:ext uri="{BB962C8B-B14F-4D97-AF65-F5344CB8AC3E}">
-        <p14:creationId xmlns:p14="http://schemas.microsoft.com/office/powerpoint/2010/main" val="1674267801"/>
+        <p14:creationId xmlns:p14="http://schemas.microsoft.com/office/powerpoint/2010/main" val="996462877"/>
       </p:ext>
     </p:extLst>
   </p:cSld>
@@ -11780,10 +11864,111 @@
           </a:p>
         </p:txBody>
       </p:sp>
+      <p:pic>
+        <p:nvPicPr>
+          <p:cNvPr id="2" name="Picture 1"/>
+          <p:cNvPicPr>
+            <a:picLocks noChangeAspect="1"/>
+          </p:cNvPicPr>
+          <p:nvPr/>
+        </p:nvPicPr>
+        <p:blipFill>
+          <a:blip r:embed="rId4">
+            <a:extLst>
+              <a:ext uri="{28A0092B-C50C-407E-A947-70E740481C1C}">
+                <a14:useLocalDpi xmlns:a14="http://schemas.microsoft.com/office/drawing/2010/main" val="0"/>
+              </a:ext>
+            </a:extLst>
+          </a:blip>
+          <a:stretch>
+            <a:fillRect/>
+          </a:stretch>
+        </p:blipFill>
+        <p:spPr>
+          <a:xfrm>
+            <a:off x="1182334" y="253195"/>
+            <a:ext cx="3116927" cy="5800165"/>
+          </a:xfrm>
+          <a:prstGeom prst="rect">
+            <a:avLst/>
+          </a:prstGeom>
+        </p:spPr>
+      </p:pic>
+      <p:sp>
+        <p:nvSpPr>
+          <p:cNvPr id="6" name="Rectangle 5"/>
+          <p:cNvSpPr/>
+          <p:nvPr/>
+        </p:nvSpPr>
+        <p:spPr>
+          <a:xfrm>
+            <a:off x="9937235" y="5709562"/>
+            <a:ext cx="1860317" cy="307777"/>
+          </a:xfrm>
+          <a:prstGeom prst="rect">
+            <a:avLst/>
+          </a:prstGeom>
+        </p:spPr>
+        <p:txBody>
+          <a:bodyPr wrap="none">
+            <a:spAutoFit/>
+          </a:bodyPr>
+          <a:lstStyle/>
+          <a:p>
+            <a:r>
+              <a:rPr lang="en-US" sz="1400" dirty="0"/>
+              <a:t>C</a:t>
+            </a:r>
+            <a:r>
+              <a:rPr lang="en-US" sz="1400" dirty="0" smtClean="0"/>
+              <a:t>redit: </a:t>
+            </a:r>
+            <a:r>
+              <a:rPr lang="en-US" sz="1400" dirty="0" err="1" smtClean="0"/>
+              <a:t>Pohlmann</a:t>
+            </a:r>
+            <a:r>
+              <a:rPr lang="en-US" sz="1400" dirty="0" smtClean="0"/>
+              <a:t> 2011</a:t>
+            </a:r>
+            <a:endParaRPr lang="en-US" sz="1400" dirty="0"/>
+          </a:p>
+        </p:txBody>
+      </p:sp>
+      <p:pic>
+        <p:nvPicPr>
+          <p:cNvPr id="8" name="Picture 7"/>
+          <p:cNvPicPr>
+            <a:picLocks noChangeAspect="1"/>
+          </p:cNvPicPr>
+          <p:nvPr/>
+        </p:nvPicPr>
+        <p:blipFill>
+          <a:blip r:embed="rId5">
+            <a:extLst>
+              <a:ext uri="{28A0092B-C50C-407E-A947-70E740481C1C}">
+                <a14:useLocalDpi xmlns:a14="http://schemas.microsoft.com/office/drawing/2010/main" val="0"/>
+              </a:ext>
+            </a:extLst>
+          </a:blip>
+          <a:stretch>
+            <a:fillRect/>
+          </a:stretch>
+        </p:blipFill>
+        <p:spPr>
+          <a:xfrm>
+            <a:off x="4591037" y="1971720"/>
+            <a:ext cx="7206515" cy="2999118"/>
+          </a:xfrm>
+          <a:prstGeom prst="rect">
+            <a:avLst/>
+          </a:prstGeom>
+        </p:spPr>
+      </p:pic>
     </p:spTree>
     <p:extLst>
       <p:ext uri="{BB962C8B-B14F-4D97-AF65-F5344CB8AC3E}">
-        <p14:creationId xmlns:p14="http://schemas.microsoft.com/office/powerpoint/2010/main" val="1013046301"/>
+        <p14:creationId xmlns:p14="http://schemas.microsoft.com/office/powerpoint/2010/main" val="1284651165"/>
       </p:ext>
     </p:extLst>
   </p:cSld>
@@ -11817,185 +12002,6 @@
           <a:chExt cx="0" cy="0"/>
         </a:xfrm>
       </p:grpSpPr>
-      <p:sp>
-        <p:nvSpPr>
-          <p:cNvPr id="2" name="Title 1"/>
-          <p:cNvSpPr>
-            <a:spLocks noGrp="1"/>
-          </p:cNvSpPr>
-          <p:nvPr>
-            <p:ph type="title"/>
-          </p:nvPr>
-        </p:nvSpPr>
-        <p:spPr/>
-        <p:txBody>
-          <a:bodyPr/>
-          <a:lstStyle/>
-          <a:p>
-            <a:r>
-              <a:rPr lang="en-US" dirty="0" smtClean="0">
-                <a:solidFill>
-                  <a:schemeClr val="bg2">
-                    <a:lumMod val="25000"/>
-                  </a:schemeClr>
-                </a:solidFill>
-              </a:rPr>
-              <a:t>Digital audio terms</a:t>
-            </a:r>
-            <a:endParaRPr lang="en-US" dirty="0">
-              <a:solidFill>
-                <a:schemeClr val="bg2">
-                  <a:lumMod val="25000"/>
-                </a:schemeClr>
-              </a:solidFill>
-            </a:endParaRPr>
-          </a:p>
-        </p:txBody>
-      </p:sp>
-      <p:sp>
-        <p:nvSpPr>
-          <p:cNvPr id="9" name="Content Placeholder 8"/>
-          <p:cNvSpPr>
-            <a:spLocks noGrp="1"/>
-          </p:cNvSpPr>
-          <p:nvPr>
-            <p:ph idx="1"/>
-          </p:nvPr>
-        </p:nvSpPr>
-        <p:spPr/>
-        <p:txBody>
-          <a:bodyPr>
-            <a:normAutofit/>
-          </a:bodyPr>
-          <a:lstStyle/>
-          <a:p>
-            <a:pPr>
-              <a:lnSpc>
-                <a:spcPct val="110000"/>
-              </a:lnSpc>
-            </a:pPr>
-            <a:r>
-              <a:rPr lang="en-US" sz="2600" dirty="0" smtClean="0">
-                <a:solidFill>
-                  <a:schemeClr val="bg2">
-                    <a:lumMod val="25000"/>
-                  </a:schemeClr>
-                </a:solidFill>
-              </a:rPr>
-              <a:t>sample </a:t>
-            </a:r>
-            <a:r>
-              <a:rPr lang="en-US" sz="2600" dirty="0">
-                <a:solidFill>
-                  <a:schemeClr val="bg2">
-                    <a:lumMod val="25000"/>
-                  </a:schemeClr>
-                </a:solidFill>
-              </a:rPr>
-              <a:t>rate: The number of audio samples per second in a digital audio </a:t>
-            </a:r>
-            <a:r>
-              <a:rPr lang="en-US" sz="2600" dirty="0" smtClean="0">
-                <a:solidFill>
-                  <a:schemeClr val="bg2">
-                    <a:lumMod val="25000"/>
-                  </a:schemeClr>
-                </a:solidFill>
-              </a:rPr>
-              <a:t>file.</a:t>
-            </a:r>
-          </a:p>
-          <a:p>
-            <a:pPr>
-              <a:lnSpc>
-                <a:spcPct val="110000"/>
-              </a:lnSpc>
-            </a:pPr>
-            <a:r>
-              <a:rPr lang="en-US" sz="2600" dirty="0" smtClean="0">
-                <a:solidFill>
-                  <a:schemeClr val="bg2">
-                    <a:lumMod val="25000"/>
-                  </a:schemeClr>
-                </a:solidFill>
-              </a:rPr>
-              <a:t>bit depth: The number of bits used to represent each sample, which corresponds to dynamic range of a given file</a:t>
-            </a:r>
-          </a:p>
-          <a:p>
-            <a:pPr>
-              <a:lnSpc>
-                <a:spcPct val="110000"/>
-              </a:lnSpc>
-            </a:pPr>
-            <a:r>
-              <a:rPr lang="en-US" sz="2600" dirty="0" smtClean="0">
-                <a:solidFill>
-                  <a:schemeClr val="bg2">
-                    <a:lumMod val="25000"/>
-                  </a:schemeClr>
-                </a:solidFill>
-              </a:rPr>
-              <a:t>bit </a:t>
-            </a:r>
-            <a:r>
-              <a:rPr lang="en-US" sz="2600" dirty="0">
-                <a:solidFill>
-                  <a:schemeClr val="bg2">
-                    <a:lumMod val="25000"/>
-                  </a:schemeClr>
-                </a:solidFill>
-              </a:rPr>
-              <a:t>rate: The number of bits used to encode a unit of time in a digital audio file</a:t>
-            </a:r>
-            <a:r>
-              <a:rPr lang="en-US" sz="2600" dirty="0" smtClean="0">
-                <a:solidFill>
-                  <a:schemeClr val="bg2">
-                    <a:lumMod val="25000"/>
-                  </a:schemeClr>
-                </a:solidFill>
-              </a:rPr>
-              <a:t>.</a:t>
-            </a:r>
-            <a:endParaRPr lang="en-US" sz="2600" dirty="0">
-              <a:solidFill>
-                <a:schemeClr val="bg2">
-                  <a:lumMod val="25000"/>
-                </a:schemeClr>
-              </a:solidFill>
-            </a:endParaRPr>
-          </a:p>
-          <a:p>
-            <a:pPr>
-              <a:lnSpc>
-                <a:spcPct val="110000"/>
-              </a:lnSpc>
-            </a:pPr>
-            <a:endParaRPr lang="en-US" sz="2600" dirty="0">
-              <a:solidFill>
-                <a:schemeClr val="bg2">
-                  <a:lumMod val="25000"/>
-                </a:schemeClr>
-              </a:solidFill>
-            </a:endParaRPr>
-          </a:p>
-          <a:p>
-            <a:pPr>
-              <a:lnSpc>
-                <a:spcPct val="110000"/>
-              </a:lnSpc>
-            </a:pPr>
-            <a:endParaRPr lang="en-US" sz="2600" dirty="0" smtClean="0">
-              <a:solidFill>
-                <a:schemeClr val="bg2">
-                  <a:lumMod val="25000"/>
-                </a:schemeClr>
-              </a:solidFill>
-            </a:endParaRPr>
-          </a:p>
-        </p:txBody>
-      </p:sp>
       <p:pic>
         <p:nvPicPr>
           <p:cNvPr id="4" name="Picture 3"/>
@@ -12122,36 +12128,81 @@
           </a:p>
         </p:txBody>
       </p:sp>
-      <p:sp>
-        <p:nvSpPr>
-          <p:cNvPr id="3" name="TextBox 2"/>
-          <p:cNvSpPr txBox="1"/>
+      <p:pic>
+        <p:nvPicPr>
+          <p:cNvPr id="2" name="Picture 1"/>
+          <p:cNvPicPr>
+            <a:picLocks noChangeAspect="1"/>
+          </p:cNvPicPr>
           <p:nvPr/>
-        </p:nvSpPr>
+        </p:nvPicPr>
+        <p:blipFill>
+          <a:blip r:embed="rId4">
+            <a:extLst>
+              <a:ext uri="{28A0092B-C50C-407E-A947-70E740481C1C}">
+                <a14:useLocalDpi xmlns:a14="http://schemas.microsoft.com/office/drawing/2010/main" val="0"/>
+              </a:ext>
+            </a:extLst>
+          </a:blip>
+          <a:stretch>
+            <a:fillRect/>
+          </a:stretch>
+        </p:blipFill>
         <p:spPr>
           <a:xfrm>
-            <a:off x="1881051" y="2272937"/>
-            <a:ext cx="184731" cy="369332"/>
+            <a:off x="2193590" y="190317"/>
+            <a:ext cx="7123726" cy="5753281"/>
           </a:xfrm>
           <a:prstGeom prst="rect">
             <a:avLst/>
           </a:prstGeom>
-          <a:noFill/>
         </p:spPr>
-        <p:txBody>
-          <a:bodyPr wrap="none" rtlCol="0">
+      </p:pic>
+      <p:sp>
+        <p:nvSpPr>
+          <p:cNvPr id="6" name="Rectangle 5"/>
+          <p:cNvSpPr/>
+          <p:nvPr/>
+        </p:nvSpPr>
+        <p:spPr>
+          <a:xfrm>
+            <a:off x="9381423" y="5781441"/>
+            <a:ext cx="1860317" cy="307777"/>
+          </a:xfrm>
+          <a:prstGeom prst="rect">
+            <a:avLst/>
+          </a:prstGeom>
+        </p:spPr>
+        <p:txBody>
+          <a:bodyPr wrap="none">
             <a:spAutoFit/>
           </a:bodyPr>
           <a:lstStyle/>
           <a:p>
-            <a:endParaRPr lang="en-US" dirty="0"/>
+            <a:r>
+              <a:rPr lang="en-US" sz="1400" dirty="0"/>
+              <a:t>C</a:t>
+            </a:r>
+            <a:r>
+              <a:rPr lang="en-US" sz="1400" dirty="0" smtClean="0"/>
+              <a:t>redit: </a:t>
+            </a:r>
+            <a:r>
+              <a:rPr lang="en-US" sz="1400" dirty="0" err="1" smtClean="0"/>
+              <a:t>Pohlmann</a:t>
+            </a:r>
+            <a:r>
+              <a:rPr lang="en-US" sz="1400" dirty="0" smtClean="0"/>
+              <a:t> 2011</a:t>
+            </a:r>
+            <a:endParaRPr lang="en-US" sz="1400" dirty="0"/>
           </a:p>
         </p:txBody>
       </p:sp>
     </p:spTree>
     <p:extLst>
       <p:ext uri="{BB962C8B-B14F-4D97-AF65-F5344CB8AC3E}">
-        <p14:creationId xmlns:p14="http://schemas.microsoft.com/office/powerpoint/2010/main" val="631286519"/>
+        <p14:creationId xmlns:p14="http://schemas.microsoft.com/office/powerpoint/2010/main" val="1674267801"/>
       </p:ext>
     </p:extLst>
   </p:cSld>
@@ -12314,7 +12365,7 @@
     </p:spTree>
     <p:extLst>
       <p:ext uri="{BB962C8B-B14F-4D97-AF65-F5344CB8AC3E}">
-        <p14:creationId xmlns:p14="http://schemas.microsoft.com/office/powerpoint/2010/main" val="1546523706"/>
+        <p14:creationId xmlns:p14="http://schemas.microsoft.com/office/powerpoint/2010/main" val="1013046301"/>
       </p:ext>
     </p:extLst>
   </p:cSld>
@@ -12348,6 +12399,185 @@
           <a:chExt cx="0" cy="0"/>
         </a:xfrm>
       </p:grpSpPr>
+      <p:sp>
+        <p:nvSpPr>
+          <p:cNvPr id="2" name="Title 1"/>
+          <p:cNvSpPr>
+            <a:spLocks noGrp="1"/>
+          </p:cNvSpPr>
+          <p:nvPr>
+            <p:ph type="title"/>
+          </p:nvPr>
+        </p:nvSpPr>
+        <p:spPr/>
+        <p:txBody>
+          <a:bodyPr/>
+          <a:lstStyle/>
+          <a:p>
+            <a:r>
+              <a:rPr lang="en-US" dirty="0" smtClean="0">
+                <a:solidFill>
+                  <a:schemeClr val="bg2">
+                    <a:lumMod val="25000"/>
+                  </a:schemeClr>
+                </a:solidFill>
+              </a:rPr>
+              <a:t>Digital audio terms</a:t>
+            </a:r>
+            <a:endParaRPr lang="en-US" dirty="0">
+              <a:solidFill>
+                <a:schemeClr val="bg2">
+                  <a:lumMod val="25000"/>
+                </a:schemeClr>
+              </a:solidFill>
+            </a:endParaRPr>
+          </a:p>
+        </p:txBody>
+      </p:sp>
+      <p:sp>
+        <p:nvSpPr>
+          <p:cNvPr id="9" name="Content Placeholder 8"/>
+          <p:cNvSpPr>
+            <a:spLocks noGrp="1"/>
+          </p:cNvSpPr>
+          <p:nvPr>
+            <p:ph idx="1"/>
+          </p:nvPr>
+        </p:nvSpPr>
+        <p:spPr/>
+        <p:txBody>
+          <a:bodyPr>
+            <a:normAutofit/>
+          </a:bodyPr>
+          <a:lstStyle/>
+          <a:p>
+            <a:pPr>
+              <a:lnSpc>
+                <a:spcPct val="110000"/>
+              </a:lnSpc>
+            </a:pPr>
+            <a:r>
+              <a:rPr lang="en-US" sz="2600" dirty="0" smtClean="0">
+                <a:solidFill>
+                  <a:schemeClr val="bg2">
+                    <a:lumMod val="25000"/>
+                  </a:schemeClr>
+                </a:solidFill>
+              </a:rPr>
+              <a:t>sample </a:t>
+            </a:r>
+            <a:r>
+              <a:rPr lang="en-US" sz="2600" dirty="0">
+                <a:solidFill>
+                  <a:schemeClr val="bg2">
+                    <a:lumMod val="25000"/>
+                  </a:schemeClr>
+                </a:solidFill>
+              </a:rPr>
+              <a:t>rate: The number of audio samples per second in a digital audio </a:t>
+            </a:r>
+            <a:r>
+              <a:rPr lang="en-US" sz="2600" dirty="0" smtClean="0">
+                <a:solidFill>
+                  <a:schemeClr val="bg2">
+                    <a:lumMod val="25000"/>
+                  </a:schemeClr>
+                </a:solidFill>
+              </a:rPr>
+              <a:t>file.</a:t>
+            </a:r>
+          </a:p>
+          <a:p>
+            <a:pPr>
+              <a:lnSpc>
+                <a:spcPct val="110000"/>
+              </a:lnSpc>
+            </a:pPr>
+            <a:r>
+              <a:rPr lang="en-US" sz="2600" dirty="0" smtClean="0">
+                <a:solidFill>
+                  <a:schemeClr val="bg2">
+                    <a:lumMod val="25000"/>
+                  </a:schemeClr>
+                </a:solidFill>
+              </a:rPr>
+              <a:t>bit depth: The number of bits used to represent each sample, which corresponds to dynamic range of a given file</a:t>
+            </a:r>
+          </a:p>
+          <a:p>
+            <a:pPr>
+              <a:lnSpc>
+                <a:spcPct val="110000"/>
+              </a:lnSpc>
+            </a:pPr>
+            <a:r>
+              <a:rPr lang="en-US" sz="2600" dirty="0" smtClean="0">
+                <a:solidFill>
+                  <a:schemeClr val="bg2">
+                    <a:lumMod val="25000"/>
+                  </a:schemeClr>
+                </a:solidFill>
+              </a:rPr>
+              <a:t>bit </a:t>
+            </a:r>
+            <a:r>
+              <a:rPr lang="en-US" sz="2600" dirty="0">
+                <a:solidFill>
+                  <a:schemeClr val="bg2">
+                    <a:lumMod val="25000"/>
+                  </a:schemeClr>
+                </a:solidFill>
+              </a:rPr>
+              <a:t>rate: The number of bits used to encode a unit of time in a digital audio file</a:t>
+            </a:r>
+            <a:r>
+              <a:rPr lang="en-US" sz="2600" dirty="0" smtClean="0">
+                <a:solidFill>
+                  <a:schemeClr val="bg2">
+                    <a:lumMod val="25000"/>
+                  </a:schemeClr>
+                </a:solidFill>
+              </a:rPr>
+              <a:t>.</a:t>
+            </a:r>
+            <a:endParaRPr lang="en-US" sz="2600" dirty="0">
+              <a:solidFill>
+                <a:schemeClr val="bg2">
+                  <a:lumMod val="25000"/>
+                </a:schemeClr>
+              </a:solidFill>
+            </a:endParaRPr>
+          </a:p>
+          <a:p>
+            <a:pPr>
+              <a:lnSpc>
+                <a:spcPct val="110000"/>
+              </a:lnSpc>
+            </a:pPr>
+            <a:endParaRPr lang="en-US" sz="2600" dirty="0">
+              <a:solidFill>
+                <a:schemeClr val="bg2">
+                  <a:lumMod val="25000"/>
+                </a:schemeClr>
+              </a:solidFill>
+            </a:endParaRPr>
+          </a:p>
+          <a:p>
+            <a:pPr>
+              <a:lnSpc>
+                <a:spcPct val="110000"/>
+              </a:lnSpc>
+            </a:pPr>
+            <a:endParaRPr lang="en-US" sz="2600" dirty="0" smtClean="0">
+              <a:solidFill>
+                <a:schemeClr val="bg2">
+                  <a:lumMod val="25000"/>
+                </a:schemeClr>
+              </a:solidFill>
+            </a:endParaRPr>
+          </a:p>
+        </p:txBody>
+      </p:sp>
       <p:pic>
         <p:nvPicPr>
           <p:cNvPr id="4" name="Picture 3"/>
@@ -12476,44 +12706,34 @@
       </p:sp>
       <p:sp>
         <p:nvSpPr>
-          <p:cNvPr id="6" name="Rectangle 5"/>
-          <p:cNvSpPr/>
+          <p:cNvPr id="3" name="TextBox 2"/>
+          <p:cNvSpPr txBox="1"/>
           <p:nvPr/>
         </p:nvSpPr>
         <p:spPr>
           <a:xfrm>
-            <a:off x="7183209" y="5709562"/>
-            <a:ext cx="2266711" cy="307777"/>
+            <a:off x="1881051" y="2272937"/>
+            <a:ext cx="184731" cy="369332"/>
           </a:xfrm>
           <a:prstGeom prst="rect">
             <a:avLst/>
           </a:prstGeom>
+          <a:noFill/>
         </p:spPr>
         <p:txBody>
-          <a:bodyPr wrap="none">
+          <a:bodyPr wrap="none" rtlCol="0">
             <a:spAutoFit/>
           </a:bodyPr>
           <a:lstStyle/>
           <a:p>
-            <a:r>
-              <a:rPr lang="en-US" sz="1400" dirty="0"/>
-              <a:t>C</a:t>
-            </a:r>
-            <a:r>
-              <a:rPr lang="en-US" sz="1400" dirty="0" smtClean="0"/>
-              <a:t>redit: </a:t>
-            </a:r>
-            <a:r>
-              <a:rPr lang="en-US" sz="1400" dirty="0"/>
-              <a:t>Handel David Forsyth</a:t>
-            </a:r>
+            <a:endParaRPr lang="en-US" dirty="0"/>
           </a:p>
         </p:txBody>
       </p:sp>
     </p:spTree>
     <p:extLst>
       <p:ext uri="{BB962C8B-B14F-4D97-AF65-F5344CB8AC3E}">
-        <p14:creationId xmlns:p14="http://schemas.microsoft.com/office/powerpoint/2010/main" val="650392948"/>
+        <p14:creationId xmlns:p14="http://schemas.microsoft.com/office/powerpoint/2010/main" val="631286519"/>
       </p:ext>
     </p:extLst>
   </p:cSld>
@@ -12676,7 +12896,7 @@
     </p:spTree>
     <p:extLst>
       <p:ext uri="{BB962C8B-B14F-4D97-AF65-F5344CB8AC3E}">
-        <p14:creationId xmlns:p14="http://schemas.microsoft.com/office/powerpoint/2010/main" val="1733783639"/>
+        <p14:creationId xmlns:p14="http://schemas.microsoft.com/office/powerpoint/2010/main" val="1546523706"/>
       </p:ext>
     </p:extLst>
   </p:cSld>
@@ -12694,1276 +12914,6 @@
 </file>
 
 <file path=ppt/slides/slide28.xml><?xml version="1.0" encoding="utf-8"?>
-<p:sld xmlns:a="http://schemas.openxmlformats.org/drawingml/2006/main" xmlns:r="http://schemas.openxmlformats.org/officeDocument/2006/relationships" xmlns:p="http://schemas.openxmlformats.org/presentationml/2006/main">
-  <p:cSld>
-    <p:spTree>
-      <p:nvGrpSpPr>
-        <p:cNvPr id="1" name=""/>
-        <p:cNvGrpSpPr/>
-        <p:nvPr/>
-      </p:nvGrpSpPr>
-      <p:grpSpPr>
-        <a:xfrm>
-          <a:off x="0" y="0"/>
-          <a:ext cx="0" cy="0"/>
-          <a:chOff x="0" y="0"/>
-          <a:chExt cx="0" cy="0"/>
-        </a:xfrm>
-      </p:grpSpPr>
-      <p:sp>
-        <p:nvSpPr>
-          <p:cNvPr id="2" name="Title 1"/>
-          <p:cNvSpPr>
-            <a:spLocks noGrp="1"/>
-          </p:cNvSpPr>
-          <p:nvPr>
-            <p:ph type="title"/>
-          </p:nvPr>
-        </p:nvSpPr>
-        <p:spPr/>
-        <p:txBody>
-          <a:bodyPr/>
-          <a:lstStyle/>
-          <a:p>
-            <a:r>
-              <a:rPr lang="en-US" dirty="0" smtClean="0">
-                <a:solidFill>
-                  <a:schemeClr val="bg2">
-                    <a:lumMod val="25000"/>
-                  </a:schemeClr>
-                </a:solidFill>
-              </a:rPr>
-              <a:t>Title</a:t>
-            </a:r>
-            <a:endParaRPr lang="en-US" dirty="0">
-              <a:solidFill>
-                <a:schemeClr val="bg2">
-                  <a:lumMod val="25000"/>
-                </a:schemeClr>
-              </a:solidFill>
-            </a:endParaRPr>
-          </a:p>
-        </p:txBody>
-      </p:sp>
-      <p:sp>
-        <p:nvSpPr>
-          <p:cNvPr id="9" name="Content Placeholder 8"/>
-          <p:cNvSpPr>
-            <a:spLocks noGrp="1"/>
-          </p:cNvSpPr>
-          <p:nvPr>
-            <p:ph idx="1"/>
-          </p:nvPr>
-        </p:nvSpPr>
-        <p:spPr/>
-        <p:txBody>
-          <a:bodyPr>
-            <a:normAutofit/>
-          </a:bodyPr>
-          <a:lstStyle/>
-          <a:p>
-            <a:pPr>
-              <a:lnSpc>
-                <a:spcPct val="110000"/>
-              </a:lnSpc>
-            </a:pPr>
-            <a:r>
-              <a:rPr lang="en-US" sz="2600" dirty="0" smtClean="0">
-                <a:solidFill>
-                  <a:schemeClr val="bg2">
-                    <a:lumMod val="25000"/>
-                  </a:schemeClr>
-                </a:solidFill>
-              </a:rPr>
-              <a:t>1</a:t>
-            </a:r>
-          </a:p>
-          <a:p>
-            <a:pPr>
-              <a:lnSpc>
-                <a:spcPct val="110000"/>
-              </a:lnSpc>
-            </a:pPr>
-            <a:r>
-              <a:rPr lang="en-US" sz="2600" dirty="0" smtClean="0">
-                <a:solidFill>
-                  <a:schemeClr val="bg2">
-                    <a:lumMod val="25000"/>
-                  </a:schemeClr>
-                </a:solidFill>
-              </a:rPr>
-              <a:t>2</a:t>
-            </a:r>
-          </a:p>
-          <a:p>
-            <a:pPr>
-              <a:lnSpc>
-                <a:spcPct val="110000"/>
-              </a:lnSpc>
-            </a:pPr>
-            <a:r>
-              <a:rPr lang="en-US" sz="2600" dirty="0" smtClean="0">
-                <a:solidFill>
-                  <a:schemeClr val="bg2">
-                    <a:lumMod val="25000"/>
-                  </a:schemeClr>
-                </a:solidFill>
-              </a:rPr>
-              <a:t>3</a:t>
-            </a:r>
-          </a:p>
-          <a:p>
-            <a:pPr>
-              <a:lnSpc>
-                <a:spcPct val="110000"/>
-              </a:lnSpc>
-            </a:pPr>
-            <a:r>
-              <a:rPr lang="en-US" sz="2600" dirty="0" smtClean="0">
-                <a:solidFill>
-                  <a:schemeClr val="bg2">
-                    <a:lumMod val="25000"/>
-                  </a:schemeClr>
-                </a:solidFill>
-              </a:rPr>
-              <a:t>4</a:t>
-            </a:r>
-          </a:p>
-          <a:p>
-            <a:pPr>
-              <a:lnSpc>
-                <a:spcPct val="110000"/>
-              </a:lnSpc>
-            </a:pPr>
-            <a:endParaRPr lang="en-US" sz="2600" dirty="0" smtClean="0">
-              <a:solidFill>
-                <a:schemeClr val="bg2">
-                  <a:lumMod val="25000"/>
-                </a:schemeClr>
-              </a:solidFill>
-            </a:endParaRPr>
-          </a:p>
-          <a:p>
-            <a:pPr>
-              <a:lnSpc>
-                <a:spcPct val="110000"/>
-              </a:lnSpc>
-            </a:pPr>
-            <a:endParaRPr lang="en-US" sz="2600" dirty="0" smtClean="0">
-              <a:solidFill>
-                <a:schemeClr val="bg2">
-                  <a:lumMod val="25000"/>
-                </a:schemeClr>
-              </a:solidFill>
-            </a:endParaRPr>
-          </a:p>
-          <a:p>
-            <a:pPr>
-              <a:lnSpc>
-                <a:spcPct val="110000"/>
-              </a:lnSpc>
-            </a:pPr>
-            <a:endParaRPr lang="en-US" sz="2600" dirty="0" smtClean="0">
-              <a:solidFill>
-                <a:schemeClr val="bg2">
-                  <a:lumMod val="25000"/>
-                </a:schemeClr>
-              </a:solidFill>
-            </a:endParaRPr>
-          </a:p>
-        </p:txBody>
-      </p:sp>
-      <p:pic>
-        <p:nvPicPr>
-          <p:cNvPr id="4" name="Picture 3"/>
-          <p:cNvPicPr>
-            <a:picLocks noChangeAspect="1"/>
-          </p:cNvPicPr>
-          <p:nvPr/>
-        </p:nvPicPr>
-        <p:blipFill>
-          <a:blip r:embed="rId3">
-            <a:alphaModFix amt="60000"/>
-            <a:extLst>
-              <a:ext uri="{28A0092B-C50C-407E-A947-70E740481C1C}">
-                <a14:useLocalDpi xmlns:a14="http://schemas.microsoft.com/office/drawing/2010/main" val="0"/>
-              </a:ext>
-            </a:extLst>
-          </a:blip>
-          <a:stretch>
-            <a:fillRect/>
-          </a:stretch>
-        </p:blipFill>
-        <p:spPr>
-          <a:xfrm>
-            <a:off x="173384" y="6417255"/>
-            <a:ext cx="1695174" cy="270123"/>
-          </a:xfrm>
-          <a:prstGeom prst="rect">
-            <a:avLst/>
-          </a:prstGeom>
-        </p:spPr>
-      </p:pic>
-      <p:cxnSp>
-        <p:nvCxnSpPr>
-          <p:cNvPr id="10" name="Straight Connector 9"/>
-          <p:cNvCxnSpPr/>
-          <p:nvPr/>
-        </p:nvCxnSpPr>
-        <p:spPr>
-          <a:xfrm>
-            <a:off x="0" y="6253236"/>
-            <a:ext cx="12192000" cy="0"/>
-          </a:xfrm>
-          <a:prstGeom prst="line">
-            <a:avLst/>
-          </a:prstGeom>
-          <a:ln>
-            <a:solidFill>
-              <a:schemeClr val="bg2">
-                <a:lumMod val="75000"/>
-              </a:schemeClr>
-            </a:solidFill>
-          </a:ln>
-        </p:spPr>
-        <p:style>
-          <a:lnRef idx="1">
-            <a:schemeClr val="dk1"/>
-          </a:lnRef>
-          <a:fillRef idx="0">
-            <a:schemeClr val="dk1"/>
-          </a:fillRef>
-          <a:effectRef idx="0">
-            <a:schemeClr val="dk1"/>
-          </a:effectRef>
-          <a:fontRef idx="minor">
-            <a:schemeClr val="tx1"/>
-          </a:fontRef>
-        </p:style>
-      </p:cxnSp>
-      <p:sp>
-        <p:nvSpPr>
-          <p:cNvPr id="13" name="TextBox 12"/>
-          <p:cNvSpPr txBox="1"/>
-          <p:nvPr/>
-        </p:nvSpPr>
-        <p:spPr>
-          <a:xfrm>
-            <a:off x="9245600" y="6417255"/>
-            <a:ext cx="2946400" cy="276999"/>
-          </a:xfrm>
-          <a:prstGeom prst="rect">
-            <a:avLst/>
-          </a:prstGeom>
-          <a:noFill/>
-        </p:spPr>
-        <p:txBody>
-          <a:bodyPr wrap="square" rtlCol="0">
-            <a:spAutoFit/>
-          </a:bodyPr>
-          <a:lstStyle/>
-          <a:p>
-            <a:r>
-              <a:rPr lang="en-US" sz="1200" smtClean="0">
-                <a:solidFill>
-                  <a:schemeClr val="tx1">
-                    <a:lumMod val="65000"/>
-                    <a:lumOff val="35000"/>
-                    <a:alpha val="60000"/>
-                  </a:schemeClr>
-                </a:solidFill>
-              </a:rPr>
-              <a:t>Stephen McLaughlin  /  @</a:t>
-            </a:r>
-            <a:r>
-              <a:rPr lang="en-US" sz="1200" err="1" smtClean="0">
-                <a:solidFill>
-                  <a:schemeClr val="tx1">
-                    <a:lumMod val="65000"/>
-                    <a:lumOff val="35000"/>
-                    <a:alpha val="60000"/>
-                  </a:schemeClr>
-                </a:solidFill>
-              </a:rPr>
-              <a:t>SteveMcLaugh</a:t>
-            </a:r>
-            <a:endParaRPr lang="en-US" sz="1200">
-              <a:solidFill>
-                <a:schemeClr val="tx1">
-                  <a:lumMod val="65000"/>
-                  <a:lumOff val="35000"/>
-                  <a:alpha val="60000"/>
-                </a:schemeClr>
-              </a:solidFill>
-            </a:endParaRPr>
-          </a:p>
-        </p:txBody>
-      </p:sp>
-    </p:spTree>
-    <p:extLst>
-      <p:ext uri="{BB962C8B-B14F-4D97-AF65-F5344CB8AC3E}">
-        <p14:creationId xmlns:p14="http://schemas.microsoft.com/office/powerpoint/2010/main" val="914368066"/>
-      </p:ext>
-    </p:extLst>
-  </p:cSld>
-  <p:clrMapOvr>
-    <a:masterClrMapping/>
-  </p:clrMapOvr>
-  <p:timing>
-    <p:tnLst>
-      <p:par>
-        <p:cTn id="1" dur="indefinite" restart="never" nodeType="tmRoot"/>
-      </p:par>
-    </p:tnLst>
-  </p:timing>
-</p:sld>
-</file>
-
-<file path=ppt/slides/slide29.xml><?xml version="1.0" encoding="utf-8"?>
-<p:sld xmlns:a="http://schemas.openxmlformats.org/drawingml/2006/main" xmlns:r="http://schemas.openxmlformats.org/officeDocument/2006/relationships" xmlns:p="http://schemas.openxmlformats.org/presentationml/2006/main">
-  <p:cSld>
-    <p:spTree>
-      <p:nvGrpSpPr>
-        <p:cNvPr id="1" name=""/>
-        <p:cNvGrpSpPr/>
-        <p:nvPr/>
-      </p:nvGrpSpPr>
-      <p:grpSpPr>
-        <a:xfrm>
-          <a:off x="0" y="0"/>
-          <a:ext cx="0" cy="0"/>
-          <a:chOff x="0" y="0"/>
-          <a:chExt cx="0" cy="0"/>
-        </a:xfrm>
-      </p:grpSpPr>
-      <p:sp>
-        <p:nvSpPr>
-          <p:cNvPr id="2" name="Title 1"/>
-          <p:cNvSpPr>
-            <a:spLocks noGrp="1"/>
-          </p:cNvSpPr>
-          <p:nvPr>
-            <p:ph type="title"/>
-          </p:nvPr>
-        </p:nvSpPr>
-        <p:spPr/>
-        <p:txBody>
-          <a:bodyPr/>
-          <a:lstStyle/>
-          <a:p>
-            <a:r>
-              <a:rPr lang="en-US" dirty="0" smtClean="0">
-                <a:solidFill>
-                  <a:schemeClr val="bg2">
-                    <a:lumMod val="25000"/>
-                  </a:schemeClr>
-                </a:solidFill>
-              </a:rPr>
-              <a:t>Title</a:t>
-            </a:r>
-            <a:endParaRPr lang="en-US" dirty="0">
-              <a:solidFill>
-                <a:schemeClr val="bg2">
-                  <a:lumMod val="25000"/>
-                </a:schemeClr>
-              </a:solidFill>
-            </a:endParaRPr>
-          </a:p>
-        </p:txBody>
-      </p:sp>
-      <p:sp>
-        <p:nvSpPr>
-          <p:cNvPr id="9" name="Content Placeholder 8"/>
-          <p:cNvSpPr>
-            <a:spLocks noGrp="1"/>
-          </p:cNvSpPr>
-          <p:nvPr>
-            <p:ph idx="1"/>
-          </p:nvPr>
-        </p:nvSpPr>
-        <p:spPr/>
-        <p:txBody>
-          <a:bodyPr>
-            <a:normAutofit/>
-          </a:bodyPr>
-          <a:lstStyle/>
-          <a:p>
-            <a:pPr>
-              <a:lnSpc>
-                <a:spcPct val="110000"/>
-              </a:lnSpc>
-            </a:pPr>
-            <a:r>
-              <a:rPr lang="en-US" sz="2600" dirty="0" smtClean="0">
-                <a:solidFill>
-                  <a:schemeClr val="bg2">
-                    <a:lumMod val="25000"/>
-                  </a:schemeClr>
-                </a:solidFill>
-              </a:rPr>
-              <a:t>1</a:t>
-            </a:r>
-          </a:p>
-          <a:p>
-            <a:pPr>
-              <a:lnSpc>
-                <a:spcPct val="110000"/>
-              </a:lnSpc>
-            </a:pPr>
-            <a:r>
-              <a:rPr lang="en-US" sz="2600" dirty="0" smtClean="0">
-                <a:solidFill>
-                  <a:schemeClr val="bg2">
-                    <a:lumMod val="25000"/>
-                  </a:schemeClr>
-                </a:solidFill>
-              </a:rPr>
-              <a:t>2</a:t>
-            </a:r>
-          </a:p>
-          <a:p>
-            <a:pPr>
-              <a:lnSpc>
-                <a:spcPct val="110000"/>
-              </a:lnSpc>
-            </a:pPr>
-            <a:r>
-              <a:rPr lang="en-US" sz="2600" dirty="0" smtClean="0">
-                <a:solidFill>
-                  <a:schemeClr val="bg2">
-                    <a:lumMod val="25000"/>
-                  </a:schemeClr>
-                </a:solidFill>
-              </a:rPr>
-              <a:t>3</a:t>
-            </a:r>
-          </a:p>
-          <a:p>
-            <a:pPr>
-              <a:lnSpc>
-                <a:spcPct val="110000"/>
-              </a:lnSpc>
-            </a:pPr>
-            <a:r>
-              <a:rPr lang="en-US" sz="2600" dirty="0" smtClean="0">
-                <a:solidFill>
-                  <a:schemeClr val="bg2">
-                    <a:lumMod val="25000"/>
-                  </a:schemeClr>
-                </a:solidFill>
-              </a:rPr>
-              <a:t>4</a:t>
-            </a:r>
-          </a:p>
-          <a:p>
-            <a:pPr>
-              <a:lnSpc>
-                <a:spcPct val="110000"/>
-              </a:lnSpc>
-            </a:pPr>
-            <a:endParaRPr lang="en-US" sz="2600" dirty="0" smtClean="0">
-              <a:solidFill>
-                <a:schemeClr val="bg2">
-                  <a:lumMod val="25000"/>
-                </a:schemeClr>
-              </a:solidFill>
-            </a:endParaRPr>
-          </a:p>
-          <a:p>
-            <a:pPr>
-              <a:lnSpc>
-                <a:spcPct val="110000"/>
-              </a:lnSpc>
-            </a:pPr>
-            <a:endParaRPr lang="en-US" sz="2600" dirty="0" smtClean="0">
-              <a:solidFill>
-                <a:schemeClr val="bg2">
-                  <a:lumMod val="25000"/>
-                </a:schemeClr>
-              </a:solidFill>
-            </a:endParaRPr>
-          </a:p>
-          <a:p>
-            <a:pPr>
-              <a:lnSpc>
-                <a:spcPct val="110000"/>
-              </a:lnSpc>
-            </a:pPr>
-            <a:endParaRPr lang="en-US" sz="2600" dirty="0" smtClean="0">
-              <a:solidFill>
-                <a:schemeClr val="bg2">
-                  <a:lumMod val="25000"/>
-                </a:schemeClr>
-              </a:solidFill>
-            </a:endParaRPr>
-          </a:p>
-        </p:txBody>
-      </p:sp>
-      <p:pic>
-        <p:nvPicPr>
-          <p:cNvPr id="4" name="Picture 3"/>
-          <p:cNvPicPr>
-            <a:picLocks noChangeAspect="1"/>
-          </p:cNvPicPr>
-          <p:nvPr/>
-        </p:nvPicPr>
-        <p:blipFill>
-          <a:blip r:embed="rId3">
-            <a:alphaModFix amt="60000"/>
-            <a:extLst>
-              <a:ext uri="{28A0092B-C50C-407E-A947-70E740481C1C}">
-                <a14:useLocalDpi xmlns:a14="http://schemas.microsoft.com/office/drawing/2010/main" val="0"/>
-              </a:ext>
-            </a:extLst>
-          </a:blip>
-          <a:stretch>
-            <a:fillRect/>
-          </a:stretch>
-        </p:blipFill>
-        <p:spPr>
-          <a:xfrm>
-            <a:off x="173384" y="6417255"/>
-            <a:ext cx="1695174" cy="270123"/>
-          </a:xfrm>
-          <a:prstGeom prst="rect">
-            <a:avLst/>
-          </a:prstGeom>
-        </p:spPr>
-      </p:pic>
-      <p:cxnSp>
-        <p:nvCxnSpPr>
-          <p:cNvPr id="10" name="Straight Connector 9"/>
-          <p:cNvCxnSpPr/>
-          <p:nvPr/>
-        </p:nvCxnSpPr>
-        <p:spPr>
-          <a:xfrm>
-            <a:off x="0" y="6253236"/>
-            <a:ext cx="12192000" cy="0"/>
-          </a:xfrm>
-          <a:prstGeom prst="line">
-            <a:avLst/>
-          </a:prstGeom>
-          <a:ln>
-            <a:solidFill>
-              <a:schemeClr val="bg2">
-                <a:lumMod val="75000"/>
-              </a:schemeClr>
-            </a:solidFill>
-          </a:ln>
-        </p:spPr>
-        <p:style>
-          <a:lnRef idx="1">
-            <a:schemeClr val="dk1"/>
-          </a:lnRef>
-          <a:fillRef idx="0">
-            <a:schemeClr val="dk1"/>
-          </a:fillRef>
-          <a:effectRef idx="0">
-            <a:schemeClr val="dk1"/>
-          </a:effectRef>
-          <a:fontRef idx="minor">
-            <a:schemeClr val="tx1"/>
-          </a:fontRef>
-        </p:style>
-      </p:cxnSp>
-      <p:sp>
-        <p:nvSpPr>
-          <p:cNvPr id="13" name="TextBox 12"/>
-          <p:cNvSpPr txBox="1"/>
-          <p:nvPr/>
-        </p:nvSpPr>
-        <p:spPr>
-          <a:xfrm>
-            <a:off x="9245600" y="6417255"/>
-            <a:ext cx="2946400" cy="276999"/>
-          </a:xfrm>
-          <a:prstGeom prst="rect">
-            <a:avLst/>
-          </a:prstGeom>
-          <a:noFill/>
-        </p:spPr>
-        <p:txBody>
-          <a:bodyPr wrap="square" rtlCol="0">
-            <a:spAutoFit/>
-          </a:bodyPr>
-          <a:lstStyle/>
-          <a:p>
-            <a:r>
-              <a:rPr lang="en-US" sz="1200" smtClean="0">
-                <a:solidFill>
-                  <a:schemeClr val="tx1">
-                    <a:lumMod val="65000"/>
-                    <a:lumOff val="35000"/>
-                    <a:alpha val="60000"/>
-                  </a:schemeClr>
-                </a:solidFill>
-              </a:rPr>
-              <a:t>Stephen McLaughlin  /  @</a:t>
-            </a:r>
-            <a:r>
-              <a:rPr lang="en-US" sz="1200" err="1" smtClean="0">
-                <a:solidFill>
-                  <a:schemeClr val="tx1">
-                    <a:lumMod val="65000"/>
-                    <a:lumOff val="35000"/>
-                    <a:alpha val="60000"/>
-                  </a:schemeClr>
-                </a:solidFill>
-              </a:rPr>
-              <a:t>SteveMcLaugh</a:t>
-            </a:r>
-            <a:endParaRPr lang="en-US" sz="1200">
-              <a:solidFill>
-                <a:schemeClr val="tx1">
-                  <a:lumMod val="65000"/>
-                  <a:lumOff val="35000"/>
-                  <a:alpha val="60000"/>
-                </a:schemeClr>
-              </a:solidFill>
-            </a:endParaRPr>
-          </a:p>
-        </p:txBody>
-      </p:sp>
-    </p:spTree>
-    <p:extLst>
-      <p:ext uri="{BB962C8B-B14F-4D97-AF65-F5344CB8AC3E}">
-        <p14:creationId xmlns:p14="http://schemas.microsoft.com/office/powerpoint/2010/main" val="1805733825"/>
-      </p:ext>
-    </p:extLst>
-  </p:cSld>
-  <p:clrMapOvr>
-    <a:masterClrMapping/>
-  </p:clrMapOvr>
-  <p:timing>
-    <p:tnLst>
-      <p:par>
-        <p:cTn id="1" dur="indefinite" restart="never" nodeType="tmRoot"/>
-      </p:par>
-    </p:tnLst>
-  </p:timing>
-</p:sld>
-</file>
-
-<file path=ppt/slides/slide3.xml><?xml version="1.0" encoding="utf-8"?>
-<p:sld xmlns:a="http://schemas.openxmlformats.org/drawingml/2006/main" xmlns:r="http://schemas.openxmlformats.org/officeDocument/2006/relationships" xmlns:p="http://schemas.openxmlformats.org/presentationml/2006/main">
-  <p:cSld>
-    <p:spTree>
-      <p:nvGrpSpPr>
-        <p:cNvPr id="1" name=""/>
-        <p:cNvGrpSpPr/>
-        <p:nvPr/>
-      </p:nvGrpSpPr>
-      <p:grpSpPr>
-        <a:xfrm>
-          <a:off x="0" y="0"/>
-          <a:ext cx="0" cy="0"/>
-          <a:chOff x="0" y="0"/>
-          <a:chExt cx="0" cy="0"/>
-        </a:xfrm>
-      </p:grpSpPr>
-      <p:sp>
-        <p:nvSpPr>
-          <p:cNvPr id="2" name="Title 1"/>
-          <p:cNvSpPr>
-            <a:spLocks noGrp="1"/>
-          </p:cNvSpPr>
-          <p:nvPr>
-            <p:ph type="title"/>
-          </p:nvPr>
-        </p:nvSpPr>
-        <p:spPr/>
-        <p:txBody>
-          <a:bodyPr/>
-          <a:lstStyle/>
-          <a:p>
-            <a:r>
-              <a:rPr lang="en-US" dirty="0" smtClean="0">
-                <a:solidFill>
-                  <a:schemeClr val="bg2">
-                    <a:lumMod val="25000"/>
-                  </a:schemeClr>
-                </a:solidFill>
-              </a:rPr>
-              <a:t>What do you need to classify sound?</a:t>
-            </a:r>
-            <a:endParaRPr lang="en-US" dirty="0">
-              <a:solidFill>
-                <a:schemeClr val="bg2">
-                  <a:lumMod val="25000"/>
-                </a:schemeClr>
-              </a:solidFill>
-            </a:endParaRPr>
-          </a:p>
-        </p:txBody>
-      </p:sp>
-      <p:sp>
-        <p:nvSpPr>
-          <p:cNvPr id="9" name="Content Placeholder 8"/>
-          <p:cNvSpPr>
-            <a:spLocks noGrp="1"/>
-          </p:cNvSpPr>
-          <p:nvPr>
-            <p:ph idx="1"/>
-          </p:nvPr>
-        </p:nvSpPr>
-        <p:spPr/>
-        <p:txBody>
-          <a:bodyPr>
-            <a:normAutofit/>
-          </a:bodyPr>
-          <a:lstStyle/>
-          <a:p>
-            <a:pPr>
-              <a:lnSpc>
-                <a:spcPct val="110000"/>
-              </a:lnSpc>
-            </a:pPr>
-            <a:r>
-              <a:rPr lang="en-US" sz="3300" dirty="0" smtClean="0">
-                <a:solidFill>
-                  <a:schemeClr val="bg2">
-                    <a:lumMod val="25000"/>
-                  </a:schemeClr>
-                </a:solidFill>
-              </a:rPr>
-              <a:t>A little theory</a:t>
-            </a:r>
-            <a:endParaRPr lang="en-US" sz="3300" dirty="0" smtClean="0">
-              <a:solidFill>
-                <a:schemeClr val="bg2">
-                  <a:lumMod val="25000"/>
-                </a:schemeClr>
-              </a:solidFill>
-            </a:endParaRPr>
-          </a:p>
-          <a:p>
-            <a:pPr>
-              <a:lnSpc>
-                <a:spcPct val="110000"/>
-              </a:lnSpc>
-            </a:pPr>
-            <a:r>
-              <a:rPr lang="en-US" sz="3300" dirty="0" smtClean="0">
-                <a:solidFill>
-                  <a:schemeClr val="bg2">
-                    <a:lumMod val="25000"/>
-                  </a:schemeClr>
-                </a:solidFill>
-              </a:rPr>
-              <a:t>Intuition w/r/t what is tractable</a:t>
-            </a:r>
-            <a:endParaRPr lang="en-US" sz="3300" dirty="0" smtClean="0">
-              <a:solidFill>
-                <a:schemeClr val="bg2">
-                  <a:lumMod val="25000"/>
-                </a:schemeClr>
-              </a:solidFill>
-            </a:endParaRPr>
-          </a:p>
-          <a:p>
-            <a:pPr>
-              <a:lnSpc>
-                <a:spcPct val="110000"/>
-              </a:lnSpc>
-            </a:pPr>
-            <a:endParaRPr lang="en-US" sz="3300" dirty="0" smtClean="0">
-              <a:solidFill>
-                <a:schemeClr val="bg2">
-                  <a:lumMod val="25000"/>
-                </a:schemeClr>
-              </a:solidFill>
-            </a:endParaRPr>
-          </a:p>
-          <a:p>
-            <a:pPr>
-              <a:lnSpc>
-                <a:spcPct val="110000"/>
-              </a:lnSpc>
-            </a:pPr>
-            <a:endParaRPr lang="en-US" sz="3300" dirty="0" smtClean="0">
-              <a:solidFill>
-                <a:schemeClr val="bg2">
-                  <a:lumMod val="25000"/>
-                </a:schemeClr>
-              </a:solidFill>
-            </a:endParaRPr>
-          </a:p>
-        </p:txBody>
-      </p:sp>
-      <p:pic>
-        <p:nvPicPr>
-          <p:cNvPr id="4" name="Picture 3"/>
-          <p:cNvPicPr>
-            <a:picLocks noChangeAspect="1"/>
-          </p:cNvPicPr>
-          <p:nvPr/>
-        </p:nvPicPr>
-        <p:blipFill>
-          <a:blip r:embed="rId3">
-            <a:alphaModFix amt="60000"/>
-            <a:extLst>
-              <a:ext uri="{28A0092B-C50C-407E-A947-70E740481C1C}">
-                <a14:useLocalDpi xmlns:a14="http://schemas.microsoft.com/office/drawing/2010/main" val="0"/>
-              </a:ext>
-            </a:extLst>
-          </a:blip>
-          <a:stretch>
-            <a:fillRect/>
-          </a:stretch>
-        </p:blipFill>
-        <p:spPr>
-          <a:xfrm>
-            <a:off x="173384" y="6417255"/>
-            <a:ext cx="1695174" cy="270123"/>
-          </a:xfrm>
-          <a:prstGeom prst="rect">
-            <a:avLst/>
-          </a:prstGeom>
-        </p:spPr>
-      </p:pic>
-      <p:cxnSp>
-        <p:nvCxnSpPr>
-          <p:cNvPr id="10" name="Straight Connector 9"/>
-          <p:cNvCxnSpPr/>
-          <p:nvPr/>
-        </p:nvCxnSpPr>
-        <p:spPr>
-          <a:xfrm>
-            <a:off x="0" y="6253236"/>
-            <a:ext cx="12192000" cy="0"/>
-          </a:xfrm>
-          <a:prstGeom prst="line">
-            <a:avLst/>
-          </a:prstGeom>
-          <a:ln>
-            <a:solidFill>
-              <a:schemeClr val="bg2">
-                <a:lumMod val="75000"/>
-              </a:schemeClr>
-            </a:solidFill>
-          </a:ln>
-        </p:spPr>
-        <p:style>
-          <a:lnRef idx="1">
-            <a:schemeClr val="dk1"/>
-          </a:lnRef>
-          <a:fillRef idx="0">
-            <a:schemeClr val="dk1"/>
-          </a:fillRef>
-          <a:effectRef idx="0">
-            <a:schemeClr val="dk1"/>
-          </a:effectRef>
-          <a:fontRef idx="minor">
-            <a:schemeClr val="tx1"/>
-          </a:fontRef>
-        </p:style>
-      </p:cxnSp>
-      <p:sp>
-        <p:nvSpPr>
-          <p:cNvPr id="13" name="TextBox 12"/>
-          <p:cNvSpPr txBox="1"/>
-          <p:nvPr/>
-        </p:nvSpPr>
-        <p:spPr>
-          <a:xfrm>
-            <a:off x="9245600" y="6417255"/>
-            <a:ext cx="2946400" cy="276999"/>
-          </a:xfrm>
-          <a:prstGeom prst="rect">
-            <a:avLst/>
-          </a:prstGeom>
-          <a:noFill/>
-        </p:spPr>
-        <p:txBody>
-          <a:bodyPr wrap="square" rtlCol="0">
-            <a:spAutoFit/>
-          </a:bodyPr>
-          <a:lstStyle/>
-          <a:p>
-            <a:r>
-              <a:rPr lang="en-US" sz="1200" smtClean="0">
-                <a:solidFill>
-                  <a:schemeClr val="tx1">
-                    <a:lumMod val="65000"/>
-                    <a:lumOff val="35000"/>
-                    <a:alpha val="60000"/>
-                  </a:schemeClr>
-                </a:solidFill>
-              </a:rPr>
-              <a:t>Stephen McLaughlin  /  @</a:t>
-            </a:r>
-            <a:r>
-              <a:rPr lang="en-US" sz="1200" err="1" smtClean="0">
-                <a:solidFill>
-                  <a:schemeClr val="tx1">
-                    <a:lumMod val="65000"/>
-                    <a:lumOff val="35000"/>
-                    <a:alpha val="60000"/>
-                  </a:schemeClr>
-                </a:solidFill>
-              </a:rPr>
-              <a:t>SteveMcLaugh</a:t>
-            </a:r>
-            <a:endParaRPr lang="en-US" sz="1200">
-              <a:solidFill>
-                <a:schemeClr val="tx1">
-                  <a:lumMod val="65000"/>
-                  <a:lumOff val="35000"/>
-                  <a:alpha val="60000"/>
-                </a:schemeClr>
-              </a:solidFill>
-            </a:endParaRPr>
-          </a:p>
-        </p:txBody>
-      </p:sp>
-    </p:spTree>
-    <p:extLst>
-      <p:ext uri="{BB962C8B-B14F-4D97-AF65-F5344CB8AC3E}">
-        <p14:creationId xmlns:p14="http://schemas.microsoft.com/office/powerpoint/2010/main" val="742523804"/>
-      </p:ext>
-    </p:extLst>
-  </p:cSld>
-  <p:clrMapOvr>
-    <a:masterClrMapping/>
-  </p:clrMapOvr>
-  <p:timing>
-    <p:tnLst>
-      <p:par>
-        <p:cTn id="1" dur="indefinite" restart="never" nodeType="tmRoot"/>
-      </p:par>
-    </p:tnLst>
-  </p:timing>
-</p:sld>
-</file>
-
-<file path=ppt/slides/slide30.xml><?xml version="1.0" encoding="utf-8"?>
-<p:sld xmlns:a="http://schemas.openxmlformats.org/drawingml/2006/main" xmlns:r="http://schemas.openxmlformats.org/officeDocument/2006/relationships" xmlns:p="http://schemas.openxmlformats.org/presentationml/2006/main">
-  <p:cSld>
-    <p:spTree>
-      <p:nvGrpSpPr>
-        <p:cNvPr id="1" name=""/>
-        <p:cNvGrpSpPr/>
-        <p:nvPr/>
-      </p:nvGrpSpPr>
-      <p:grpSpPr>
-        <a:xfrm>
-          <a:off x="0" y="0"/>
-          <a:ext cx="0" cy="0"/>
-          <a:chOff x="0" y="0"/>
-          <a:chExt cx="0" cy="0"/>
-        </a:xfrm>
-      </p:grpSpPr>
-      <p:sp>
-        <p:nvSpPr>
-          <p:cNvPr id="2" name="Title 1"/>
-          <p:cNvSpPr>
-            <a:spLocks noGrp="1"/>
-          </p:cNvSpPr>
-          <p:nvPr>
-            <p:ph type="title"/>
-          </p:nvPr>
-        </p:nvSpPr>
-        <p:spPr/>
-        <p:txBody>
-          <a:bodyPr/>
-          <a:lstStyle/>
-          <a:p>
-            <a:r>
-              <a:rPr lang="en-US" dirty="0" smtClean="0">
-                <a:solidFill>
-                  <a:schemeClr val="bg2">
-                    <a:lumMod val="25000"/>
-                  </a:schemeClr>
-                </a:solidFill>
-              </a:rPr>
-              <a:t>Title</a:t>
-            </a:r>
-            <a:endParaRPr lang="en-US" dirty="0">
-              <a:solidFill>
-                <a:schemeClr val="bg2">
-                  <a:lumMod val="25000"/>
-                </a:schemeClr>
-              </a:solidFill>
-            </a:endParaRPr>
-          </a:p>
-        </p:txBody>
-      </p:sp>
-      <p:sp>
-        <p:nvSpPr>
-          <p:cNvPr id="9" name="Content Placeholder 8"/>
-          <p:cNvSpPr>
-            <a:spLocks noGrp="1"/>
-          </p:cNvSpPr>
-          <p:nvPr>
-            <p:ph idx="1"/>
-          </p:nvPr>
-        </p:nvSpPr>
-        <p:spPr/>
-        <p:txBody>
-          <a:bodyPr>
-            <a:normAutofit/>
-          </a:bodyPr>
-          <a:lstStyle/>
-          <a:p>
-            <a:pPr>
-              <a:lnSpc>
-                <a:spcPct val="110000"/>
-              </a:lnSpc>
-            </a:pPr>
-            <a:r>
-              <a:rPr lang="en-US" sz="2600" dirty="0" smtClean="0">
-                <a:solidFill>
-                  <a:schemeClr val="bg2">
-                    <a:lumMod val="25000"/>
-                  </a:schemeClr>
-                </a:solidFill>
-              </a:rPr>
-              <a:t>1</a:t>
-            </a:r>
-          </a:p>
-          <a:p>
-            <a:pPr>
-              <a:lnSpc>
-                <a:spcPct val="110000"/>
-              </a:lnSpc>
-            </a:pPr>
-            <a:r>
-              <a:rPr lang="en-US" sz="2600" dirty="0" smtClean="0">
-                <a:solidFill>
-                  <a:schemeClr val="bg2">
-                    <a:lumMod val="25000"/>
-                  </a:schemeClr>
-                </a:solidFill>
-              </a:rPr>
-              <a:t>2</a:t>
-            </a:r>
-          </a:p>
-          <a:p>
-            <a:pPr>
-              <a:lnSpc>
-                <a:spcPct val="110000"/>
-              </a:lnSpc>
-            </a:pPr>
-            <a:r>
-              <a:rPr lang="en-US" sz="2600" dirty="0" smtClean="0">
-                <a:solidFill>
-                  <a:schemeClr val="bg2">
-                    <a:lumMod val="25000"/>
-                  </a:schemeClr>
-                </a:solidFill>
-              </a:rPr>
-              <a:t>3</a:t>
-            </a:r>
-          </a:p>
-          <a:p>
-            <a:pPr>
-              <a:lnSpc>
-                <a:spcPct val="110000"/>
-              </a:lnSpc>
-            </a:pPr>
-            <a:r>
-              <a:rPr lang="en-US" sz="2600" dirty="0" smtClean="0">
-                <a:solidFill>
-                  <a:schemeClr val="bg2">
-                    <a:lumMod val="25000"/>
-                  </a:schemeClr>
-                </a:solidFill>
-              </a:rPr>
-              <a:t>4</a:t>
-            </a:r>
-          </a:p>
-          <a:p>
-            <a:pPr>
-              <a:lnSpc>
-                <a:spcPct val="110000"/>
-              </a:lnSpc>
-            </a:pPr>
-            <a:endParaRPr lang="en-US" sz="2600" dirty="0" smtClean="0">
-              <a:solidFill>
-                <a:schemeClr val="bg2">
-                  <a:lumMod val="25000"/>
-                </a:schemeClr>
-              </a:solidFill>
-            </a:endParaRPr>
-          </a:p>
-          <a:p>
-            <a:pPr>
-              <a:lnSpc>
-                <a:spcPct val="110000"/>
-              </a:lnSpc>
-            </a:pPr>
-            <a:endParaRPr lang="en-US" sz="2600" dirty="0" smtClean="0">
-              <a:solidFill>
-                <a:schemeClr val="bg2">
-                  <a:lumMod val="25000"/>
-                </a:schemeClr>
-              </a:solidFill>
-            </a:endParaRPr>
-          </a:p>
-          <a:p>
-            <a:pPr>
-              <a:lnSpc>
-                <a:spcPct val="110000"/>
-              </a:lnSpc>
-            </a:pPr>
-            <a:endParaRPr lang="en-US" sz="2600" dirty="0" smtClean="0">
-              <a:solidFill>
-                <a:schemeClr val="bg2">
-                  <a:lumMod val="25000"/>
-                </a:schemeClr>
-              </a:solidFill>
-            </a:endParaRPr>
-          </a:p>
-        </p:txBody>
-      </p:sp>
-      <p:pic>
-        <p:nvPicPr>
-          <p:cNvPr id="4" name="Picture 3"/>
-          <p:cNvPicPr>
-            <a:picLocks noChangeAspect="1"/>
-          </p:cNvPicPr>
-          <p:nvPr/>
-        </p:nvPicPr>
-        <p:blipFill>
-          <a:blip r:embed="rId3">
-            <a:alphaModFix amt="60000"/>
-            <a:extLst>
-              <a:ext uri="{28A0092B-C50C-407E-A947-70E740481C1C}">
-                <a14:useLocalDpi xmlns:a14="http://schemas.microsoft.com/office/drawing/2010/main" val="0"/>
-              </a:ext>
-            </a:extLst>
-          </a:blip>
-          <a:stretch>
-            <a:fillRect/>
-          </a:stretch>
-        </p:blipFill>
-        <p:spPr>
-          <a:xfrm>
-            <a:off x="173384" y="6417255"/>
-            <a:ext cx="1695174" cy="270123"/>
-          </a:xfrm>
-          <a:prstGeom prst="rect">
-            <a:avLst/>
-          </a:prstGeom>
-        </p:spPr>
-      </p:pic>
-      <p:cxnSp>
-        <p:nvCxnSpPr>
-          <p:cNvPr id="10" name="Straight Connector 9"/>
-          <p:cNvCxnSpPr/>
-          <p:nvPr/>
-        </p:nvCxnSpPr>
-        <p:spPr>
-          <a:xfrm>
-            <a:off x="0" y="6253236"/>
-            <a:ext cx="12192000" cy="0"/>
-          </a:xfrm>
-          <a:prstGeom prst="line">
-            <a:avLst/>
-          </a:prstGeom>
-          <a:ln>
-            <a:solidFill>
-              <a:schemeClr val="bg2">
-                <a:lumMod val="75000"/>
-              </a:schemeClr>
-            </a:solidFill>
-          </a:ln>
-        </p:spPr>
-        <p:style>
-          <a:lnRef idx="1">
-            <a:schemeClr val="dk1"/>
-          </a:lnRef>
-          <a:fillRef idx="0">
-            <a:schemeClr val="dk1"/>
-          </a:fillRef>
-          <a:effectRef idx="0">
-            <a:schemeClr val="dk1"/>
-          </a:effectRef>
-          <a:fontRef idx="minor">
-            <a:schemeClr val="tx1"/>
-          </a:fontRef>
-        </p:style>
-      </p:cxnSp>
-      <p:sp>
-        <p:nvSpPr>
-          <p:cNvPr id="13" name="TextBox 12"/>
-          <p:cNvSpPr txBox="1"/>
-          <p:nvPr/>
-        </p:nvSpPr>
-        <p:spPr>
-          <a:xfrm>
-            <a:off x="9245600" y="6417255"/>
-            <a:ext cx="2946400" cy="276999"/>
-          </a:xfrm>
-          <a:prstGeom prst="rect">
-            <a:avLst/>
-          </a:prstGeom>
-          <a:noFill/>
-        </p:spPr>
-        <p:txBody>
-          <a:bodyPr wrap="square" rtlCol="0">
-            <a:spAutoFit/>
-          </a:bodyPr>
-          <a:lstStyle/>
-          <a:p>
-            <a:r>
-              <a:rPr lang="en-US" sz="1200" smtClean="0">
-                <a:solidFill>
-                  <a:schemeClr val="tx1">
-                    <a:lumMod val="65000"/>
-                    <a:lumOff val="35000"/>
-                    <a:alpha val="60000"/>
-                  </a:schemeClr>
-                </a:solidFill>
-              </a:rPr>
-              <a:t>Stephen McLaughlin  /  @</a:t>
-            </a:r>
-            <a:r>
-              <a:rPr lang="en-US" sz="1200" err="1" smtClean="0">
-                <a:solidFill>
-                  <a:schemeClr val="tx1">
-                    <a:lumMod val="65000"/>
-                    <a:lumOff val="35000"/>
-                    <a:alpha val="60000"/>
-                  </a:schemeClr>
-                </a:solidFill>
-              </a:rPr>
-              <a:t>SteveMcLaugh</a:t>
-            </a:r>
-            <a:endParaRPr lang="en-US" sz="1200">
-              <a:solidFill>
-                <a:schemeClr val="tx1">
-                  <a:lumMod val="65000"/>
-                  <a:lumOff val="35000"/>
-                  <a:alpha val="60000"/>
-                </a:schemeClr>
-              </a:solidFill>
-            </a:endParaRPr>
-          </a:p>
-        </p:txBody>
-      </p:sp>
-    </p:spTree>
-    <p:extLst>
-      <p:ext uri="{BB962C8B-B14F-4D97-AF65-F5344CB8AC3E}">
-        <p14:creationId xmlns:p14="http://schemas.microsoft.com/office/powerpoint/2010/main" val="101168577"/>
-      </p:ext>
-    </p:extLst>
-  </p:cSld>
-  <p:clrMapOvr>
-    <a:masterClrMapping/>
-  </p:clrMapOvr>
-  <p:timing>
-    <p:tnLst>
-      <p:par>
-        <p:cTn id="1" dur="indefinite" restart="never" nodeType="tmRoot"/>
-      </p:par>
-    </p:tnLst>
-  </p:timing>
-</p:sld>
-</file>
-
-<file path=ppt/slides/slide31.xml><?xml version="1.0" encoding="utf-8"?>
 <p:sld xmlns:a="http://schemas.openxmlformats.org/drawingml/2006/main" xmlns:r="http://schemas.openxmlformats.org/officeDocument/2006/relationships" xmlns:p="http://schemas.openxmlformats.org/presentationml/2006/main">
   <p:cSld>
     <p:spTree>
@@ -14106,10 +13056,46 @@
           </a:p>
         </p:txBody>
       </p:sp>
+      <p:sp>
+        <p:nvSpPr>
+          <p:cNvPr id="6" name="Rectangle 5"/>
+          <p:cNvSpPr/>
+          <p:nvPr/>
+        </p:nvSpPr>
+        <p:spPr>
+          <a:xfrm>
+            <a:off x="7183209" y="5709562"/>
+            <a:ext cx="2266711" cy="307777"/>
+          </a:xfrm>
+          <a:prstGeom prst="rect">
+            <a:avLst/>
+          </a:prstGeom>
+        </p:spPr>
+        <p:txBody>
+          <a:bodyPr wrap="none">
+            <a:spAutoFit/>
+          </a:bodyPr>
+          <a:lstStyle/>
+          <a:p>
+            <a:r>
+              <a:rPr lang="en-US" sz="1400" dirty="0"/>
+              <a:t>C</a:t>
+            </a:r>
+            <a:r>
+              <a:rPr lang="en-US" sz="1400" dirty="0" smtClean="0"/>
+              <a:t>redit: </a:t>
+            </a:r>
+            <a:r>
+              <a:rPr lang="en-US" sz="1400" dirty="0"/>
+              <a:t>Handel David Forsyth</a:t>
+            </a:r>
+          </a:p>
+        </p:txBody>
+      </p:sp>
     </p:spTree>
     <p:extLst>
       <p:ext uri="{BB962C8B-B14F-4D97-AF65-F5344CB8AC3E}">
-        <p14:creationId xmlns:p14="http://schemas.microsoft.com/office/powerpoint/2010/main" val="402776959"/>
+        <p14:creationId xmlns:p14="http://schemas.microsoft.com/office/powerpoint/2010/main" val="650392948"/>
       </p:ext>
     </p:extLst>
   </p:cSld>
@@ -14126,7 +13112,7 @@
 </p:sld>
 </file>
 
-<file path=ppt/slides/slide32.xml><?xml version="1.0" encoding="utf-8"?>
+<file path=ppt/slides/slide29.xml><?xml version="1.0" encoding="utf-8"?>
 <p:sld xmlns:a="http://schemas.openxmlformats.org/drawingml/2006/main" xmlns:r="http://schemas.openxmlformats.org/officeDocument/2006/relationships" xmlns:p="http://schemas.openxmlformats.org/presentationml/2006/main">
   <p:cSld>
     <p:spTree>
@@ -14143,169 +13129,6 @@
           <a:chExt cx="0" cy="0"/>
         </a:xfrm>
       </p:grpSpPr>
-      <p:sp>
-        <p:nvSpPr>
-          <p:cNvPr id="2" name="Title 1"/>
-          <p:cNvSpPr>
-            <a:spLocks noGrp="1"/>
-          </p:cNvSpPr>
-          <p:nvPr>
-            <p:ph type="title"/>
-          </p:nvPr>
-        </p:nvSpPr>
-        <p:spPr/>
-        <p:txBody>
-          <a:bodyPr/>
-          <a:lstStyle/>
-          <a:p>
-            <a:r>
-              <a:rPr lang="en-US" dirty="0" smtClean="0">
-                <a:solidFill>
-                  <a:schemeClr val="bg2">
-                    <a:lumMod val="25000"/>
-                  </a:schemeClr>
-                </a:solidFill>
-              </a:rPr>
-              <a:t>Title</a:t>
-            </a:r>
-            <a:endParaRPr lang="en-US" dirty="0">
-              <a:solidFill>
-                <a:schemeClr val="bg2">
-                  <a:lumMod val="25000"/>
-                </a:schemeClr>
-              </a:solidFill>
-            </a:endParaRPr>
-          </a:p>
-        </p:txBody>
-      </p:sp>
-      <p:sp>
-        <p:nvSpPr>
-          <p:cNvPr id="9" name="Content Placeholder 8"/>
-          <p:cNvSpPr>
-            <a:spLocks noGrp="1"/>
-          </p:cNvSpPr>
-          <p:nvPr>
-            <p:ph idx="1"/>
-          </p:nvPr>
-        </p:nvSpPr>
-        <p:spPr/>
-        <p:txBody>
-          <a:bodyPr>
-            <a:normAutofit/>
-          </a:bodyPr>
-          <a:lstStyle/>
-          <a:p>
-            <a:pPr>
-              <a:lnSpc>
-                <a:spcPct val="110000"/>
-              </a:lnSpc>
-            </a:pPr>
-            <a:r>
-              <a:rPr lang="en-US" sz="2600" dirty="0" smtClean="0">
-                <a:solidFill>
-                  <a:schemeClr val="bg2">
-                    <a:lumMod val="25000"/>
-                  </a:schemeClr>
-                </a:solidFill>
-              </a:rPr>
-              <a:t>1</a:t>
-            </a:r>
-          </a:p>
-          <a:p>
-            <a:pPr>
-              <a:lnSpc>
-                <a:spcPct val="110000"/>
-              </a:lnSpc>
-            </a:pPr>
-            <a:r>
-              <a:rPr lang="en-US" sz="2600" dirty="0" smtClean="0">
-                <a:solidFill>
-                  <a:schemeClr val="bg2">
-                    <a:lumMod val="25000"/>
-                  </a:schemeClr>
-                </a:solidFill>
-              </a:rPr>
-              <a:t>2</a:t>
-            </a:r>
-          </a:p>
-          <a:p>
-            <a:pPr>
-              <a:lnSpc>
-                <a:spcPct val="110000"/>
-              </a:lnSpc>
-            </a:pPr>
-            <a:r>
-              <a:rPr lang="en-US" sz="2600" dirty="0" smtClean="0">
-                <a:solidFill>
-                  <a:schemeClr val="bg2">
-                    <a:lumMod val="25000"/>
-                  </a:schemeClr>
-                </a:solidFill>
-              </a:rPr>
-              <a:t>3</a:t>
-            </a:r>
-          </a:p>
-          <a:p>
-            <a:pPr>
-              <a:lnSpc>
-                <a:spcPct val="110000"/>
-              </a:lnSpc>
-            </a:pPr>
-            <a:r>
-              <a:rPr lang="en-US" sz="2600" dirty="0" smtClean="0">
-                <a:solidFill>
-                  <a:schemeClr val="bg2">
-                    <a:lumMod val="25000"/>
-                  </a:schemeClr>
-                </a:solidFill>
-              </a:rPr>
-              <a:t>4</a:t>
-            </a:r>
-          </a:p>
-          <a:p>
-            <a:pPr>
-              <a:lnSpc>
-                <a:spcPct val="110000"/>
-              </a:lnSpc>
-            </a:pPr>
-            <a:endParaRPr lang="en-US" sz="2600" dirty="0" smtClean="0">
-              <a:solidFill>
-                <a:schemeClr val="bg2">
-                  <a:lumMod val="25000"/>
-                </a:schemeClr>
-              </a:solidFill>
-            </a:endParaRPr>
-          </a:p>
-          <a:p>
-            <a:pPr>
-              <a:lnSpc>
-                <a:spcPct val="110000"/>
-              </a:lnSpc>
-            </a:pPr>
-            <a:endParaRPr lang="en-US" sz="2600" dirty="0" smtClean="0">
-              <a:solidFill>
-                <a:schemeClr val="bg2">
-                  <a:lumMod val="25000"/>
-                </a:schemeClr>
-              </a:solidFill>
-            </a:endParaRPr>
-          </a:p>
-          <a:p>
-            <a:pPr>
-              <a:lnSpc>
-                <a:spcPct val="110000"/>
-              </a:lnSpc>
-            </a:pPr>
-            <a:endParaRPr lang="en-US" sz="2600" dirty="0" smtClean="0">
-              <a:solidFill>
-                <a:schemeClr val="bg2">
-                  <a:lumMod val="25000"/>
-                </a:schemeClr>
-              </a:solidFill>
-            </a:endParaRPr>
-          </a:p>
-        </p:txBody>
-      </p:sp>
       <p:pic>
         <p:nvPicPr>
           <p:cNvPr id="4" name="Picture 3"/>
@@ -14435,7 +13258,1267 @@
     </p:spTree>
     <p:extLst>
       <p:ext uri="{BB962C8B-B14F-4D97-AF65-F5344CB8AC3E}">
-        <p14:creationId xmlns:p14="http://schemas.microsoft.com/office/powerpoint/2010/main" val="648305461"/>
+        <p14:creationId xmlns:p14="http://schemas.microsoft.com/office/powerpoint/2010/main" val="1733783639"/>
+      </p:ext>
+    </p:extLst>
+  </p:cSld>
+  <p:clrMapOvr>
+    <a:masterClrMapping/>
+  </p:clrMapOvr>
+  <p:timing>
+    <p:tnLst>
+      <p:par>
+        <p:cTn id="1" dur="indefinite" restart="never" nodeType="tmRoot"/>
+      </p:par>
+    </p:tnLst>
+  </p:timing>
+</p:sld>
+</file>
+
+<file path=ppt/slides/slide3.xml><?xml version="1.0" encoding="utf-8"?>
+<p:sld xmlns:a="http://schemas.openxmlformats.org/drawingml/2006/main" xmlns:r="http://schemas.openxmlformats.org/officeDocument/2006/relationships" xmlns:p="http://schemas.openxmlformats.org/presentationml/2006/main">
+  <p:cSld>
+    <p:spTree>
+      <p:nvGrpSpPr>
+        <p:cNvPr id="1" name=""/>
+        <p:cNvGrpSpPr/>
+        <p:nvPr/>
+      </p:nvGrpSpPr>
+      <p:grpSpPr>
+        <a:xfrm>
+          <a:off x="0" y="0"/>
+          <a:ext cx="0" cy="0"/>
+          <a:chOff x="0" y="0"/>
+          <a:chExt cx="0" cy="0"/>
+        </a:xfrm>
+      </p:grpSpPr>
+      <p:sp>
+        <p:nvSpPr>
+          <p:cNvPr id="2" name="Title 1"/>
+          <p:cNvSpPr>
+            <a:spLocks noGrp="1"/>
+          </p:cNvSpPr>
+          <p:nvPr>
+            <p:ph type="title"/>
+          </p:nvPr>
+        </p:nvSpPr>
+        <p:spPr/>
+        <p:txBody>
+          <a:bodyPr/>
+          <a:lstStyle/>
+          <a:p>
+            <a:r>
+              <a:rPr lang="en-US" dirty="0" smtClean="0">
+                <a:solidFill>
+                  <a:schemeClr val="bg2">
+                    <a:lumMod val="25000"/>
+                  </a:schemeClr>
+                </a:solidFill>
+              </a:rPr>
+              <a:t>What do you need to classify sound?</a:t>
+            </a:r>
+            <a:endParaRPr lang="en-US" dirty="0">
+              <a:solidFill>
+                <a:schemeClr val="bg2">
+                  <a:lumMod val="25000"/>
+                </a:schemeClr>
+              </a:solidFill>
+            </a:endParaRPr>
+          </a:p>
+        </p:txBody>
+      </p:sp>
+      <p:sp>
+        <p:nvSpPr>
+          <p:cNvPr id="9" name="Content Placeholder 8"/>
+          <p:cNvSpPr>
+            <a:spLocks noGrp="1"/>
+          </p:cNvSpPr>
+          <p:nvPr>
+            <p:ph idx="1"/>
+          </p:nvPr>
+        </p:nvSpPr>
+        <p:spPr/>
+        <p:txBody>
+          <a:bodyPr>
+            <a:normAutofit/>
+          </a:bodyPr>
+          <a:lstStyle/>
+          <a:p>
+            <a:pPr>
+              <a:lnSpc>
+                <a:spcPct val="110000"/>
+              </a:lnSpc>
+            </a:pPr>
+            <a:r>
+              <a:rPr lang="en-US" sz="3300" dirty="0" smtClean="0">
+                <a:solidFill>
+                  <a:schemeClr val="bg2">
+                    <a:lumMod val="25000"/>
+                  </a:schemeClr>
+                </a:solidFill>
+              </a:rPr>
+              <a:t>A little theory</a:t>
+            </a:r>
+            <a:endParaRPr lang="en-US" sz="3300" dirty="0" smtClean="0">
+              <a:solidFill>
+                <a:schemeClr val="bg2">
+                  <a:lumMod val="25000"/>
+                </a:schemeClr>
+              </a:solidFill>
+            </a:endParaRPr>
+          </a:p>
+          <a:p>
+            <a:pPr>
+              <a:lnSpc>
+                <a:spcPct val="110000"/>
+              </a:lnSpc>
+            </a:pPr>
+            <a:endParaRPr lang="en-US" sz="3300" dirty="0" smtClean="0">
+              <a:solidFill>
+                <a:schemeClr val="bg2">
+                  <a:lumMod val="25000"/>
+                </a:schemeClr>
+              </a:solidFill>
+            </a:endParaRPr>
+          </a:p>
+          <a:p>
+            <a:pPr>
+              <a:lnSpc>
+                <a:spcPct val="110000"/>
+              </a:lnSpc>
+            </a:pPr>
+            <a:endParaRPr lang="en-US" sz="3300" dirty="0" smtClean="0">
+              <a:solidFill>
+                <a:schemeClr val="bg2">
+                  <a:lumMod val="25000"/>
+                </a:schemeClr>
+              </a:solidFill>
+            </a:endParaRPr>
+          </a:p>
+          <a:p>
+            <a:pPr>
+              <a:lnSpc>
+                <a:spcPct val="110000"/>
+              </a:lnSpc>
+            </a:pPr>
+            <a:endParaRPr lang="en-US" sz="3300" dirty="0" smtClean="0">
+              <a:solidFill>
+                <a:schemeClr val="bg2">
+                  <a:lumMod val="25000"/>
+                </a:schemeClr>
+              </a:solidFill>
+            </a:endParaRPr>
+          </a:p>
+        </p:txBody>
+      </p:sp>
+      <p:pic>
+        <p:nvPicPr>
+          <p:cNvPr id="4" name="Picture 3"/>
+          <p:cNvPicPr>
+            <a:picLocks noChangeAspect="1"/>
+          </p:cNvPicPr>
+          <p:nvPr/>
+        </p:nvPicPr>
+        <p:blipFill>
+          <a:blip r:embed="rId3">
+            <a:alphaModFix amt="60000"/>
+            <a:extLst>
+              <a:ext uri="{28A0092B-C50C-407E-A947-70E740481C1C}">
+                <a14:useLocalDpi xmlns:a14="http://schemas.microsoft.com/office/drawing/2010/main" val="0"/>
+              </a:ext>
+            </a:extLst>
+          </a:blip>
+          <a:stretch>
+            <a:fillRect/>
+          </a:stretch>
+        </p:blipFill>
+        <p:spPr>
+          <a:xfrm>
+            <a:off x="173384" y="6417255"/>
+            <a:ext cx="1695174" cy="270123"/>
+          </a:xfrm>
+          <a:prstGeom prst="rect">
+            <a:avLst/>
+          </a:prstGeom>
+        </p:spPr>
+      </p:pic>
+      <p:cxnSp>
+        <p:nvCxnSpPr>
+          <p:cNvPr id="10" name="Straight Connector 9"/>
+          <p:cNvCxnSpPr/>
+          <p:nvPr/>
+        </p:nvCxnSpPr>
+        <p:spPr>
+          <a:xfrm>
+            <a:off x="0" y="6253236"/>
+            <a:ext cx="12192000" cy="0"/>
+          </a:xfrm>
+          <a:prstGeom prst="line">
+            <a:avLst/>
+          </a:prstGeom>
+          <a:ln>
+            <a:solidFill>
+              <a:schemeClr val="bg2">
+                <a:lumMod val="75000"/>
+              </a:schemeClr>
+            </a:solidFill>
+          </a:ln>
+        </p:spPr>
+        <p:style>
+          <a:lnRef idx="1">
+            <a:schemeClr val="dk1"/>
+          </a:lnRef>
+          <a:fillRef idx="0">
+            <a:schemeClr val="dk1"/>
+          </a:fillRef>
+          <a:effectRef idx="0">
+            <a:schemeClr val="dk1"/>
+          </a:effectRef>
+          <a:fontRef idx="minor">
+            <a:schemeClr val="tx1"/>
+          </a:fontRef>
+        </p:style>
+      </p:cxnSp>
+      <p:sp>
+        <p:nvSpPr>
+          <p:cNvPr id="13" name="TextBox 12"/>
+          <p:cNvSpPr txBox="1"/>
+          <p:nvPr/>
+        </p:nvSpPr>
+        <p:spPr>
+          <a:xfrm>
+            <a:off x="9245600" y="6417255"/>
+            <a:ext cx="2946400" cy="276999"/>
+          </a:xfrm>
+          <a:prstGeom prst="rect">
+            <a:avLst/>
+          </a:prstGeom>
+          <a:noFill/>
+        </p:spPr>
+        <p:txBody>
+          <a:bodyPr wrap="square" rtlCol="0">
+            <a:spAutoFit/>
+          </a:bodyPr>
+          <a:lstStyle/>
+          <a:p>
+            <a:r>
+              <a:rPr lang="en-US" sz="1200" smtClean="0">
+                <a:solidFill>
+                  <a:schemeClr val="tx1">
+                    <a:lumMod val="65000"/>
+                    <a:lumOff val="35000"/>
+                    <a:alpha val="60000"/>
+                  </a:schemeClr>
+                </a:solidFill>
+              </a:rPr>
+              <a:t>Stephen McLaughlin  /  @</a:t>
+            </a:r>
+            <a:r>
+              <a:rPr lang="en-US" sz="1200" err="1" smtClean="0">
+                <a:solidFill>
+                  <a:schemeClr val="tx1">
+                    <a:lumMod val="65000"/>
+                    <a:lumOff val="35000"/>
+                    <a:alpha val="60000"/>
+                  </a:schemeClr>
+                </a:solidFill>
+              </a:rPr>
+              <a:t>SteveMcLaugh</a:t>
+            </a:r>
+            <a:endParaRPr lang="en-US" sz="1200">
+              <a:solidFill>
+                <a:schemeClr val="tx1">
+                  <a:lumMod val="65000"/>
+                  <a:lumOff val="35000"/>
+                  <a:alpha val="60000"/>
+                </a:schemeClr>
+              </a:solidFill>
+            </a:endParaRPr>
+          </a:p>
+        </p:txBody>
+      </p:sp>
+    </p:spTree>
+    <p:extLst>
+      <p:ext uri="{BB962C8B-B14F-4D97-AF65-F5344CB8AC3E}">
+        <p14:creationId xmlns:p14="http://schemas.microsoft.com/office/powerpoint/2010/main" val="1553800174"/>
+      </p:ext>
+    </p:extLst>
+  </p:cSld>
+  <p:clrMapOvr>
+    <a:masterClrMapping/>
+  </p:clrMapOvr>
+  <p:timing>
+    <p:tnLst>
+      <p:par>
+        <p:cTn id="1" dur="indefinite" restart="never" nodeType="tmRoot"/>
+      </p:par>
+    </p:tnLst>
+  </p:timing>
+</p:sld>
+</file>
+
+<file path=ppt/slides/slide30.xml><?xml version="1.0" encoding="utf-8"?>
+<p:sld xmlns:a="http://schemas.openxmlformats.org/drawingml/2006/main" xmlns:r="http://schemas.openxmlformats.org/officeDocument/2006/relationships" xmlns:p="http://schemas.openxmlformats.org/presentationml/2006/main">
+  <p:cSld>
+    <p:spTree>
+      <p:nvGrpSpPr>
+        <p:cNvPr id="1" name=""/>
+        <p:cNvGrpSpPr/>
+        <p:nvPr/>
+      </p:nvGrpSpPr>
+      <p:grpSpPr>
+        <a:xfrm>
+          <a:off x="0" y="0"/>
+          <a:ext cx="0" cy="0"/>
+          <a:chOff x="0" y="0"/>
+          <a:chExt cx="0" cy="0"/>
+        </a:xfrm>
+      </p:grpSpPr>
+      <p:sp>
+        <p:nvSpPr>
+          <p:cNvPr id="2" name="Title 1"/>
+          <p:cNvSpPr>
+            <a:spLocks noGrp="1"/>
+          </p:cNvSpPr>
+          <p:nvPr>
+            <p:ph type="title"/>
+          </p:nvPr>
+        </p:nvSpPr>
+        <p:spPr/>
+        <p:txBody>
+          <a:bodyPr/>
+          <a:lstStyle/>
+          <a:p>
+            <a:r>
+              <a:rPr lang="en-US" dirty="0" smtClean="0">
+                <a:solidFill>
+                  <a:schemeClr val="bg2">
+                    <a:lumMod val="25000"/>
+                  </a:schemeClr>
+                </a:solidFill>
+              </a:rPr>
+              <a:t>Title</a:t>
+            </a:r>
+            <a:endParaRPr lang="en-US" dirty="0">
+              <a:solidFill>
+                <a:schemeClr val="bg2">
+                  <a:lumMod val="25000"/>
+                </a:schemeClr>
+              </a:solidFill>
+            </a:endParaRPr>
+          </a:p>
+        </p:txBody>
+      </p:sp>
+      <p:sp>
+        <p:nvSpPr>
+          <p:cNvPr id="9" name="Content Placeholder 8"/>
+          <p:cNvSpPr>
+            <a:spLocks noGrp="1"/>
+          </p:cNvSpPr>
+          <p:nvPr>
+            <p:ph idx="1"/>
+          </p:nvPr>
+        </p:nvSpPr>
+        <p:spPr/>
+        <p:txBody>
+          <a:bodyPr>
+            <a:normAutofit/>
+          </a:bodyPr>
+          <a:lstStyle/>
+          <a:p>
+            <a:pPr>
+              <a:lnSpc>
+                <a:spcPct val="110000"/>
+              </a:lnSpc>
+            </a:pPr>
+            <a:r>
+              <a:rPr lang="en-US" sz="2600" dirty="0" smtClean="0">
+                <a:solidFill>
+                  <a:schemeClr val="bg2">
+                    <a:lumMod val="25000"/>
+                  </a:schemeClr>
+                </a:solidFill>
+              </a:rPr>
+              <a:t>1</a:t>
+            </a:r>
+          </a:p>
+          <a:p>
+            <a:pPr>
+              <a:lnSpc>
+                <a:spcPct val="110000"/>
+              </a:lnSpc>
+            </a:pPr>
+            <a:r>
+              <a:rPr lang="en-US" sz="2600" dirty="0" smtClean="0">
+                <a:solidFill>
+                  <a:schemeClr val="bg2">
+                    <a:lumMod val="25000"/>
+                  </a:schemeClr>
+                </a:solidFill>
+              </a:rPr>
+              <a:t>2</a:t>
+            </a:r>
+          </a:p>
+          <a:p>
+            <a:pPr>
+              <a:lnSpc>
+                <a:spcPct val="110000"/>
+              </a:lnSpc>
+            </a:pPr>
+            <a:r>
+              <a:rPr lang="en-US" sz="2600" dirty="0" smtClean="0">
+                <a:solidFill>
+                  <a:schemeClr val="bg2">
+                    <a:lumMod val="25000"/>
+                  </a:schemeClr>
+                </a:solidFill>
+              </a:rPr>
+              <a:t>3</a:t>
+            </a:r>
+          </a:p>
+          <a:p>
+            <a:pPr>
+              <a:lnSpc>
+                <a:spcPct val="110000"/>
+              </a:lnSpc>
+            </a:pPr>
+            <a:r>
+              <a:rPr lang="en-US" sz="2600" dirty="0" smtClean="0">
+                <a:solidFill>
+                  <a:schemeClr val="bg2">
+                    <a:lumMod val="25000"/>
+                  </a:schemeClr>
+                </a:solidFill>
+              </a:rPr>
+              <a:t>4</a:t>
+            </a:r>
+          </a:p>
+          <a:p>
+            <a:pPr>
+              <a:lnSpc>
+                <a:spcPct val="110000"/>
+              </a:lnSpc>
+            </a:pPr>
+            <a:endParaRPr lang="en-US" sz="2600" dirty="0" smtClean="0">
+              <a:solidFill>
+                <a:schemeClr val="bg2">
+                  <a:lumMod val="25000"/>
+                </a:schemeClr>
+              </a:solidFill>
+            </a:endParaRPr>
+          </a:p>
+          <a:p>
+            <a:pPr>
+              <a:lnSpc>
+                <a:spcPct val="110000"/>
+              </a:lnSpc>
+            </a:pPr>
+            <a:endParaRPr lang="en-US" sz="2600" dirty="0" smtClean="0">
+              <a:solidFill>
+                <a:schemeClr val="bg2">
+                  <a:lumMod val="25000"/>
+                </a:schemeClr>
+              </a:solidFill>
+            </a:endParaRPr>
+          </a:p>
+          <a:p>
+            <a:pPr>
+              <a:lnSpc>
+                <a:spcPct val="110000"/>
+              </a:lnSpc>
+            </a:pPr>
+            <a:endParaRPr lang="en-US" sz="2600" dirty="0" smtClean="0">
+              <a:solidFill>
+                <a:schemeClr val="bg2">
+                  <a:lumMod val="25000"/>
+                </a:schemeClr>
+              </a:solidFill>
+            </a:endParaRPr>
+          </a:p>
+        </p:txBody>
+      </p:sp>
+      <p:pic>
+        <p:nvPicPr>
+          <p:cNvPr id="4" name="Picture 3"/>
+          <p:cNvPicPr>
+            <a:picLocks noChangeAspect="1"/>
+          </p:cNvPicPr>
+          <p:nvPr/>
+        </p:nvPicPr>
+        <p:blipFill>
+          <a:blip r:embed="rId3">
+            <a:alphaModFix amt="60000"/>
+            <a:extLst>
+              <a:ext uri="{28A0092B-C50C-407E-A947-70E740481C1C}">
+                <a14:useLocalDpi xmlns:a14="http://schemas.microsoft.com/office/drawing/2010/main" val="0"/>
+              </a:ext>
+            </a:extLst>
+          </a:blip>
+          <a:stretch>
+            <a:fillRect/>
+          </a:stretch>
+        </p:blipFill>
+        <p:spPr>
+          <a:xfrm>
+            <a:off x="173384" y="6417255"/>
+            <a:ext cx="1695174" cy="270123"/>
+          </a:xfrm>
+          <a:prstGeom prst="rect">
+            <a:avLst/>
+          </a:prstGeom>
+        </p:spPr>
+      </p:pic>
+      <p:cxnSp>
+        <p:nvCxnSpPr>
+          <p:cNvPr id="10" name="Straight Connector 9"/>
+          <p:cNvCxnSpPr/>
+          <p:nvPr/>
+        </p:nvCxnSpPr>
+        <p:spPr>
+          <a:xfrm>
+            <a:off x="0" y="6253236"/>
+            <a:ext cx="12192000" cy="0"/>
+          </a:xfrm>
+          <a:prstGeom prst="line">
+            <a:avLst/>
+          </a:prstGeom>
+          <a:ln>
+            <a:solidFill>
+              <a:schemeClr val="bg2">
+                <a:lumMod val="75000"/>
+              </a:schemeClr>
+            </a:solidFill>
+          </a:ln>
+        </p:spPr>
+        <p:style>
+          <a:lnRef idx="1">
+            <a:schemeClr val="dk1"/>
+          </a:lnRef>
+          <a:fillRef idx="0">
+            <a:schemeClr val="dk1"/>
+          </a:fillRef>
+          <a:effectRef idx="0">
+            <a:schemeClr val="dk1"/>
+          </a:effectRef>
+          <a:fontRef idx="minor">
+            <a:schemeClr val="tx1"/>
+          </a:fontRef>
+        </p:style>
+      </p:cxnSp>
+      <p:sp>
+        <p:nvSpPr>
+          <p:cNvPr id="13" name="TextBox 12"/>
+          <p:cNvSpPr txBox="1"/>
+          <p:nvPr/>
+        </p:nvSpPr>
+        <p:spPr>
+          <a:xfrm>
+            <a:off x="9245600" y="6417255"/>
+            <a:ext cx="2946400" cy="276999"/>
+          </a:xfrm>
+          <a:prstGeom prst="rect">
+            <a:avLst/>
+          </a:prstGeom>
+          <a:noFill/>
+        </p:spPr>
+        <p:txBody>
+          <a:bodyPr wrap="square" rtlCol="0">
+            <a:spAutoFit/>
+          </a:bodyPr>
+          <a:lstStyle/>
+          <a:p>
+            <a:r>
+              <a:rPr lang="en-US" sz="1200" smtClean="0">
+                <a:solidFill>
+                  <a:schemeClr val="tx1">
+                    <a:lumMod val="65000"/>
+                    <a:lumOff val="35000"/>
+                    <a:alpha val="60000"/>
+                  </a:schemeClr>
+                </a:solidFill>
+              </a:rPr>
+              <a:t>Stephen McLaughlin  /  @</a:t>
+            </a:r>
+            <a:r>
+              <a:rPr lang="en-US" sz="1200" err="1" smtClean="0">
+                <a:solidFill>
+                  <a:schemeClr val="tx1">
+                    <a:lumMod val="65000"/>
+                    <a:lumOff val="35000"/>
+                    <a:alpha val="60000"/>
+                  </a:schemeClr>
+                </a:solidFill>
+              </a:rPr>
+              <a:t>SteveMcLaugh</a:t>
+            </a:r>
+            <a:endParaRPr lang="en-US" sz="1200">
+              <a:solidFill>
+                <a:schemeClr val="tx1">
+                  <a:lumMod val="65000"/>
+                  <a:lumOff val="35000"/>
+                  <a:alpha val="60000"/>
+                </a:schemeClr>
+              </a:solidFill>
+            </a:endParaRPr>
+          </a:p>
+        </p:txBody>
+      </p:sp>
+    </p:spTree>
+    <p:extLst>
+      <p:ext uri="{BB962C8B-B14F-4D97-AF65-F5344CB8AC3E}">
+        <p14:creationId xmlns:p14="http://schemas.microsoft.com/office/powerpoint/2010/main" val="914368066"/>
+      </p:ext>
+    </p:extLst>
+  </p:cSld>
+  <p:clrMapOvr>
+    <a:masterClrMapping/>
+  </p:clrMapOvr>
+  <p:timing>
+    <p:tnLst>
+      <p:par>
+        <p:cTn id="1" dur="indefinite" restart="never" nodeType="tmRoot"/>
+      </p:par>
+    </p:tnLst>
+  </p:timing>
+</p:sld>
+</file>
+
+<file path=ppt/slides/slide31.xml><?xml version="1.0" encoding="utf-8"?>
+<p:sld xmlns:a="http://schemas.openxmlformats.org/drawingml/2006/main" xmlns:r="http://schemas.openxmlformats.org/officeDocument/2006/relationships" xmlns:p="http://schemas.openxmlformats.org/presentationml/2006/main">
+  <p:cSld>
+    <p:spTree>
+      <p:nvGrpSpPr>
+        <p:cNvPr id="1" name=""/>
+        <p:cNvGrpSpPr/>
+        <p:nvPr/>
+      </p:nvGrpSpPr>
+      <p:grpSpPr>
+        <a:xfrm>
+          <a:off x="0" y="0"/>
+          <a:ext cx="0" cy="0"/>
+          <a:chOff x="0" y="0"/>
+          <a:chExt cx="0" cy="0"/>
+        </a:xfrm>
+      </p:grpSpPr>
+      <p:sp>
+        <p:nvSpPr>
+          <p:cNvPr id="2" name="Title 1"/>
+          <p:cNvSpPr>
+            <a:spLocks noGrp="1"/>
+          </p:cNvSpPr>
+          <p:nvPr>
+            <p:ph type="title"/>
+          </p:nvPr>
+        </p:nvSpPr>
+        <p:spPr/>
+        <p:txBody>
+          <a:bodyPr/>
+          <a:lstStyle/>
+          <a:p>
+            <a:r>
+              <a:rPr lang="en-US" dirty="0" smtClean="0">
+                <a:solidFill>
+                  <a:schemeClr val="bg2">
+                    <a:lumMod val="25000"/>
+                  </a:schemeClr>
+                </a:solidFill>
+              </a:rPr>
+              <a:t>Title</a:t>
+            </a:r>
+            <a:endParaRPr lang="en-US" dirty="0">
+              <a:solidFill>
+                <a:schemeClr val="bg2">
+                  <a:lumMod val="25000"/>
+                </a:schemeClr>
+              </a:solidFill>
+            </a:endParaRPr>
+          </a:p>
+        </p:txBody>
+      </p:sp>
+      <p:sp>
+        <p:nvSpPr>
+          <p:cNvPr id="9" name="Content Placeholder 8"/>
+          <p:cNvSpPr>
+            <a:spLocks noGrp="1"/>
+          </p:cNvSpPr>
+          <p:nvPr>
+            <p:ph idx="1"/>
+          </p:nvPr>
+        </p:nvSpPr>
+        <p:spPr/>
+        <p:txBody>
+          <a:bodyPr>
+            <a:normAutofit/>
+          </a:bodyPr>
+          <a:lstStyle/>
+          <a:p>
+            <a:pPr>
+              <a:lnSpc>
+                <a:spcPct val="110000"/>
+              </a:lnSpc>
+            </a:pPr>
+            <a:r>
+              <a:rPr lang="en-US" sz="2600" dirty="0" smtClean="0">
+                <a:solidFill>
+                  <a:schemeClr val="bg2">
+                    <a:lumMod val="25000"/>
+                  </a:schemeClr>
+                </a:solidFill>
+              </a:rPr>
+              <a:t>1</a:t>
+            </a:r>
+          </a:p>
+          <a:p>
+            <a:pPr>
+              <a:lnSpc>
+                <a:spcPct val="110000"/>
+              </a:lnSpc>
+            </a:pPr>
+            <a:r>
+              <a:rPr lang="en-US" sz="2600" dirty="0" smtClean="0">
+                <a:solidFill>
+                  <a:schemeClr val="bg2">
+                    <a:lumMod val="25000"/>
+                  </a:schemeClr>
+                </a:solidFill>
+              </a:rPr>
+              <a:t>2</a:t>
+            </a:r>
+          </a:p>
+          <a:p>
+            <a:pPr>
+              <a:lnSpc>
+                <a:spcPct val="110000"/>
+              </a:lnSpc>
+            </a:pPr>
+            <a:r>
+              <a:rPr lang="en-US" sz="2600" dirty="0" smtClean="0">
+                <a:solidFill>
+                  <a:schemeClr val="bg2">
+                    <a:lumMod val="25000"/>
+                  </a:schemeClr>
+                </a:solidFill>
+              </a:rPr>
+              <a:t>3</a:t>
+            </a:r>
+          </a:p>
+          <a:p>
+            <a:pPr>
+              <a:lnSpc>
+                <a:spcPct val="110000"/>
+              </a:lnSpc>
+            </a:pPr>
+            <a:r>
+              <a:rPr lang="en-US" sz="2600" dirty="0" smtClean="0">
+                <a:solidFill>
+                  <a:schemeClr val="bg2">
+                    <a:lumMod val="25000"/>
+                  </a:schemeClr>
+                </a:solidFill>
+              </a:rPr>
+              <a:t>4</a:t>
+            </a:r>
+          </a:p>
+          <a:p>
+            <a:pPr>
+              <a:lnSpc>
+                <a:spcPct val="110000"/>
+              </a:lnSpc>
+            </a:pPr>
+            <a:endParaRPr lang="en-US" sz="2600" dirty="0" smtClean="0">
+              <a:solidFill>
+                <a:schemeClr val="bg2">
+                  <a:lumMod val="25000"/>
+                </a:schemeClr>
+              </a:solidFill>
+            </a:endParaRPr>
+          </a:p>
+          <a:p>
+            <a:pPr>
+              <a:lnSpc>
+                <a:spcPct val="110000"/>
+              </a:lnSpc>
+            </a:pPr>
+            <a:endParaRPr lang="en-US" sz="2600" dirty="0" smtClean="0">
+              <a:solidFill>
+                <a:schemeClr val="bg2">
+                  <a:lumMod val="25000"/>
+                </a:schemeClr>
+              </a:solidFill>
+            </a:endParaRPr>
+          </a:p>
+          <a:p>
+            <a:pPr>
+              <a:lnSpc>
+                <a:spcPct val="110000"/>
+              </a:lnSpc>
+            </a:pPr>
+            <a:endParaRPr lang="en-US" sz="2600" dirty="0" smtClean="0">
+              <a:solidFill>
+                <a:schemeClr val="bg2">
+                  <a:lumMod val="25000"/>
+                </a:schemeClr>
+              </a:solidFill>
+            </a:endParaRPr>
+          </a:p>
+        </p:txBody>
+      </p:sp>
+      <p:pic>
+        <p:nvPicPr>
+          <p:cNvPr id="4" name="Picture 3"/>
+          <p:cNvPicPr>
+            <a:picLocks noChangeAspect="1"/>
+          </p:cNvPicPr>
+          <p:nvPr/>
+        </p:nvPicPr>
+        <p:blipFill>
+          <a:blip r:embed="rId3">
+            <a:alphaModFix amt="60000"/>
+            <a:extLst>
+              <a:ext uri="{28A0092B-C50C-407E-A947-70E740481C1C}">
+                <a14:useLocalDpi xmlns:a14="http://schemas.microsoft.com/office/drawing/2010/main" val="0"/>
+              </a:ext>
+            </a:extLst>
+          </a:blip>
+          <a:stretch>
+            <a:fillRect/>
+          </a:stretch>
+        </p:blipFill>
+        <p:spPr>
+          <a:xfrm>
+            <a:off x="173384" y="6417255"/>
+            <a:ext cx="1695174" cy="270123"/>
+          </a:xfrm>
+          <a:prstGeom prst="rect">
+            <a:avLst/>
+          </a:prstGeom>
+        </p:spPr>
+      </p:pic>
+      <p:cxnSp>
+        <p:nvCxnSpPr>
+          <p:cNvPr id="10" name="Straight Connector 9"/>
+          <p:cNvCxnSpPr/>
+          <p:nvPr/>
+        </p:nvCxnSpPr>
+        <p:spPr>
+          <a:xfrm>
+            <a:off x="0" y="6253236"/>
+            <a:ext cx="12192000" cy="0"/>
+          </a:xfrm>
+          <a:prstGeom prst="line">
+            <a:avLst/>
+          </a:prstGeom>
+          <a:ln>
+            <a:solidFill>
+              <a:schemeClr val="bg2">
+                <a:lumMod val="75000"/>
+              </a:schemeClr>
+            </a:solidFill>
+          </a:ln>
+        </p:spPr>
+        <p:style>
+          <a:lnRef idx="1">
+            <a:schemeClr val="dk1"/>
+          </a:lnRef>
+          <a:fillRef idx="0">
+            <a:schemeClr val="dk1"/>
+          </a:fillRef>
+          <a:effectRef idx="0">
+            <a:schemeClr val="dk1"/>
+          </a:effectRef>
+          <a:fontRef idx="minor">
+            <a:schemeClr val="tx1"/>
+          </a:fontRef>
+        </p:style>
+      </p:cxnSp>
+      <p:sp>
+        <p:nvSpPr>
+          <p:cNvPr id="13" name="TextBox 12"/>
+          <p:cNvSpPr txBox="1"/>
+          <p:nvPr/>
+        </p:nvSpPr>
+        <p:spPr>
+          <a:xfrm>
+            <a:off x="9245600" y="6417255"/>
+            <a:ext cx="2946400" cy="276999"/>
+          </a:xfrm>
+          <a:prstGeom prst="rect">
+            <a:avLst/>
+          </a:prstGeom>
+          <a:noFill/>
+        </p:spPr>
+        <p:txBody>
+          <a:bodyPr wrap="square" rtlCol="0">
+            <a:spAutoFit/>
+          </a:bodyPr>
+          <a:lstStyle/>
+          <a:p>
+            <a:r>
+              <a:rPr lang="en-US" sz="1200" smtClean="0">
+                <a:solidFill>
+                  <a:schemeClr val="tx1">
+                    <a:lumMod val="65000"/>
+                    <a:lumOff val="35000"/>
+                    <a:alpha val="60000"/>
+                  </a:schemeClr>
+                </a:solidFill>
+              </a:rPr>
+              <a:t>Stephen McLaughlin  /  @</a:t>
+            </a:r>
+            <a:r>
+              <a:rPr lang="en-US" sz="1200" err="1" smtClean="0">
+                <a:solidFill>
+                  <a:schemeClr val="tx1">
+                    <a:lumMod val="65000"/>
+                    <a:lumOff val="35000"/>
+                    <a:alpha val="60000"/>
+                  </a:schemeClr>
+                </a:solidFill>
+              </a:rPr>
+              <a:t>SteveMcLaugh</a:t>
+            </a:r>
+            <a:endParaRPr lang="en-US" sz="1200">
+              <a:solidFill>
+                <a:schemeClr val="tx1">
+                  <a:lumMod val="65000"/>
+                  <a:lumOff val="35000"/>
+                  <a:alpha val="60000"/>
+                </a:schemeClr>
+              </a:solidFill>
+            </a:endParaRPr>
+          </a:p>
+        </p:txBody>
+      </p:sp>
+    </p:spTree>
+    <p:extLst>
+      <p:ext uri="{BB962C8B-B14F-4D97-AF65-F5344CB8AC3E}">
+        <p14:creationId xmlns:p14="http://schemas.microsoft.com/office/powerpoint/2010/main" val="1805733825"/>
+      </p:ext>
+    </p:extLst>
+  </p:cSld>
+  <p:clrMapOvr>
+    <a:masterClrMapping/>
+  </p:clrMapOvr>
+  <p:timing>
+    <p:tnLst>
+      <p:par>
+        <p:cTn id="1" dur="indefinite" restart="never" nodeType="tmRoot"/>
+      </p:par>
+    </p:tnLst>
+  </p:timing>
+</p:sld>
+</file>
+
+<file path=ppt/slides/slide32.xml><?xml version="1.0" encoding="utf-8"?>
+<p:sld xmlns:a="http://schemas.openxmlformats.org/drawingml/2006/main" xmlns:r="http://schemas.openxmlformats.org/officeDocument/2006/relationships" xmlns:p="http://schemas.openxmlformats.org/presentationml/2006/main">
+  <p:cSld>
+    <p:spTree>
+      <p:nvGrpSpPr>
+        <p:cNvPr id="1" name=""/>
+        <p:cNvGrpSpPr/>
+        <p:nvPr/>
+      </p:nvGrpSpPr>
+      <p:grpSpPr>
+        <a:xfrm>
+          <a:off x="0" y="0"/>
+          <a:ext cx="0" cy="0"/>
+          <a:chOff x="0" y="0"/>
+          <a:chExt cx="0" cy="0"/>
+        </a:xfrm>
+      </p:grpSpPr>
+      <p:sp>
+        <p:nvSpPr>
+          <p:cNvPr id="2" name="Title 1"/>
+          <p:cNvSpPr>
+            <a:spLocks noGrp="1"/>
+          </p:cNvSpPr>
+          <p:nvPr>
+            <p:ph type="title"/>
+          </p:nvPr>
+        </p:nvSpPr>
+        <p:spPr/>
+        <p:txBody>
+          <a:bodyPr/>
+          <a:lstStyle/>
+          <a:p>
+            <a:r>
+              <a:rPr lang="en-US" dirty="0" smtClean="0">
+                <a:solidFill>
+                  <a:schemeClr val="bg2">
+                    <a:lumMod val="25000"/>
+                  </a:schemeClr>
+                </a:solidFill>
+              </a:rPr>
+              <a:t>Title</a:t>
+            </a:r>
+            <a:endParaRPr lang="en-US" dirty="0">
+              <a:solidFill>
+                <a:schemeClr val="bg2">
+                  <a:lumMod val="25000"/>
+                </a:schemeClr>
+              </a:solidFill>
+            </a:endParaRPr>
+          </a:p>
+        </p:txBody>
+      </p:sp>
+      <p:sp>
+        <p:nvSpPr>
+          <p:cNvPr id="9" name="Content Placeholder 8"/>
+          <p:cNvSpPr>
+            <a:spLocks noGrp="1"/>
+          </p:cNvSpPr>
+          <p:nvPr>
+            <p:ph idx="1"/>
+          </p:nvPr>
+        </p:nvSpPr>
+        <p:spPr/>
+        <p:txBody>
+          <a:bodyPr>
+            <a:normAutofit/>
+          </a:bodyPr>
+          <a:lstStyle/>
+          <a:p>
+            <a:pPr>
+              <a:lnSpc>
+                <a:spcPct val="110000"/>
+              </a:lnSpc>
+            </a:pPr>
+            <a:r>
+              <a:rPr lang="en-US" sz="2600" dirty="0" smtClean="0">
+                <a:solidFill>
+                  <a:schemeClr val="bg2">
+                    <a:lumMod val="25000"/>
+                  </a:schemeClr>
+                </a:solidFill>
+              </a:rPr>
+              <a:t>1</a:t>
+            </a:r>
+          </a:p>
+          <a:p>
+            <a:pPr>
+              <a:lnSpc>
+                <a:spcPct val="110000"/>
+              </a:lnSpc>
+            </a:pPr>
+            <a:r>
+              <a:rPr lang="en-US" sz="2600" dirty="0" smtClean="0">
+                <a:solidFill>
+                  <a:schemeClr val="bg2">
+                    <a:lumMod val="25000"/>
+                  </a:schemeClr>
+                </a:solidFill>
+              </a:rPr>
+              <a:t>2</a:t>
+            </a:r>
+          </a:p>
+          <a:p>
+            <a:pPr>
+              <a:lnSpc>
+                <a:spcPct val="110000"/>
+              </a:lnSpc>
+            </a:pPr>
+            <a:r>
+              <a:rPr lang="en-US" sz="2600" dirty="0" smtClean="0">
+                <a:solidFill>
+                  <a:schemeClr val="bg2">
+                    <a:lumMod val="25000"/>
+                  </a:schemeClr>
+                </a:solidFill>
+              </a:rPr>
+              <a:t>3</a:t>
+            </a:r>
+          </a:p>
+          <a:p>
+            <a:pPr>
+              <a:lnSpc>
+                <a:spcPct val="110000"/>
+              </a:lnSpc>
+            </a:pPr>
+            <a:r>
+              <a:rPr lang="en-US" sz="2600" dirty="0" smtClean="0">
+                <a:solidFill>
+                  <a:schemeClr val="bg2">
+                    <a:lumMod val="25000"/>
+                  </a:schemeClr>
+                </a:solidFill>
+              </a:rPr>
+              <a:t>4</a:t>
+            </a:r>
+          </a:p>
+          <a:p>
+            <a:pPr>
+              <a:lnSpc>
+                <a:spcPct val="110000"/>
+              </a:lnSpc>
+            </a:pPr>
+            <a:endParaRPr lang="en-US" sz="2600" dirty="0" smtClean="0">
+              <a:solidFill>
+                <a:schemeClr val="bg2">
+                  <a:lumMod val="25000"/>
+                </a:schemeClr>
+              </a:solidFill>
+            </a:endParaRPr>
+          </a:p>
+          <a:p>
+            <a:pPr>
+              <a:lnSpc>
+                <a:spcPct val="110000"/>
+              </a:lnSpc>
+            </a:pPr>
+            <a:endParaRPr lang="en-US" sz="2600" dirty="0" smtClean="0">
+              <a:solidFill>
+                <a:schemeClr val="bg2">
+                  <a:lumMod val="25000"/>
+                </a:schemeClr>
+              </a:solidFill>
+            </a:endParaRPr>
+          </a:p>
+          <a:p>
+            <a:pPr>
+              <a:lnSpc>
+                <a:spcPct val="110000"/>
+              </a:lnSpc>
+            </a:pPr>
+            <a:endParaRPr lang="en-US" sz="2600" dirty="0" smtClean="0">
+              <a:solidFill>
+                <a:schemeClr val="bg2">
+                  <a:lumMod val="25000"/>
+                </a:schemeClr>
+              </a:solidFill>
+            </a:endParaRPr>
+          </a:p>
+        </p:txBody>
+      </p:sp>
+      <p:pic>
+        <p:nvPicPr>
+          <p:cNvPr id="4" name="Picture 3"/>
+          <p:cNvPicPr>
+            <a:picLocks noChangeAspect="1"/>
+          </p:cNvPicPr>
+          <p:nvPr/>
+        </p:nvPicPr>
+        <p:blipFill>
+          <a:blip r:embed="rId3">
+            <a:alphaModFix amt="60000"/>
+            <a:extLst>
+              <a:ext uri="{28A0092B-C50C-407E-A947-70E740481C1C}">
+                <a14:useLocalDpi xmlns:a14="http://schemas.microsoft.com/office/drawing/2010/main" val="0"/>
+              </a:ext>
+            </a:extLst>
+          </a:blip>
+          <a:stretch>
+            <a:fillRect/>
+          </a:stretch>
+        </p:blipFill>
+        <p:spPr>
+          <a:xfrm>
+            <a:off x="173384" y="6417255"/>
+            <a:ext cx="1695174" cy="270123"/>
+          </a:xfrm>
+          <a:prstGeom prst="rect">
+            <a:avLst/>
+          </a:prstGeom>
+        </p:spPr>
+      </p:pic>
+      <p:cxnSp>
+        <p:nvCxnSpPr>
+          <p:cNvPr id="10" name="Straight Connector 9"/>
+          <p:cNvCxnSpPr/>
+          <p:nvPr/>
+        </p:nvCxnSpPr>
+        <p:spPr>
+          <a:xfrm>
+            <a:off x="0" y="6253236"/>
+            <a:ext cx="12192000" cy="0"/>
+          </a:xfrm>
+          <a:prstGeom prst="line">
+            <a:avLst/>
+          </a:prstGeom>
+          <a:ln>
+            <a:solidFill>
+              <a:schemeClr val="bg2">
+                <a:lumMod val="75000"/>
+              </a:schemeClr>
+            </a:solidFill>
+          </a:ln>
+        </p:spPr>
+        <p:style>
+          <a:lnRef idx="1">
+            <a:schemeClr val="dk1"/>
+          </a:lnRef>
+          <a:fillRef idx="0">
+            <a:schemeClr val="dk1"/>
+          </a:fillRef>
+          <a:effectRef idx="0">
+            <a:schemeClr val="dk1"/>
+          </a:effectRef>
+          <a:fontRef idx="minor">
+            <a:schemeClr val="tx1"/>
+          </a:fontRef>
+        </p:style>
+      </p:cxnSp>
+      <p:sp>
+        <p:nvSpPr>
+          <p:cNvPr id="13" name="TextBox 12"/>
+          <p:cNvSpPr txBox="1"/>
+          <p:nvPr/>
+        </p:nvSpPr>
+        <p:spPr>
+          <a:xfrm>
+            <a:off x="9245600" y="6417255"/>
+            <a:ext cx="2946400" cy="276999"/>
+          </a:xfrm>
+          <a:prstGeom prst="rect">
+            <a:avLst/>
+          </a:prstGeom>
+          <a:noFill/>
+        </p:spPr>
+        <p:txBody>
+          <a:bodyPr wrap="square" rtlCol="0">
+            <a:spAutoFit/>
+          </a:bodyPr>
+          <a:lstStyle/>
+          <a:p>
+            <a:r>
+              <a:rPr lang="en-US" sz="1200" smtClean="0">
+                <a:solidFill>
+                  <a:schemeClr val="tx1">
+                    <a:lumMod val="65000"/>
+                    <a:lumOff val="35000"/>
+                    <a:alpha val="60000"/>
+                  </a:schemeClr>
+                </a:solidFill>
+              </a:rPr>
+              <a:t>Stephen McLaughlin  /  @</a:t>
+            </a:r>
+            <a:r>
+              <a:rPr lang="en-US" sz="1200" err="1" smtClean="0">
+                <a:solidFill>
+                  <a:schemeClr val="tx1">
+                    <a:lumMod val="65000"/>
+                    <a:lumOff val="35000"/>
+                    <a:alpha val="60000"/>
+                  </a:schemeClr>
+                </a:solidFill>
+              </a:rPr>
+              <a:t>SteveMcLaugh</a:t>
+            </a:r>
+            <a:endParaRPr lang="en-US" sz="1200">
+              <a:solidFill>
+                <a:schemeClr val="tx1">
+                  <a:lumMod val="65000"/>
+                  <a:lumOff val="35000"/>
+                  <a:alpha val="60000"/>
+                </a:schemeClr>
+              </a:solidFill>
+            </a:endParaRPr>
+          </a:p>
+        </p:txBody>
+      </p:sp>
+    </p:spTree>
+    <p:extLst>
+      <p:ext uri="{BB962C8B-B14F-4D97-AF65-F5344CB8AC3E}">
+        <p14:creationId xmlns:p14="http://schemas.microsoft.com/office/powerpoint/2010/main" val="101168577"/>
       </p:ext>
     </p:extLst>
   </p:cSld>
@@ -14598,7 +14681,7 @@
     </p:spTree>
     <p:extLst>
       <p:ext uri="{BB962C8B-B14F-4D97-AF65-F5344CB8AC3E}">
-        <p14:creationId xmlns:p14="http://schemas.microsoft.com/office/powerpoint/2010/main" val="460297243"/>
+        <p14:creationId xmlns:p14="http://schemas.microsoft.com/office/powerpoint/2010/main" val="402776959"/>
       </p:ext>
     </p:extLst>
   </p:cSld>
@@ -14924,7 +15007,7 @@
     </p:spTree>
     <p:extLst>
       <p:ext uri="{BB962C8B-B14F-4D97-AF65-F5344CB8AC3E}">
-        <p14:creationId xmlns:p14="http://schemas.microsoft.com/office/powerpoint/2010/main" val="499542300"/>
+        <p14:creationId xmlns:p14="http://schemas.microsoft.com/office/powerpoint/2010/main" val="648305461"/>
       </p:ext>
     </p:extLst>
   </p:cSld>
@@ -15087,7 +15170,7 @@
     </p:spTree>
     <p:extLst>
       <p:ext uri="{BB962C8B-B14F-4D97-AF65-F5344CB8AC3E}">
-        <p14:creationId xmlns:p14="http://schemas.microsoft.com/office/powerpoint/2010/main" val="1162965360"/>
+        <p14:creationId xmlns:p14="http://schemas.microsoft.com/office/powerpoint/2010/main" val="460297243"/>
       </p:ext>
     </p:extLst>
   </p:cSld>
@@ -15413,7 +15496,7 @@
     </p:spTree>
     <p:extLst>
       <p:ext uri="{BB962C8B-B14F-4D97-AF65-F5344CB8AC3E}">
-        <p14:creationId xmlns:p14="http://schemas.microsoft.com/office/powerpoint/2010/main" val="303914163"/>
+        <p14:creationId xmlns:p14="http://schemas.microsoft.com/office/powerpoint/2010/main" val="499542300"/>
       </p:ext>
     </p:extLst>
   </p:cSld>
@@ -15576,7 +15659,7 @@
     </p:spTree>
     <p:extLst>
       <p:ext uri="{BB962C8B-B14F-4D97-AF65-F5344CB8AC3E}">
-        <p14:creationId xmlns:p14="http://schemas.microsoft.com/office/powerpoint/2010/main" val="114351026"/>
+        <p14:creationId xmlns:p14="http://schemas.microsoft.com/office/powerpoint/2010/main" val="1162965360"/>
       </p:ext>
     </p:extLst>
   </p:cSld>
@@ -15902,7 +15985,7 @@
     </p:spTree>
     <p:extLst>
       <p:ext uri="{BB962C8B-B14F-4D97-AF65-F5344CB8AC3E}">
-        <p14:creationId xmlns:p14="http://schemas.microsoft.com/office/powerpoint/2010/main" val="68594267"/>
+        <p14:creationId xmlns:p14="http://schemas.microsoft.com/office/powerpoint/2010/main" val="303914163"/>
       </p:ext>
     </p:extLst>
   </p:cSld>
@@ -16065,7 +16148,7 @@
     </p:spTree>
     <p:extLst>
       <p:ext uri="{BB962C8B-B14F-4D97-AF65-F5344CB8AC3E}">
-        <p14:creationId xmlns:p14="http://schemas.microsoft.com/office/powerpoint/2010/main" val="344631997"/>
+        <p14:creationId xmlns:p14="http://schemas.microsoft.com/office/powerpoint/2010/main" val="114351026"/>
       </p:ext>
     </p:extLst>
   </p:cSld>
@@ -16189,30 +16272,6 @@
                 </a:solidFill>
               </a:rPr>
               <a:t>Intuition w/r/t what is tractable</a:t>
-            </a:r>
-            <a:endParaRPr lang="en-US" sz="3300" dirty="0" smtClean="0">
-              <a:solidFill>
-                <a:schemeClr val="bg2">
-                  <a:lumMod val="25000"/>
-                </a:schemeClr>
-              </a:solidFill>
-            </a:endParaRPr>
-          </a:p>
-          <a:p>
-            <a:pPr>
-              <a:lnSpc>
-                <a:spcPct val="110000"/>
-              </a:lnSpc>
-            </a:pPr>
-            <a:r>
-              <a:rPr lang="en-US" sz="3300" dirty="0" smtClean="0">
-                <a:solidFill>
-                  <a:schemeClr val="bg2">
-                    <a:lumMod val="25000"/>
-                  </a:schemeClr>
-                </a:solidFill>
-              </a:rPr>
-              <a:t>Patience and skills to manage lots of audio files</a:t>
             </a:r>
             <a:endParaRPr lang="en-US" sz="3300" dirty="0" smtClean="0">
               <a:solidFill>
@@ -16381,7 +16440,7 @@
     </p:spTree>
     <p:extLst>
       <p:ext uri="{BB962C8B-B14F-4D97-AF65-F5344CB8AC3E}">
-        <p14:creationId xmlns:p14="http://schemas.microsoft.com/office/powerpoint/2010/main" val="341238806"/>
+        <p14:creationId xmlns:p14="http://schemas.microsoft.com/office/powerpoint/2010/main" val="742523804"/>
       </p:ext>
     </p:extLst>
   </p:cSld>
@@ -16707,7 +16766,7 @@
     </p:spTree>
     <p:extLst>
       <p:ext uri="{BB962C8B-B14F-4D97-AF65-F5344CB8AC3E}">
-        <p14:creationId xmlns:p14="http://schemas.microsoft.com/office/powerpoint/2010/main" val="1307264143"/>
+        <p14:creationId xmlns:p14="http://schemas.microsoft.com/office/powerpoint/2010/main" val="68594267"/>
       </p:ext>
     </p:extLst>
   </p:cSld>
@@ -16870,7 +16929,7 @@
     </p:spTree>
     <p:extLst>
       <p:ext uri="{BB962C8B-B14F-4D97-AF65-F5344CB8AC3E}">
-        <p14:creationId xmlns:p14="http://schemas.microsoft.com/office/powerpoint/2010/main" val="1909310056"/>
+        <p14:creationId xmlns:p14="http://schemas.microsoft.com/office/powerpoint/2010/main" val="344631997"/>
       </p:ext>
     </p:extLst>
   </p:cSld>
@@ -17196,7 +17255,7 @@
     </p:spTree>
     <p:extLst>
       <p:ext uri="{BB962C8B-B14F-4D97-AF65-F5344CB8AC3E}">
-        <p14:creationId xmlns:p14="http://schemas.microsoft.com/office/powerpoint/2010/main" val="1386726557"/>
+        <p14:creationId xmlns:p14="http://schemas.microsoft.com/office/powerpoint/2010/main" val="1307264143"/>
       </p:ext>
     </p:extLst>
   </p:cSld>
@@ -17359,7 +17418,7 @@
     </p:spTree>
     <p:extLst>
       <p:ext uri="{BB962C8B-B14F-4D97-AF65-F5344CB8AC3E}">
-        <p14:creationId xmlns:p14="http://schemas.microsoft.com/office/powerpoint/2010/main" val="144242925"/>
+        <p14:creationId xmlns:p14="http://schemas.microsoft.com/office/powerpoint/2010/main" val="1909310056"/>
       </p:ext>
     </p:extLst>
   </p:cSld>
@@ -17685,7 +17744,7 @@
     </p:spTree>
     <p:extLst>
       <p:ext uri="{BB962C8B-B14F-4D97-AF65-F5344CB8AC3E}">
-        <p14:creationId xmlns:p14="http://schemas.microsoft.com/office/powerpoint/2010/main" val="665291760"/>
+        <p14:creationId xmlns:p14="http://schemas.microsoft.com/office/powerpoint/2010/main" val="1386726557"/>
       </p:ext>
     </p:extLst>
   </p:cSld>
@@ -17848,7 +17907,7 @@
     </p:spTree>
     <p:extLst>
       <p:ext uri="{BB962C8B-B14F-4D97-AF65-F5344CB8AC3E}">
-        <p14:creationId xmlns:p14="http://schemas.microsoft.com/office/powerpoint/2010/main" val="1246129358"/>
+        <p14:creationId xmlns:p14="http://schemas.microsoft.com/office/powerpoint/2010/main" val="144242925"/>
       </p:ext>
     </p:extLst>
   </p:cSld>
@@ -18174,7 +18233,7 @@
     </p:spTree>
     <p:extLst>
       <p:ext uri="{BB962C8B-B14F-4D97-AF65-F5344CB8AC3E}">
-        <p14:creationId xmlns:p14="http://schemas.microsoft.com/office/powerpoint/2010/main" val="1055668089"/>
+        <p14:creationId xmlns:p14="http://schemas.microsoft.com/office/powerpoint/2010/main" val="665291760"/>
       </p:ext>
     </p:extLst>
   </p:cSld>
@@ -18337,7 +18396,7 @@
     </p:spTree>
     <p:extLst>
       <p:ext uri="{BB962C8B-B14F-4D97-AF65-F5344CB8AC3E}">
-        <p14:creationId xmlns:p14="http://schemas.microsoft.com/office/powerpoint/2010/main" val="945715646"/>
+        <p14:creationId xmlns:p14="http://schemas.microsoft.com/office/powerpoint/2010/main" val="1246129358"/>
       </p:ext>
     </p:extLst>
   </p:cSld>
@@ -18663,7 +18722,7 @@
     </p:spTree>
     <p:extLst>
       <p:ext uri="{BB962C8B-B14F-4D97-AF65-F5344CB8AC3E}">
-        <p14:creationId xmlns:p14="http://schemas.microsoft.com/office/powerpoint/2010/main" val="616812286"/>
+        <p14:creationId xmlns:p14="http://schemas.microsoft.com/office/powerpoint/2010/main" val="1055668089"/>
       </p:ext>
     </p:extLst>
   </p:cSld>
@@ -18826,7 +18885,7 @@
     </p:spTree>
     <p:extLst>
       <p:ext uri="{BB962C8B-B14F-4D97-AF65-F5344CB8AC3E}">
-        <p14:creationId xmlns:p14="http://schemas.microsoft.com/office/powerpoint/2010/main" val="1717922633"/>
+        <p14:creationId xmlns:p14="http://schemas.microsoft.com/office/powerpoint/2010/main" val="945715646"/>
       </p:ext>
     </p:extLst>
   </p:cSld>
@@ -18982,23 +19041,6 @@
                 </a:schemeClr>
               </a:solidFill>
             </a:endParaRPr>
-          </a:p>
-          <a:p>
-            <a:pPr>
-              <a:lnSpc>
-                <a:spcPct val="110000"/>
-              </a:lnSpc>
-            </a:pPr>
-            <a:r>
-              <a:rPr lang="en-US" sz="3300" dirty="0" smtClean="0">
-                <a:solidFill>
-                  <a:schemeClr val="bg2">
-                    <a:lumMod val="25000"/>
-                  </a:schemeClr>
-                </a:solidFill>
-              </a:rPr>
-              <a:t>Features</a:t>
-            </a:r>
           </a:p>
           <a:p>
             <a:pPr>
@@ -19159,7 +19201,7 @@
     </p:spTree>
     <p:extLst>
       <p:ext uri="{BB962C8B-B14F-4D97-AF65-F5344CB8AC3E}">
-        <p14:creationId xmlns:p14="http://schemas.microsoft.com/office/powerpoint/2010/main" val="1653251035"/>
+        <p14:creationId xmlns:p14="http://schemas.microsoft.com/office/powerpoint/2010/main" val="341238806"/>
       </p:ext>
     </p:extLst>
   </p:cSld>
@@ -19485,7 +19527,7 @@
     </p:spTree>
     <p:extLst>
       <p:ext uri="{BB962C8B-B14F-4D97-AF65-F5344CB8AC3E}">
-        <p14:creationId xmlns:p14="http://schemas.microsoft.com/office/powerpoint/2010/main" val="742823896"/>
+        <p14:creationId xmlns:p14="http://schemas.microsoft.com/office/powerpoint/2010/main" val="616812286"/>
       </p:ext>
     </p:extLst>
   </p:cSld>
@@ -19648,7 +19690,7 @@
     </p:spTree>
     <p:extLst>
       <p:ext uri="{BB962C8B-B14F-4D97-AF65-F5344CB8AC3E}">
-        <p14:creationId xmlns:p14="http://schemas.microsoft.com/office/powerpoint/2010/main" val="557764540"/>
+        <p14:creationId xmlns:p14="http://schemas.microsoft.com/office/powerpoint/2010/main" val="1717922633"/>
       </p:ext>
     </p:extLst>
   </p:cSld>
@@ -19974,7 +20016,7 @@
     </p:spTree>
     <p:extLst>
       <p:ext uri="{BB962C8B-B14F-4D97-AF65-F5344CB8AC3E}">
-        <p14:creationId xmlns:p14="http://schemas.microsoft.com/office/powerpoint/2010/main" val="1924769349"/>
+        <p14:creationId xmlns:p14="http://schemas.microsoft.com/office/powerpoint/2010/main" val="742823896"/>
       </p:ext>
     </p:extLst>
   </p:cSld>
@@ -20137,7 +20179,7 @@
     </p:spTree>
     <p:extLst>
       <p:ext uri="{BB962C8B-B14F-4D97-AF65-F5344CB8AC3E}">
-        <p14:creationId xmlns:p14="http://schemas.microsoft.com/office/powerpoint/2010/main" val="1832280307"/>
+        <p14:creationId xmlns:p14="http://schemas.microsoft.com/office/powerpoint/2010/main" val="557764540"/>
       </p:ext>
     </p:extLst>
   </p:cSld>
@@ -20463,7 +20505,7 @@
     </p:spTree>
     <p:extLst>
       <p:ext uri="{BB962C8B-B14F-4D97-AF65-F5344CB8AC3E}">
-        <p14:creationId xmlns:p14="http://schemas.microsoft.com/office/powerpoint/2010/main" val="1806166037"/>
+        <p14:creationId xmlns:p14="http://schemas.microsoft.com/office/powerpoint/2010/main" val="1924769349"/>
       </p:ext>
     </p:extLst>
   </p:cSld>
@@ -20626,7 +20668,7 @@
     </p:spTree>
     <p:extLst>
       <p:ext uri="{BB962C8B-B14F-4D97-AF65-F5344CB8AC3E}">
-        <p14:creationId xmlns:p14="http://schemas.microsoft.com/office/powerpoint/2010/main" val="1130195218"/>
+        <p14:creationId xmlns:p14="http://schemas.microsoft.com/office/powerpoint/2010/main" val="1832280307"/>
       </p:ext>
     </p:extLst>
   </p:cSld>
@@ -20952,7 +20994,7 @@
     </p:spTree>
     <p:extLst>
       <p:ext uri="{BB962C8B-B14F-4D97-AF65-F5344CB8AC3E}">
-        <p14:creationId xmlns:p14="http://schemas.microsoft.com/office/powerpoint/2010/main" val="312896069"/>
+        <p14:creationId xmlns:p14="http://schemas.microsoft.com/office/powerpoint/2010/main" val="1806166037"/>
       </p:ext>
     </p:extLst>
   </p:cSld>
@@ -21115,7 +21157,7 @@
     </p:spTree>
     <p:extLst>
       <p:ext uri="{BB962C8B-B14F-4D97-AF65-F5344CB8AC3E}">
-        <p14:creationId xmlns:p14="http://schemas.microsoft.com/office/powerpoint/2010/main" val="1793044749"/>
+        <p14:creationId xmlns:p14="http://schemas.microsoft.com/office/powerpoint/2010/main" val="1130195218"/>
       </p:ext>
     </p:extLst>
   </p:cSld>
@@ -21441,7 +21483,7 @@
     </p:spTree>
     <p:extLst>
       <p:ext uri="{BB962C8B-B14F-4D97-AF65-F5344CB8AC3E}">
-        <p14:creationId xmlns:p14="http://schemas.microsoft.com/office/powerpoint/2010/main" val="698315921"/>
+        <p14:creationId xmlns:p14="http://schemas.microsoft.com/office/powerpoint/2010/main" val="312896069"/>
       </p:ext>
     </p:extLst>
   </p:cSld>
@@ -21458,1006 +21500,7 @@
 </p:sld>
 </file>
 
-<file path=ppt/slides/slide6.xml><?xml version="1.0" encoding="utf-8"?>
-<p:sld xmlns:a="http://schemas.openxmlformats.org/drawingml/2006/main" xmlns:r="http://schemas.openxmlformats.org/officeDocument/2006/relationships" xmlns:p="http://schemas.openxmlformats.org/presentationml/2006/main">
-  <p:cSld>
-    <p:spTree>
-      <p:nvGrpSpPr>
-        <p:cNvPr id="1" name=""/>
-        <p:cNvGrpSpPr/>
-        <p:nvPr/>
-      </p:nvGrpSpPr>
-      <p:grpSpPr>
-        <a:xfrm>
-          <a:off x="0" y="0"/>
-          <a:ext cx="0" cy="0"/>
-          <a:chOff x="0" y="0"/>
-          <a:chExt cx="0" cy="0"/>
-        </a:xfrm>
-      </p:grpSpPr>
-      <p:sp>
-        <p:nvSpPr>
-          <p:cNvPr id="2" name="Title 1"/>
-          <p:cNvSpPr>
-            <a:spLocks noGrp="1"/>
-          </p:cNvSpPr>
-          <p:nvPr>
-            <p:ph type="title"/>
-          </p:nvPr>
-        </p:nvSpPr>
-        <p:spPr/>
-        <p:txBody>
-          <a:bodyPr/>
-          <a:lstStyle/>
-          <a:p>
-            <a:r>
-              <a:rPr lang="en-US" dirty="0" smtClean="0">
-                <a:solidFill>
-                  <a:schemeClr val="bg2">
-                    <a:lumMod val="25000"/>
-                  </a:schemeClr>
-                </a:solidFill>
-              </a:rPr>
-              <a:t>What do you need to classify sound?</a:t>
-            </a:r>
-            <a:endParaRPr lang="en-US" dirty="0">
-              <a:solidFill>
-                <a:schemeClr val="bg2">
-                  <a:lumMod val="25000"/>
-                </a:schemeClr>
-              </a:solidFill>
-            </a:endParaRPr>
-          </a:p>
-        </p:txBody>
-      </p:sp>
-      <p:sp>
-        <p:nvSpPr>
-          <p:cNvPr id="9" name="Content Placeholder 8"/>
-          <p:cNvSpPr>
-            <a:spLocks noGrp="1"/>
-          </p:cNvSpPr>
-          <p:nvPr>
-            <p:ph idx="1"/>
-          </p:nvPr>
-        </p:nvSpPr>
-        <p:spPr/>
-        <p:txBody>
-          <a:bodyPr>
-            <a:normAutofit/>
-          </a:bodyPr>
-          <a:lstStyle/>
-          <a:p>
-            <a:pPr>
-              <a:lnSpc>
-                <a:spcPct val="110000"/>
-              </a:lnSpc>
-            </a:pPr>
-            <a:r>
-              <a:rPr lang="en-US" sz="3300" dirty="0" smtClean="0">
-                <a:solidFill>
-                  <a:schemeClr val="bg2">
-                    <a:lumMod val="25000"/>
-                  </a:schemeClr>
-                </a:solidFill>
-              </a:rPr>
-              <a:t>A little theory</a:t>
-            </a:r>
-            <a:endParaRPr lang="en-US" sz="3300" dirty="0" smtClean="0">
-              <a:solidFill>
-                <a:schemeClr val="bg2">
-                  <a:lumMod val="25000"/>
-                </a:schemeClr>
-              </a:solidFill>
-            </a:endParaRPr>
-          </a:p>
-          <a:p>
-            <a:pPr>
-              <a:lnSpc>
-                <a:spcPct val="110000"/>
-              </a:lnSpc>
-            </a:pPr>
-            <a:r>
-              <a:rPr lang="en-US" sz="3300" dirty="0" smtClean="0">
-                <a:solidFill>
-                  <a:schemeClr val="bg2">
-                    <a:lumMod val="25000"/>
-                  </a:schemeClr>
-                </a:solidFill>
-              </a:rPr>
-              <a:t>Intuition w/r/t what is tractable</a:t>
-            </a:r>
-            <a:endParaRPr lang="en-US" sz="3300" dirty="0" smtClean="0">
-              <a:solidFill>
-                <a:schemeClr val="bg2">
-                  <a:lumMod val="25000"/>
-                </a:schemeClr>
-              </a:solidFill>
-            </a:endParaRPr>
-          </a:p>
-          <a:p>
-            <a:pPr>
-              <a:lnSpc>
-                <a:spcPct val="110000"/>
-              </a:lnSpc>
-            </a:pPr>
-            <a:r>
-              <a:rPr lang="en-US" sz="3300" dirty="0" smtClean="0">
-                <a:solidFill>
-                  <a:schemeClr val="bg2">
-                    <a:lumMod val="25000"/>
-                  </a:schemeClr>
-                </a:solidFill>
-              </a:rPr>
-              <a:t>Patience and skills to manage lots of audio files</a:t>
-            </a:r>
-            <a:endParaRPr lang="en-US" sz="3300" dirty="0" smtClean="0">
-              <a:solidFill>
-                <a:schemeClr val="bg2">
-                  <a:lumMod val="25000"/>
-                </a:schemeClr>
-              </a:solidFill>
-            </a:endParaRPr>
-          </a:p>
-          <a:p>
-            <a:pPr>
-              <a:lnSpc>
-                <a:spcPct val="110000"/>
-              </a:lnSpc>
-            </a:pPr>
-            <a:r>
-              <a:rPr lang="en-US" sz="3300" dirty="0" smtClean="0">
-                <a:solidFill>
-                  <a:schemeClr val="bg2">
-                    <a:lumMod val="25000"/>
-                  </a:schemeClr>
-                </a:solidFill>
-              </a:rPr>
-              <a:t>Features</a:t>
-            </a:r>
-          </a:p>
-          <a:p>
-            <a:pPr>
-              <a:lnSpc>
-                <a:spcPct val="110000"/>
-              </a:lnSpc>
-            </a:pPr>
-            <a:r>
-              <a:rPr lang="en-US" sz="3300" dirty="0" smtClean="0">
-                <a:solidFill>
-                  <a:schemeClr val="bg2">
-                    <a:lumMod val="25000"/>
-                  </a:schemeClr>
-                </a:solidFill>
-              </a:rPr>
-              <a:t>A passable algorithm</a:t>
-            </a:r>
-            <a:endParaRPr lang="en-US" sz="3300" dirty="0" smtClean="0">
-              <a:solidFill>
-                <a:schemeClr val="bg2">
-                  <a:lumMod val="25000"/>
-                </a:schemeClr>
-              </a:solidFill>
-            </a:endParaRPr>
-          </a:p>
-          <a:p>
-            <a:pPr>
-              <a:lnSpc>
-                <a:spcPct val="110000"/>
-              </a:lnSpc>
-            </a:pPr>
-            <a:endParaRPr lang="en-US" sz="3300" dirty="0" smtClean="0">
-              <a:solidFill>
-                <a:schemeClr val="bg2">
-                  <a:lumMod val="25000"/>
-                </a:schemeClr>
-              </a:solidFill>
-            </a:endParaRPr>
-          </a:p>
-          <a:p>
-            <a:pPr>
-              <a:lnSpc>
-                <a:spcPct val="110000"/>
-              </a:lnSpc>
-            </a:pPr>
-            <a:endParaRPr lang="en-US" sz="3300" dirty="0" smtClean="0">
-              <a:solidFill>
-                <a:schemeClr val="bg2">
-                  <a:lumMod val="25000"/>
-                </a:schemeClr>
-              </a:solidFill>
-            </a:endParaRPr>
-          </a:p>
-        </p:txBody>
-      </p:sp>
-      <p:pic>
-        <p:nvPicPr>
-          <p:cNvPr id="4" name="Picture 3"/>
-          <p:cNvPicPr>
-            <a:picLocks noChangeAspect="1"/>
-          </p:cNvPicPr>
-          <p:nvPr/>
-        </p:nvPicPr>
-        <p:blipFill>
-          <a:blip r:embed="rId3">
-            <a:alphaModFix amt="60000"/>
-            <a:extLst>
-              <a:ext uri="{28A0092B-C50C-407E-A947-70E740481C1C}">
-                <a14:useLocalDpi xmlns:a14="http://schemas.microsoft.com/office/drawing/2010/main" val="0"/>
-              </a:ext>
-            </a:extLst>
-          </a:blip>
-          <a:stretch>
-            <a:fillRect/>
-          </a:stretch>
-        </p:blipFill>
-        <p:spPr>
-          <a:xfrm>
-            <a:off x="173384" y="6417255"/>
-            <a:ext cx="1695174" cy="270123"/>
-          </a:xfrm>
-          <a:prstGeom prst="rect">
-            <a:avLst/>
-          </a:prstGeom>
-        </p:spPr>
-      </p:pic>
-      <p:cxnSp>
-        <p:nvCxnSpPr>
-          <p:cNvPr id="10" name="Straight Connector 9"/>
-          <p:cNvCxnSpPr/>
-          <p:nvPr/>
-        </p:nvCxnSpPr>
-        <p:spPr>
-          <a:xfrm>
-            <a:off x="0" y="6253236"/>
-            <a:ext cx="12192000" cy="0"/>
-          </a:xfrm>
-          <a:prstGeom prst="line">
-            <a:avLst/>
-          </a:prstGeom>
-          <a:ln>
-            <a:solidFill>
-              <a:schemeClr val="bg2">
-                <a:lumMod val="75000"/>
-              </a:schemeClr>
-            </a:solidFill>
-          </a:ln>
-        </p:spPr>
-        <p:style>
-          <a:lnRef idx="1">
-            <a:schemeClr val="dk1"/>
-          </a:lnRef>
-          <a:fillRef idx="0">
-            <a:schemeClr val="dk1"/>
-          </a:fillRef>
-          <a:effectRef idx="0">
-            <a:schemeClr val="dk1"/>
-          </a:effectRef>
-          <a:fontRef idx="minor">
-            <a:schemeClr val="tx1"/>
-          </a:fontRef>
-        </p:style>
-      </p:cxnSp>
-      <p:sp>
-        <p:nvSpPr>
-          <p:cNvPr id="13" name="TextBox 12"/>
-          <p:cNvSpPr txBox="1"/>
-          <p:nvPr/>
-        </p:nvSpPr>
-        <p:spPr>
-          <a:xfrm>
-            <a:off x="9245600" y="6417255"/>
-            <a:ext cx="2946400" cy="276999"/>
-          </a:xfrm>
-          <a:prstGeom prst="rect">
-            <a:avLst/>
-          </a:prstGeom>
-          <a:noFill/>
-        </p:spPr>
-        <p:txBody>
-          <a:bodyPr wrap="square" rtlCol="0">
-            <a:spAutoFit/>
-          </a:bodyPr>
-          <a:lstStyle/>
-          <a:p>
-            <a:r>
-              <a:rPr lang="en-US" sz="1200" smtClean="0">
-                <a:solidFill>
-                  <a:schemeClr val="tx1">
-                    <a:lumMod val="65000"/>
-                    <a:lumOff val="35000"/>
-                    <a:alpha val="60000"/>
-                  </a:schemeClr>
-                </a:solidFill>
-              </a:rPr>
-              <a:t>Stephen McLaughlin  /  @</a:t>
-            </a:r>
-            <a:r>
-              <a:rPr lang="en-US" sz="1200" err="1" smtClean="0">
-                <a:solidFill>
-                  <a:schemeClr val="tx1">
-                    <a:lumMod val="65000"/>
-                    <a:lumOff val="35000"/>
-                    <a:alpha val="60000"/>
-                  </a:schemeClr>
-                </a:solidFill>
-              </a:rPr>
-              <a:t>SteveMcLaugh</a:t>
-            </a:r>
-            <a:endParaRPr lang="en-US" sz="1200">
-              <a:solidFill>
-                <a:schemeClr val="tx1">
-                  <a:lumMod val="65000"/>
-                  <a:lumOff val="35000"/>
-                  <a:alpha val="60000"/>
-                </a:schemeClr>
-              </a:solidFill>
-            </a:endParaRPr>
-          </a:p>
-        </p:txBody>
-      </p:sp>
-    </p:spTree>
-    <p:extLst>
-      <p:ext uri="{BB962C8B-B14F-4D97-AF65-F5344CB8AC3E}">
-        <p14:creationId xmlns:p14="http://schemas.microsoft.com/office/powerpoint/2010/main" val="1098781551"/>
-      </p:ext>
-    </p:extLst>
-  </p:cSld>
-  <p:clrMapOvr>
-    <a:masterClrMapping/>
-  </p:clrMapOvr>
-  <p:timing>
-    <p:tnLst>
-      <p:par>
-        <p:cTn id="1" dur="indefinite" restart="never" nodeType="tmRoot"/>
-      </p:par>
-    </p:tnLst>
-  </p:timing>
-</p:sld>
-</file>
-
-<file path=ppt/slides/slide7.xml><?xml version="1.0" encoding="utf-8"?>
-<p:sld xmlns:a="http://schemas.openxmlformats.org/drawingml/2006/main" xmlns:r="http://schemas.openxmlformats.org/officeDocument/2006/relationships" xmlns:p="http://schemas.openxmlformats.org/presentationml/2006/main">
-  <p:cSld>
-    <p:spTree>
-      <p:nvGrpSpPr>
-        <p:cNvPr id="1" name=""/>
-        <p:cNvGrpSpPr/>
-        <p:nvPr/>
-      </p:nvGrpSpPr>
-      <p:grpSpPr>
-        <a:xfrm>
-          <a:off x="0" y="0"/>
-          <a:ext cx="0" cy="0"/>
-          <a:chOff x="0" y="0"/>
-          <a:chExt cx="0" cy="0"/>
-        </a:xfrm>
-      </p:grpSpPr>
-      <p:sp>
-        <p:nvSpPr>
-          <p:cNvPr id="2" name="Title 1"/>
-          <p:cNvSpPr>
-            <a:spLocks noGrp="1"/>
-          </p:cNvSpPr>
-          <p:nvPr>
-            <p:ph type="title"/>
-          </p:nvPr>
-        </p:nvSpPr>
-        <p:spPr/>
-        <p:txBody>
-          <a:bodyPr/>
-          <a:lstStyle/>
-          <a:p>
-            <a:r>
-              <a:rPr lang="en-US" dirty="0" smtClean="0">
-                <a:solidFill>
-                  <a:schemeClr val="bg2">
-                    <a:lumMod val="25000"/>
-                  </a:schemeClr>
-                </a:solidFill>
-              </a:rPr>
-              <a:t>What we won’t learn</a:t>
-            </a:r>
-            <a:endParaRPr lang="en-US" dirty="0">
-              <a:solidFill>
-                <a:schemeClr val="bg2">
-                  <a:lumMod val="25000"/>
-                </a:schemeClr>
-              </a:solidFill>
-            </a:endParaRPr>
-          </a:p>
-        </p:txBody>
-      </p:sp>
-      <p:sp>
-        <p:nvSpPr>
-          <p:cNvPr id="9" name="Content Placeholder 8"/>
-          <p:cNvSpPr>
-            <a:spLocks noGrp="1"/>
-          </p:cNvSpPr>
-          <p:nvPr>
-            <p:ph idx="1"/>
-          </p:nvPr>
-        </p:nvSpPr>
-        <p:spPr/>
-        <p:txBody>
-          <a:bodyPr>
-            <a:normAutofit/>
-          </a:bodyPr>
-          <a:lstStyle/>
-          <a:p>
-            <a:pPr>
-              <a:lnSpc>
-                <a:spcPct val="110000"/>
-              </a:lnSpc>
-            </a:pPr>
-            <a:r>
-              <a:rPr lang="en-US" sz="3300" dirty="0" smtClean="0">
-                <a:solidFill>
-                  <a:schemeClr val="bg2">
-                    <a:lumMod val="25000"/>
-                  </a:schemeClr>
-                </a:solidFill>
-              </a:rPr>
-              <a:t>statistics</a:t>
-            </a:r>
-          </a:p>
-          <a:p>
-            <a:pPr>
-              <a:lnSpc>
-                <a:spcPct val="110000"/>
-              </a:lnSpc>
-            </a:pPr>
-            <a:r>
-              <a:rPr lang="en-US" sz="3300" dirty="0">
-                <a:solidFill>
-                  <a:schemeClr val="bg2">
-                    <a:lumMod val="25000"/>
-                  </a:schemeClr>
-                </a:solidFill>
-              </a:rPr>
-              <a:t>signal </a:t>
-            </a:r>
-            <a:r>
-              <a:rPr lang="en-US" sz="3300" dirty="0" smtClean="0">
-                <a:solidFill>
-                  <a:schemeClr val="bg2">
-                    <a:lumMod val="25000"/>
-                  </a:schemeClr>
-                </a:solidFill>
-              </a:rPr>
-              <a:t>processing</a:t>
-            </a:r>
-          </a:p>
-          <a:p>
-            <a:pPr>
-              <a:lnSpc>
-                <a:spcPct val="110000"/>
-              </a:lnSpc>
-            </a:pPr>
-            <a:r>
-              <a:rPr lang="en-US" sz="3300" dirty="0">
-                <a:solidFill>
-                  <a:schemeClr val="bg2">
-                    <a:lumMod val="25000"/>
-                  </a:schemeClr>
-                </a:solidFill>
-              </a:rPr>
-              <a:t>programming in </a:t>
-            </a:r>
-            <a:r>
-              <a:rPr lang="en-US" sz="3300" dirty="0" smtClean="0">
-                <a:solidFill>
-                  <a:schemeClr val="bg2">
-                    <a:lumMod val="25000"/>
-                  </a:schemeClr>
-                </a:solidFill>
-              </a:rPr>
-              <a:t>general</a:t>
-            </a:r>
-          </a:p>
-          <a:p>
-            <a:pPr>
-              <a:lnSpc>
-                <a:spcPct val="110000"/>
-              </a:lnSpc>
-            </a:pPr>
-            <a:r>
-              <a:rPr lang="en-US" sz="3300" dirty="0">
-                <a:solidFill>
-                  <a:schemeClr val="bg2">
-                    <a:lumMod val="25000"/>
-                  </a:schemeClr>
-                </a:solidFill>
-              </a:rPr>
-              <a:t>state-of-the-art ML techniques</a:t>
-            </a:r>
-            <a:endParaRPr lang="en-US" sz="3300" dirty="0" smtClean="0">
-              <a:solidFill>
-                <a:schemeClr val="bg2">
-                  <a:lumMod val="25000"/>
-                </a:schemeClr>
-              </a:solidFill>
-            </a:endParaRPr>
-          </a:p>
-        </p:txBody>
-      </p:sp>
-      <p:pic>
-        <p:nvPicPr>
-          <p:cNvPr id="4" name="Picture 3"/>
-          <p:cNvPicPr>
-            <a:picLocks noChangeAspect="1"/>
-          </p:cNvPicPr>
-          <p:nvPr/>
-        </p:nvPicPr>
-        <p:blipFill>
-          <a:blip r:embed="rId3">
-            <a:alphaModFix amt="60000"/>
-            <a:extLst>
-              <a:ext uri="{28A0092B-C50C-407E-A947-70E740481C1C}">
-                <a14:useLocalDpi xmlns:a14="http://schemas.microsoft.com/office/drawing/2010/main" val="0"/>
-              </a:ext>
-            </a:extLst>
-          </a:blip>
-          <a:stretch>
-            <a:fillRect/>
-          </a:stretch>
-        </p:blipFill>
-        <p:spPr>
-          <a:xfrm>
-            <a:off x="173384" y="6417255"/>
-            <a:ext cx="1695174" cy="270123"/>
-          </a:xfrm>
-          <a:prstGeom prst="rect">
-            <a:avLst/>
-          </a:prstGeom>
-        </p:spPr>
-      </p:pic>
-      <p:cxnSp>
-        <p:nvCxnSpPr>
-          <p:cNvPr id="10" name="Straight Connector 9"/>
-          <p:cNvCxnSpPr/>
-          <p:nvPr/>
-        </p:nvCxnSpPr>
-        <p:spPr>
-          <a:xfrm>
-            <a:off x="0" y="6253236"/>
-            <a:ext cx="12192000" cy="0"/>
-          </a:xfrm>
-          <a:prstGeom prst="line">
-            <a:avLst/>
-          </a:prstGeom>
-          <a:ln>
-            <a:solidFill>
-              <a:schemeClr val="bg2">
-                <a:lumMod val="75000"/>
-              </a:schemeClr>
-            </a:solidFill>
-          </a:ln>
-        </p:spPr>
-        <p:style>
-          <a:lnRef idx="1">
-            <a:schemeClr val="dk1"/>
-          </a:lnRef>
-          <a:fillRef idx="0">
-            <a:schemeClr val="dk1"/>
-          </a:fillRef>
-          <a:effectRef idx="0">
-            <a:schemeClr val="dk1"/>
-          </a:effectRef>
-          <a:fontRef idx="minor">
-            <a:schemeClr val="tx1"/>
-          </a:fontRef>
-        </p:style>
-      </p:cxnSp>
-      <p:sp>
-        <p:nvSpPr>
-          <p:cNvPr id="13" name="TextBox 12"/>
-          <p:cNvSpPr txBox="1"/>
-          <p:nvPr/>
-        </p:nvSpPr>
-        <p:spPr>
-          <a:xfrm>
-            <a:off x="9245600" y="6417255"/>
-            <a:ext cx="2946400" cy="276999"/>
-          </a:xfrm>
-          <a:prstGeom prst="rect">
-            <a:avLst/>
-          </a:prstGeom>
-          <a:noFill/>
-        </p:spPr>
-        <p:txBody>
-          <a:bodyPr wrap="square" rtlCol="0">
-            <a:spAutoFit/>
-          </a:bodyPr>
-          <a:lstStyle/>
-          <a:p>
-            <a:r>
-              <a:rPr lang="en-US" sz="1200" smtClean="0">
-                <a:solidFill>
-                  <a:schemeClr val="tx1">
-                    <a:lumMod val="65000"/>
-                    <a:lumOff val="35000"/>
-                    <a:alpha val="60000"/>
-                  </a:schemeClr>
-                </a:solidFill>
-              </a:rPr>
-              <a:t>Stephen McLaughlin  /  @</a:t>
-            </a:r>
-            <a:r>
-              <a:rPr lang="en-US" sz="1200" err="1" smtClean="0">
-                <a:solidFill>
-                  <a:schemeClr val="tx1">
-                    <a:lumMod val="65000"/>
-                    <a:lumOff val="35000"/>
-                    <a:alpha val="60000"/>
-                  </a:schemeClr>
-                </a:solidFill>
-              </a:rPr>
-              <a:t>SteveMcLaugh</a:t>
-            </a:r>
-            <a:endParaRPr lang="en-US" sz="1200">
-              <a:solidFill>
-                <a:schemeClr val="tx1">
-                  <a:lumMod val="65000"/>
-                  <a:lumOff val="35000"/>
-                  <a:alpha val="60000"/>
-                </a:schemeClr>
-              </a:solidFill>
-            </a:endParaRPr>
-          </a:p>
-        </p:txBody>
-      </p:sp>
-    </p:spTree>
-    <p:extLst>
-      <p:ext uri="{BB962C8B-B14F-4D97-AF65-F5344CB8AC3E}">
-        <p14:creationId xmlns:p14="http://schemas.microsoft.com/office/powerpoint/2010/main" val="46723514"/>
-      </p:ext>
-    </p:extLst>
-  </p:cSld>
-  <p:clrMapOvr>
-    <a:masterClrMapping/>
-  </p:clrMapOvr>
-  <p:timing>
-    <p:tnLst>
-      <p:par>
-        <p:cTn id="1" dur="indefinite" restart="never" nodeType="tmRoot"/>
-      </p:par>
-    </p:tnLst>
-  </p:timing>
-</p:sld>
-</file>
-
-<file path=ppt/slides/slide8.xml><?xml version="1.0" encoding="utf-8"?>
-<p:sld xmlns:a="http://schemas.openxmlformats.org/drawingml/2006/main" xmlns:r="http://schemas.openxmlformats.org/officeDocument/2006/relationships" xmlns:p="http://schemas.openxmlformats.org/presentationml/2006/main">
-  <p:cSld>
-    <p:spTree>
-      <p:nvGrpSpPr>
-        <p:cNvPr id="1" name=""/>
-        <p:cNvGrpSpPr/>
-        <p:nvPr/>
-      </p:nvGrpSpPr>
-      <p:grpSpPr>
-        <a:xfrm>
-          <a:off x="0" y="0"/>
-          <a:ext cx="0" cy="0"/>
-          <a:chOff x="0" y="0"/>
-          <a:chExt cx="0" cy="0"/>
-        </a:xfrm>
-      </p:grpSpPr>
-      <p:sp>
-        <p:nvSpPr>
-          <p:cNvPr id="2" name="Title 1"/>
-          <p:cNvSpPr>
-            <a:spLocks noGrp="1"/>
-          </p:cNvSpPr>
-          <p:nvPr>
-            <p:ph type="title"/>
-          </p:nvPr>
-        </p:nvSpPr>
-        <p:spPr/>
-        <p:txBody>
-          <a:bodyPr/>
-          <a:lstStyle/>
-          <a:p>
-            <a:r>
-              <a:rPr lang="en-US" dirty="0" smtClean="0">
-                <a:solidFill>
-                  <a:schemeClr val="bg2">
-                    <a:lumMod val="25000"/>
-                  </a:schemeClr>
-                </a:solidFill>
-              </a:rPr>
-              <a:t>What we will learn</a:t>
-            </a:r>
-            <a:endParaRPr lang="en-US" dirty="0">
-              <a:solidFill>
-                <a:schemeClr val="bg2">
-                  <a:lumMod val="25000"/>
-                </a:schemeClr>
-              </a:solidFill>
-            </a:endParaRPr>
-          </a:p>
-        </p:txBody>
-      </p:sp>
-      <p:sp>
-        <p:nvSpPr>
-          <p:cNvPr id="9" name="Content Placeholder 8"/>
-          <p:cNvSpPr>
-            <a:spLocks noGrp="1"/>
-          </p:cNvSpPr>
-          <p:nvPr>
-            <p:ph idx="1"/>
-          </p:nvPr>
-        </p:nvSpPr>
-        <p:spPr/>
-        <p:txBody>
-          <a:bodyPr>
-            <a:normAutofit/>
-          </a:bodyPr>
-          <a:lstStyle/>
-          <a:p>
-            <a:pPr>
-              <a:lnSpc>
-                <a:spcPct val="110000"/>
-              </a:lnSpc>
-            </a:pPr>
-            <a:r>
-              <a:rPr lang="en-US" sz="3300" dirty="0" smtClean="0">
-                <a:solidFill>
-                  <a:schemeClr val="bg2">
-                    <a:lumMod val="25000"/>
-                  </a:schemeClr>
-                </a:solidFill>
-              </a:rPr>
-              <a:t>how to think about sound </a:t>
-            </a:r>
-            <a:r>
-              <a:rPr lang="en-US" sz="3300" dirty="0">
-                <a:solidFill>
-                  <a:schemeClr val="bg2">
-                    <a:lumMod val="25000"/>
-                  </a:schemeClr>
-                </a:solidFill>
-              </a:rPr>
-              <a:t>as </a:t>
-            </a:r>
-            <a:r>
-              <a:rPr lang="en-US" sz="3300" dirty="0" smtClean="0">
-                <a:solidFill>
-                  <a:schemeClr val="bg2">
-                    <a:lumMod val="25000"/>
-                  </a:schemeClr>
-                </a:solidFill>
-              </a:rPr>
-              <a:t>data</a:t>
-            </a:r>
-          </a:p>
-          <a:p>
-            <a:pPr>
-              <a:lnSpc>
-                <a:spcPct val="110000"/>
-              </a:lnSpc>
-            </a:pPr>
-            <a:r>
-              <a:rPr lang="en-US" sz="3300" dirty="0" smtClean="0">
-                <a:solidFill>
-                  <a:schemeClr val="bg2">
-                    <a:lumMod val="25000"/>
-                  </a:schemeClr>
-                </a:solidFill>
-              </a:rPr>
-              <a:t>how to process &amp; manage audio from the command line</a:t>
-            </a:r>
-          </a:p>
-          <a:p>
-            <a:pPr>
-              <a:lnSpc>
-                <a:spcPct val="110000"/>
-              </a:lnSpc>
-            </a:pPr>
-            <a:r>
-              <a:rPr lang="en-US" sz="3300" dirty="0">
-                <a:solidFill>
-                  <a:schemeClr val="bg2">
-                    <a:lumMod val="25000"/>
-                  </a:schemeClr>
-                </a:solidFill>
-              </a:rPr>
-              <a:t>how to combine &amp; modify existing </a:t>
-            </a:r>
-            <a:r>
-              <a:rPr lang="en-US" sz="3300" dirty="0" smtClean="0">
-                <a:solidFill>
-                  <a:schemeClr val="bg2">
-                    <a:lumMod val="25000"/>
-                  </a:schemeClr>
-                </a:solidFill>
-              </a:rPr>
-              <a:t>tools</a:t>
-            </a:r>
-          </a:p>
-          <a:p>
-            <a:pPr>
-              <a:lnSpc>
-                <a:spcPct val="110000"/>
-              </a:lnSpc>
-            </a:pPr>
-            <a:r>
-              <a:rPr lang="en-US" sz="3300" dirty="0" smtClean="0">
-                <a:solidFill>
-                  <a:schemeClr val="bg2">
-                    <a:lumMod val="25000"/>
-                  </a:schemeClr>
-                </a:solidFill>
-              </a:rPr>
-              <a:t>the </a:t>
-            </a:r>
-            <a:r>
-              <a:rPr lang="en-US" sz="3300" dirty="0">
-                <a:solidFill>
-                  <a:schemeClr val="bg2">
-                    <a:lumMod val="25000"/>
-                  </a:schemeClr>
-                </a:solidFill>
-              </a:rPr>
-              <a:t>limits and possibilities of machine learning for sound collections</a:t>
-            </a:r>
-            <a:endParaRPr lang="en-US" sz="3300" dirty="0" smtClean="0">
-              <a:solidFill>
-                <a:schemeClr val="bg2">
-                  <a:lumMod val="25000"/>
-                </a:schemeClr>
-              </a:solidFill>
-            </a:endParaRPr>
-          </a:p>
-        </p:txBody>
-      </p:sp>
-      <p:pic>
-        <p:nvPicPr>
-          <p:cNvPr id="4" name="Picture 3"/>
-          <p:cNvPicPr>
-            <a:picLocks noChangeAspect="1"/>
-          </p:cNvPicPr>
-          <p:nvPr/>
-        </p:nvPicPr>
-        <p:blipFill>
-          <a:blip r:embed="rId3">
-            <a:alphaModFix amt="60000"/>
-            <a:extLst>
-              <a:ext uri="{28A0092B-C50C-407E-A947-70E740481C1C}">
-                <a14:useLocalDpi xmlns:a14="http://schemas.microsoft.com/office/drawing/2010/main" val="0"/>
-              </a:ext>
-            </a:extLst>
-          </a:blip>
-          <a:stretch>
-            <a:fillRect/>
-          </a:stretch>
-        </p:blipFill>
-        <p:spPr>
-          <a:xfrm>
-            <a:off x="173384" y="6417255"/>
-            <a:ext cx="1695174" cy="270123"/>
-          </a:xfrm>
-          <a:prstGeom prst="rect">
-            <a:avLst/>
-          </a:prstGeom>
-        </p:spPr>
-      </p:pic>
-      <p:cxnSp>
-        <p:nvCxnSpPr>
-          <p:cNvPr id="10" name="Straight Connector 9"/>
-          <p:cNvCxnSpPr/>
-          <p:nvPr/>
-        </p:nvCxnSpPr>
-        <p:spPr>
-          <a:xfrm>
-            <a:off x="0" y="6253236"/>
-            <a:ext cx="12192000" cy="0"/>
-          </a:xfrm>
-          <a:prstGeom prst="line">
-            <a:avLst/>
-          </a:prstGeom>
-          <a:ln>
-            <a:solidFill>
-              <a:schemeClr val="bg2">
-                <a:lumMod val="75000"/>
-              </a:schemeClr>
-            </a:solidFill>
-          </a:ln>
-        </p:spPr>
-        <p:style>
-          <a:lnRef idx="1">
-            <a:schemeClr val="dk1"/>
-          </a:lnRef>
-          <a:fillRef idx="0">
-            <a:schemeClr val="dk1"/>
-          </a:fillRef>
-          <a:effectRef idx="0">
-            <a:schemeClr val="dk1"/>
-          </a:effectRef>
-          <a:fontRef idx="minor">
-            <a:schemeClr val="tx1"/>
-          </a:fontRef>
-        </p:style>
-      </p:cxnSp>
-      <p:sp>
-        <p:nvSpPr>
-          <p:cNvPr id="13" name="TextBox 12"/>
-          <p:cNvSpPr txBox="1"/>
-          <p:nvPr/>
-        </p:nvSpPr>
-        <p:spPr>
-          <a:xfrm>
-            <a:off x="9245600" y="6417255"/>
-            <a:ext cx="2946400" cy="276999"/>
-          </a:xfrm>
-          <a:prstGeom prst="rect">
-            <a:avLst/>
-          </a:prstGeom>
-          <a:noFill/>
-        </p:spPr>
-        <p:txBody>
-          <a:bodyPr wrap="square" rtlCol="0">
-            <a:spAutoFit/>
-          </a:bodyPr>
-          <a:lstStyle/>
-          <a:p>
-            <a:r>
-              <a:rPr lang="en-US" sz="1200" smtClean="0">
-                <a:solidFill>
-                  <a:schemeClr val="tx1">
-                    <a:lumMod val="65000"/>
-                    <a:lumOff val="35000"/>
-                    <a:alpha val="60000"/>
-                  </a:schemeClr>
-                </a:solidFill>
-              </a:rPr>
-              <a:t>Stephen McLaughlin  /  @</a:t>
-            </a:r>
-            <a:r>
-              <a:rPr lang="en-US" sz="1200" err="1" smtClean="0">
-                <a:solidFill>
-                  <a:schemeClr val="tx1">
-                    <a:lumMod val="65000"/>
-                    <a:lumOff val="35000"/>
-                    <a:alpha val="60000"/>
-                  </a:schemeClr>
-                </a:solidFill>
-              </a:rPr>
-              <a:t>SteveMcLaugh</a:t>
-            </a:r>
-            <a:endParaRPr lang="en-US" sz="1200">
-              <a:solidFill>
-                <a:schemeClr val="tx1">
-                  <a:lumMod val="65000"/>
-                  <a:lumOff val="35000"/>
-                  <a:alpha val="60000"/>
-                </a:schemeClr>
-              </a:solidFill>
-            </a:endParaRPr>
-          </a:p>
-        </p:txBody>
-      </p:sp>
-    </p:spTree>
-    <p:extLst>
-      <p:ext uri="{BB962C8B-B14F-4D97-AF65-F5344CB8AC3E}">
-        <p14:creationId xmlns:p14="http://schemas.microsoft.com/office/powerpoint/2010/main" val="1074564317"/>
-      </p:ext>
-    </p:extLst>
-  </p:cSld>
-  <p:clrMapOvr>
-    <a:masterClrMapping/>
-  </p:clrMapOvr>
-  <p:timing>
-    <p:tnLst>
-      <p:par>
-        <p:cTn id="1" dur="indefinite" restart="never" nodeType="tmRoot"/>
-      </p:par>
-    </p:tnLst>
-  </p:timing>
-</p:sld>
-</file>
-
-<file path=ppt/slides/slide9.xml><?xml version="1.0" encoding="utf-8"?>
+<file path=ppt/slides/slide59.xml><?xml version="1.0" encoding="utf-8"?>
 <p:sld xmlns:a="http://schemas.openxmlformats.org/drawingml/2006/main" xmlns:r="http://schemas.openxmlformats.org/officeDocument/2006/relationships" xmlns:p="http://schemas.openxmlformats.org/presentationml/2006/main">
   <p:cSld>
     <p:spTree>
@@ -22603,7 +21646,1665 @@
     </p:spTree>
     <p:extLst>
       <p:ext uri="{BB962C8B-B14F-4D97-AF65-F5344CB8AC3E}">
-        <p14:creationId xmlns:p14="http://schemas.microsoft.com/office/powerpoint/2010/main" val="437515159"/>
+        <p14:creationId xmlns:p14="http://schemas.microsoft.com/office/powerpoint/2010/main" val="1793044749"/>
+      </p:ext>
+    </p:extLst>
+  </p:cSld>
+  <p:clrMapOvr>
+    <a:masterClrMapping/>
+  </p:clrMapOvr>
+  <p:timing>
+    <p:tnLst>
+      <p:par>
+        <p:cTn id="1" dur="indefinite" restart="never" nodeType="tmRoot"/>
+      </p:par>
+    </p:tnLst>
+  </p:timing>
+</p:sld>
+</file>
+
+<file path=ppt/slides/slide6.xml><?xml version="1.0" encoding="utf-8"?>
+<p:sld xmlns:a="http://schemas.openxmlformats.org/drawingml/2006/main" xmlns:r="http://schemas.openxmlformats.org/officeDocument/2006/relationships" xmlns:p="http://schemas.openxmlformats.org/presentationml/2006/main">
+  <p:cSld>
+    <p:spTree>
+      <p:nvGrpSpPr>
+        <p:cNvPr id="1" name=""/>
+        <p:cNvGrpSpPr/>
+        <p:nvPr/>
+      </p:nvGrpSpPr>
+      <p:grpSpPr>
+        <a:xfrm>
+          <a:off x="0" y="0"/>
+          <a:ext cx="0" cy="0"/>
+          <a:chOff x="0" y="0"/>
+          <a:chExt cx="0" cy="0"/>
+        </a:xfrm>
+      </p:grpSpPr>
+      <p:sp>
+        <p:nvSpPr>
+          <p:cNvPr id="2" name="Title 1"/>
+          <p:cNvSpPr>
+            <a:spLocks noGrp="1"/>
+          </p:cNvSpPr>
+          <p:nvPr>
+            <p:ph type="title"/>
+          </p:nvPr>
+        </p:nvSpPr>
+        <p:spPr/>
+        <p:txBody>
+          <a:bodyPr/>
+          <a:lstStyle/>
+          <a:p>
+            <a:r>
+              <a:rPr lang="en-US" dirty="0" smtClean="0">
+                <a:solidFill>
+                  <a:schemeClr val="bg2">
+                    <a:lumMod val="25000"/>
+                  </a:schemeClr>
+                </a:solidFill>
+              </a:rPr>
+              <a:t>What do you need to classify sound?</a:t>
+            </a:r>
+            <a:endParaRPr lang="en-US" dirty="0">
+              <a:solidFill>
+                <a:schemeClr val="bg2">
+                  <a:lumMod val="25000"/>
+                </a:schemeClr>
+              </a:solidFill>
+            </a:endParaRPr>
+          </a:p>
+        </p:txBody>
+      </p:sp>
+      <p:sp>
+        <p:nvSpPr>
+          <p:cNvPr id="9" name="Content Placeholder 8"/>
+          <p:cNvSpPr>
+            <a:spLocks noGrp="1"/>
+          </p:cNvSpPr>
+          <p:nvPr>
+            <p:ph idx="1"/>
+          </p:nvPr>
+        </p:nvSpPr>
+        <p:spPr/>
+        <p:txBody>
+          <a:bodyPr>
+            <a:normAutofit/>
+          </a:bodyPr>
+          <a:lstStyle/>
+          <a:p>
+            <a:pPr>
+              <a:lnSpc>
+                <a:spcPct val="110000"/>
+              </a:lnSpc>
+            </a:pPr>
+            <a:r>
+              <a:rPr lang="en-US" sz="3300" dirty="0" smtClean="0">
+                <a:solidFill>
+                  <a:schemeClr val="bg2">
+                    <a:lumMod val="25000"/>
+                  </a:schemeClr>
+                </a:solidFill>
+              </a:rPr>
+              <a:t>A little theory</a:t>
+            </a:r>
+            <a:endParaRPr lang="en-US" sz="3300" dirty="0" smtClean="0">
+              <a:solidFill>
+                <a:schemeClr val="bg2">
+                  <a:lumMod val="25000"/>
+                </a:schemeClr>
+              </a:solidFill>
+            </a:endParaRPr>
+          </a:p>
+          <a:p>
+            <a:pPr>
+              <a:lnSpc>
+                <a:spcPct val="110000"/>
+              </a:lnSpc>
+            </a:pPr>
+            <a:r>
+              <a:rPr lang="en-US" sz="3300" dirty="0" smtClean="0">
+                <a:solidFill>
+                  <a:schemeClr val="bg2">
+                    <a:lumMod val="25000"/>
+                  </a:schemeClr>
+                </a:solidFill>
+              </a:rPr>
+              <a:t>Intuition w/r/t what is tractable</a:t>
+            </a:r>
+            <a:endParaRPr lang="en-US" sz="3300" dirty="0" smtClean="0">
+              <a:solidFill>
+                <a:schemeClr val="bg2">
+                  <a:lumMod val="25000"/>
+                </a:schemeClr>
+              </a:solidFill>
+            </a:endParaRPr>
+          </a:p>
+          <a:p>
+            <a:pPr>
+              <a:lnSpc>
+                <a:spcPct val="110000"/>
+              </a:lnSpc>
+            </a:pPr>
+            <a:r>
+              <a:rPr lang="en-US" sz="3300" dirty="0" smtClean="0">
+                <a:solidFill>
+                  <a:schemeClr val="bg2">
+                    <a:lumMod val="25000"/>
+                  </a:schemeClr>
+                </a:solidFill>
+              </a:rPr>
+              <a:t>Patience and skills to manage lots of audio files</a:t>
+            </a:r>
+            <a:endParaRPr lang="en-US" sz="3300" dirty="0" smtClean="0">
+              <a:solidFill>
+                <a:schemeClr val="bg2">
+                  <a:lumMod val="25000"/>
+                </a:schemeClr>
+              </a:solidFill>
+            </a:endParaRPr>
+          </a:p>
+          <a:p>
+            <a:pPr>
+              <a:lnSpc>
+                <a:spcPct val="110000"/>
+              </a:lnSpc>
+            </a:pPr>
+            <a:r>
+              <a:rPr lang="en-US" sz="3300" dirty="0" smtClean="0">
+                <a:solidFill>
+                  <a:schemeClr val="bg2">
+                    <a:lumMod val="25000"/>
+                  </a:schemeClr>
+                </a:solidFill>
+              </a:rPr>
+              <a:t>Features</a:t>
+            </a:r>
+          </a:p>
+          <a:p>
+            <a:pPr>
+              <a:lnSpc>
+                <a:spcPct val="110000"/>
+              </a:lnSpc>
+            </a:pPr>
+            <a:endParaRPr lang="en-US" sz="3300" dirty="0" smtClean="0">
+              <a:solidFill>
+                <a:schemeClr val="bg2">
+                  <a:lumMod val="25000"/>
+                </a:schemeClr>
+              </a:solidFill>
+            </a:endParaRPr>
+          </a:p>
+          <a:p>
+            <a:pPr>
+              <a:lnSpc>
+                <a:spcPct val="110000"/>
+              </a:lnSpc>
+            </a:pPr>
+            <a:endParaRPr lang="en-US" sz="3300" dirty="0" smtClean="0">
+              <a:solidFill>
+                <a:schemeClr val="bg2">
+                  <a:lumMod val="25000"/>
+                </a:schemeClr>
+              </a:solidFill>
+            </a:endParaRPr>
+          </a:p>
+        </p:txBody>
+      </p:sp>
+      <p:pic>
+        <p:nvPicPr>
+          <p:cNvPr id="4" name="Picture 3"/>
+          <p:cNvPicPr>
+            <a:picLocks noChangeAspect="1"/>
+          </p:cNvPicPr>
+          <p:nvPr/>
+        </p:nvPicPr>
+        <p:blipFill>
+          <a:blip r:embed="rId3">
+            <a:alphaModFix amt="60000"/>
+            <a:extLst>
+              <a:ext uri="{28A0092B-C50C-407E-A947-70E740481C1C}">
+                <a14:useLocalDpi xmlns:a14="http://schemas.microsoft.com/office/drawing/2010/main" val="0"/>
+              </a:ext>
+            </a:extLst>
+          </a:blip>
+          <a:stretch>
+            <a:fillRect/>
+          </a:stretch>
+        </p:blipFill>
+        <p:spPr>
+          <a:xfrm>
+            <a:off x="173384" y="6417255"/>
+            <a:ext cx="1695174" cy="270123"/>
+          </a:xfrm>
+          <a:prstGeom prst="rect">
+            <a:avLst/>
+          </a:prstGeom>
+        </p:spPr>
+      </p:pic>
+      <p:cxnSp>
+        <p:nvCxnSpPr>
+          <p:cNvPr id="10" name="Straight Connector 9"/>
+          <p:cNvCxnSpPr/>
+          <p:nvPr/>
+        </p:nvCxnSpPr>
+        <p:spPr>
+          <a:xfrm>
+            <a:off x="0" y="6253236"/>
+            <a:ext cx="12192000" cy="0"/>
+          </a:xfrm>
+          <a:prstGeom prst="line">
+            <a:avLst/>
+          </a:prstGeom>
+          <a:ln>
+            <a:solidFill>
+              <a:schemeClr val="bg2">
+                <a:lumMod val="75000"/>
+              </a:schemeClr>
+            </a:solidFill>
+          </a:ln>
+        </p:spPr>
+        <p:style>
+          <a:lnRef idx="1">
+            <a:schemeClr val="dk1"/>
+          </a:lnRef>
+          <a:fillRef idx="0">
+            <a:schemeClr val="dk1"/>
+          </a:fillRef>
+          <a:effectRef idx="0">
+            <a:schemeClr val="dk1"/>
+          </a:effectRef>
+          <a:fontRef idx="minor">
+            <a:schemeClr val="tx1"/>
+          </a:fontRef>
+        </p:style>
+      </p:cxnSp>
+      <p:sp>
+        <p:nvSpPr>
+          <p:cNvPr id="13" name="TextBox 12"/>
+          <p:cNvSpPr txBox="1"/>
+          <p:nvPr/>
+        </p:nvSpPr>
+        <p:spPr>
+          <a:xfrm>
+            <a:off x="9245600" y="6417255"/>
+            <a:ext cx="2946400" cy="276999"/>
+          </a:xfrm>
+          <a:prstGeom prst="rect">
+            <a:avLst/>
+          </a:prstGeom>
+          <a:noFill/>
+        </p:spPr>
+        <p:txBody>
+          <a:bodyPr wrap="square" rtlCol="0">
+            <a:spAutoFit/>
+          </a:bodyPr>
+          <a:lstStyle/>
+          <a:p>
+            <a:r>
+              <a:rPr lang="en-US" sz="1200" smtClean="0">
+                <a:solidFill>
+                  <a:schemeClr val="tx1">
+                    <a:lumMod val="65000"/>
+                    <a:lumOff val="35000"/>
+                    <a:alpha val="60000"/>
+                  </a:schemeClr>
+                </a:solidFill>
+              </a:rPr>
+              <a:t>Stephen McLaughlin  /  @</a:t>
+            </a:r>
+            <a:r>
+              <a:rPr lang="en-US" sz="1200" err="1" smtClean="0">
+                <a:solidFill>
+                  <a:schemeClr val="tx1">
+                    <a:lumMod val="65000"/>
+                    <a:lumOff val="35000"/>
+                    <a:alpha val="60000"/>
+                  </a:schemeClr>
+                </a:solidFill>
+              </a:rPr>
+              <a:t>SteveMcLaugh</a:t>
+            </a:r>
+            <a:endParaRPr lang="en-US" sz="1200">
+              <a:solidFill>
+                <a:schemeClr val="tx1">
+                  <a:lumMod val="65000"/>
+                  <a:lumOff val="35000"/>
+                  <a:alpha val="60000"/>
+                </a:schemeClr>
+              </a:solidFill>
+            </a:endParaRPr>
+          </a:p>
+        </p:txBody>
+      </p:sp>
+    </p:spTree>
+    <p:extLst>
+      <p:ext uri="{BB962C8B-B14F-4D97-AF65-F5344CB8AC3E}">
+        <p14:creationId xmlns:p14="http://schemas.microsoft.com/office/powerpoint/2010/main" val="1653251035"/>
+      </p:ext>
+    </p:extLst>
+  </p:cSld>
+  <p:clrMapOvr>
+    <a:masterClrMapping/>
+  </p:clrMapOvr>
+  <p:timing>
+    <p:tnLst>
+      <p:par>
+        <p:cTn id="1" dur="indefinite" restart="never" nodeType="tmRoot"/>
+      </p:par>
+    </p:tnLst>
+  </p:timing>
+</p:sld>
+</file>
+
+<file path=ppt/slides/slide60.xml><?xml version="1.0" encoding="utf-8"?>
+<p:sld xmlns:a="http://schemas.openxmlformats.org/drawingml/2006/main" xmlns:r="http://schemas.openxmlformats.org/officeDocument/2006/relationships" xmlns:p="http://schemas.openxmlformats.org/presentationml/2006/main">
+  <p:cSld>
+    <p:spTree>
+      <p:nvGrpSpPr>
+        <p:cNvPr id="1" name=""/>
+        <p:cNvGrpSpPr/>
+        <p:nvPr/>
+      </p:nvGrpSpPr>
+      <p:grpSpPr>
+        <a:xfrm>
+          <a:off x="0" y="0"/>
+          <a:ext cx="0" cy="0"/>
+          <a:chOff x="0" y="0"/>
+          <a:chExt cx="0" cy="0"/>
+        </a:xfrm>
+      </p:grpSpPr>
+      <p:sp>
+        <p:nvSpPr>
+          <p:cNvPr id="2" name="Title 1"/>
+          <p:cNvSpPr>
+            <a:spLocks noGrp="1"/>
+          </p:cNvSpPr>
+          <p:nvPr>
+            <p:ph type="title"/>
+          </p:nvPr>
+        </p:nvSpPr>
+        <p:spPr/>
+        <p:txBody>
+          <a:bodyPr/>
+          <a:lstStyle/>
+          <a:p>
+            <a:r>
+              <a:rPr lang="en-US" dirty="0" smtClean="0">
+                <a:solidFill>
+                  <a:schemeClr val="bg2">
+                    <a:lumMod val="25000"/>
+                  </a:schemeClr>
+                </a:solidFill>
+              </a:rPr>
+              <a:t>Title</a:t>
+            </a:r>
+            <a:endParaRPr lang="en-US" dirty="0">
+              <a:solidFill>
+                <a:schemeClr val="bg2">
+                  <a:lumMod val="25000"/>
+                </a:schemeClr>
+              </a:solidFill>
+            </a:endParaRPr>
+          </a:p>
+        </p:txBody>
+      </p:sp>
+      <p:sp>
+        <p:nvSpPr>
+          <p:cNvPr id="9" name="Content Placeholder 8"/>
+          <p:cNvSpPr>
+            <a:spLocks noGrp="1"/>
+          </p:cNvSpPr>
+          <p:nvPr>
+            <p:ph idx="1"/>
+          </p:nvPr>
+        </p:nvSpPr>
+        <p:spPr/>
+        <p:txBody>
+          <a:bodyPr>
+            <a:normAutofit/>
+          </a:bodyPr>
+          <a:lstStyle/>
+          <a:p>
+            <a:pPr>
+              <a:lnSpc>
+                <a:spcPct val="110000"/>
+              </a:lnSpc>
+            </a:pPr>
+            <a:r>
+              <a:rPr lang="en-US" sz="2600" dirty="0" smtClean="0">
+                <a:solidFill>
+                  <a:schemeClr val="bg2">
+                    <a:lumMod val="25000"/>
+                  </a:schemeClr>
+                </a:solidFill>
+              </a:rPr>
+              <a:t>1</a:t>
+            </a:r>
+          </a:p>
+          <a:p>
+            <a:pPr>
+              <a:lnSpc>
+                <a:spcPct val="110000"/>
+              </a:lnSpc>
+            </a:pPr>
+            <a:r>
+              <a:rPr lang="en-US" sz="2600" dirty="0" smtClean="0">
+                <a:solidFill>
+                  <a:schemeClr val="bg2">
+                    <a:lumMod val="25000"/>
+                  </a:schemeClr>
+                </a:solidFill>
+              </a:rPr>
+              <a:t>2</a:t>
+            </a:r>
+          </a:p>
+          <a:p>
+            <a:pPr>
+              <a:lnSpc>
+                <a:spcPct val="110000"/>
+              </a:lnSpc>
+            </a:pPr>
+            <a:r>
+              <a:rPr lang="en-US" sz="2600" dirty="0" smtClean="0">
+                <a:solidFill>
+                  <a:schemeClr val="bg2">
+                    <a:lumMod val="25000"/>
+                  </a:schemeClr>
+                </a:solidFill>
+              </a:rPr>
+              <a:t>3</a:t>
+            </a:r>
+          </a:p>
+          <a:p>
+            <a:pPr>
+              <a:lnSpc>
+                <a:spcPct val="110000"/>
+              </a:lnSpc>
+            </a:pPr>
+            <a:r>
+              <a:rPr lang="en-US" sz="2600" dirty="0" smtClean="0">
+                <a:solidFill>
+                  <a:schemeClr val="bg2">
+                    <a:lumMod val="25000"/>
+                  </a:schemeClr>
+                </a:solidFill>
+              </a:rPr>
+              <a:t>4</a:t>
+            </a:r>
+          </a:p>
+          <a:p>
+            <a:pPr>
+              <a:lnSpc>
+                <a:spcPct val="110000"/>
+              </a:lnSpc>
+            </a:pPr>
+            <a:endParaRPr lang="en-US" sz="2600" dirty="0" smtClean="0">
+              <a:solidFill>
+                <a:schemeClr val="bg2">
+                  <a:lumMod val="25000"/>
+                </a:schemeClr>
+              </a:solidFill>
+            </a:endParaRPr>
+          </a:p>
+          <a:p>
+            <a:pPr>
+              <a:lnSpc>
+                <a:spcPct val="110000"/>
+              </a:lnSpc>
+            </a:pPr>
+            <a:endParaRPr lang="en-US" sz="2600" dirty="0" smtClean="0">
+              <a:solidFill>
+                <a:schemeClr val="bg2">
+                  <a:lumMod val="25000"/>
+                </a:schemeClr>
+              </a:solidFill>
+            </a:endParaRPr>
+          </a:p>
+          <a:p>
+            <a:pPr>
+              <a:lnSpc>
+                <a:spcPct val="110000"/>
+              </a:lnSpc>
+            </a:pPr>
+            <a:endParaRPr lang="en-US" sz="2600" dirty="0" smtClean="0">
+              <a:solidFill>
+                <a:schemeClr val="bg2">
+                  <a:lumMod val="25000"/>
+                </a:schemeClr>
+              </a:solidFill>
+            </a:endParaRPr>
+          </a:p>
+        </p:txBody>
+      </p:sp>
+      <p:pic>
+        <p:nvPicPr>
+          <p:cNvPr id="4" name="Picture 3"/>
+          <p:cNvPicPr>
+            <a:picLocks noChangeAspect="1"/>
+          </p:cNvPicPr>
+          <p:nvPr/>
+        </p:nvPicPr>
+        <p:blipFill>
+          <a:blip r:embed="rId3">
+            <a:alphaModFix amt="60000"/>
+            <a:extLst>
+              <a:ext uri="{28A0092B-C50C-407E-A947-70E740481C1C}">
+                <a14:useLocalDpi xmlns:a14="http://schemas.microsoft.com/office/drawing/2010/main" val="0"/>
+              </a:ext>
+            </a:extLst>
+          </a:blip>
+          <a:stretch>
+            <a:fillRect/>
+          </a:stretch>
+        </p:blipFill>
+        <p:spPr>
+          <a:xfrm>
+            <a:off x="173384" y="6417255"/>
+            <a:ext cx="1695174" cy="270123"/>
+          </a:xfrm>
+          <a:prstGeom prst="rect">
+            <a:avLst/>
+          </a:prstGeom>
+        </p:spPr>
+      </p:pic>
+      <p:cxnSp>
+        <p:nvCxnSpPr>
+          <p:cNvPr id="10" name="Straight Connector 9"/>
+          <p:cNvCxnSpPr/>
+          <p:nvPr/>
+        </p:nvCxnSpPr>
+        <p:spPr>
+          <a:xfrm>
+            <a:off x="0" y="6253236"/>
+            <a:ext cx="12192000" cy="0"/>
+          </a:xfrm>
+          <a:prstGeom prst="line">
+            <a:avLst/>
+          </a:prstGeom>
+          <a:ln>
+            <a:solidFill>
+              <a:schemeClr val="bg2">
+                <a:lumMod val="75000"/>
+              </a:schemeClr>
+            </a:solidFill>
+          </a:ln>
+        </p:spPr>
+        <p:style>
+          <a:lnRef idx="1">
+            <a:schemeClr val="dk1"/>
+          </a:lnRef>
+          <a:fillRef idx="0">
+            <a:schemeClr val="dk1"/>
+          </a:fillRef>
+          <a:effectRef idx="0">
+            <a:schemeClr val="dk1"/>
+          </a:effectRef>
+          <a:fontRef idx="minor">
+            <a:schemeClr val="tx1"/>
+          </a:fontRef>
+        </p:style>
+      </p:cxnSp>
+      <p:sp>
+        <p:nvSpPr>
+          <p:cNvPr id="13" name="TextBox 12"/>
+          <p:cNvSpPr txBox="1"/>
+          <p:nvPr/>
+        </p:nvSpPr>
+        <p:spPr>
+          <a:xfrm>
+            <a:off x="9245600" y="6417255"/>
+            <a:ext cx="2946400" cy="276999"/>
+          </a:xfrm>
+          <a:prstGeom prst="rect">
+            <a:avLst/>
+          </a:prstGeom>
+          <a:noFill/>
+        </p:spPr>
+        <p:txBody>
+          <a:bodyPr wrap="square" rtlCol="0">
+            <a:spAutoFit/>
+          </a:bodyPr>
+          <a:lstStyle/>
+          <a:p>
+            <a:r>
+              <a:rPr lang="en-US" sz="1200" smtClean="0">
+                <a:solidFill>
+                  <a:schemeClr val="tx1">
+                    <a:lumMod val="65000"/>
+                    <a:lumOff val="35000"/>
+                    <a:alpha val="60000"/>
+                  </a:schemeClr>
+                </a:solidFill>
+              </a:rPr>
+              <a:t>Stephen McLaughlin  /  @</a:t>
+            </a:r>
+            <a:r>
+              <a:rPr lang="en-US" sz="1200" err="1" smtClean="0">
+                <a:solidFill>
+                  <a:schemeClr val="tx1">
+                    <a:lumMod val="65000"/>
+                    <a:lumOff val="35000"/>
+                    <a:alpha val="60000"/>
+                  </a:schemeClr>
+                </a:solidFill>
+              </a:rPr>
+              <a:t>SteveMcLaugh</a:t>
+            </a:r>
+            <a:endParaRPr lang="en-US" sz="1200">
+              <a:solidFill>
+                <a:schemeClr val="tx1">
+                  <a:lumMod val="65000"/>
+                  <a:lumOff val="35000"/>
+                  <a:alpha val="60000"/>
+                </a:schemeClr>
+              </a:solidFill>
+            </a:endParaRPr>
+          </a:p>
+        </p:txBody>
+      </p:sp>
+    </p:spTree>
+    <p:extLst>
+      <p:ext uri="{BB962C8B-B14F-4D97-AF65-F5344CB8AC3E}">
+        <p14:creationId xmlns:p14="http://schemas.microsoft.com/office/powerpoint/2010/main" val="698315921"/>
+      </p:ext>
+    </p:extLst>
+  </p:cSld>
+  <p:clrMapOvr>
+    <a:masterClrMapping/>
+  </p:clrMapOvr>
+  <p:timing>
+    <p:tnLst>
+      <p:par>
+        <p:cTn id="1" dur="indefinite" restart="never" nodeType="tmRoot"/>
+      </p:par>
+    </p:tnLst>
+  </p:timing>
+</p:sld>
+</file>
+
+<file path=ppt/slides/slide7.xml><?xml version="1.0" encoding="utf-8"?>
+<p:sld xmlns:a="http://schemas.openxmlformats.org/drawingml/2006/main" xmlns:r="http://schemas.openxmlformats.org/officeDocument/2006/relationships" xmlns:p="http://schemas.openxmlformats.org/presentationml/2006/main">
+  <p:cSld>
+    <p:spTree>
+      <p:nvGrpSpPr>
+        <p:cNvPr id="1" name=""/>
+        <p:cNvGrpSpPr/>
+        <p:nvPr/>
+      </p:nvGrpSpPr>
+      <p:grpSpPr>
+        <a:xfrm>
+          <a:off x="0" y="0"/>
+          <a:ext cx="0" cy="0"/>
+          <a:chOff x="0" y="0"/>
+          <a:chExt cx="0" cy="0"/>
+        </a:xfrm>
+      </p:grpSpPr>
+      <p:sp>
+        <p:nvSpPr>
+          <p:cNvPr id="2" name="Title 1"/>
+          <p:cNvSpPr>
+            <a:spLocks noGrp="1"/>
+          </p:cNvSpPr>
+          <p:nvPr>
+            <p:ph type="title"/>
+          </p:nvPr>
+        </p:nvSpPr>
+        <p:spPr/>
+        <p:txBody>
+          <a:bodyPr/>
+          <a:lstStyle/>
+          <a:p>
+            <a:r>
+              <a:rPr lang="en-US" dirty="0" smtClean="0">
+                <a:solidFill>
+                  <a:schemeClr val="bg2">
+                    <a:lumMod val="25000"/>
+                  </a:schemeClr>
+                </a:solidFill>
+              </a:rPr>
+              <a:t>What do you need to classify sound?</a:t>
+            </a:r>
+            <a:endParaRPr lang="en-US" dirty="0">
+              <a:solidFill>
+                <a:schemeClr val="bg2">
+                  <a:lumMod val="25000"/>
+                </a:schemeClr>
+              </a:solidFill>
+            </a:endParaRPr>
+          </a:p>
+        </p:txBody>
+      </p:sp>
+      <p:sp>
+        <p:nvSpPr>
+          <p:cNvPr id="9" name="Content Placeholder 8"/>
+          <p:cNvSpPr>
+            <a:spLocks noGrp="1"/>
+          </p:cNvSpPr>
+          <p:nvPr>
+            <p:ph idx="1"/>
+          </p:nvPr>
+        </p:nvSpPr>
+        <p:spPr/>
+        <p:txBody>
+          <a:bodyPr>
+            <a:normAutofit/>
+          </a:bodyPr>
+          <a:lstStyle/>
+          <a:p>
+            <a:pPr>
+              <a:lnSpc>
+                <a:spcPct val="110000"/>
+              </a:lnSpc>
+            </a:pPr>
+            <a:r>
+              <a:rPr lang="en-US" sz="3300" dirty="0" smtClean="0">
+                <a:solidFill>
+                  <a:schemeClr val="bg2">
+                    <a:lumMod val="25000"/>
+                  </a:schemeClr>
+                </a:solidFill>
+              </a:rPr>
+              <a:t>A little theory</a:t>
+            </a:r>
+            <a:endParaRPr lang="en-US" sz="3300" dirty="0" smtClean="0">
+              <a:solidFill>
+                <a:schemeClr val="bg2">
+                  <a:lumMod val="25000"/>
+                </a:schemeClr>
+              </a:solidFill>
+            </a:endParaRPr>
+          </a:p>
+          <a:p>
+            <a:pPr>
+              <a:lnSpc>
+                <a:spcPct val="110000"/>
+              </a:lnSpc>
+            </a:pPr>
+            <a:r>
+              <a:rPr lang="en-US" sz="3300" dirty="0" smtClean="0">
+                <a:solidFill>
+                  <a:schemeClr val="bg2">
+                    <a:lumMod val="25000"/>
+                  </a:schemeClr>
+                </a:solidFill>
+              </a:rPr>
+              <a:t>Intuition w/r/t what is tractable</a:t>
+            </a:r>
+            <a:endParaRPr lang="en-US" sz="3300" dirty="0" smtClean="0">
+              <a:solidFill>
+                <a:schemeClr val="bg2">
+                  <a:lumMod val="25000"/>
+                </a:schemeClr>
+              </a:solidFill>
+            </a:endParaRPr>
+          </a:p>
+          <a:p>
+            <a:pPr>
+              <a:lnSpc>
+                <a:spcPct val="110000"/>
+              </a:lnSpc>
+            </a:pPr>
+            <a:r>
+              <a:rPr lang="en-US" sz="3300" dirty="0" smtClean="0">
+                <a:solidFill>
+                  <a:schemeClr val="bg2">
+                    <a:lumMod val="25000"/>
+                  </a:schemeClr>
+                </a:solidFill>
+              </a:rPr>
+              <a:t>Patience and skills to manage lots of audio files</a:t>
+            </a:r>
+            <a:endParaRPr lang="en-US" sz="3300" dirty="0" smtClean="0">
+              <a:solidFill>
+                <a:schemeClr val="bg2">
+                  <a:lumMod val="25000"/>
+                </a:schemeClr>
+              </a:solidFill>
+            </a:endParaRPr>
+          </a:p>
+          <a:p>
+            <a:pPr>
+              <a:lnSpc>
+                <a:spcPct val="110000"/>
+              </a:lnSpc>
+            </a:pPr>
+            <a:r>
+              <a:rPr lang="en-US" sz="3300" dirty="0" smtClean="0">
+                <a:solidFill>
+                  <a:schemeClr val="bg2">
+                    <a:lumMod val="25000"/>
+                  </a:schemeClr>
+                </a:solidFill>
+              </a:rPr>
+              <a:t>Features</a:t>
+            </a:r>
+          </a:p>
+          <a:p>
+            <a:pPr>
+              <a:lnSpc>
+                <a:spcPct val="110000"/>
+              </a:lnSpc>
+            </a:pPr>
+            <a:r>
+              <a:rPr lang="en-US" sz="3300" dirty="0" smtClean="0">
+                <a:solidFill>
+                  <a:schemeClr val="bg2">
+                    <a:lumMod val="25000"/>
+                  </a:schemeClr>
+                </a:solidFill>
+              </a:rPr>
+              <a:t>A passable algorithm</a:t>
+            </a:r>
+            <a:endParaRPr lang="en-US" sz="3300" dirty="0" smtClean="0">
+              <a:solidFill>
+                <a:schemeClr val="bg2">
+                  <a:lumMod val="25000"/>
+                </a:schemeClr>
+              </a:solidFill>
+            </a:endParaRPr>
+          </a:p>
+          <a:p>
+            <a:pPr>
+              <a:lnSpc>
+                <a:spcPct val="110000"/>
+              </a:lnSpc>
+            </a:pPr>
+            <a:endParaRPr lang="en-US" sz="3300" dirty="0" smtClean="0">
+              <a:solidFill>
+                <a:schemeClr val="bg2">
+                  <a:lumMod val="25000"/>
+                </a:schemeClr>
+              </a:solidFill>
+            </a:endParaRPr>
+          </a:p>
+          <a:p>
+            <a:pPr>
+              <a:lnSpc>
+                <a:spcPct val="110000"/>
+              </a:lnSpc>
+            </a:pPr>
+            <a:endParaRPr lang="en-US" sz="3300" dirty="0" smtClean="0">
+              <a:solidFill>
+                <a:schemeClr val="bg2">
+                  <a:lumMod val="25000"/>
+                </a:schemeClr>
+              </a:solidFill>
+            </a:endParaRPr>
+          </a:p>
+        </p:txBody>
+      </p:sp>
+      <p:pic>
+        <p:nvPicPr>
+          <p:cNvPr id="4" name="Picture 3"/>
+          <p:cNvPicPr>
+            <a:picLocks noChangeAspect="1"/>
+          </p:cNvPicPr>
+          <p:nvPr/>
+        </p:nvPicPr>
+        <p:blipFill>
+          <a:blip r:embed="rId3">
+            <a:alphaModFix amt="60000"/>
+            <a:extLst>
+              <a:ext uri="{28A0092B-C50C-407E-A947-70E740481C1C}">
+                <a14:useLocalDpi xmlns:a14="http://schemas.microsoft.com/office/drawing/2010/main" val="0"/>
+              </a:ext>
+            </a:extLst>
+          </a:blip>
+          <a:stretch>
+            <a:fillRect/>
+          </a:stretch>
+        </p:blipFill>
+        <p:spPr>
+          <a:xfrm>
+            <a:off x="173384" y="6417255"/>
+            <a:ext cx="1695174" cy="270123"/>
+          </a:xfrm>
+          <a:prstGeom prst="rect">
+            <a:avLst/>
+          </a:prstGeom>
+        </p:spPr>
+      </p:pic>
+      <p:cxnSp>
+        <p:nvCxnSpPr>
+          <p:cNvPr id="10" name="Straight Connector 9"/>
+          <p:cNvCxnSpPr/>
+          <p:nvPr/>
+        </p:nvCxnSpPr>
+        <p:spPr>
+          <a:xfrm>
+            <a:off x="0" y="6253236"/>
+            <a:ext cx="12192000" cy="0"/>
+          </a:xfrm>
+          <a:prstGeom prst="line">
+            <a:avLst/>
+          </a:prstGeom>
+          <a:ln>
+            <a:solidFill>
+              <a:schemeClr val="bg2">
+                <a:lumMod val="75000"/>
+              </a:schemeClr>
+            </a:solidFill>
+          </a:ln>
+        </p:spPr>
+        <p:style>
+          <a:lnRef idx="1">
+            <a:schemeClr val="dk1"/>
+          </a:lnRef>
+          <a:fillRef idx="0">
+            <a:schemeClr val="dk1"/>
+          </a:fillRef>
+          <a:effectRef idx="0">
+            <a:schemeClr val="dk1"/>
+          </a:effectRef>
+          <a:fontRef idx="minor">
+            <a:schemeClr val="tx1"/>
+          </a:fontRef>
+        </p:style>
+      </p:cxnSp>
+      <p:sp>
+        <p:nvSpPr>
+          <p:cNvPr id="13" name="TextBox 12"/>
+          <p:cNvSpPr txBox="1"/>
+          <p:nvPr/>
+        </p:nvSpPr>
+        <p:spPr>
+          <a:xfrm>
+            <a:off x="9245600" y="6417255"/>
+            <a:ext cx="2946400" cy="276999"/>
+          </a:xfrm>
+          <a:prstGeom prst="rect">
+            <a:avLst/>
+          </a:prstGeom>
+          <a:noFill/>
+        </p:spPr>
+        <p:txBody>
+          <a:bodyPr wrap="square" rtlCol="0">
+            <a:spAutoFit/>
+          </a:bodyPr>
+          <a:lstStyle/>
+          <a:p>
+            <a:r>
+              <a:rPr lang="en-US" sz="1200" smtClean="0">
+                <a:solidFill>
+                  <a:schemeClr val="tx1">
+                    <a:lumMod val="65000"/>
+                    <a:lumOff val="35000"/>
+                    <a:alpha val="60000"/>
+                  </a:schemeClr>
+                </a:solidFill>
+              </a:rPr>
+              <a:t>Stephen McLaughlin  /  @</a:t>
+            </a:r>
+            <a:r>
+              <a:rPr lang="en-US" sz="1200" err="1" smtClean="0">
+                <a:solidFill>
+                  <a:schemeClr val="tx1">
+                    <a:lumMod val="65000"/>
+                    <a:lumOff val="35000"/>
+                    <a:alpha val="60000"/>
+                  </a:schemeClr>
+                </a:solidFill>
+              </a:rPr>
+              <a:t>SteveMcLaugh</a:t>
+            </a:r>
+            <a:endParaRPr lang="en-US" sz="1200">
+              <a:solidFill>
+                <a:schemeClr val="tx1">
+                  <a:lumMod val="65000"/>
+                  <a:lumOff val="35000"/>
+                  <a:alpha val="60000"/>
+                </a:schemeClr>
+              </a:solidFill>
+            </a:endParaRPr>
+          </a:p>
+        </p:txBody>
+      </p:sp>
+    </p:spTree>
+    <p:extLst>
+      <p:ext uri="{BB962C8B-B14F-4D97-AF65-F5344CB8AC3E}">
+        <p14:creationId xmlns:p14="http://schemas.microsoft.com/office/powerpoint/2010/main" val="1098781551"/>
+      </p:ext>
+    </p:extLst>
+  </p:cSld>
+  <p:clrMapOvr>
+    <a:masterClrMapping/>
+  </p:clrMapOvr>
+  <p:timing>
+    <p:tnLst>
+      <p:par>
+        <p:cTn id="1" dur="indefinite" restart="never" nodeType="tmRoot"/>
+      </p:par>
+    </p:tnLst>
+  </p:timing>
+</p:sld>
+</file>
+
+<file path=ppt/slides/slide8.xml><?xml version="1.0" encoding="utf-8"?>
+<p:sld xmlns:a="http://schemas.openxmlformats.org/drawingml/2006/main" xmlns:r="http://schemas.openxmlformats.org/officeDocument/2006/relationships" xmlns:p="http://schemas.openxmlformats.org/presentationml/2006/main">
+  <p:cSld>
+    <p:spTree>
+      <p:nvGrpSpPr>
+        <p:cNvPr id="1" name=""/>
+        <p:cNvGrpSpPr/>
+        <p:nvPr/>
+      </p:nvGrpSpPr>
+      <p:grpSpPr>
+        <a:xfrm>
+          <a:off x="0" y="0"/>
+          <a:ext cx="0" cy="0"/>
+          <a:chOff x="0" y="0"/>
+          <a:chExt cx="0" cy="0"/>
+        </a:xfrm>
+      </p:grpSpPr>
+      <p:sp>
+        <p:nvSpPr>
+          <p:cNvPr id="2" name="Title 1"/>
+          <p:cNvSpPr>
+            <a:spLocks noGrp="1"/>
+          </p:cNvSpPr>
+          <p:nvPr>
+            <p:ph type="title"/>
+          </p:nvPr>
+        </p:nvSpPr>
+        <p:spPr/>
+        <p:txBody>
+          <a:bodyPr/>
+          <a:lstStyle/>
+          <a:p>
+            <a:r>
+              <a:rPr lang="en-US" dirty="0" smtClean="0">
+                <a:solidFill>
+                  <a:schemeClr val="bg2">
+                    <a:lumMod val="25000"/>
+                  </a:schemeClr>
+                </a:solidFill>
+              </a:rPr>
+              <a:t>What we won’t learn</a:t>
+            </a:r>
+            <a:endParaRPr lang="en-US" dirty="0">
+              <a:solidFill>
+                <a:schemeClr val="bg2">
+                  <a:lumMod val="25000"/>
+                </a:schemeClr>
+              </a:solidFill>
+            </a:endParaRPr>
+          </a:p>
+        </p:txBody>
+      </p:sp>
+      <p:sp>
+        <p:nvSpPr>
+          <p:cNvPr id="9" name="Content Placeholder 8"/>
+          <p:cNvSpPr>
+            <a:spLocks noGrp="1"/>
+          </p:cNvSpPr>
+          <p:nvPr>
+            <p:ph idx="1"/>
+          </p:nvPr>
+        </p:nvSpPr>
+        <p:spPr/>
+        <p:txBody>
+          <a:bodyPr>
+            <a:normAutofit/>
+          </a:bodyPr>
+          <a:lstStyle/>
+          <a:p>
+            <a:pPr>
+              <a:lnSpc>
+                <a:spcPct val="110000"/>
+              </a:lnSpc>
+            </a:pPr>
+            <a:r>
+              <a:rPr lang="en-US" sz="3300" dirty="0" smtClean="0">
+                <a:solidFill>
+                  <a:schemeClr val="bg2">
+                    <a:lumMod val="25000"/>
+                  </a:schemeClr>
+                </a:solidFill>
+              </a:rPr>
+              <a:t>statistics</a:t>
+            </a:r>
+          </a:p>
+          <a:p>
+            <a:pPr>
+              <a:lnSpc>
+                <a:spcPct val="110000"/>
+              </a:lnSpc>
+            </a:pPr>
+            <a:r>
+              <a:rPr lang="en-US" sz="3300" dirty="0">
+                <a:solidFill>
+                  <a:schemeClr val="bg2">
+                    <a:lumMod val="25000"/>
+                  </a:schemeClr>
+                </a:solidFill>
+              </a:rPr>
+              <a:t>signal </a:t>
+            </a:r>
+            <a:r>
+              <a:rPr lang="en-US" sz="3300" dirty="0" smtClean="0">
+                <a:solidFill>
+                  <a:schemeClr val="bg2">
+                    <a:lumMod val="25000"/>
+                  </a:schemeClr>
+                </a:solidFill>
+              </a:rPr>
+              <a:t>processing</a:t>
+            </a:r>
+          </a:p>
+          <a:p>
+            <a:pPr>
+              <a:lnSpc>
+                <a:spcPct val="110000"/>
+              </a:lnSpc>
+            </a:pPr>
+            <a:r>
+              <a:rPr lang="en-US" sz="3300" dirty="0">
+                <a:solidFill>
+                  <a:schemeClr val="bg2">
+                    <a:lumMod val="25000"/>
+                  </a:schemeClr>
+                </a:solidFill>
+              </a:rPr>
+              <a:t>programming in </a:t>
+            </a:r>
+            <a:r>
+              <a:rPr lang="en-US" sz="3300" dirty="0" smtClean="0">
+                <a:solidFill>
+                  <a:schemeClr val="bg2">
+                    <a:lumMod val="25000"/>
+                  </a:schemeClr>
+                </a:solidFill>
+              </a:rPr>
+              <a:t>general</a:t>
+            </a:r>
+          </a:p>
+          <a:p>
+            <a:pPr>
+              <a:lnSpc>
+                <a:spcPct val="110000"/>
+              </a:lnSpc>
+            </a:pPr>
+            <a:r>
+              <a:rPr lang="en-US" sz="3300" dirty="0">
+                <a:solidFill>
+                  <a:schemeClr val="bg2">
+                    <a:lumMod val="25000"/>
+                  </a:schemeClr>
+                </a:solidFill>
+              </a:rPr>
+              <a:t>state-of-the-art ML techniques</a:t>
+            </a:r>
+            <a:endParaRPr lang="en-US" sz="3300" dirty="0" smtClean="0">
+              <a:solidFill>
+                <a:schemeClr val="bg2">
+                  <a:lumMod val="25000"/>
+                </a:schemeClr>
+              </a:solidFill>
+            </a:endParaRPr>
+          </a:p>
+        </p:txBody>
+      </p:sp>
+      <p:pic>
+        <p:nvPicPr>
+          <p:cNvPr id="4" name="Picture 3"/>
+          <p:cNvPicPr>
+            <a:picLocks noChangeAspect="1"/>
+          </p:cNvPicPr>
+          <p:nvPr/>
+        </p:nvPicPr>
+        <p:blipFill>
+          <a:blip r:embed="rId3">
+            <a:alphaModFix amt="60000"/>
+            <a:extLst>
+              <a:ext uri="{28A0092B-C50C-407E-A947-70E740481C1C}">
+                <a14:useLocalDpi xmlns:a14="http://schemas.microsoft.com/office/drawing/2010/main" val="0"/>
+              </a:ext>
+            </a:extLst>
+          </a:blip>
+          <a:stretch>
+            <a:fillRect/>
+          </a:stretch>
+        </p:blipFill>
+        <p:spPr>
+          <a:xfrm>
+            <a:off x="173384" y="6417255"/>
+            <a:ext cx="1695174" cy="270123"/>
+          </a:xfrm>
+          <a:prstGeom prst="rect">
+            <a:avLst/>
+          </a:prstGeom>
+        </p:spPr>
+      </p:pic>
+      <p:cxnSp>
+        <p:nvCxnSpPr>
+          <p:cNvPr id="10" name="Straight Connector 9"/>
+          <p:cNvCxnSpPr/>
+          <p:nvPr/>
+        </p:nvCxnSpPr>
+        <p:spPr>
+          <a:xfrm>
+            <a:off x="0" y="6253236"/>
+            <a:ext cx="12192000" cy="0"/>
+          </a:xfrm>
+          <a:prstGeom prst="line">
+            <a:avLst/>
+          </a:prstGeom>
+          <a:ln>
+            <a:solidFill>
+              <a:schemeClr val="bg2">
+                <a:lumMod val="75000"/>
+              </a:schemeClr>
+            </a:solidFill>
+          </a:ln>
+        </p:spPr>
+        <p:style>
+          <a:lnRef idx="1">
+            <a:schemeClr val="dk1"/>
+          </a:lnRef>
+          <a:fillRef idx="0">
+            <a:schemeClr val="dk1"/>
+          </a:fillRef>
+          <a:effectRef idx="0">
+            <a:schemeClr val="dk1"/>
+          </a:effectRef>
+          <a:fontRef idx="minor">
+            <a:schemeClr val="tx1"/>
+          </a:fontRef>
+        </p:style>
+      </p:cxnSp>
+      <p:sp>
+        <p:nvSpPr>
+          <p:cNvPr id="13" name="TextBox 12"/>
+          <p:cNvSpPr txBox="1"/>
+          <p:nvPr/>
+        </p:nvSpPr>
+        <p:spPr>
+          <a:xfrm>
+            <a:off x="9245600" y="6417255"/>
+            <a:ext cx="2946400" cy="276999"/>
+          </a:xfrm>
+          <a:prstGeom prst="rect">
+            <a:avLst/>
+          </a:prstGeom>
+          <a:noFill/>
+        </p:spPr>
+        <p:txBody>
+          <a:bodyPr wrap="square" rtlCol="0">
+            <a:spAutoFit/>
+          </a:bodyPr>
+          <a:lstStyle/>
+          <a:p>
+            <a:r>
+              <a:rPr lang="en-US" sz="1200" smtClean="0">
+                <a:solidFill>
+                  <a:schemeClr val="tx1">
+                    <a:lumMod val="65000"/>
+                    <a:lumOff val="35000"/>
+                    <a:alpha val="60000"/>
+                  </a:schemeClr>
+                </a:solidFill>
+              </a:rPr>
+              <a:t>Stephen McLaughlin  /  @</a:t>
+            </a:r>
+            <a:r>
+              <a:rPr lang="en-US" sz="1200" err="1" smtClean="0">
+                <a:solidFill>
+                  <a:schemeClr val="tx1">
+                    <a:lumMod val="65000"/>
+                    <a:lumOff val="35000"/>
+                    <a:alpha val="60000"/>
+                  </a:schemeClr>
+                </a:solidFill>
+              </a:rPr>
+              <a:t>SteveMcLaugh</a:t>
+            </a:r>
+            <a:endParaRPr lang="en-US" sz="1200">
+              <a:solidFill>
+                <a:schemeClr val="tx1">
+                  <a:lumMod val="65000"/>
+                  <a:lumOff val="35000"/>
+                  <a:alpha val="60000"/>
+                </a:schemeClr>
+              </a:solidFill>
+            </a:endParaRPr>
+          </a:p>
+        </p:txBody>
+      </p:sp>
+    </p:spTree>
+    <p:extLst>
+      <p:ext uri="{BB962C8B-B14F-4D97-AF65-F5344CB8AC3E}">
+        <p14:creationId xmlns:p14="http://schemas.microsoft.com/office/powerpoint/2010/main" val="46723514"/>
+      </p:ext>
+    </p:extLst>
+  </p:cSld>
+  <p:clrMapOvr>
+    <a:masterClrMapping/>
+  </p:clrMapOvr>
+  <p:timing>
+    <p:tnLst>
+      <p:par>
+        <p:cTn id="1" dur="indefinite" restart="never" nodeType="tmRoot"/>
+      </p:par>
+    </p:tnLst>
+  </p:timing>
+</p:sld>
+</file>
+
+<file path=ppt/slides/slide9.xml><?xml version="1.0" encoding="utf-8"?>
+<p:sld xmlns:a="http://schemas.openxmlformats.org/drawingml/2006/main" xmlns:r="http://schemas.openxmlformats.org/officeDocument/2006/relationships" xmlns:p="http://schemas.openxmlformats.org/presentationml/2006/main">
+  <p:cSld>
+    <p:spTree>
+      <p:nvGrpSpPr>
+        <p:cNvPr id="1" name=""/>
+        <p:cNvGrpSpPr/>
+        <p:nvPr/>
+      </p:nvGrpSpPr>
+      <p:grpSpPr>
+        <a:xfrm>
+          <a:off x="0" y="0"/>
+          <a:ext cx="0" cy="0"/>
+          <a:chOff x="0" y="0"/>
+          <a:chExt cx="0" cy="0"/>
+        </a:xfrm>
+      </p:grpSpPr>
+      <p:sp>
+        <p:nvSpPr>
+          <p:cNvPr id="2" name="Title 1"/>
+          <p:cNvSpPr>
+            <a:spLocks noGrp="1"/>
+          </p:cNvSpPr>
+          <p:nvPr>
+            <p:ph type="title"/>
+          </p:nvPr>
+        </p:nvSpPr>
+        <p:spPr/>
+        <p:txBody>
+          <a:bodyPr/>
+          <a:lstStyle/>
+          <a:p>
+            <a:r>
+              <a:rPr lang="en-US" dirty="0" smtClean="0">
+                <a:solidFill>
+                  <a:schemeClr val="bg2">
+                    <a:lumMod val="25000"/>
+                  </a:schemeClr>
+                </a:solidFill>
+              </a:rPr>
+              <a:t>What we will learn</a:t>
+            </a:r>
+            <a:endParaRPr lang="en-US" dirty="0">
+              <a:solidFill>
+                <a:schemeClr val="bg2">
+                  <a:lumMod val="25000"/>
+                </a:schemeClr>
+              </a:solidFill>
+            </a:endParaRPr>
+          </a:p>
+        </p:txBody>
+      </p:sp>
+      <p:sp>
+        <p:nvSpPr>
+          <p:cNvPr id="9" name="Content Placeholder 8"/>
+          <p:cNvSpPr>
+            <a:spLocks noGrp="1"/>
+          </p:cNvSpPr>
+          <p:nvPr>
+            <p:ph idx="1"/>
+          </p:nvPr>
+        </p:nvSpPr>
+        <p:spPr/>
+        <p:txBody>
+          <a:bodyPr>
+            <a:normAutofit/>
+          </a:bodyPr>
+          <a:lstStyle/>
+          <a:p>
+            <a:pPr>
+              <a:lnSpc>
+                <a:spcPct val="110000"/>
+              </a:lnSpc>
+            </a:pPr>
+            <a:r>
+              <a:rPr lang="en-US" sz="3300" dirty="0" smtClean="0">
+                <a:solidFill>
+                  <a:schemeClr val="bg2">
+                    <a:lumMod val="25000"/>
+                  </a:schemeClr>
+                </a:solidFill>
+              </a:rPr>
+              <a:t>how to think about sound </a:t>
+            </a:r>
+            <a:r>
+              <a:rPr lang="en-US" sz="3300" dirty="0">
+                <a:solidFill>
+                  <a:schemeClr val="bg2">
+                    <a:lumMod val="25000"/>
+                  </a:schemeClr>
+                </a:solidFill>
+              </a:rPr>
+              <a:t>as </a:t>
+            </a:r>
+            <a:r>
+              <a:rPr lang="en-US" sz="3300" dirty="0" smtClean="0">
+                <a:solidFill>
+                  <a:schemeClr val="bg2">
+                    <a:lumMod val="25000"/>
+                  </a:schemeClr>
+                </a:solidFill>
+              </a:rPr>
+              <a:t>data</a:t>
+            </a:r>
+          </a:p>
+          <a:p>
+            <a:pPr>
+              <a:lnSpc>
+                <a:spcPct val="110000"/>
+              </a:lnSpc>
+            </a:pPr>
+            <a:r>
+              <a:rPr lang="en-US" sz="3300" dirty="0" smtClean="0">
+                <a:solidFill>
+                  <a:schemeClr val="bg2">
+                    <a:lumMod val="25000"/>
+                  </a:schemeClr>
+                </a:solidFill>
+              </a:rPr>
+              <a:t>how to process &amp; manage audio from the command line</a:t>
+            </a:r>
+          </a:p>
+          <a:p>
+            <a:pPr>
+              <a:lnSpc>
+                <a:spcPct val="110000"/>
+              </a:lnSpc>
+            </a:pPr>
+            <a:r>
+              <a:rPr lang="en-US" sz="3300" dirty="0">
+                <a:solidFill>
+                  <a:schemeClr val="bg2">
+                    <a:lumMod val="25000"/>
+                  </a:schemeClr>
+                </a:solidFill>
+              </a:rPr>
+              <a:t>how to combine &amp; modify existing </a:t>
+            </a:r>
+            <a:r>
+              <a:rPr lang="en-US" sz="3300" dirty="0" smtClean="0">
+                <a:solidFill>
+                  <a:schemeClr val="bg2">
+                    <a:lumMod val="25000"/>
+                  </a:schemeClr>
+                </a:solidFill>
+              </a:rPr>
+              <a:t>tools</a:t>
+            </a:r>
+          </a:p>
+          <a:p>
+            <a:pPr>
+              <a:lnSpc>
+                <a:spcPct val="110000"/>
+              </a:lnSpc>
+            </a:pPr>
+            <a:r>
+              <a:rPr lang="en-US" sz="3300" dirty="0" smtClean="0">
+                <a:solidFill>
+                  <a:schemeClr val="bg2">
+                    <a:lumMod val="25000"/>
+                  </a:schemeClr>
+                </a:solidFill>
+              </a:rPr>
+              <a:t>the </a:t>
+            </a:r>
+            <a:r>
+              <a:rPr lang="en-US" sz="3300" dirty="0">
+                <a:solidFill>
+                  <a:schemeClr val="bg2">
+                    <a:lumMod val="25000"/>
+                  </a:schemeClr>
+                </a:solidFill>
+              </a:rPr>
+              <a:t>limits and possibilities of machine learning for sound collections</a:t>
+            </a:r>
+            <a:endParaRPr lang="en-US" sz="3300" dirty="0" smtClean="0">
+              <a:solidFill>
+                <a:schemeClr val="bg2">
+                  <a:lumMod val="25000"/>
+                </a:schemeClr>
+              </a:solidFill>
+            </a:endParaRPr>
+          </a:p>
+        </p:txBody>
+      </p:sp>
+      <p:pic>
+        <p:nvPicPr>
+          <p:cNvPr id="4" name="Picture 3"/>
+          <p:cNvPicPr>
+            <a:picLocks noChangeAspect="1"/>
+          </p:cNvPicPr>
+          <p:nvPr/>
+        </p:nvPicPr>
+        <p:blipFill>
+          <a:blip r:embed="rId3">
+            <a:alphaModFix amt="60000"/>
+            <a:extLst>
+              <a:ext uri="{28A0092B-C50C-407E-A947-70E740481C1C}">
+                <a14:useLocalDpi xmlns:a14="http://schemas.microsoft.com/office/drawing/2010/main" val="0"/>
+              </a:ext>
+            </a:extLst>
+          </a:blip>
+          <a:stretch>
+            <a:fillRect/>
+          </a:stretch>
+        </p:blipFill>
+        <p:spPr>
+          <a:xfrm>
+            <a:off x="173384" y="6417255"/>
+            <a:ext cx="1695174" cy="270123"/>
+          </a:xfrm>
+          <a:prstGeom prst="rect">
+            <a:avLst/>
+          </a:prstGeom>
+        </p:spPr>
+      </p:pic>
+      <p:cxnSp>
+        <p:nvCxnSpPr>
+          <p:cNvPr id="10" name="Straight Connector 9"/>
+          <p:cNvCxnSpPr/>
+          <p:nvPr/>
+        </p:nvCxnSpPr>
+        <p:spPr>
+          <a:xfrm>
+            <a:off x="0" y="6253236"/>
+            <a:ext cx="12192000" cy="0"/>
+          </a:xfrm>
+          <a:prstGeom prst="line">
+            <a:avLst/>
+          </a:prstGeom>
+          <a:ln>
+            <a:solidFill>
+              <a:schemeClr val="bg2">
+                <a:lumMod val="75000"/>
+              </a:schemeClr>
+            </a:solidFill>
+          </a:ln>
+        </p:spPr>
+        <p:style>
+          <a:lnRef idx="1">
+            <a:schemeClr val="dk1"/>
+          </a:lnRef>
+          <a:fillRef idx="0">
+            <a:schemeClr val="dk1"/>
+          </a:fillRef>
+          <a:effectRef idx="0">
+            <a:schemeClr val="dk1"/>
+          </a:effectRef>
+          <a:fontRef idx="minor">
+            <a:schemeClr val="tx1"/>
+          </a:fontRef>
+        </p:style>
+      </p:cxnSp>
+      <p:sp>
+        <p:nvSpPr>
+          <p:cNvPr id="13" name="TextBox 12"/>
+          <p:cNvSpPr txBox="1"/>
+          <p:nvPr/>
+        </p:nvSpPr>
+        <p:spPr>
+          <a:xfrm>
+            <a:off x="9245600" y="6417255"/>
+            <a:ext cx="2946400" cy="276999"/>
+          </a:xfrm>
+          <a:prstGeom prst="rect">
+            <a:avLst/>
+          </a:prstGeom>
+          <a:noFill/>
+        </p:spPr>
+        <p:txBody>
+          <a:bodyPr wrap="square" rtlCol="0">
+            <a:spAutoFit/>
+          </a:bodyPr>
+          <a:lstStyle/>
+          <a:p>
+            <a:r>
+              <a:rPr lang="en-US" sz="1200" smtClean="0">
+                <a:solidFill>
+                  <a:schemeClr val="tx1">
+                    <a:lumMod val="65000"/>
+                    <a:lumOff val="35000"/>
+                    <a:alpha val="60000"/>
+                  </a:schemeClr>
+                </a:solidFill>
+              </a:rPr>
+              <a:t>Stephen McLaughlin  /  @</a:t>
+            </a:r>
+            <a:r>
+              <a:rPr lang="en-US" sz="1200" err="1" smtClean="0">
+                <a:solidFill>
+                  <a:schemeClr val="tx1">
+                    <a:lumMod val="65000"/>
+                    <a:lumOff val="35000"/>
+                    <a:alpha val="60000"/>
+                  </a:schemeClr>
+                </a:solidFill>
+              </a:rPr>
+              <a:t>SteveMcLaugh</a:t>
+            </a:r>
+            <a:endParaRPr lang="en-US" sz="1200">
+              <a:solidFill>
+                <a:schemeClr val="tx1">
+                  <a:lumMod val="65000"/>
+                  <a:lumOff val="35000"/>
+                  <a:alpha val="60000"/>
+                </a:schemeClr>
+              </a:solidFill>
+            </a:endParaRPr>
+          </a:p>
+        </p:txBody>
+      </p:sp>
+    </p:spTree>
+    <p:extLst>
+      <p:ext uri="{BB962C8B-B14F-4D97-AF65-F5344CB8AC3E}">
+        <p14:creationId xmlns:p14="http://schemas.microsoft.com/office/powerpoint/2010/main" val="1074564317"/>
       </p:ext>
     </p:extLst>
   </p:cSld>
